--- a/trunk/CSOF5303 Proyecto 3/Ciclo1/0926PresentacionCiclo1.pptx
+++ b/trunk/CSOF5303 Proyecto 3/Ciclo1/0926PresentacionCiclo1.pptx
@@ -5,7 +5,7 @@
     <p:sldMasterId id="2147483876" r:id="rId1"/>
   </p:sldMasterIdLst>
   <p:notesMasterIdLst>
-    <p:notesMasterId r:id="rId23"/>
+    <p:notesMasterId r:id="rId25"/>
   </p:notesMasterIdLst>
   <p:sldIdLst>
     <p:sldId id="410" r:id="rId2"/>
@@ -27,8 +27,10 @@
     <p:sldId id="424" r:id="rId18"/>
     <p:sldId id="425" r:id="rId19"/>
     <p:sldId id="426" r:id="rId20"/>
-    <p:sldId id="370" r:id="rId21"/>
-    <p:sldId id="317" r:id="rId22"/>
+    <p:sldId id="429" r:id="rId21"/>
+    <p:sldId id="428" r:id="rId22"/>
+    <p:sldId id="370" r:id="rId23"/>
+    <p:sldId id="317" r:id="rId24"/>
   </p:sldIdLst>
   <p:sldSz cx="9144000" cy="6858000" type="screen4x3"/>
   <p:notesSz cx="6858000" cy="9144000"/>
@@ -128,6 +130,634 @@
     </a:lvl9pPr>
   </p:defaultTextStyle>
 </p:presentation>
+</file>
+
+<file path=ppt/charts/chart1.xml><?xml version="1.0" encoding="utf-8"?>
+<c:chartSpace xmlns:c="http://schemas.openxmlformats.org/drawingml/2006/chart" xmlns:a="http://schemas.openxmlformats.org/drawingml/2006/main" xmlns:r="http://schemas.openxmlformats.org/officeDocument/2006/relationships">
+  <c:lang val="es-CO"/>
+  <c:chart>
+    <c:title>
+      <c:tx>
+        <c:rich>
+          <a:bodyPr/>
+          <a:lstStyle/>
+          <a:p>
+            <a:pPr>
+              <a:defRPr/>
+            </a:pPr>
+            <a:r>
+              <a:rPr lang="es-CO"/>
+              <a:t>Horas Planeadas vs Reales</a:t>
+            </a:r>
+          </a:p>
+        </c:rich>
+      </c:tx>
+      <c:layout/>
+    </c:title>
+    <c:plotArea>
+      <c:layout/>
+      <c:barChart>
+        <c:barDir val="col"/>
+        <c:grouping val="clustered"/>
+        <c:ser>
+          <c:idx val="0"/>
+          <c:order val="0"/>
+          <c:tx>
+            <c:strRef>
+              <c:f>Hoja5!$C$1</c:f>
+              <c:strCache>
+                <c:ptCount val="1"/>
+                <c:pt idx="0">
+                  <c:v>PROGRAMADO</c:v>
+                </c:pt>
+              </c:strCache>
+            </c:strRef>
+          </c:tx>
+          <c:cat>
+            <c:strRef>
+              <c:f>Hoja5!$B$2:$B$13</c:f>
+              <c:strCache>
+                <c:ptCount val="12"/>
+                <c:pt idx="0">
+                  <c:v>Otros</c:v>
+                </c:pt>
+                <c:pt idx="1">
+                  <c:v>Inicio</c:v>
+                </c:pt>
+                <c:pt idx="2">
+                  <c:v>Lanzamiento.</c:v>
+                </c:pt>
+                <c:pt idx="3">
+                  <c:v>Reuniones de Seguimiento</c:v>
+                </c:pt>
+                <c:pt idx="4">
+                  <c:v>Estrategia</c:v>
+                </c:pt>
+                <c:pt idx="5">
+                  <c:v>Plan</c:v>
+                </c:pt>
+                <c:pt idx="6">
+                  <c:v>Requisitos</c:v>
+                </c:pt>
+                <c:pt idx="7">
+                  <c:v>Diseño</c:v>
+                </c:pt>
+                <c:pt idx="8">
+                  <c:v>Implementación</c:v>
+                </c:pt>
+                <c:pt idx="9">
+                  <c:v>Pruebas</c:v>
+                </c:pt>
+                <c:pt idx="10">
+                  <c:v>Postmortem</c:v>
+                </c:pt>
+                <c:pt idx="11">
+                  <c:v>Documento del ciclo</c:v>
+                </c:pt>
+              </c:strCache>
+            </c:strRef>
+          </c:cat>
+          <c:val>
+            <c:numRef>
+              <c:f>Hoja5!$C$2:$C$13</c:f>
+              <c:numCache>
+                <c:formatCode>_(* #,##0.00_);_(* \(#,##0.00\);_(* "-"??_);_(@_)</c:formatCode>
+                <c:ptCount val="12"/>
+                <c:pt idx="0">
+                  <c:v>0</c:v>
+                </c:pt>
+                <c:pt idx="1">
+                  <c:v>1</c:v>
+                </c:pt>
+                <c:pt idx="2">
+                  <c:v>27</c:v>
+                </c:pt>
+                <c:pt idx="3">
+                  <c:v>67.2</c:v>
+                </c:pt>
+                <c:pt idx="4">
+                  <c:v>25</c:v>
+                </c:pt>
+                <c:pt idx="5">
+                  <c:v>12.5</c:v>
+                </c:pt>
+                <c:pt idx="6">
+                  <c:v>32</c:v>
+                </c:pt>
+                <c:pt idx="7">
+                  <c:v>20</c:v>
+                </c:pt>
+                <c:pt idx="8">
+                  <c:v>117.5</c:v>
+                </c:pt>
+                <c:pt idx="9">
+                  <c:v>27</c:v>
+                </c:pt>
+                <c:pt idx="10">
+                  <c:v>15</c:v>
+                </c:pt>
+                <c:pt idx="11">
+                  <c:v>20</c:v>
+                </c:pt>
+              </c:numCache>
+            </c:numRef>
+          </c:val>
+        </c:ser>
+        <c:ser>
+          <c:idx val="1"/>
+          <c:order val="1"/>
+          <c:tx>
+            <c:strRef>
+              <c:f>Hoja5!$G$1</c:f>
+              <c:strCache>
+                <c:ptCount val="1"/>
+                <c:pt idx="0">
+                  <c:v>REAL</c:v>
+                </c:pt>
+              </c:strCache>
+            </c:strRef>
+          </c:tx>
+          <c:cat>
+            <c:strRef>
+              <c:f>Hoja5!$B$2:$B$13</c:f>
+              <c:strCache>
+                <c:ptCount val="12"/>
+                <c:pt idx="0">
+                  <c:v>Otros</c:v>
+                </c:pt>
+                <c:pt idx="1">
+                  <c:v>Inicio</c:v>
+                </c:pt>
+                <c:pt idx="2">
+                  <c:v>Lanzamiento.</c:v>
+                </c:pt>
+                <c:pt idx="3">
+                  <c:v>Reuniones de Seguimiento</c:v>
+                </c:pt>
+                <c:pt idx="4">
+                  <c:v>Estrategia</c:v>
+                </c:pt>
+                <c:pt idx="5">
+                  <c:v>Plan</c:v>
+                </c:pt>
+                <c:pt idx="6">
+                  <c:v>Requisitos</c:v>
+                </c:pt>
+                <c:pt idx="7">
+                  <c:v>Diseño</c:v>
+                </c:pt>
+                <c:pt idx="8">
+                  <c:v>Implementación</c:v>
+                </c:pt>
+                <c:pt idx="9">
+                  <c:v>Pruebas</c:v>
+                </c:pt>
+                <c:pt idx="10">
+                  <c:v>Postmortem</c:v>
+                </c:pt>
+                <c:pt idx="11">
+                  <c:v>Documento del ciclo</c:v>
+                </c:pt>
+              </c:strCache>
+            </c:strRef>
+          </c:cat>
+          <c:val>
+            <c:numRef>
+              <c:f>Hoja5!$G$2:$G$13</c:f>
+              <c:numCache>
+                <c:formatCode>_(* #,##0.00_);_(* \(#,##0.00\);_(* "-"??_);_(@_)</c:formatCode>
+                <c:ptCount val="12"/>
+                <c:pt idx="0">
+                  <c:v>16</c:v>
+                </c:pt>
+                <c:pt idx="1">
+                  <c:v>3.0000000000000013</c:v>
+                </c:pt>
+                <c:pt idx="2">
+                  <c:v>29.500000000000007</c:v>
+                </c:pt>
+                <c:pt idx="3">
+                  <c:v>84</c:v>
+                </c:pt>
+                <c:pt idx="4">
+                  <c:v>18</c:v>
+                </c:pt>
+                <c:pt idx="5">
+                  <c:v>12.833333333333332</c:v>
+                </c:pt>
+                <c:pt idx="6">
+                  <c:v>3</c:v>
+                </c:pt>
+                <c:pt idx="7">
+                  <c:v>8.3333333333333321</c:v>
+                </c:pt>
+                <c:pt idx="8">
+                  <c:v>72.833333333333343</c:v>
+                </c:pt>
+                <c:pt idx="9">
+                  <c:v>5.5</c:v>
+                </c:pt>
+                <c:pt idx="10">
+                  <c:v>9</c:v>
+                </c:pt>
+                <c:pt idx="11">
+                  <c:v>13</c:v>
+                </c:pt>
+              </c:numCache>
+            </c:numRef>
+          </c:val>
+        </c:ser>
+        <c:gapWidth val="75"/>
+        <c:overlap val="-25"/>
+        <c:axId val="98208384"/>
+        <c:axId val="104371712"/>
+      </c:barChart>
+      <c:catAx>
+        <c:axId val="98208384"/>
+        <c:scaling>
+          <c:orientation val="minMax"/>
+        </c:scaling>
+        <c:axPos val="b"/>
+        <c:majorTickMark val="none"/>
+        <c:tickLblPos val="nextTo"/>
+        <c:crossAx val="104371712"/>
+        <c:crosses val="autoZero"/>
+        <c:auto val="1"/>
+        <c:lblAlgn val="ctr"/>
+        <c:lblOffset val="100"/>
+      </c:catAx>
+      <c:valAx>
+        <c:axId val="104371712"/>
+        <c:scaling>
+          <c:orientation val="minMax"/>
+        </c:scaling>
+        <c:axPos val="l"/>
+        <c:majorGridlines/>
+        <c:numFmt formatCode="_(* #,##0.00_);_(* \(#,##0.00\);_(* &quot;-&quot;??_);_(@_)" sourceLinked="1"/>
+        <c:majorTickMark val="none"/>
+        <c:tickLblPos val="nextTo"/>
+        <c:spPr>
+          <a:ln w="9525">
+            <a:noFill/>
+          </a:ln>
+        </c:spPr>
+        <c:crossAx val="98208384"/>
+        <c:crosses val="autoZero"/>
+        <c:crossBetween val="between"/>
+      </c:valAx>
+    </c:plotArea>
+    <c:legend>
+      <c:legendPos val="b"/>
+      <c:layout/>
+    </c:legend>
+    <c:plotVisOnly val="1"/>
+    <c:dispBlanksAs val="gap"/>
+  </c:chart>
+  <c:txPr>
+    <a:bodyPr/>
+    <a:lstStyle/>
+    <a:p>
+      <a:pPr>
+        <a:defRPr sz="1100" b="1"/>
+      </a:pPr>
+      <a:endParaRPr lang="es-CO"/>
+    </a:p>
+  </c:txPr>
+  <c:externalData r:id="rId1"/>
+</c:chartSpace>
+</file>
+
+<file path=ppt/charts/chart2.xml><?xml version="1.0" encoding="utf-8"?>
+<c:chartSpace xmlns:c="http://schemas.openxmlformats.org/drawingml/2006/chart" xmlns:a="http://schemas.openxmlformats.org/drawingml/2006/main" xmlns:r="http://schemas.openxmlformats.org/officeDocument/2006/relationships">
+  <c:lang val="es-CO"/>
+  <c:style val="4"/>
+  <c:pivotSource>
+    <c:name>[Libro3.xlsx]Analisis!Tabla dinámica2</c:name>
+    <c:fmtId val="9"/>
+  </c:pivotSource>
+  <c:chart>
+    <c:title>
+      <c:tx>
+        <c:rich>
+          <a:bodyPr/>
+          <a:lstStyle/>
+          <a:p>
+            <a:pPr>
+              <a:defRPr/>
+            </a:pPr>
+            <a:r>
+              <a:rPr lang="en-US"/>
+              <a:t>Trabajo ciclo 1</a:t>
+            </a:r>
+          </a:p>
+        </c:rich>
+      </c:tx>
+      <c:layout/>
+    </c:title>
+    <c:pivotFmts>
+      <c:pivotFmt>
+        <c:idx val="0"/>
+      </c:pivotFmt>
+      <c:pivotFmt>
+        <c:idx val="1"/>
+      </c:pivotFmt>
+      <c:pivotFmt>
+        <c:idx val="2"/>
+      </c:pivotFmt>
+      <c:pivotFmt>
+        <c:idx val="3"/>
+      </c:pivotFmt>
+      <c:pivotFmt>
+        <c:idx val="4"/>
+      </c:pivotFmt>
+      <c:pivotFmt>
+        <c:idx val="5"/>
+      </c:pivotFmt>
+      <c:pivotFmt>
+        <c:idx val="6"/>
+      </c:pivotFmt>
+      <c:pivotFmt>
+        <c:idx val="7"/>
+      </c:pivotFmt>
+      <c:pivotFmt>
+        <c:idx val="8"/>
+      </c:pivotFmt>
+      <c:pivotFmt>
+        <c:idx val="9"/>
+      </c:pivotFmt>
+      <c:pivotFmt>
+        <c:idx val="10"/>
+      </c:pivotFmt>
+      <c:pivotFmt>
+        <c:idx val="11"/>
+      </c:pivotFmt>
+      <c:pivotFmt>
+        <c:idx val="12"/>
+      </c:pivotFmt>
+      <c:pivotFmt>
+        <c:idx val="13"/>
+      </c:pivotFmt>
+      <c:pivotFmt>
+        <c:idx val="14"/>
+      </c:pivotFmt>
+      <c:pivotFmt>
+        <c:idx val="15"/>
+      </c:pivotFmt>
+      <c:pivotFmt>
+        <c:idx val="16"/>
+      </c:pivotFmt>
+      <c:pivotFmt>
+        <c:idx val="17"/>
+      </c:pivotFmt>
+      <c:pivotFmt>
+        <c:idx val="18"/>
+        <c:marker>
+          <c:symbol val="none"/>
+        </c:marker>
+      </c:pivotFmt>
+      <c:pivotFmt>
+        <c:idx val="19"/>
+        <c:marker>
+          <c:symbol val="none"/>
+        </c:marker>
+        <c:dLbl>
+          <c:idx val="0"/>
+          <c:spPr/>
+          <c:txPr>
+            <a:bodyPr/>
+            <a:lstStyle/>
+            <a:p>
+              <a:pPr>
+                <a:defRPr/>
+              </a:pPr>
+              <a:endParaRPr lang="es-CO"/>
+            </a:p>
+          </c:txPr>
+          <c:showVal val="1"/>
+        </c:dLbl>
+      </c:pivotFmt>
+      <c:pivotFmt>
+        <c:idx val="20"/>
+      </c:pivotFmt>
+      <c:pivotFmt>
+        <c:idx val="21"/>
+        <c:marker>
+          <c:symbol val="none"/>
+        </c:marker>
+        <c:dLbl>
+          <c:idx val="0"/>
+          <c:delete val="1"/>
+        </c:dLbl>
+      </c:pivotFmt>
+    </c:pivotFmts>
+    <c:plotArea>
+      <c:layout/>
+      <c:lineChart>
+        <c:grouping val="standard"/>
+        <c:ser>
+          <c:idx val="0"/>
+          <c:order val="0"/>
+          <c:tx>
+            <c:strRef>
+              <c:f>Analisis!$B$3</c:f>
+              <c:strCache>
+                <c:ptCount val="1"/>
+                <c:pt idx="0">
+                  <c:v>Total</c:v>
+                </c:pt>
+              </c:strCache>
+            </c:strRef>
+          </c:tx>
+          <c:marker>
+            <c:symbol val="none"/>
+          </c:marker>
+          <c:cat>
+            <c:strRef>
+              <c:f>Analisis!$A$4:$A$21</c:f>
+              <c:strCache>
+                <c:ptCount val="17"/>
+                <c:pt idx="0">
+                  <c:v>19/08/2011</c:v>
+                </c:pt>
+                <c:pt idx="1">
+                  <c:v>21/08/2011</c:v>
+                </c:pt>
+                <c:pt idx="2">
+                  <c:v>22/08/2011</c:v>
+                </c:pt>
+                <c:pt idx="3">
+                  <c:v>03/09/2011</c:v>
+                </c:pt>
+                <c:pt idx="4">
+                  <c:v>04/09/2011</c:v>
+                </c:pt>
+                <c:pt idx="5">
+                  <c:v>07/09/2011</c:v>
+                </c:pt>
+                <c:pt idx="6">
+                  <c:v>09/09/2011</c:v>
+                </c:pt>
+                <c:pt idx="7">
+                  <c:v>10/09/2011</c:v>
+                </c:pt>
+                <c:pt idx="8">
+                  <c:v>11/09/2011</c:v>
+                </c:pt>
+                <c:pt idx="9">
+                  <c:v>12/09/2011</c:v>
+                </c:pt>
+                <c:pt idx="10">
+                  <c:v>17/09/2011</c:v>
+                </c:pt>
+                <c:pt idx="11">
+                  <c:v>18/09/2011</c:v>
+                </c:pt>
+                <c:pt idx="12">
+                  <c:v>19/09/2011</c:v>
+                </c:pt>
+                <c:pt idx="13">
+                  <c:v>20/09/2011</c:v>
+                </c:pt>
+                <c:pt idx="14">
+                  <c:v>21/09/2011</c:v>
+                </c:pt>
+                <c:pt idx="15">
+                  <c:v>22/09/2011</c:v>
+                </c:pt>
+                <c:pt idx="16">
+                  <c:v>23/09/2011</c:v>
+                </c:pt>
+              </c:strCache>
+            </c:strRef>
+          </c:cat>
+          <c:val>
+            <c:numRef>
+              <c:f>Analisis!$B$4:$B$21</c:f>
+              <c:numCache>
+                <c:formatCode>0.00%</c:formatCode>
+                <c:ptCount val="17"/>
+                <c:pt idx="0">
+                  <c:v>5.4914881933003845E-3</c:v>
+                </c:pt>
+                <c:pt idx="1">
+                  <c:v>2.1965952773201538E-2</c:v>
+                </c:pt>
+                <c:pt idx="2">
+                  <c:v>1.6474464579901153E-2</c:v>
+                </c:pt>
+                <c:pt idx="3">
+                  <c:v>2.6359143327841845E-2</c:v>
+                </c:pt>
+                <c:pt idx="4">
+                  <c:v>4.2833607907743002E-2</c:v>
+                </c:pt>
+                <c:pt idx="5">
+                  <c:v>1.7847336628226247E-2</c:v>
+                </c:pt>
+                <c:pt idx="6">
+                  <c:v>6.8643602416254806E-2</c:v>
+                </c:pt>
+                <c:pt idx="7">
+                  <c:v>2.6359143327841845E-2</c:v>
+                </c:pt>
+                <c:pt idx="8">
+                  <c:v>7.0291048874244921E-2</c:v>
+                </c:pt>
+                <c:pt idx="9">
+                  <c:v>1.6474464579901153E-2</c:v>
+                </c:pt>
+                <c:pt idx="10">
+                  <c:v>6.7545304777594725E-2</c:v>
+                </c:pt>
+                <c:pt idx="11">
+                  <c:v>0.16090060406370127</c:v>
+                </c:pt>
+                <c:pt idx="12">
+                  <c:v>9.0609555189456348E-2</c:v>
+                </c:pt>
+                <c:pt idx="13">
+                  <c:v>1.0982976386600769E-2</c:v>
+                </c:pt>
+                <c:pt idx="14">
+                  <c:v>4.0087863811092805E-2</c:v>
+                </c:pt>
+                <c:pt idx="15">
+                  <c:v>7.6880834706205381E-2</c:v>
+                </c:pt>
+                <c:pt idx="16">
+                  <c:v>5.7660626029654036E-2</c:v>
+                </c:pt>
+              </c:numCache>
+            </c:numRef>
+          </c:val>
+        </c:ser>
+        <c:marker val="1"/>
+        <c:axId val="49683840"/>
+        <c:axId val="49706112"/>
+      </c:lineChart>
+      <c:catAx>
+        <c:axId val="49683840"/>
+        <c:scaling>
+          <c:orientation val="minMax"/>
+        </c:scaling>
+        <c:axPos val="b"/>
+        <c:majorTickMark val="none"/>
+        <c:tickLblPos val="nextTo"/>
+        <c:crossAx val="49706112"/>
+        <c:crosses val="autoZero"/>
+        <c:auto val="1"/>
+        <c:lblAlgn val="ctr"/>
+        <c:lblOffset val="100"/>
+      </c:catAx>
+      <c:valAx>
+        <c:axId val="49706112"/>
+        <c:scaling>
+          <c:orientation val="minMax"/>
+        </c:scaling>
+        <c:axPos val="l"/>
+        <c:majorGridlines/>
+        <c:title>
+          <c:layout/>
+        </c:title>
+        <c:numFmt formatCode="0.00%" sourceLinked="1"/>
+        <c:majorTickMark val="none"/>
+        <c:tickLblPos val="nextTo"/>
+        <c:crossAx val="49683840"/>
+        <c:crosses val="autoZero"/>
+        <c:crossBetween val="between"/>
+      </c:valAx>
+      <c:dTable>
+        <c:showHorzBorder val="1"/>
+        <c:showVertBorder val="1"/>
+        <c:showOutline val="1"/>
+        <c:showKeys val="1"/>
+      </c:dTable>
+    </c:plotArea>
+    <c:plotVisOnly val="1"/>
+    <c:dispBlanksAs val="gap"/>
+  </c:chart>
+  <c:txPr>
+    <a:bodyPr/>
+    <a:lstStyle/>
+    <a:p>
+      <a:pPr>
+        <a:defRPr sz="1050" b="1"/>
+      </a:pPr>
+      <a:endParaRPr lang="es-CO"/>
+    </a:p>
+  </c:txPr>
+  <c:externalData r:id="rId1"/>
+  <c:extLst>
+    <c:ext xmlns:c14="http://schemas.microsoft.com/office/drawing/2007/8/2/chart" uri="{781A3756-C4B2-4CAC-9D66-4F8BD8637D16}">
+      <c14:pivotOptions>
+        <c14:dropZoneFilter val="1"/>
+        <c14:dropZoneCategories val="1"/>
+        <c14:dropZoneData val="1"/>
+        <c14:dropZonesVisible val="1"/>
+      </c14:pivotOptions>
+    </c:ext>
+  </c:extLst>
+</c:chartSpace>
 </file>
 
 <file path=ppt/diagrams/colors1.xml><?xml version="1.0" encoding="utf-8"?>
@@ -1628,6 +2258,753 @@
 </dgm:colorsDef>
 </file>
 
+<file path=ppt/diagrams/colors3.xml><?xml version="1.0" encoding="utf-8"?>
+<dgm:colorsDef xmlns:dgm="http://schemas.openxmlformats.org/drawingml/2006/diagram" xmlns:a="http://schemas.openxmlformats.org/drawingml/2006/main" uniqueId="urn:microsoft.com/office/officeart/2005/8/colors/accent1_2">
+  <dgm:title val=""/>
+  <dgm:desc val=""/>
+  <dgm:catLst>
+    <dgm:cat type="accent1" pri="11200"/>
+  </dgm:catLst>
+  <dgm:styleLbl name="node0">
+    <dgm:fillClrLst meth="repeat">
+      <a:schemeClr val="accent1"/>
+    </dgm:fillClrLst>
+    <dgm:linClrLst meth="repeat">
+      <a:schemeClr val="lt1"/>
+    </dgm:linClrLst>
+    <dgm:effectClrLst/>
+    <dgm:txLinClrLst/>
+    <dgm:txFillClrLst/>
+    <dgm:txEffectClrLst/>
+  </dgm:styleLbl>
+  <dgm:styleLbl name="alignNode1">
+    <dgm:fillClrLst meth="repeat">
+      <a:schemeClr val="accent1"/>
+    </dgm:fillClrLst>
+    <dgm:linClrLst meth="repeat">
+      <a:schemeClr val="accent1"/>
+    </dgm:linClrLst>
+    <dgm:effectClrLst/>
+    <dgm:txLinClrLst/>
+    <dgm:txFillClrLst/>
+    <dgm:txEffectClrLst/>
+  </dgm:styleLbl>
+  <dgm:styleLbl name="node1">
+    <dgm:fillClrLst meth="repeat">
+      <a:schemeClr val="accent1"/>
+    </dgm:fillClrLst>
+    <dgm:linClrLst meth="repeat">
+      <a:schemeClr val="lt1"/>
+    </dgm:linClrLst>
+    <dgm:effectClrLst/>
+    <dgm:txLinClrLst/>
+    <dgm:txFillClrLst/>
+    <dgm:txEffectClrLst/>
+  </dgm:styleLbl>
+  <dgm:styleLbl name="lnNode1">
+    <dgm:fillClrLst meth="repeat">
+      <a:schemeClr val="accent1"/>
+    </dgm:fillClrLst>
+    <dgm:linClrLst meth="repeat">
+      <a:schemeClr val="lt1"/>
+    </dgm:linClrLst>
+    <dgm:effectClrLst/>
+    <dgm:txLinClrLst/>
+    <dgm:txFillClrLst/>
+    <dgm:txEffectClrLst/>
+  </dgm:styleLbl>
+  <dgm:styleLbl name="vennNode1">
+    <dgm:fillClrLst meth="repeat">
+      <a:schemeClr val="accent1">
+        <a:alpha val="50000"/>
+      </a:schemeClr>
+    </dgm:fillClrLst>
+    <dgm:linClrLst meth="repeat">
+      <a:schemeClr val="lt1"/>
+    </dgm:linClrLst>
+    <dgm:effectClrLst/>
+    <dgm:txLinClrLst/>
+    <dgm:txFillClrLst/>
+    <dgm:txEffectClrLst/>
+  </dgm:styleLbl>
+  <dgm:styleLbl name="node2">
+    <dgm:fillClrLst meth="repeat">
+      <a:schemeClr val="accent1"/>
+    </dgm:fillClrLst>
+    <dgm:linClrLst meth="repeat">
+      <a:schemeClr val="lt1"/>
+    </dgm:linClrLst>
+    <dgm:effectClrLst/>
+    <dgm:txLinClrLst/>
+    <dgm:txFillClrLst/>
+    <dgm:txEffectClrLst/>
+  </dgm:styleLbl>
+  <dgm:styleLbl name="node3">
+    <dgm:fillClrLst meth="repeat">
+      <a:schemeClr val="accent1"/>
+    </dgm:fillClrLst>
+    <dgm:linClrLst meth="repeat">
+      <a:schemeClr val="lt1"/>
+    </dgm:linClrLst>
+    <dgm:effectClrLst/>
+    <dgm:txLinClrLst/>
+    <dgm:txFillClrLst/>
+    <dgm:txEffectClrLst/>
+  </dgm:styleLbl>
+  <dgm:styleLbl name="node4">
+    <dgm:fillClrLst meth="repeat">
+      <a:schemeClr val="accent1"/>
+    </dgm:fillClrLst>
+    <dgm:linClrLst meth="repeat">
+      <a:schemeClr val="lt1"/>
+    </dgm:linClrLst>
+    <dgm:effectClrLst/>
+    <dgm:txLinClrLst/>
+    <dgm:txFillClrLst/>
+    <dgm:txEffectClrLst/>
+  </dgm:styleLbl>
+  <dgm:styleLbl name="fgImgPlace1">
+    <dgm:fillClrLst meth="repeat">
+      <a:schemeClr val="accent1">
+        <a:tint val="50000"/>
+      </a:schemeClr>
+    </dgm:fillClrLst>
+    <dgm:linClrLst meth="repeat">
+      <a:schemeClr val="lt1"/>
+    </dgm:linClrLst>
+    <dgm:effectClrLst/>
+    <dgm:txLinClrLst/>
+    <dgm:txFillClrLst meth="repeat">
+      <a:schemeClr val="lt1"/>
+    </dgm:txFillClrLst>
+    <dgm:txEffectClrLst/>
+  </dgm:styleLbl>
+  <dgm:styleLbl name="alignImgPlace1">
+    <dgm:fillClrLst meth="repeat">
+      <a:schemeClr val="accent1">
+        <a:tint val="50000"/>
+      </a:schemeClr>
+    </dgm:fillClrLst>
+    <dgm:linClrLst meth="repeat">
+      <a:schemeClr val="lt1"/>
+    </dgm:linClrLst>
+    <dgm:effectClrLst/>
+    <dgm:txLinClrLst/>
+    <dgm:txFillClrLst meth="repeat">
+      <a:schemeClr val="lt1"/>
+    </dgm:txFillClrLst>
+    <dgm:txEffectClrLst/>
+  </dgm:styleLbl>
+  <dgm:styleLbl name="bgImgPlace1">
+    <dgm:fillClrLst meth="repeat">
+      <a:schemeClr val="accent1">
+        <a:tint val="50000"/>
+      </a:schemeClr>
+    </dgm:fillClrLst>
+    <dgm:linClrLst meth="repeat">
+      <a:schemeClr val="lt1"/>
+    </dgm:linClrLst>
+    <dgm:effectClrLst/>
+    <dgm:txLinClrLst/>
+    <dgm:txFillClrLst meth="repeat">
+      <a:schemeClr val="lt1"/>
+    </dgm:txFillClrLst>
+    <dgm:txEffectClrLst/>
+  </dgm:styleLbl>
+  <dgm:styleLbl name="sibTrans2D1">
+    <dgm:fillClrLst meth="repeat">
+      <a:schemeClr val="accent1">
+        <a:tint val="60000"/>
+      </a:schemeClr>
+    </dgm:fillClrLst>
+    <dgm:linClrLst meth="repeat">
+      <a:schemeClr val="accent1">
+        <a:tint val="60000"/>
+      </a:schemeClr>
+    </dgm:linClrLst>
+    <dgm:effectClrLst/>
+    <dgm:txLinClrLst/>
+    <dgm:txFillClrLst/>
+    <dgm:txEffectClrLst/>
+  </dgm:styleLbl>
+  <dgm:styleLbl name="fgSibTrans2D1">
+    <dgm:fillClrLst meth="repeat">
+      <a:schemeClr val="accent1">
+        <a:tint val="60000"/>
+      </a:schemeClr>
+    </dgm:fillClrLst>
+    <dgm:linClrLst meth="repeat">
+      <a:schemeClr val="accent1">
+        <a:tint val="60000"/>
+      </a:schemeClr>
+    </dgm:linClrLst>
+    <dgm:effectClrLst/>
+    <dgm:txLinClrLst/>
+    <dgm:txFillClrLst/>
+    <dgm:txEffectClrLst/>
+  </dgm:styleLbl>
+  <dgm:styleLbl name="bgSibTrans2D1">
+    <dgm:fillClrLst meth="repeat">
+      <a:schemeClr val="accent1">
+        <a:tint val="60000"/>
+      </a:schemeClr>
+    </dgm:fillClrLst>
+    <dgm:linClrLst meth="repeat">
+      <a:schemeClr val="accent1">
+        <a:tint val="60000"/>
+      </a:schemeClr>
+    </dgm:linClrLst>
+    <dgm:effectClrLst/>
+    <dgm:txLinClrLst/>
+    <dgm:txFillClrLst/>
+    <dgm:txEffectClrLst/>
+  </dgm:styleLbl>
+  <dgm:styleLbl name="sibTrans1D1">
+    <dgm:fillClrLst meth="repeat">
+      <a:schemeClr val="accent1"/>
+    </dgm:fillClrLst>
+    <dgm:linClrLst meth="repeat">
+      <a:schemeClr val="accent1"/>
+    </dgm:linClrLst>
+    <dgm:effectClrLst/>
+    <dgm:txLinClrLst/>
+    <dgm:txFillClrLst meth="repeat">
+      <a:schemeClr val="tx1"/>
+    </dgm:txFillClrLst>
+    <dgm:txEffectClrLst/>
+  </dgm:styleLbl>
+  <dgm:styleLbl name="callout">
+    <dgm:fillClrLst meth="repeat">
+      <a:schemeClr val="accent1"/>
+    </dgm:fillClrLst>
+    <dgm:linClrLst meth="repeat">
+      <a:schemeClr val="accent1">
+        <a:tint val="50000"/>
+      </a:schemeClr>
+    </dgm:linClrLst>
+    <dgm:effectClrLst/>
+    <dgm:txLinClrLst/>
+    <dgm:txFillClrLst meth="repeat">
+      <a:schemeClr val="tx1"/>
+    </dgm:txFillClrLst>
+    <dgm:txEffectClrLst/>
+  </dgm:styleLbl>
+  <dgm:styleLbl name="asst0">
+    <dgm:fillClrLst meth="repeat">
+      <a:schemeClr val="accent1"/>
+    </dgm:fillClrLst>
+    <dgm:linClrLst meth="repeat">
+      <a:schemeClr val="lt1"/>
+    </dgm:linClrLst>
+    <dgm:effectClrLst/>
+    <dgm:txLinClrLst/>
+    <dgm:txFillClrLst/>
+    <dgm:txEffectClrLst/>
+  </dgm:styleLbl>
+  <dgm:styleLbl name="asst1">
+    <dgm:fillClrLst meth="repeat">
+      <a:schemeClr val="accent1"/>
+    </dgm:fillClrLst>
+    <dgm:linClrLst meth="repeat">
+      <a:schemeClr val="lt1"/>
+    </dgm:linClrLst>
+    <dgm:effectClrLst/>
+    <dgm:txLinClrLst/>
+    <dgm:txFillClrLst/>
+    <dgm:txEffectClrLst/>
+  </dgm:styleLbl>
+  <dgm:styleLbl name="asst2">
+    <dgm:fillClrLst meth="repeat">
+      <a:schemeClr val="accent1"/>
+    </dgm:fillClrLst>
+    <dgm:linClrLst meth="repeat">
+      <a:schemeClr val="lt1"/>
+    </dgm:linClrLst>
+    <dgm:effectClrLst/>
+    <dgm:txLinClrLst/>
+    <dgm:txFillClrLst/>
+    <dgm:txEffectClrLst/>
+  </dgm:styleLbl>
+  <dgm:styleLbl name="asst3">
+    <dgm:fillClrLst meth="repeat">
+      <a:schemeClr val="accent1"/>
+    </dgm:fillClrLst>
+    <dgm:linClrLst meth="repeat">
+      <a:schemeClr val="lt1"/>
+    </dgm:linClrLst>
+    <dgm:effectClrLst/>
+    <dgm:txLinClrLst/>
+    <dgm:txFillClrLst/>
+    <dgm:txEffectClrLst/>
+  </dgm:styleLbl>
+  <dgm:styleLbl name="asst4">
+    <dgm:fillClrLst meth="repeat">
+      <a:schemeClr val="accent1"/>
+    </dgm:fillClrLst>
+    <dgm:linClrLst meth="repeat">
+      <a:schemeClr val="lt1"/>
+    </dgm:linClrLst>
+    <dgm:effectClrLst/>
+    <dgm:txLinClrLst/>
+    <dgm:txFillClrLst/>
+    <dgm:txEffectClrLst/>
+  </dgm:styleLbl>
+  <dgm:styleLbl name="parChTrans2D1">
+    <dgm:fillClrLst meth="repeat">
+      <a:schemeClr val="accent1">
+        <a:tint val="60000"/>
+      </a:schemeClr>
+    </dgm:fillClrLst>
+    <dgm:linClrLst meth="repeat">
+      <a:schemeClr val="accent1">
+        <a:tint val="60000"/>
+      </a:schemeClr>
+    </dgm:linClrLst>
+    <dgm:effectClrLst/>
+    <dgm:txLinClrLst/>
+    <dgm:txFillClrLst meth="repeat">
+      <a:schemeClr val="lt1"/>
+    </dgm:txFillClrLst>
+    <dgm:txEffectClrLst/>
+  </dgm:styleLbl>
+  <dgm:styleLbl name="parChTrans2D2">
+    <dgm:fillClrLst meth="repeat">
+      <a:schemeClr val="accent1"/>
+    </dgm:fillClrLst>
+    <dgm:linClrLst meth="repeat">
+      <a:schemeClr val="accent1"/>
+    </dgm:linClrLst>
+    <dgm:effectClrLst/>
+    <dgm:txLinClrLst/>
+    <dgm:txFillClrLst meth="repeat">
+      <a:schemeClr val="lt1"/>
+    </dgm:txFillClrLst>
+    <dgm:txEffectClrLst/>
+  </dgm:styleLbl>
+  <dgm:styleLbl name="parChTrans2D3">
+    <dgm:fillClrLst meth="repeat">
+      <a:schemeClr val="accent1"/>
+    </dgm:fillClrLst>
+    <dgm:linClrLst meth="repeat">
+      <a:schemeClr val="accent1"/>
+    </dgm:linClrLst>
+    <dgm:effectClrLst/>
+    <dgm:txLinClrLst/>
+    <dgm:txFillClrLst meth="repeat">
+      <a:schemeClr val="lt1"/>
+    </dgm:txFillClrLst>
+    <dgm:txEffectClrLst/>
+  </dgm:styleLbl>
+  <dgm:styleLbl name="parChTrans2D4">
+    <dgm:fillClrLst meth="repeat">
+      <a:schemeClr val="accent1"/>
+    </dgm:fillClrLst>
+    <dgm:linClrLst meth="repeat">
+      <a:schemeClr val="accent1"/>
+    </dgm:linClrLst>
+    <dgm:effectClrLst/>
+    <dgm:txLinClrLst/>
+    <dgm:txFillClrLst meth="repeat">
+      <a:schemeClr val="lt1"/>
+    </dgm:txFillClrLst>
+    <dgm:txEffectClrLst/>
+  </dgm:styleLbl>
+  <dgm:styleLbl name="parChTrans1D1">
+    <dgm:fillClrLst meth="repeat">
+      <a:schemeClr val="accent1"/>
+    </dgm:fillClrLst>
+    <dgm:linClrLst meth="repeat">
+      <a:schemeClr val="accent1">
+        <a:shade val="60000"/>
+      </a:schemeClr>
+    </dgm:linClrLst>
+    <dgm:effectClrLst/>
+    <dgm:txLinClrLst/>
+    <dgm:txFillClrLst meth="repeat">
+      <a:schemeClr val="tx1"/>
+    </dgm:txFillClrLst>
+    <dgm:txEffectClrLst/>
+  </dgm:styleLbl>
+  <dgm:styleLbl name="parChTrans1D2">
+    <dgm:fillClrLst meth="repeat">
+      <a:schemeClr val="accent1"/>
+    </dgm:fillClrLst>
+    <dgm:linClrLst meth="repeat">
+      <a:schemeClr val="accent1">
+        <a:shade val="60000"/>
+      </a:schemeClr>
+    </dgm:linClrLst>
+    <dgm:effectClrLst/>
+    <dgm:txLinClrLst/>
+    <dgm:txFillClrLst meth="repeat">
+      <a:schemeClr val="tx1"/>
+    </dgm:txFillClrLst>
+    <dgm:txEffectClrLst/>
+  </dgm:styleLbl>
+  <dgm:styleLbl name="parChTrans1D3">
+    <dgm:fillClrLst meth="repeat">
+      <a:schemeClr val="accent1"/>
+    </dgm:fillClrLst>
+    <dgm:linClrLst meth="repeat">
+      <a:schemeClr val="accent1">
+        <a:shade val="80000"/>
+      </a:schemeClr>
+    </dgm:linClrLst>
+    <dgm:effectClrLst/>
+    <dgm:txLinClrLst/>
+    <dgm:txFillClrLst meth="repeat">
+      <a:schemeClr val="tx1"/>
+    </dgm:txFillClrLst>
+    <dgm:txEffectClrLst/>
+  </dgm:styleLbl>
+  <dgm:styleLbl name="parChTrans1D4">
+    <dgm:fillClrLst meth="repeat">
+      <a:schemeClr val="accent1"/>
+    </dgm:fillClrLst>
+    <dgm:linClrLst meth="repeat">
+      <a:schemeClr val="accent1">
+        <a:shade val="80000"/>
+      </a:schemeClr>
+    </dgm:linClrLst>
+    <dgm:effectClrLst/>
+    <dgm:txLinClrLst/>
+    <dgm:txFillClrLst meth="repeat">
+      <a:schemeClr val="tx1"/>
+    </dgm:txFillClrLst>
+    <dgm:txEffectClrLst/>
+  </dgm:styleLbl>
+  <dgm:styleLbl name="fgAcc1">
+    <dgm:fillClrLst meth="repeat">
+      <a:schemeClr val="lt1">
+        <a:alpha val="90000"/>
+      </a:schemeClr>
+    </dgm:fillClrLst>
+    <dgm:linClrLst meth="repeat">
+      <a:schemeClr val="accent1"/>
+    </dgm:linClrLst>
+    <dgm:effectClrLst/>
+    <dgm:txLinClrLst/>
+    <dgm:txFillClrLst meth="repeat">
+      <a:schemeClr val="dk1"/>
+    </dgm:txFillClrLst>
+    <dgm:txEffectClrLst/>
+  </dgm:styleLbl>
+  <dgm:styleLbl name="conFgAcc1">
+    <dgm:fillClrLst meth="repeat">
+      <a:schemeClr val="lt1">
+        <a:alpha val="90000"/>
+      </a:schemeClr>
+    </dgm:fillClrLst>
+    <dgm:linClrLst meth="repeat">
+      <a:schemeClr val="accent1"/>
+    </dgm:linClrLst>
+    <dgm:effectClrLst/>
+    <dgm:txLinClrLst/>
+    <dgm:txFillClrLst meth="repeat">
+      <a:schemeClr val="dk1"/>
+    </dgm:txFillClrLst>
+    <dgm:txEffectClrLst/>
+  </dgm:styleLbl>
+  <dgm:styleLbl name="alignAcc1">
+    <dgm:fillClrLst meth="repeat">
+      <a:schemeClr val="lt1">
+        <a:alpha val="90000"/>
+      </a:schemeClr>
+    </dgm:fillClrLst>
+    <dgm:linClrLst meth="repeat">
+      <a:schemeClr val="accent1"/>
+    </dgm:linClrLst>
+    <dgm:effectClrLst/>
+    <dgm:txLinClrLst/>
+    <dgm:txFillClrLst meth="repeat">
+      <a:schemeClr val="dk1"/>
+    </dgm:txFillClrLst>
+    <dgm:txEffectClrLst/>
+  </dgm:styleLbl>
+  <dgm:styleLbl name="trAlignAcc1">
+    <dgm:fillClrLst meth="repeat">
+      <a:schemeClr val="lt1">
+        <a:alpha val="40000"/>
+      </a:schemeClr>
+    </dgm:fillClrLst>
+    <dgm:linClrLst meth="repeat">
+      <a:schemeClr val="accent1"/>
+    </dgm:linClrLst>
+    <dgm:effectClrLst/>
+    <dgm:txLinClrLst/>
+    <dgm:txFillClrLst meth="repeat">
+      <a:schemeClr val="dk1"/>
+    </dgm:txFillClrLst>
+    <dgm:txEffectClrLst/>
+  </dgm:styleLbl>
+  <dgm:styleLbl name="bgAcc1">
+    <dgm:fillClrLst meth="repeat">
+      <a:schemeClr val="lt1">
+        <a:alpha val="90000"/>
+      </a:schemeClr>
+    </dgm:fillClrLst>
+    <dgm:linClrLst meth="repeat">
+      <a:schemeClr val="accent1"/>
+    </dgm:linClrLst>
+    <dgm:effectClrLst/>
+    <dgm:txLinClrLst/>
+    <dgm:txFillClrLst meth="repeat">
+      <a:schemeClr val="dk1"/>
+    </dgm:txFillClrLst>
+    <dgm:txEffectClrLst/>
+  </dgm:styleLbl>
+  <dgm:styleLbl name="solidFgAcc1">
+    <dgm:fillClrLst meth="repeat">
+      <a:schemeClr val="lt1"/>
+    </dgm:fillClrLst>
+    <dgm:linClrLst meth="repeat">
+      <a:schemeClr val="accent1"/>
+    </dgm:linClrLst>
+    <dgm:effectClrLst/>
+    <dgm:txLinClrLst/>
+    <dgm:txFillClrLst meth="repeat">
+      <a:schemeClr val="dk1"/>
+    </dgm:txFillClrLst>
+    <dgm:txEffectClrLst/>
+  </dgm:styleLbl>
+  <dgm:styleLbl name="solidAlignAcc1">
+    <dgm:fillClrLst meth="repeat">
+      <a:schemeClr val="lt1"/>
+    </dgm:fillClrLst>
+    <dgm:linClrLst meth="repeat">
+      <a:schemeClr val="accent1"/>
+    </dgm:linClrLst>
+    <dgm:effectClrLst/>
+    <dgm:txLinClrLst/>
+    <dgm:txFillClrLst meth="repeat">
+      <a:schemeClr val="dk1"/>
+    </dgm:txFillClrLst>
+    <dgm:txEffectClrLst/>
+  </dgm:styleLbl>
+  <dgm:styleLbl name="solidBgAcc1">
+    <dgm:fillClrLst meth="repeat">
+      <a:schemeClr val="lt1"/>
+    </dgm:fillClrLst>
+    <dgm:linClrLst meth="repeat">
+      <a:schemeClr val="accent1"/>
+    </dgm:linClrLst>
+    <dgm:effectClrLst/>
+    <dgm:txLinClrLst/>
+    <dgm:txFillClrLst meth="repeat">
+      <a:schemeClr val="dk1"/>
+    </dgm:txFillClrLst>
+    <dgm:txEffectClrLst/>
+  </dgm:styleLbl>
+  <dgm:styleLbl name="fgAccFollowNode1">
+    <dgm:fillClrLst meth="repeat">
+      <a:schemeClr val="accent1">
+        <a:alpha val="90000"/>
+        <a:tint val="40000"/>
+      </a:schemeClr>
+    </dgm:fillClrLst>
+    <dgm:linClrLst meth="repeat">
+      <a:schemeClr val="accent1">
+        <a:alpha val="90000"/>
+        <a:tint val="40000"/>
+      </a:schemeClr>
+    </dgm:linClrLst>
+    <dgm:effectClrLst/>
+    <dgm:txLinClrLst/>
+    <dgm:txFillClrLst meth="repeat">
+      <a:schemeClr val="dk1"/>
+    </dgm:txFillClrLst>
+    <dgm:txEffectClrLst/>
+  </dgm:styleLbl>
+  <dgm:styleLbl name="alignAccFollowNode1">
+    <dgm:fillClrLst meth="repeat">
+      <a:schemeClr val="accent1">
+        <a:alpha val="90000"/>
+        <a:tint val="40000"/>
+      </a:schemeClr>
+    </dgm:fillClrLst>
+    <dgm:linClrLst meth="repeat">
+      <a:schemeClr val="accent1">
+        <a:alpha val="90000"/>
+        <a:tint val="40000"/>
+      </a:schemeClr>
+    </dgm:linClrLst>
+    <dgm:effectClrLst/>
+    <dgm:txLinClrLst/>
+    <dgm:txFillClrLst meth="repeat">
+      <a:schemeClr val="dk1"/>
+    </dgm:txFillClrLst>
+    <dgm:txEffectClrLst/>
+  </dgm:styleLbl>
+  <dgm:styleLbl name="bgAccFollowNode1">
+    <dgm:fillClrLst meth="repeat">
+      <a:schemeClr val="accent1">
+        <a:alpha val="90000"/>
+        <a:tint val="40000"/>
+      </a:schemeClr>
+    </dgm:fillClrLst>
+    <dgm:linClrLst meth="repeat">
+      <a:schemeClr val="accent1">
+        <a:alpha val="90000"/>
+        <a:tint val="40000"/>
+      </a:schemeClr>
+    </dgm:linClrLst>
+    <dgm:effectClrLst/>
+    <dgm:txLinClrLst/>
+    <dgm:txFillClrLst meth="repeat">
+      <a:schemeClr val="dk1"/>
+    </dgm:txFillClrLst>
+    <dgm:txEffectClrLst/>
+  </dgm:styleLbl>
+  <dgm:styleLbl name="fgAcc0">
+    <dgm:fillClrLst meth="repeat">
+      <a:schemeClr val="lt1">
+        <a:alpha val="90000"/>
+      </a:schemeClr>
+    </dgm:fillClrLst>
+    <dgm:linClrLst meth="repeat">
+      <a:schemeClr val="accent1"/>
+    </dgm:linClrLst>
+    <dgm:effectClrLst/>
+    <dgm:txLinClrLst/>
+    <dgm:txFillClrLst meth="repeat">
+      <a:schemeClr val="dk1"/>
+    </dgm:txFillClrLst>
+    <dgm:txEffectClrLst/>
+  </dgm:styleLbl>
+  <dgm:styleLbl name="fgAcc2">
+    <dgm:fillClrLst meth="repeat">
+      <a:schemeClr val="lt1">
+        <a:alpha val="90000"/>
+      </a:schemeClr>
+    </dgm:fillClrLst>
+    <dgm:linClrLst meth="repeat">
+      <a:schemeClr val="accent1"/>
+    </dgm:linClrLst>
+    <dgm:effectClrLst/>
+    <dgm:txLinClrLst/>
+    <dgm:txFillClrLst meth="repeat">
+      <a:schemeClr val="dk1"/>
+    </dgm:txFillClrLst>
+    <dgm:txEffectClrLst/>
+  </dgm:styleLbl>
+  <dgm:styleLbl name="fgAcc3">
+    <dgm:fillClrLst meth="repeat">
+      <a:schemeClr val="lt1">
+        <a:alpha val="90000"/>
+      </a:schemeClr>
+    </dgm:fillClrLst>
+    <dgm:linClrLst meth="repeat">
+      <a:schemeClr val="accent1"/>
+    </dgm:linClrLst>
+    <dgm:effectClrLst/>
+    <dgm:txLinClrLst/>
+    <dgm:txFillClrLst meth="repeat">
+      <a:schemeClr val="dk1"/>
+    </dgm:txFillClrLst>
+    <dgm:txEffectClrLst/>
+  </dgm:styleLbl>
+  <dgm:styleLbl name="fgAcc4">
+    <dgm:fillClrLst meth="repeat">
+      <a:schemeClr val="lt1">
+        <a:alpha val="90000"/>
+      </a:schemeClr>
+    </dgm:fillClrLst>
+    <dgm:linClrLst meth="repeat">
+      <a:schemeClr val="accent1"/>
+    </dgm:linClrLst>
+    <dgm:effectClrLst/>
+    <dgm:txLinClrLst/>
+    <dgm:txFillClrLst meth="repeat">
+      <a:schemeClr val="dk1"/>
+    </dgm:txFillClrLst>
+    <dgm:txEffectClrLst/>
+  </dgm:styleLbl>
+  <dgm:styleLbl name="bgShp">
+    <dgm:fillClrLst meth="repeat">
+      <a:schemeClr val="accent1">
+        <a:tint val="40000"/>
+      </a:schemeClr>
+    </dgm:fillClrLst>
+    <dgm:linClrLst meth="repeat">
+      <a:schemeClr val="accent1"/>
+    </dgm:linClrLst>
+    <dgm:effectClrLst/>
+    <dgm:txLinClrLst/>
+    <dgm:txFillClrLst meth="repeat">
+      <a:schemeClr val="dk1"/>
+    </dgm:txFillClrLst>
+    <dgm:txEffectClrLst/>
+  </dgm:styleLbl>
+  <dgm:styleLbl name="dkBgShp">
+    <dgm:fillClrLst meth="repeat">
+      <a:schemeClr val="accent1">
+        <a:shade val="80000"/>
+      </a:schemeClr>
+    </dgm:fillClrLst>
+    <dgm:linClrLst meth="repeat">
+      <a:schemeClr val="accent1"/>
+    </dgm:linClrLst>
+    <dgm:effectClrLst/>
+    <dgm:txLinClrLst/>
+    <dgm:txFillClrLst meth="repeat">
+      <a:schemeClr val="lt1"/>
+    </dgm:txFillClrLst>
+    <dgm:txEffectClrLst/>
+  </dgm:styleLbl>
+  <dgm:styleLbl name="trBgShp">
+    <dgm:fillClrLst meth="repeat">
+      <a:schemeClr val="accent1">
+        <a:tint val="50000"/>
+        <a:alpha val="40000"/>
+      </a:schemeClr>
+    </dgm:fillClrLst>
+    <dgm:linClrLst meth="repeat">
+      <a:schemeClr val="accent1"/>
+    </dgm:linClrLst>
+    <dgm:effectClrLst/>
+    <dgm:txLinClrLst/>
+    <dgm:txFillClrLst meth="repeat">
+      <a:schemeClr val="lt1"/>
+    </dgm:txFillClrLst>
+    <dgm:txEffectClrLst/>
+  </dgm:styleLbl>
+  <dgm:styleLbl name="fgShp">
+    <dgm:fillClrLst meth="repeat">
+      <a:schemeClr val="accent1">
+        <a:tint val="60000"/>
+      </a:schemeClr>
+    </dgm:fillClrLst>
+    <dgm:linClrLst meth="repeat">
+      <a:schemeClr val="lt1"/>
+    </dgm:linClrLst>
+    <dgm:effectClrLst/>
+    <dgm:txLinClrLst/>
+    <dgm:txFillClrLst meth="repeat">
+      <a:schemeClr val="dk1"/>
+    </dgm:txFillClrLst>
+    <dgm:txEffectClrLst/>
+  </dgm:styleLbl>
+  <dgm:styleLbl name="revTx">
+    <dgm:fillClrLst meth="repeat">
+      <a:schemeClr val="lt1">
+        <a:alpha val="0"/>
+      </a:schemeClr>
+    </dgm:fillClrLst>
+    <dgm:linClrLst meth="repeat">
+      <a:schemeClr val="dk1">
+        <a:alpha val="0"/>
+      </a:schemeClr>
+    </dgm:linClrLst>
+    <dgm:effectClrLst/>
+    <dgm:txLinClrLst/>
+    <dgm:txFillClrLst meth="repeat">
+      <a:schemeClr val="tx1"/>
+    </dgm:txFillClrLst>
+    <dgm:txEffectClrLst/>
+  </dgm:styleLbl>
+</dgm:colorsDef>
+</file>
+
 <file path=ppt/diagrams/data1.xml><?xml version="1.0" encoding="utf-8"?>
 <dgm:dataModel xmlns:dgm="http://schemas.openxmlformats.org/drawingml/2006/diagram" xmlns:a="http://schemas.openxmlformats.org/drawingml/2006/main">
   <dgm:ptLst>
@@ -1648,11 +3025,7 @@
           </a:r>
           <a:r>
             <a:rPr lang="es-ES" b="1" dirty="0" smtClean="0"/>
-            <a:t> de </a:t>
-          </a:r>
-          <a:r>
-            <a:rPr lang="es-ES" b="1" dirty="0" smtClean="0"/>
-            <a:t>Compra Directa</a:t>
+            <a:t> de Compra Directa</a:t>
           </a:r>
           <a:endParaRPr lang="es-ES" b="1" dirty="0"/>
         </a:p>
@@ -2614,6 +3987,13 @@
         </dgm:presLayoutVars>
       </dgm:prSet>
       <dgm:spPr/>
+      <dgm:t>
+        <a:bodyPr/>
+        <a:lstStyle/>
+        <a:p>
+          <a:endParaRPr lang="es-CO"/>
+        </a:p>
+      </dgm:t>
     </dgm:pt>
     <dgm:pt modelId="{81CB72D6-E1E3-4963-AC39-CEEA6059060E}" type="pres">
       <dgm:prSet presAssocID="{387945A5-800B-4C98-89E6-01484CA86AEF}" presName="root" presStyleCnt="0"/>
@@ -2637,6 +4017,13 @@
     <dgm:pt modelId="{67F23FA7-D540-4042-ACFF-1A70006E7AD2}" type="pres">
       <dgm:prSet presAssocID="{387945A5-800B-4C98-89E6-01484CA86AEF}" presName="rootConnector" presStyleLbl="node1" presStyleIdx="0" presStyleCnt="2"/>
       <dgm:spPr/>
+      <dgm:t>
+        <a:bodyPr/>
+        <a:lstStyle/>
+        <a:p>
+          <a:endParaRPr lang="es-CO"/>
+        </a:p>
+      </dgm:t>
     </dgm:pt>
     <dgm:pt modelId="{0CE0C985-A15C-4E8F-8A4E-DAD5C78AB0BC}" type="pres">
       <dgm:prSet presAssocID="{387945A5-800B-4C98-89E6-01484CA86AEF}" presName="childShape" presStyleCnt="0"/>
@@ -2645,6 +4032,13 @@
     <dgm:pt modelId="{8D88FA0C-2EAA-4214-8516-1515A6F41A2F}" type="pres">
       <dgm:prSet presAssocID="{AF215F0D-0CFB-44ED-8358-AAA8B09E37F3}" presName="Name13" presStyleLbl="parChTrans1D2" presStyleIdx="0" presStyleCnt="10"/>
       <dgm:spPr/>
+      <dgm:t>
+        <a:bodyPr/>
+        <a:lstStyle/>
+        <a:p>
+          <a:endParaRPr lang="es-CO"/>
+        </a:p>
+      </dgm:t>
     </dgm:pt>
     <dgm:pt modelId="{1A302738-0267-49C7-BFC1-3287D5E13750}" type="pres">
       <dgm:prSet presAssocID="{DB7BB5A4-1FE1-401A-BD6E-330CD025932A}" presName="childText" presStyleLbl="bgAcc1" presStyleIdx="0" presStyleCnt="10" custScaleX="194293" custScaleY="52375">
@@ -2664,6 +4058,13 @@
     <dgm:pt modelId="{7CB62E8A-D4FA-4444-93C2-58D05AEF7628}" type="pres">
       <dgm:prSet presAssocID="{8577D8A8-7FF1-40D9-AD6D-F1D6C6531CF8}" presName="Name13" presStyleLbl="parChTrans1D2" presStyleIdx="1" presStyleCnt="10"/>
       <dgm:spPr/>
+      <dgm:t>
+        <a:bodyPr/>
+        <a:lstStyle/>
+        <a:p>
+          <a:endParaRPr lang="es-CO"/>
+        </a:p>
+      </dgm:t>
     </dgm:pt>
     <dgm:pt modelId="{2425D91B-D8D0-4593-895B-78D3F71B1260}" type="pres">
       <dgm:prSet presAssocID="{2CEFB61A-D0E5-4326-B600-5C6957D84183}" presName="childText" presStyleLbl="bgAcc1" presStyleIdx="1" presStyleCnt="10" custScaleX="194293" custScaleY="52375">
@@ -2683,6 +4084,13 @@
     <dgm:pt modelId="{61119987-B32A-4C32-BA3A-074E56BA4620}" type="pres">
       <dgm:prSet presAssocID="{90CED0F6-FA6D-4630-B510-531E6561BD58}" presName="Name13" presStyleLbl="parChTrans1D2" presStyleIdx="2" presStyleCnt="10"/>
       <dgm:spPr/>
+      <dgm:t>
+        <a:bodyPr/>
+        <a:lstStyle/>
+        <a:p>
+          <a:endParaRPr lang="es-CO"/>
+        </a:p>
+      </dgm:t>
     </dgm:pt>
     <dgm:pt modelId="{CEC9FC38-4738-4441-9895-A398AA2A6D7B}" type="pres">
       <dgm:prSet presAssocID="{7B213185-BD2E-41F7-970A-F3BB87842E9D}" presName="childText" presStyleLbl="bgAcc1" presStyleIdx="2" presStyleCnt="10" custScaleX="194293" custScaleY="52375">
@@ -2691,10 +4099,24 @@
         </dgm:presLayoutVars>
       </dgm:prSet>
       <dgm:spPr/>
+      <dgm:t>
+        <a:bodyPr/>
+        <a:lstStyle/>
+        <a:p>
+          <a:endParaRPr lang="es-CO"/>
+        </a:p>
+      </dgm:t>
     </dgm:pt>
     <dgm:pt modelId="{010B63FC-8A65-4048-B9DA-C90CFD54336D}" type="pres">
       <dgm:prSet presAssocID="{CD604E70-0046-4413-A222-E622BDEC90C5}" presName="Name13" presStyleLbl="parChTrans1D2" presStyleIdx="3" presStyleCnt="10"/>
       <dgm:spPr/>
+      <dgm:t>
+        <a:bodyPr/>
+        <a:lstStyle/>
+        <a:p>
+          <a:endParaRPr lang="es-CO"/>
+        </a:p>
+      </dgm:t>
     </dgm:pt>
     <dgm:pt modelId="{68853039-9B84-4952-9D7C-458F929F0428}" type="pres">
       <dgm:prSet presAssocID="{0F44C25F-A73A-4203-9D5A-35BB0103A62D}" presName="childText" presStyleLbl="bgAcc1" presStyleIdx="3" presStyleCnt="10" custScaleX="194293" custScaleY="52375">
@@ -2714,6 +4136,13 @@
     <dgm:pt modelId="{E6B0247F-4028-4665-9F24-F9CA89AF3E44}" type="pres">
       <dgm:prSet presAssocID="{7F04B380-5806-42DE-924C-053FF5CAF9E6}" presName="Name13" presStyleLbl="parChTrans1D2" presStyleIdx="4" presStyleCnt="10"/>
       <dgm:spPr/>
+      <dgm:t>
+        <a:bodyPr/>
+        <a:lstStyle/>
+        <a:p>
+          <a:endParaRPr lang="es-CO"/>
+        </a:p>
+      </dgm:t>
     </dgm:pt>
     <dgm:pt modelId="{F2FC277A-A516-4E99-A5C5-B46D160C2253}" type="pres">
       <dgm:prSet presAssocID="{CEC5F664-83DA-49C2-91F2-75D5B44AF69D}" presName="childText" presStyleLbl="bgAcc1" presStyleIdx="4" presStyleCnt="10" custScaleX="194178" custScaleY="52766">
@@ -2752,6 +4181,13 @@
     <dgm:pt modelId="{303CEC9E-D06F-4BF3-9EF3-3480EC34E87C}" type="pres">
       <dgm:prSet presAssocID="{A1B6E92C-C8B4-40CF-B4F9-4959F108E8BF}" presName="rootConnector" presStyleLbl="node1" presStyleIdx="1" presStyleCnt="2"/>
       <dgm:spPr/>
+      <dgm:t>
+        <a:bodyPr/>
+        <a:lstStyle/>
+        <a:p>
+          <a:endParaRPr lang="es-CO"/>
+        </a:p>
+      </dgm:t>
     </dgm:pt>
     <dgm:pt modelId="{623EE676-B7DA-48B6-A6EE-60725EA11FD0}" type="pres">
       <dgm:prSet presAssocID="{A1B6E92C-C8B4-40CF-B4F9-4959F108E8BF}" presName="childShape" presStyleCnt="0"/>
@@ -2760,6 +4196,13 @@
     <dgm:pt modelId="{F5893E2A-B989-494A-8CBB-1D4F13078F94}" type="pres">
       <dgm:prSet presAssocID="{FE6FADF5-B921-46F5-A9F5-4195E9E14F2C}" presName="Name13" presStyleLbl="parChTrans1D2" presStyleIdx="5" presStyleCnt="10"/>
       <dgm:spPr/>
+      <dgm:t>
+        <a:bodyPr/>
+        <a:lstStyle/>
+        <a:p>
+          <a:endParaRPr lang="es-CO"/>
+        </a:p>
+      </dgm:t>
     </dgm:pt>
     <dgm:pt modelId="{DE14085B-6EC0-45F5-9A51-E94706DC4DC0}" type="pres">
       <dgm:prSet presAssocID="{BA970875-778E-4A00-BEA6-6165FAA25E91}" presName="childText" presStyleLbl="bgAcc1" presStyleIdx="5" presStyleCnt="10" custScaleX="194293" custScaleY="52375">
@@ -2779,6 +4222,13 @@
     <dgm:pt modelId="{3473024A-910D-45CD-8D75-FE3FC739F9DA}" type="pres">
       <dgm:prSet presAssocID="{ECC7954E-BCB9-48CD-8497-61DAEB164599}" presName="Name13" presStyleLbl="parChTrans1D2" presStyleIdx="6" presStyleCnt="10"/>
       <dgm:spPr/>
+      <dgm:t>
+        <a:bodyPr/>
+        <a:lstStyle/>
+        <a:p>
+          <a:endParaRPr lang="es-CO"/>
+        </a:p>
+      </dgm:t>
     </dgm:pt>
     <dgm:pt modelId="{C4A4F218-3C30-4DF4-81CF-E7B79D488F7E}" type="pres">
       <dgm:prSet presAssocID="{C6C3337B-119A-40BB-BDCA-404031D15460}" presName="childText" presStyleLbl="bgAcc1" presStyleIdx="6" presStyleCnt="10" custScaleX="194293" custScaleY="52375">
@@ -2787,10 +4237,24 @@
         </dgm:presLayoutVars>
       </dgm:prSet>
       <dgm:spPr/>
+      <dgm:t>
+        <a:bodyPr/>
+        <a:lstStyle/>
+        <a:p>
+          <a:endParaRPr lang="es-CO"/>
+        </a:p>
+      </dgm:t>
     </dgm:pt>
     <dgm:pt modelId="{C95B6404-2033-4723-A289-3A6396E252E5}" type="pres">
       <dgm:prSet presAssocID="{DBC2D948-AA5F-4CD7-86A1-5C98096936D9}" presName="Name13" presStyleLbl="parChTrans1D2" presStyleIdx="7" presStyleCnt="10"/>
       <dgm:spPr/>
+      <dgm:t>
+        <a:bodyPr/>
+        <a:lstStyle/>
+        <a:p>
+          <a:endParaRPr lang="es-CO"/>
+        </a:p>
+      </dgm:t>
     </dgm:pt>
     <dgm:pt modelId="{92363056-0637-4791-A7A3-C63C4BF7252D}" type="pres">
       <dgm:prSet presAssocID="{F5E1159C-031C-4ED4-9931-58DBD056E0C1}" presName="childText" presStyleLbl="bgAcc1" presStyleIdx="7" presStyleCnt="10" custScaleX="194293" custScaleY="52375">
@@ -2799,10 +4263,24 @@
         </dgm:presLayoutVars>
       </dgm:prSet>
       <dgm:spPr/>
+      <dgm:t>
+        <a:bodyPr/>
+        <a:lstStyle/>
+        <a:p>
+          <a:endParaRPr lang="es-CO"/>
+        </a:p>
+      </dgm:t>
     </dgm:pt>
     <dgm:pt modelId="{3238AE55-2D71-44F7-AE4D-26EC3C682F92}" type="pres">
       <dgm:prSet presAssocID="{DD269F4C-EC7C-49AB-8A43-BEEBCAEC644D}" presName="Name13" presStyleLbl="parChTrans1D2" presStyleIdx="8" presStyleCnt="10"/>
       <dgm:spPr/>
+      <dgm:t>
+        <a:bodyPr/>
+        <a:lstStyle/>
+        <a:p>
+          <a:endParaRPr lang="es-CO"/>
+        </a:p>
+      </dgm:t>
     </dgm:pt>
     <dgm:pt modelId="{B9CD32D7-70B4-418A-8C47-4A84675E7D70}" type="pres">
       <dgm:prSet presAssocID="{A45D7BB5-4FC8-43EE-8F30-834ACB622FDF}" presName="childText" presStyleLbl="bgAcc1" presStyleIdx="8" presStyleCnt="10" custScaleX="194293" custScaleY="52375">
@@ -2822,6 +4300,13 @@
     <dgm:pt modelId="{1F47A8DB-7808-4248-B6E0-5B2D43E8EBE2}" type="pres">
       <dgm:prSet presAssocID="{2B68C1C8-4490-4717-886C-BD6E1CC1C4BF}" presName="Name13" presStyleLbl="parChTrans1D2" presStyleIdx="9" presStyleCnt="10"/>
       <dgm:spPr/>
+      <dgm:t>
+        <a:bodyPr/>
+        <a:lstStyle/>
+        <a:p>
+          <a:endParaRPr lang="es-CO"/>
+        </a:p>
+      </dgm:t>
     </dgm:pt>
     <dgm:pt modelId="{D396173B-A05F-46B4-95EE-D302D7F05A7A}" type="pres">
       <dgm:prSet presAssocID="{DA6A4DFC-440F-4E0B-BEFD-0DE8F015E69C}" presName="childText" presStyleLbl="bgAcc1" presStyleIdx="9" presStyleCnt="10" custScaleX="194178" custScaleY="50047">
@@ -2841,10 +4326,10 @@
   </dgm:ptLst>
   <dgm:cxnLst>
     <dgm:cxn modelId="{62776F95-0CDF-45D6-908A-BC4E63FEED1E}" type="presOf" srcId="{DB7BB5A4-1FE1-401A-BD6E-330CD025932A}" destId="{1A302738-0267-49C7-BFC1-3287D5E13750}" srcOrd="0" destOrd="0" presId="urn:microsoft.com/office/officeart/2005/8/layout/hierarchy3"/>
+    <dgm:cxn modelId="{5AC493EA-72B3-47AD-A03A-C2AD26B7AADD}" type="presOf" srcId="{9441310A-B624-4CB1-8ED8-E76F5A71F9B2}" destId="{864C2250-D0A0-4E9A-B88B-B96E5738AD06}" srcOrd="0" destOrd="0" presId="urn:microsoft.com/office/officeart/2005/8/layout/hierarchy3"/>
+    <dgm:cxn modelId="{F1D2443B-7735-41F7-8E9B-AEDE25455E60}" srcId="{A1B6E92C-C8B4-40CF-B4F9-4959F108E8BF}" destId="{BA970875-778E-4A00-BEA6-6165FAA25E91}" srcOrd="0" destOrd="0" parTransId="{FE6FADF5-B921-46F5-A9F5-4195E9E14F2C}" sibTransId="{5682108E-553E-4DFF-880D-94D67095E45D}"/>
+    <dgm:cxn modelId="{D7161E6C-9EE7-4D5F-899E-B185050EEF05}" srcId="{A1B6E92C-C8B4-40CF-B4F9-4959F108E8BF}" destId="{DA6A4DFC-440F-4E0B-BEFD-0DE8F015E69C}" srcOrd="4" destOrd="0" parTransId="{2B68C1C8-4490-4717-886C-BD6E1CC1C4BF}" sibTransId="{70403941-8B5A-4E37-8414-F8B1C8C5792E}"/>
     <dgm:cxn modelId="{05D81A30-286E-46E7-9610-19C16FEC41F6}" type="presOf" srcId="{A45D7BB5-4FC8-43EE-8F30-834ACB622FDF}" destId="{B9CD32D7-70B4-418A-8C47-4A84675E7D70}" srcOrd="0" destOrd="0" presId="urn:microsoft.com/office/officeart/2005/8/layout/hierarchy3"/>
-    <dgm:cxn modelId="{D7161E6C-9EE7-4D5F-899E-B185050EEF05}" srcId="{A1B6E92C-C8B4-40CF-B4F9-4959F108E8BF}" destId="{DA6A4DFC-440F-4E0B-BEFD-0DE8F015E69C}" srcOrd="4" destOrd="0" parTransId="{2B68C1C8-4490-4717-886C-BD6E1CC1C4BF}" sibTransId="{70403941-8B5A-4E37-8414-F8B1C8C5792E}"/>
-    <dgm:cxn modelId="{F1D2443B-7735-41F7-8E9B-AEDE25455E60}" srcId="{A1B6E92C-C8B4-40CF-B4F9-4959F108E8BF}" destId="{BA970875-778E-4A00-BEA6-6165FAA25E91}" srcOrd="0" destOrd="0" parTransId="{FE6FADF5-B921-46F5-A9F5-4195E9E14F2C}" sibTransId="{5682108E-553E-4DFF-880D-94D67095E45D}"/>
-    <dgm:cxn modelId="{5AC493EA-72B3-47AD-A03A-C2AD26B7AADD}" type="presOf" srcId="{9441310A-B624-4CB1-8ED8-E76F5A71F9B2}" destId="{864C2250-D0A0-4E9A-B88B-B96E5738AD06}" srcOrd="0" destOrd="0" presId="urn:microsoft.com/office/officeart/2005/8/layout/hierarchy3"/>
     <dgm:cxn modelId="{E497B283-8EA8-49CE-A200-F869259BC047}" type="presOf" srcId="{8577D8A8-7FF1-40D9-AD6D-F1D6C6531CF8}" destId="{7CB62E8A-D4FA-4444-93C2-58D05AEF7628}" srcOrd="0" destOrd="0" presId="urn:microsoft.com/office/officeart/2005/8/layout/hierarchy3"/>
     <dgm:cxn modelId="{178AE92B-A2ED-4AAD-862D-0884A786DE7E}" srcId="{387945A5-800B-4C98-89E6-01484CA86AEF}" destId="{7B213185-BD2E-41F7-970A-F3BB87842E9D}" srcOrd="2" destOrd="0" parTransId="{90CED0F6-FA6D-4630-B510-531E6561BD58}" sibTransId="{37E1E8CC-2A7F-45AD-984C-1B9ED7BD153A}"/>
     <dgm:cxn modelId="{DA7CA121-D884-4DA3-B2CC-D841103EC703}" type="presOf" srcId="{90CED0F6-FA6D-4630-B510-531E6561BD58}" destId="{61119987-B32A-4C32-BA3A-074E56BA4620}" srcOrd="0" destOrd="0" presId="urn:microsoft.com/office/officeart/2005/8/layout/hierarchy3"/>
@@ -2907,6 +4392,407 @@
     <dgm:cxn modelId="{295C1A7A-4ED2-4E87-B9C9-17A646BE3B07}" type="presParOf" srcId="{623EE676-B7DA-48B6-A6EE-60725EA11FD0}" destId="{B9CD32D7-70B4-418A-8C47-4A84675E7D70}" srcOrd="7" destOrd="0" presId="urn:microsoft.com/office/officeart/2005/8/layout/hierarchy3"/>
     <dgm:cxn modelId="{3DE80D0F-396A-4F49-BA43-41AF56F678C4}" type="presParOf" srcId="{623EE676-B7DA-48B6-A6EE-60725EA11FD0}" destId="{1F47A8DB-7808-4248-B6E0-5B2D43E8EBE2}" srcOrd="8" destOrd="0" presId="urn:microsoft.com/office/officeart/2005/8/layout/hierarchy3"/>
     <dgm:cxn modelId="{6603D38D-91A3-4208-B8D3-E8A7B295E99C}" type="presParOf" srcId="{623EE676-B7DA-48B6-A6EE-60725EA11FD0}" destId="{D396173B-A05F-46B4-95EE-D302D7F05A7A}" srcOrd="9" destOrd="0" presId="urn:microsoft.com/office/officeart/2005/8/layout/hierarchy3"/>
+  </dgm:cxnLst>
+  <dgm:bg/>
+  <dgm:whole/>
+  <dgm:extLst>
+    <a:ext uri="http://schemas.microsoft.com/office/drawing/2008/diagram">
+      <dsp:dataModelExt xmlns:dsp="http://schemas.microsoft.com/office/drawing/2008/diagram" xmlns="" relId="rId10" minVer="http://schemas.openxmlformats.org/drawingml/2006/diagram"/>
+    </a:ext>
+  </dgm:extLst>
+</dgm:dataModel>
+</file>
+
+<file path=ppt/diagrams/data3.xml><?xml version="1.0" encoding="utf-8"?>
+<dgm:dataModel xmlns:dgm="http://schemas.openxmlformats.org/drawingml/2006/diagram" xmlns:a="http://schemas.openxmlformats.org/drawingml/2006/main">
+  <dgm:ptLst>
+    <dgm:pt modelId="{3BDF80C5-22E0-4FCF-A7BD-82B0CCE682E6}" type="doc">
+      <dgm:prSet loTypeId="urn:microsoft.com/office/officeart/2005/8/layout/chevron2" loCatId="list" qsTypeId="urn:microsoft.com/office/officeart/2005/8/quickstyle/simple1" qsCatId="simple" csTypeId="urn:microsoft.com/office/officeart/2005/8/colors/accent1_2" csCatId="accent1" phldr="1"/>
+      <dgm:spPr/>
+      <dgm:t>
+        <a:bodyPr/>
+        <a:lstStyle/>
+        <a:p>
+          <a:endParaRPr lang="es-CO"/>
+        </a:p>
+      </dgm:t>
+    </dgm:pt>
+    <dgm:pt modelId="{D4B13B7C-23CD-41E9-B2A8-D7218DB76E06}">
+      <dgm:prSet phldrT="[Texto]" custT="1"/>
+      <dgm:spPr/>
+      <dgm:t>
+        <a:bodyPr/>
+        <a:lstStyle/>
+        <a:p>
+          <a:r>
+            <a:rPr lang="en-US" sz="1800" b="1" dirty="0" smtClean="0"/>
+            <a:t>L1</a:t>
+          </a:r>
+          <a:endParaRPr lang="es-CO" sz="1200" b="1" dirty="0"/>
+        </a:p>
+      </dgm:t>
+    </dgm:pt>
+    <dgm:pt modelId="{82F4AB09-31E9-4CDD-99B4-CCE3D2CBB9B4}" type="parTrans" cxnId="{62C3DE25-0E66-4594-B7AF-F80A75404C59}">
+      <dgm:prSet/>
+      <dgm:spPr/>
+      <dgm:t>
+        <a:bodyPr/>
+        <a:lstStyle/>
+        <a:p>
+          <a:endParaRPr lang="es-CO"/>
+        </a:p>
+      </dgm:t>
+    </dgm:pt>
+    <dgm:pt modelId="{2740B821-3F79-4C93-AD78-6CB7CD837EE4}" type="sibTrans" cxnId="{62C3DE25-0E66-4594-B7AF-F80A75404C59}">
+      <dgm:prSet/>
+      <dgm:spPr/>
+      <dgm:t>
+        <a:bodyPr/>
+        <a:lstStyle/>
+        <a:p>
+          <a:endParaRPr lang="es-CO"/>
+        </a:p>
+      </dgm:t>
+    </dgm:pt>
+    <dgm:pt modelId="{EE5B587C-A8FF-44EB-BF40-9B0F25F69CC5}">
+      <dgm:prSet phldrT="[Texto]" custT="1"/>
+      <dgm:spPr/>
+      <dgm:t>
+        <a:bodyPr/>
+        <a:lstStyle/>
+        <a:p>
+          <a:r>
+            <a:rPr lang="es-CO" sz="1200" dirty="0" smtClean="0"/>
+            <a:t>Se deben tener en cuenta tareas de soporte dentro del cronograma, inicialmente solo se están considerando tareas de diseño, planeación y desarrollo, pero existen tareas de configuración que pueden consumir gran cantidad de tiempo y no pueden ser ignoradas.</a:t>
+          </a:r>
+          <a:endParaRPr lang="es-CO" sz="1200" dirty="0"/>
+        </a:p>
+      </dgm:t>
+    </dgm:pt>
+    <dgm:pt modelId="{9F55680E-DC27-4434-8546-6747C5F004D1}" type="parTrans" cxnId="{16BD3010-62CC-4475-8224-95956E06158B}">
+      <dgm:prSet/>
+      <dgm:spPr/>
+      <dgm:t>
+        <a:bodyPr/>
+        <a:lstStyle/>
+        <a:p>
+          <a:endParaRPr lang="es-CO"/>
+        </a:p>
+      </dgm:t>
+    </dgm:pt>
+    <dgm:pt modelId="{BA2C19E7-DE52-4072-AC6A-DCE3FD4629F5}" type="sibTrans" cxnId="{16BD3010-62CC-4475-8224-95956E06158B}">
+      <dgm:prSet/>
+      <dgm:spPr/>
+      <dgm:t>
+        <a:bodyPr/>
+        <a:lstStyle/>
+        <a:p>
+          <a:endParaRPr lang="es-CO"/>
+        </a:p>
+      </dgm:t>
+    </dgm:pt>
+    <dgm:pt modelId="{E682E037-83BC-41E6-AA6E-FE6756453C04}">
+      <dgm:prSet phldrT="[Texto]" custT="1"/>
+      <dgm:spPr/>
+      <dgm:t>
+        <a:bodyPr/>
+        <a:lstStyle/>
+        <a:p>
+          <a:r>
+            <a:rPr lang="en-US" sz="1800" b="1" dirty="0" smtClean="0"/>
+            <a:t>L2</a:t>
+          </a:r>
+          <a:endParaRPr lang="es-CO" sz="1800" b="1" dirty="0"/>
+        </a:p>
+      </dgm:t>
+    </dgm:pt>
+    <dgm:pt modelId="{6F392E04-97DC-45CC-A9EC-A4AA88BB129E}" type="parTrans" cxnId="{2BFA7CE4-F8A4-469D-8BA5-163AEE18C257}">
+      <dgm:prSet/>
+      <dgm:spPr/>
+      <dgm:t>
+        <a:bodyPr/>
+        <a:lstStyle/>
+        <a:p>
+          <a:endParaRPr lang="es-CO"/>
+        </a:p>
+      </dgm:t>
+    </dgm:pt>
+    <dgm:pt modelId="{EB3D0CBC-75D1-41AA-B777-1BD9653BB507}" type="sibTrans" cxnId="{2BFA7CE4-F8A4-469D-8BA5-163AEE18C257}">
+      <dgm:prSet/>
+      <dgm:spPr/>
+      <dgm:t>
+        <a:bodyPr/>
+        <a:lstStyle/>
+        <a:p>
+          <a:endParaRPr lang="es-CO"/>
+        </a:p>
+      </dgm:t>
+    </dgm:pt>
+    <dgm:pt modelId="{ECD9AEB4-EC3F-4D00-AD4A-547438163494}">
+      <dgm:prSet phldrT="[Texto]" custT="1"/>
+      <dgm:spPr/>
+      <dgm:t>
+        <a:bodyPr/>
+        <a:lstStyle/>
+        <a:p>
+          <a:r>
+            <a:rPr lang="en-US" sz="1800" b="1" dirty="0" smtClean="0"/>
+            <a:t>L3</a:t>
+          </a:r>
+          <a:endParaRPr lang="es-CO" sz="1800" b="1" dirty="0"/>
+        </a:p>
+      </dgm:t>
+    </dgm:pt>
+    <dgm:pt modelId="{32660082-9357-4232-924E-3D9AB216FE3D}" type="parTrans" cxnId="{6EB9C01C-DA6A-46BA-80E2-64C5682340AA}">
+      <dgm:prSet/>
+      <dgm:spPr/>
+      <dgm:t>
+        <a:bodyPr/>
+        <a:lstStyle/>
+        <a:p>
+          <a:endParaRPr lang="es-CO"/>
+        </a:p>
+      </dgm:t>
+    </dgm:pt>
+    <dgm:pt modelId="{F0133ED8-B0DA-4242-9257-60BEA76FE176}" type="sibTrans" cxnId="{6EB9C01C-DA6A-46BA-80E2-64C5682340AA}">
+      <dgm:prSet/>
+      <dgm:spPr/>
+      <dgm:t>
+        <a:bodyPr/>
+        <a:lstStyle/>
+        <a:p>
+          <a:endParaRPr lang="es-CO"/>
+        </a:p>
+      </dgm:t>
+    </dgm:pt>
+    <dgm:pt modelId="{7F9B6672-9BD8-48EF-8920-BE92DC1453B8}">
+      <dgm:prSet phldrT="[Texto]" custT="1"/>
+      <dgm:spPr/>
+      <dgm:t>
+        <a:bodyPr/>
+        <a:lstStyle/>
+        <a:p>
+          <a:r>
+            <a:rPr lang="es-CO" sz="1200" dirty="0" smtClean="0"/>
+            <a:t>Para próximos ciclos Se debe validar el entendimiento de proyecto a desarrollar, esto implica que dentro del grupo se conozca el proceso entero desde la UI (que pantallas nuevas existen y saber que datos se envían al OSB y/o al BPEL) hasta la base de datos (saber que registros se afectan, que columnas o tablas se requieren, que datos se necesitan)  pasando por el BPEL y </a:t>
+          </a:r>
+          <a:r>
+            <a:rPr lang="es-CO" sz="1200" smtClean="0"/>
+            <a:t>el OSB.</a:t>
+          </a:r>
+          <a:endParaRPr lang="es-CO" sz="1200" dirty="0"/>
+        </a:p>
+      </dgm:t>
+    </dgm:pt>
+    <dgm:pt modelId="{9734F7E0-C1A6-42EC-A2AA-F7AB7B9840AB}" type="parTrans" cxnId="{00F663ED-7759-4B2E-956C-83F721BEECFA}">
+      <dgm:prSet/>
+      <dgm:spPr/>
+      <dgm:t>
+        <a:bodyPr/>
+        <a:lstStyle/>
+        <a:p>
+          <a:endParaRPr lang="es-CO"/>
+        </a:p>
+      </dgm:t>
+    </dgm:pt>
+    <dgm:pt modelId="{2A78650B-F946-43C5-97A1-429BBB389670}" type="sibTrans" cxnId="{00F663ED-7759-4B2E-956C-83F721BEECFA}">
+      <dgm:prSet/>
+      <dgm:spPr/>
+      <dgm:t>
+        <a:bodyPr/>
+        <a:lstStyle/>
+        <a:p>
+          <a:endParaRPr lang="es-CO"/>
+        </a:p>
+      </dgm:t>
+    </dgm:pt>
+    <dgm:pt modelId="{9D0F9E7C-1CCF-413D-B5AD-22E079175E79}">
+      <dgm:prSet phldrT="[Texto]" custT="1"/>
+      <dgm:spPr/>
+      <dgm:t>
+        <a:bodyPr/>
+        <a:lstStyle/>
+        <a:p>
+          <a:r>
+            <a:rPr lang="es-CO" sz="1200" dirty="0" smtClean="0"/>
+            <a:t>Las actividades de configuración o aprendizaje de las aplicaciones o sistemas conllevan un tiempo extra que no es considerado, para el caso concreto del </a:t>
+          </a:r>
+          <a:r>
+            <a:rPr lang="es-CO" sz="1200" dirty="0" err="1" smtClean="0"/>
+            <a:t>MarketPlace</a:t>
+          </a:r>
+          <a:r>
+            <a:rPr lang="es-CO" sz="1200" dirty="0" smtClean="0"/>
+            <a:t> las herramientas bajo las que está desarrollado no son dominadas en un 100% por el grupo, por lo que se deben seguir incluyendo actividades de capacitación.</a:t>
+          </a:r>
+          <a:endParaRPr lang="es-CO" sz="1200" dirty="0"/>
+        </a:p>
+      </dgm:t>
+    </dgm:pt>
+    <dgm:pt modelId="{CF1E87E0-3E5C-4678-84DF-C30759AA8E74}" type="parTrans" cxnId="{58CA30E1-F981-46B4-B14F-DC178CE9711A}">
+      <dgm:prSet/>
+      <dgm:spPr/>
+      <dgm:t>
+        <a:bodyPr/>
+        <a:lstStyle/>
+        <a:p>
+          <a:endParaRPr lang="es-CO"/>
+        </a:p>
+      </dgm:t>
+    </dgm:pt>
+    <dgm:pt modelId="{0B63B28F-FC9B-43F7-A0BF-519628AF5B73}" type="sibTrans" cxnId="{58CA30E1-F981-46B4-B14F-DC178CE9711A}">
+      <dgm:prSet/>
+      <dgm:spPr/>
+      <dgm:t>
+        <a:bodyPr/>
+        <a:lstStyle/>
+        <a:p>
+          <a:endParaRPr lang="es-CO"/>
+        </a:p>
+      </dgm:t>
+    </dgm:pt>
+    <dgm:pt modelId="{B6DE346E-94E0-4E6F-8A16-0571FEDBC976}" type="pres">
+      <dgm:prSet presAssocID="{3BDF80C5-22E0-4FCF-A7BD-82B0CCE682E6}" presName="linearFlow" presStyleCnt="0">
+        <dgm:presLayoutVars>
+          <dgm:dir/>
+          <dgm:animLvl val="lvl"/>
+          <dgm:resizeHandles val="exact"/>
+        </dgm:presLayoutVars>
+      </dgm:prSet>
+      <dgm:spPr/>
+    </dgm:pt>
+    <dgm:pt modelId="{A6AFA8C2-1E11-4E3A-8CC4-08C67015A3EF}" type="pres">
+      <dgm:prSet presAssocID="{D4B13B7C-23CD-41E9-B2A8-D7218DB76E06}" presName="composite" presStyleCnt="0"/>
+      <dgm:spPr/>
+    </dgm:pt>
+    <dgm:pt modelId="{DF5BB6C9-9E45-4CAB-9C15-B7182F42A99C}" type="pres">
+      <dgm:prSet presAssocID="{D4B13B7C-23CD-41E9-B2A8-D7218DB76E06}" presName="parentText" presStyleLbl="alignNode1" presStyleIdx="0" presStyleCnt="3">
+        <dgm:presLayoutVars>
+          <dgm:chMax val="1"/>
+          <dgm:bulletEnabled val="1"/>
+        </dgm:presLayoutVars>
+      </dgm:prSet>
+      <dgm:spPr/>
+      <dgm:t>
+        <a:bodyPr/>
+        <a:lstStyle/>
+        <a:p>
+          <a:endParaRPr lang="es-CO"/>
+        </a:p>
+      </dgm:t>
+    </dgm:pt>
+    <dgm:pt modelId="{6E9848F7-68E1-48C6-BB13-DEA1F84CC04E}" type="pres">
+      <dgm:prSet presAssocID="{D4B13B7C-23CD-41E9-B2A8-D7218DB76E06}" presName="descendantText" presStyleLbl="alignAcc1" presStyleIdx="0" presStyleCnt="3">
+        <dgm:presLayoutVars>
+          <dgm:bulletEnabled val="1"/>
+        </dgm:presLayoutVars>
+      </dgm:prSet>
+      <dgm:spPr/>
+      <dgm:t>
+        <a:bodyPr/>
+        <a:lstStyle/>
+        <a:p>
+          <a:endParaRPr lang="es-CO"/>
+        </a:p>
+      </dgm:t>
+    </dgm:pt>
+    <dgm:pt modelId="{B1749D95-8D19-46AA-B08D-D5495F2E8710}" type="pres">
+      <dgm:prSet presAssocID="{2740B821-3F79-4C93-AD78-6CB7CD837EE4}" presName="sp" presStyleCnt="0"/>
+      <dgm:spPr/>
+    </dgm:pt>
+    <dgm:pt modelId="{65997EA4-ED3F-42C7-A3B7-067986250A3D}" type="pres">
+      <dgm:prSet presAssocID="{E682E037-83BC-41E6-AA6E-FE6756453C04}" presName="composite" presStyleCnt="0"/>
+      <dgm:spPr/>
+    </dgm:pt>
+    <dgm:pt modelId="{5778CBEA-5F95-4CF0-A6FC-A81BEEEC37B4}" type="pres">
+      <dgm:prSet presAssocID="{E682E037-83BC-41E6-AA6E-FE6756453C04}" presName="parentText" presStyleLbl="alignNode1" presStyleIdx="1" presStyleCnt="3">
+        <dgm:presLayoutVars>
+          <dgm:chMax val="1"/>
+          <dgm:bulletEnabled val="1"/>
+        </dgm:presLayoutVars>
+      </dgm:prSet>
+      <dgm:spPr/>
+      <dgm:t>
+        <a:bodyPr/>
+        <a:lstStyle/>
+        <a:p>
+          <a:endParaRPr lang="es-CO"/>
+        </a:p>
+      </dgm:t>
+    </dgm:pt>
+    <dgm:pt modelId="{2662153C-1416-4660-852D-A4441E830C94}" type="pres">
+      <dgm:prSet presAssocID="{E682E037-83BC-41E6-AA6E-FE6756453C04}" presName="descendantText" presStyleLbl="alignAcc1" presStyleIdx="1" presStyleCnt="3">
+        <dgm:presLayoutVars>
+          <dgm:bulletEnabled val="1"/>
+        </dgm:presLayoutVars>
+      </dgm:prSet>
+      <dgm:spPr/>
+    </dgm:pt>
+    <dgm:pt modelId="{CB0ED73D-BF78-4A9C-8E10-A0B8B4E9AA6F}" type="pres">
+      <dgm:prSet presAssocID="{EB3D0CBC-75D1-41AA-B777-1BD9653BB507}" presName="sp" presStyleCnt="0"/>
+      <dgm:spPr/>
+    </dgm:pt>
+    <dgm:pt modelId="{C0C53549-ECF0-40C5-84D1-406EEC216DB9}" type="pres">
+      <dgm:prSet presAssocID="{ECD9AEB4-EC3F-4D00-AD4A-547438163494}" presName="composite" presStyleCnt="0"/>
+      <dgm:spPr/>
+    </dgm:pt>
+    <dgm:pt modelId="{D5015694-7BFA-4456-B83C-99A71055D49F}" type="pres">
+      <dgm:prSet presAssocID="{ECD9AEB4-EC3F-4D00-AD4A-547438163494}" presName="parentText" presStyleLbl="alignNode1" presStyleIdx="2" presStyleCnt="3">
+        <dgm:presLayoutVars>
+          <dgm:chMax val="1"/>
+          <dgm:bulletEnabled val="1"/>
+        </dgm:presLayoutVars>
+      </dgm:prSet>
+      <dgm:spPr/>
+      <dgm:t>
+        <a:bodyPr/>
+        <a:lstStyle/>
+        <a:p>
+          <a:endParaRPr lang="es-CO"/>
+        </a:p>
+      </dgm:t>
+    </dgm:pt>
+    <dgm:pt modelId="{78654283-8C91-4E07-8611-68C3F72CC5E0}" type="pres">
+      <dgm:prSet presAssocID="{ECD9AEB4-EC3F-4D00-AD4A-547438163494}" presName="descendantText" presStyleLbl="alignAcc1" presStyleIdx="2" presStyleCnt="3">
+        <dgm:presLayoutVars>
+          <dgm:bulletEnabled val="1"/>
+        </dgm:presLayoutVars>
+      </dgm:prSet>
+      <dgm:spPr/>
+      <dgm:t>
+        <a:bodyPr/>
+        <a:lstStyle/>
+        <a:p>
+          <a:endParaRPr lang="es-CO"/>
+        </a:p>
+      </dgm:t>
+    </dgm:pt>
+  </dgm:ptLst>
+  <dgm:cxnLst>
+    <dgm:cxn modelId="{C99DBD16-CC2A-43D2-B91A-8BA0CE0D332D}" type="presOf" srcId="{ECD9AEB4-EC3F-4D00-AD4A-547438163494}" destId="{D5015694-7BFA-4456-B83C-99A71055D49F}" srcOrd="0" destOrd="0" presId="urn:microsoft.com/office/officeart/2005/8/layout/chevron2"/>
+    <dgm:cxn modelId="{FCC5229E-03CE-4A1C-BBA2-1B8DEC8ABBC0}" type="presOf" srcId="{7F9B6672-9BD8-48EF-8920-BE92DC1453B8}" destId="{78654283-8C91-4E07-8611-68C3F72CC5E0}" srcOrd="0" destOrd="0" presId="urn:microsoft.com/office/officeart/2005/8/layout/chevron2"/>
+    <dgm:cxn modelId="{9A282A1E-E217-4C5C-BD29-9FFF085ADE3F}" type="presOf" srcId="{EE5B587C-A8FF-44EB-BF40-9B0F25F69CC5}" destId="{6E9848F7-68E1-48C6-BB13-DEA1F84CC04E}" srcOrd="0" destOrd="0" presId="urn:microsoft.com/office/officeart/2005/8/layout/chevron2"/>
+    <dgm:cxn modelId="{2BFA7CE4-F8A4-469D-8BA5-163AEE18C257}" srcId="{3BDF80C5-22E0-4FCF-A7BD-82B0CCE682E6}" destId="{E682E037-83BC-41E6-AA6E-FE6756453C04}" srcOrd="1" destOrd="0" parTransId="{6F392E04-97DC-45CC-A9EC-A4AA88BB129E}" sibTransId="{EB3D0CBC-75D1-41AA-B777-1BD9653BB507}"/>
+    <dgm:cxn modelId="{58CA30E1-F981-46B4-B14F-DC178CE9711A}" srcId="{E682E037-83BC-41E6-AA6E-FE6756453C04}" destId="{9D0F9E7C-1CCF-413D-B5AD-22E079175E79}" srcOrd="0" destOrd="0" parTransId="{CF1E87E0-3E5C-4678-84DF-C30759AA8E74}" sibTransId="{0B63B28F-FC9B-43F7-A0BF-519628AF5B73}"/>
+    <dgm:cxn modelId="{E959B989-688D-4579-BC8C-D86F3816D3B0}" type="presOf" srcId="{E682E037-83BC-41E6-AA6E-FE6756453C04}" destId="{5778CBEA-5F95-4CF0-A6FC-A81BEEEC37B4}" srcOrd="0" destOrd="0" presId="urn:microsoft.com/office/officeart/2005/8/layout/chevron2"/>
+    <dgm:cxn modelId="{00F663ED-7759-4B2E-956C-83F721BEECFA}" srcId="{ECD9AEB4-EC3F-4D00-AD4A-547438163494}" destId="{7F9B6672-9BD8-48EF-8920-BE92DC1453B8}" srcOrd="0" destOrd="0" parTransId="{9734F7E0-C1A6-42EC-A2AA-F7AB7B9840AB}" sibTransId="{2A78650B-F946-43C5-97A1-429BBB389670}"/>
+    <dgm:cxn modelId="{6AA7FA4D-1CF5-4766-8D29-31BC228FC6F3}" type="presOf" srcId="{3BDF80C5-22E0-4FCF-A7BD-82B0CCE682E6}" destId="{B6DE346E-94E0-4E6F-8A16-0571FEDBC976}" srcOrd="0" destOrd="0" presId="urn:microsoft.com/office/officeart/2005/8/layout/chevron2"/>
+    <dgm:cxn modelId="{16BD3010-62CC-4475-8224-95956E06158B}" srcId="{D4B13B7C-23CD-41E9-B2A8-D7218DB76E06}" destId="{EE5B587C-A8FF-44EB-BF40-9B0F25F69CC5}" srcOrd="0" destOrd="0" parTransId="{9F55680E-DC27-4434-8546-6747C5F004D1}" sibTransId="{BA2C19E7-DE52-4072-AC6A-DCE3FD4629F5}"/>
+    <dgm:cxn modelId="{6EB9C01C-DA6A-46BA-80E2-64C5682340AA}" srcId="{3BDF80C5-22E0-4FCF-A7BD-82B0CCE682E6}" destId="{ECD9AEB4-EC3F-4D00-AD4A-547438163494}" srcOrd="2" destOrd="0" parTransId="{32660082-9357-4232-924E-3D9AB216FE3D}" sibTransId="{F0133ED8-B0DA-4242-9257-60BEA76FE176}"/>
+    <dgm:cxn modelId="{476085F4-EC5B-406B-916C-723A94207458}" type="presOf" srcId="{D4B13B7C-23CD-41E9-B2A8-D7218DB76E06}" destId="{DF5BB6C9-9E45-4CAB-9C15-B7182F42A99C}" srcOrd="0" destOrd="0" presId="urn:microsoft.com/office/officeart/2005/8/layout/chevron2"/>
+    <dgm:cxn modelId="{62C3DE25-0E66-4594-B7AF-F80A75404C59}" srcId="{3BDF80C5-22E0-4FCF-A7BD-82B0CCE682E6}" destId="{D4B13B7C-23CD-41E9-B2A8-D7218DB76E06}" srcOrd="0" destOrd="0" parTransId="{82F4AB09-31E9-4CDD-99B4-CCE3D2CBB9B4}" sibTransId="{2740B821-3F79-4C93-AD78-6CB7CD837EE4}"/>
+    <dgm:cxn modelId="{0B1CC509-BC14-433A-96DB-C75DF5FF87F7}" type="presOf" srcId="{9D0F9E7C-1CCF-413D-B5AD-22E079175E79}" destId="{2662153C-1416-4660-852D-A4441E830C94}" srcOrd="0" destOrd="0" presId="urn:microsoft.com/office/officeart/2005/8/layout/chevron2"/>
+    <dgm:cxn modelId="{87AE0AFA-711A-48F8-AE38-6B8AB129DE2E}" type="presParOf" srcId="{B6DE346E-94E0-4E6F-8A16-0571FEDBC976}" destId="{A6AFA8C2-1E11-4E3A-8CC4-08C67015A3EF}" srcOrd="0" destOrd="0" presId="urn:microsoft.com/office/officeart/2005/8/layout/chevron2"/>
+    <dgm:cxn modelId="{7A9D8367-1D8B-4C18-8535-79B3E30854BA}" type="presParOf" srcId="{A6AFA8C2-1E11-4E3A-8CC4-08C67015A3EF}" destId="{DF5BB6C9-9E45-4CAB-9C15-B7182F42A99C}" srcOrd="0" destOrd="0" presId="urn:microsoft.com/office/officeart/2005/8/layout/chevron2"/>
+    <dgm:cxn modelId="{1A1DF163-9E22-4AB8-BC0E-E6ED9D74E215}" type="presParOf" srcId="{A6AFA8C2-1E11-4E3A-8CC4-08C67015A3EF}" destId="{6E9848F7-68E1-48C6-BB13-DEA1F84CC04E}" srcOrd="1" destOrd="0" presId="urn:microsoft.com/office/officeart/2005/8/layout/chevron2"/>
+    <dgm:cxn modelId="{6265EAC5-F1AE-40C2-8345-4D1BE5ED2440}" type="presParOf" srcId="{B6DE346E-94E0-4E6F-8A16-0571FEDBC976}" destId="{B1749D95-8D19-46AA-B08D-D5495F2E8710}" srcOrd="1" destOrd="0" presId="urn:microsoft.com/office/officeart/2005/8/layout/chevron2"/>
+    <dgm:cxn modelId="{F7EB965B-3EDF-4F9A-BDC2-333814B49C68}" type="presParOf" srcId="{B6DE346E-94E0-4E6F-8A16-0571FEDBC976}" destId="{65997EA4-ED3F-42C7-A3B7-067986250A3D}" srcOrd="2" destOrd="0" presId="urn:microsoft.com/office/officeart/2005/8/layout/chevron2"/>
+    <dgm:cxn modelId="{93F6B860-156B-469E-9F4C-8207DC0826AB}" type="presParOf" srcId="{65997EA4-ED3F-42C7-A3B7-067986250A3D}" destId="{5778CBEA-5F95-4CF0-A6FC-A81BEEEC37B4}" srcOrd="0" destOrd="0" presId="urn:microsoft.com/office/officeart/2005/8/layout/chevron2"/>
+    <dgm:cxn modelId="{2B6494A4-3C2C-4EB4-8F79-1742A1BF2375}" type="presParOf" srcId="{65997EA4-ED3F-42C7-A3B7-067986250A3D}" destId="{2662153C-1416-4660-852D-A4441E830C94}" srcOrd="1" destOrd="0" presId="urn:microsoft.com/office/officeart/2005/8/layout/chevron2"/>
+    <dgm:cxn modelId="{D63687F4-8061-438A-9A80-E65EA8A8B1BC}" type="presParOf" srcId="{B6DE346E-94E0-4E6F-8A16-0571FEDBC976}" destId="{CB0ED73D-BF78-4A9C-8E10-A0B8B4E9AA6F}" srcOrd="3" destOrd="0" presId="urn:microsoft.com/office/officeart/2005/8/layout/chevron2"/>
+    <dgm:cxn modelId="{4A34032B-2073-459E-8B87-041AA5E80C73}" type="presParOf" srcId="{B6DE346E-94E0-4E6F-8A16-0571FEDBC976}" destId="{C0C53549-ECF0-40C5-84D1-406EEC216DB9}" srcOrd="4" destOrd="0" presId="urn:microsoft.com/office/officeart/2005/8/layout/chevron2"/>
+    <dgm:cxn modelId="{D3E34EA5-27B9-457E-81AE-0E36F6F30AE4}" type="presParOf" srcId="{C0C53549-ECF0-40C5-84D1-406EEC216DB9}" destId="{D5015694-7BFA-4456-B83C-99A71055D49F}" srcOrd="0" destOrd="0" presId="urn:microsoft.com/office/officeart/2005/8/layout/chevron2"/>
+    <dgm:cxn modelId="{8EB96D94-FF61-419F-A10E-87DEBD50D8C2}" type="presParOf" srcId="{C0C53549-ECF0-40C5-84D1-406EEC216DB9}" destId="{78654283-8C91-4E07-8611-68C3F72CC5E0}" srcOrd="1" destOrd="0" presId="urn:microsoft.com/office/officeart/2005/8/layout/chevron2"/>
   </dgm:cxnLst>
   <dgm:bg/>
   <dgm:whole/>
@@ -3099,11 +4985,7 @@
           </a:r>
           <a:r>
             <a:rPr lang="es-ES" sz="1300" b="1" kern="1200" dirty="0" smtClean="0"/>
-            <a:t> de </a:t>
-          </a:r>
-          <a:r>
-            <a:rPr lang="es-ES" sz="1300" b="1" kern="1200" dirty="0" smtClean="0"/>
-            <a:t>Compra Directa</a:t>
+            <a:t> de Compra Directa</a:t>
           </a:r>
           <a:endParaRPr lang="es-ES" sz="1300" b="1" kern="1200" dirty="0"/>
         </a:p>
@@ -5187,6 +7069,492 @@
 </dsp:drawing>
 </file>
 
+<file path=ppt/diagrams/drawing3.xml><?xml version="1.0" encoding="utf-8"?>
+<dsp:drawing xmlns:dgm="http://schemas.openxmlformats.org/drawingml/2006/diagram" xmlns:a="http://schemas.openxmlformats.org/drawingml/2006/main" xmlns:dsp="http://schemas.microsoft.com/office/drawing/2008/diagram">
+  <dsp:spTree>
+    <dsp:nvGrpSpPr>
+      <dsp:cNvPr id="0" name=""/>
+      <dsp:cNvGrpSpPr/>
+    </dsp:nvGrpSpPr>
+    <dsp:grpSpPr/>
+    <dsp:sp modelId="{DF5BB6C9-9E45-4CAB-9C15-B7182F42A99C}">
+      <dsp:nvSpPr>
+        <dsp:cNvPr id="0" name=""/>
+        <dsp:cNvSpPr/>
+      </dsp:nvSpPr>
+      <dsp:spPr>
+        <a:xfrm rot="5400000">
+          <a:off x="-222646" y="223826"/>
+          <a:ext cx="1484312" cy="1039018"/>
+        </a:xfrm>
+        <a:prstGeom prst="chevron">
+          <a:avLst/>
+        </a:prstGeom>
+        <a:solidFill>
+          <a:schemeClr val="accent1">
+            <a:hueOff val="0"/>
+            <a:satOff val="0"/>
+            <a:lumOff val="0"/>
+            <a:alphaOff val="0"/>
+          </a:schemeClr>
+        </a:solidFill>
+        <a:ln w="25400" cap="flat" cmpd="sng" algn="ctr">
+          <a:solidFill>
+            <a:schemeClr val="accent1">
+              <a:hueOff val="0"/>
+              <a:satOff val="0"/>
+              <a:lumOff val="0"/>
+              <a:alphaOff val="0"/>
+            </a:schemeClr>
+          </a:solidFill>
+          <a:prstDash val="solid"/>
+        </a:ln>
+        <a:effectLst/>
+      </dsp:spPr>
+      <dsp:style>
+        <a:lnRef idx="2">
+          <a:scrgbClr r="0" g="0" b="0"/>
+        </a:lnRef>
+        <a:fillRef idx="1">
+          <a:scrgbClr r="0" g="0" b="0"/>
+        </a:fillRef>
+        <a:effectRef idx="0">
+          <a:scrgbClr r="0" g="0" b="0"/>
+        </a:effectRef>
+        <a:fontRef idx="minor">
+          <a:schemeClr val="lt1"/>
+        </a:fontRef>
+      </dsp:style>
+      <dsp:txBody>
+        <a:bodyPr spcFirstLastPara="0" vert="horz" wrap="square" lIns="11430" tIns="11430" rIns="11430" bIns="11430" numCol="1" spcCol="1270" anchor="ctr" anchorCtr="0">
+          <a:noAutofit/>
+        </a:bodyPr>
+        <a:lstStyle/>
+        <a:p>
+          <a:pPr lvl="0" algn="ctr" defTabSz="800100">
+            <a:lnSpc>
+              <a:spcPct val="90000"/>
+            </a:lnSpc>
+            <a:spcBef>
+              <a:spcPct val="0"/>
+            </a:spcBef>
+            <a:spcAft>
+              <a:spcPct val="35000"/>
+            </a:spcAft>
+          </a:pPr>
+          <a:r>
+            <a:rPr lang="en-US" sz="1800" b="1" kern="1200" dirty="0" smtClean="0"/>
+            <a:t>L1</a:t>
+          </a:r>
+          <a:endParaRPr lang="es-CO" sz="1200" b="1" kern="1200" dirty="0"/>
+        </a:p>
+      </dsp:txBody>
+      <dsp:txXfrm rot="5400000">
+        <a:off x="-222646" y="223826"/>
+        <a:ext cx="1484312" cy="1039018"/>
+      </dsp:txXfrm>
+    </dsp:sp>
+    <dsp:sp modelId="{6E9848F7-68E1-48C6-BB13-DEA1F84CC04E}">
+      <dsp:nvSpPr>
+        <dsp:cNvPr id="0" name=""/>
+        <dsp:cNvSpPr/>
+      </dsp:nvSpPr>
+      <dsp:spPr>
+        <a:xfrm rot="5400000">
+          <a:off x="3847107" y="-2806909"/>
+          <a:ext cx="964803" cy="6580981"/>
+        </a:xfrm>
+        <a:prstGeom prst="round2SameRect">
+          <a:avLst/>
+        </a:prstGeom>
+        <a:solidFill>
+          <a:schemeClr val="lt1">
+            <a:alpha val="90000"/>
+            <a:hueOff val="0"/>
+            <a:satOff val="0"/>
+            <a:lumOff val="0"/>
+            <a:alphaOff val="0"/>
+          </a:schemeClr>
+        </a:solidFill>
+        <a:ln w="25400" cap="flat" cmpd="sng" algn="ctr">
+          <a:solidFill>
+            <a:schemeClr val="accent1">
+              <a:hueOff val="0"/>
+              <a:satOff val="0"/>
+              <a:lumOff val="0"/>
+              <a:alphaOff val="0"/>
+            </a:schemeClr>
+          </a:solidFill>
+          <a:prstDash val="solid"/>
+        </a:ln>
+        <a:effectLst/>
+      </dsp:spPr>
+      <dsp:style>
+        <a:lnRef idx="2">
+          <a:scrgbClr r="0" g="0" b="0"/>
+        </a:lnRef>
+        <a:fillRef idx="1">
+          <a:scrgbClr r="0" g="0" b="0"/>
+        </a:fillRef>
+        <a:effectRef idx="0">
+          <a:scrgbClr r="0" g="0" b="0"/>
+        </a:effectRef>
+        <a:fontRef idx="minor"/>
+      </dsp:style>
+      <dsp:txBody>
+        <a:bodyPr spcFirstLastPara="0" vert="horz" wrap="square" lIns="85344" tIns="7620" rIns="7620" bIns="7620" numCol="1" spcCol="1270" anchor="ctr" anchorCtr="0">
+          <a:noAutofit/>
+        </a:bodyPr>
+        <a:lstStyle/>
+        <a:p>
+          <a:pPr marL="114300" lvl="1" indent="-114300" algn="l" defTabSz="533400">
+            <a:lnSpc>
+              <a:spcPct val="90000"/>
+            </a:lnSpc>
+            <a:spcBef>
+              <a:spcPct val="0"/>
+            </a:spcBef>
+            <a:spcAft>
+              <a:spcPct val="15000"/>
+            </a:spcAft>
+            <a:buChar char="••"/>
+          </a:pPr>
+          <a:r>
+            <a:rPr lang="es-CO" sz="1200" kern="1200" dirty="0" smtClean="0"/>
+            <a:t>Se deben tener en cuenta tareas de soporte dentro del cronograma, inicialmente solo se están considerando tareas de diseño, planeación y desarrollo, pero existen tareas de configuración que pueden consumir gran cantidad de tiempo y no pueden ser ignoradas.</a:t>
+          </a:r>
+          <a:endParaRPr lang="es-CO" sz="1200" kern="1200" dirty="0"/>
+        </a:p>
+      </dsp:txBody>
+      <dsp:txXfrm rot="5400000">
+        <a:off x="3847107" y="-2806909"/>
+        <a:ext cx="964803" cy="6580981"/>
+      </dsp:txXfrm>
+    </dsp:sp>
+    <dsp:sp modelId="{5778CBEA-5F95-4CF0-A6FC-A81BEEEC37B4}">
+      <dsp:nvSpPr>
+        <dsp:cNvPr id="0" name=""/>
+        <dsp:cNvSpPr/>
+      </dsp:nvSpPr>
+      <dsp:spPr>
+        <a:xfrm rot="5400000">
+          <a:off x="-222646" y="1512490"/>
+          <a:ext cx="1484312" cy="1039018"/>
+        </a:xfrm>
+        <a:prstGeom prst="chevron">
+          <a:avLst/>
+        </a:prstGeom>
+        <a:solidFill>
+          <a:schemeClr val="accent1">
+            <a:hueOff val="0"/>
+            <a:satOff val="0"/>
+            <a:lumOff val="0"/>
+            <a:alphaOff val="0"/>
+          </a:schemeClr>
+        </a:solidFill>
+        <a:ln w="25400" cap="flat" cmpd="sng" algn="ctr">
+          <a:solidFill>
+            <a:schemeClr val="accent1">
+              <a:hueOff val="0"/>
+              <a:satOff val="0"/>
+              <a:lumOff val="0"/>
+              <a:alphaOff val="0"/>
+            </a:schemeClr>
+          </a:solidFill>
+          <a:prstDash val="solid"/>
+        </a:ln>
+        <a:effectLst/>
+      </dsp:spPr>
+      <dsp:style>
+        <a:lnRef idx="2">
+          <a:scrgbClr r="0" g="0" b="0"/>
+        </a:lnRef>
+        <a:fillRef idx="1">
+          <a:scrgbClr r="0" g="0" b="0"/>
+        </a:fillRef>
+        <a:effectRef idx="0">
+          <a:scrgbClr r="0" g="0" b="0"/>
+        </a:effectRef>
+        <a:fontRef idx="minor">
+          <a:schemeClr val="lt1"/>
+        </a:fontRef>
+      </dsp:style>
+      <dsp:txBody>
+        <a:bodyPr spcFirstLastPara="0" vert="horz" wrap="square" lIns="11430" tIns="11430" rIns="11430" bIns="11430" numCol="1" spcCol="1270" anchor="ctr" anchorCtr="0">
+          <a:noAutofit/>
+        </a:bodyPr>
+        <a:lstStyle/>
+        <a:p>
+          <a:pPr lvl="0" algn="ctr" defTabSz="800100">
+            <a:lnSpc>
+              <a:spcPct val="90000"/>
+            </a:lnSpc>
+            <a:spcBef>
+              <a:spcPct val="0"/>
+            </a:spcBef>
+            <a:spcAft>
+              <a:spcPct val="35000"/>
+            </a:spcAft>
+          </a:pPr>
+          <a:r>
+            <a:rPr lang="en-US" sz="1800" b="1" kern="1200" dirty="0" smtClean="0"/>
+            <a:t>L2</a:t>
+          </a:r>
+          <a:endParaRPr lang="es-CO" sz="1800" b="1" kern="1200" dirty="0"/>
+        </a:p>
+      </dsp:txBody>
+      <dsp:txXfrm rot="5400000">
+        <a:off x="-222646" y="1512490"/>
+        <a:ext cx="1484312" cy="1039018"/>
+      </dsp:txXfrm>
+    </dsp:sp>
+    <dsp:sp modelId="{2662153C-1416-4660-852D-A4441E830C94}">
+      <dsp:nvSpPr>
+        <dsp:cNvPr id="0" name=""/>
+        <dsp:cNvSpPr/>
+      </dsp:nvSpPr>
+      <dsp:spPr>
+        <a:xfrm rot="5400000">
+          <a:off x="3847107" y="-1518245"/>
+          <a:ext cx="964803" cy="6580981"/>
+        </a:xfrm>
+        <a:prstGeom prst="round2SameRect">
+          <a:avLst/>
+        </a:prstGeom>
+        <a:solidFill>
+          <a:schemeClr val="lt1">
+            <a:alpha val="90000"/>
+            <a:hueOff val="0"/>
+            <a:satOff val="0"/>
+            <a:lumOff val="0"/>
+            <a:alphaOff val="0"/>
+          </a:schemeClr>
+        </a:solidFill>
+        <a:ln w="25400" cap="flat" cmpd="sng" algn="ctr">
+          <a:solidFill>
+            <a:schemeClr val="accent1">
+              <a:hueOff val="0"/>
+              <a:satOff val="0"/>
+              <a:lumOff val="0"/>
+              <a:alphaOff val="0"/>
+            </a:schemeClr>
+          </a:solidFill>
+          <a:prstDash val="solid"/>
+        </a:ln>
+        <a:effectLst/>
+      </dsp:spPr>
+      <dsp:style>
+        <a:lnRef idx="2">
+          <a:scrgbClr r="0" g="0" b="0"/>
+        </a:lnRef>
+        <a:fillRef idx="1">
+          <a:scrgbClr r="0" g="0" b="0"/>
+        </a:fillRef>
+        <a:effectRef idx="0">
+          <a:scrgbClr r="0" g="0" b="0"/>
+        </a:effectRef>
+        <a:fontRef idx="minor"/>
+      </dsp:style>
+      <dsp:txBody>
+        <a:bodyPr spcFirstLastPara="0" vert="horz" wrap="square" lIns="85344" tIns="7620" rIns="7620" bIns="7620" numCol="1" spcCol="1270" anchor="ctr" anchorCtr="0">
+          <a:noAutofit/>
+        </a:bodyPr>
+        <a:lstStyle/>
+        <a:p>
+          <a:pPr marL="114300" lvl="1" indent="-114300" algn="l" defTabSz="533400">
+            <a:lnSpc>
+              <a:spcPct val="90000"/>
+            </a:lnSpc>
+            <a:spcBef>
+              <a:spcPct val="0"/>
+            </a:spcBef>
+            <a:spcAft>
+              <a:spcPct val="15000"/>
+            </a:spcAft>
+            <a:buChar char="••"/>
+          </a:pPr>
+          <a:r>
+            <a:rPr lang="es-CO" sz="1200" kern="1200" dirty="0" smtClean="0"/>
+            <a:t>Las actividades de configuración o aprendizaje de las aplicaciones o sistemas conllevan un tiempo extra que no es considerado, para el caso concreto del </a:t>
+          </a:r>
+          <a:r>
+            <a:rPr lang="es-CO" sz="1200" kern="1200" dirty="0" err="1" smtClean="0"/>
+            <a:t>MarketPlace</a:t>
+          </a:r>
+          <a:r>
+            <a:rPr lang="es-CO" sz="1200" kern="1200" dirty="0" smtClean="0"/>
+            <a:t> las herramientas bajo las que está desarrollado no son dominadas en un 100% por el grupo, por lo que se deben seguir incluyendo actividades de capacitación.</a:t>
+          </a:r>
+          <a:endParaRPr lang="es-CO" sz="1200" kern="1200" dirty="0"/>
+        </a:p>
+      </dsp:txBody>
+      <dsp:txXfrm rot="5400000">
+        <a:off x="3847107" y="-1518245"/>
+        <a:ext cx="964803" cy="6580981"/>
+      </dsp:txXfrm>
+    </dsp:sp>
+    <dsp:sp modelId="{D5015694-7BFA-4456-B83C-99A71055D49F}">
+      <dsp:nvSpPr>
+        <dsp:cNvPr id="0" name=""/>
+        <dsp:cNvSpPr/>
+      </dsp:nvSpPr>
+      <dsp:spPr>
+        <a:xfrm rot="5400000">
+          <a:off x="-222646" y="2801154"/>
+          <a:ext cx="1484312" cy="1039018"/>
+        </a:xfrm>
+        <a:prstGeom prst="chevron">
+          <a:avLst/>
+        </a:prstGeom>
+        <a:solidFill>
+          <a:schemeClr val="accent1">
+            <a:hueOff val="0"/>
+            <a:satOff val="0"/>
+            <a:lumOff val="0"/>
+            <a:alphaOff val="0"/>
+          </a:schemeClr>
+        </a:solidFill>
+        <a:ln w="25400" cap="flat" cmpd="sng" algn="ctr">
+          <a:solidFill>
+            <a:schemeClr val="accent1">
+              <a:hueOff val="0"/>
+              <a:satOff val="0"/>
+              <a:lumOff val="0"/>
+              <a:alphaOff val="0"/>
+            </a:schemeClr>
+          </a:solidFill>
+          <a:prstDash val="solid"/>
+        </a:ln>
+        <a:effectLst/>
+      </dsp:spPr>
+      <dsp:style>
+        <a:lnRef idx="2">
+          <a:scrgbClr r="0" g="0" b="0"/>
+        </a:lnRef>
+        <a:fillRef idx="1">
+          <a:scrgbClr r="0" g="0" b="0"/>
+        </a:fillRef>
+        <a:effectRef idx="0">
+          <a:scrgbClr r="0" g="0" b="0"/>
+        </a:effectRef>
+        <a:fontRef idx="minor">
+          <a:schemeClr val="lt1"/>
+        </a:fontRef>
+      </dsp:style>
+      <dsp:txBody>
+        <a:bodyPr spcFirstLastPara="0" vert="horz" wrap="square" lIns="11430" tIns="11430" rIns="11430" bIns="11430" numCol="1" spcCol="1270" anchor="ctr" anchorCtr="0">
+          <a:noAutofit/>
+        </a:bodyPr>
+        <a:lstStyle/>
+        <a:p>
+          <a:pPr lvl="0" algn="ctr" defTabSz="800100">
+            <a:lnSpc>
+              <a:spcPct val="90000"/>
+            </a:lnSpc>
+            <a:spcBef>
+              <a:spcPct val="0"/>
+            </a:spcBef>
+            <a:spcAft>
+              <a:spcPct val="35000"/>
+            </a:spcAft>
+          </a:pPr>
+          <a:r>
+            <a:rPr lang="en-US" sz="1800" b="1" kern="1200" dirty="0" smtClean="0"/>
+            <a:t>L3</a:t>
+          </a:r>
+          <a:endParaRPr lang="es-CO" sz="1800" b="1" kern="1200" dirty="0"/>
+        </a:p>
+      </dsp:txBody>
+      <dsp:txXfrm rot="5400000">
+        <a:off x="-222646" y="2801154"/>
+        <a:ext cx="1484312" cy="1039018"/>
+      </dsp:txXfrm>
+    </dsp:sp>
+    <dsp:sp modelId="{78654283-8C91-4E07-8611-68C3F72CC5E0}">
+      <dsp:nvSpPr>
+        <dsp:cNvPr id="0" name=""/>
+        <dsp:cNvSpPr/>
+      </dsp:nvSpPr>
+      <dsp:spPr>
+        <a:xfrm rot="5400000">
+          <a:off x="3847107" y="-229581"/>
+          <a:ext cx="964803" cy="6580981"/>
+        </a:xfrm>
+        <a:prstGeom prst="round2SameRect">
+          <a:avLst/>
+        </a:prstGeom>
+        <a:solidFill>
+          <a:schemeClr val="lt1">
+            <a:alpha val="90000"/>
+            <a:hueOff val="0"/>
+            <a:satOff val="0"/>
+            <a:lumOff val="0"/>
+            <a:alphaOff val="0"/>
+          </a:schemeClr>
+        </a:solidFill>
+        <a:ln w="25400" cap="flat" cmpd="sng" algn="ctr">
+          <a:solidFill>
+            <a:schemeClr val="accent1">
+              <a:hueOff val="0"/>
+              <a:satOff val="0"/>
+              <a:lumOff val="0"/>
+              <a:alphaOff val="0"/>
+            </a:schemeClr>
+          </a:solidFill>
+          <a:prstDash val="solid"/>
+        </a:ln>
+        <a:effectLst/>
+      </dsp:spPr>
+      <dsp:style>
+        <a:lnRef idx="2">
+          <a:scrgbClr r="0" g="0" b="0"/>
+        </a:lnRef>
+        <a:fillRef idx="1">
+          <a:scrgbClr r="0" g="0" b="0"/>
+        </a:fillRef>
+        <a:effectRef idx="0">
+          <a:scrgbClr r="0" g="0" b="0"/>
+        </a:effectRef>
+        <a:fontRef idx="minor"/>
+      </dsp:style>
+      <dsp:txBody>
+        <a:bodyPr spcFirstLastPara="0" vert="horz" wrap="square" lIns="85344" tIns="7620" rIns="7620" bIns="7620" numCol="1" spcCol="1270" anchor="ctr" anchorCtr="0">
+          <a:noAutofit/>
+        </a:bodyPr>
+        <a:lstStyle/>
+        <a:p>
+          <a:pPr marL="114300" lvl="1" indent="-114300" algn="l" defTabSz="533400">
+            <a:lnSpc>
+              <a:spcPct val="90000"/>
+            </a:lnSpc>
+            <a:spcBef>
+              <a:spcPct val="0"/>
+            </a:spcBef>
+            <a:spcAft>
+              <a:spcPct val="15000"/>
+            </a:spcAft>
+            <a:buChar char="••"/>
+          </a:pPr>
+          <a:r>
+            <a:rPr lang="es-CO" sz="1200" kern="1200" dirty="0" smtClean="0"/>
+            <a:t>Para próximos ciclos Se debe validar el entendimiento de proyecto a desarrollar, esto implica que dentro del grupo se conozca el proceso entero desde la UI (que pantallas nuevas existen y saber que datos se envían al OSB y/o al BPEL) hasta la base de datos (saber que registros se afectan, que columnas o tablas se requieren, que datos se necesitan)  pasando por el BPEL y </a:t>
+          </a:r>
+          <a:r>
+            <a:rPr lang="es-CO" sz="1200" kern="1200" smtClean="0"/>
+            <a:t>el OSB.</a:t>
+          </a:r>
+          <a:endParaRPr lang="es-CO" sz="1200" kern="1200" dirty="0"/>
+        </a:p>
+      </dsp:txBody>
+      <dsp:txXfrm rot="5400000">
+        <a:off x="3847107" y="-229581"/>
+        <a:ext cx="964803" cy="6580981"/>
+      </dsp:txXfrm>
+    </dsp:sp>
+  </dsp:spTree>
+</dsp:drawing>
+</file>
+
 <file path=ppt/diagrams/layout1.xml><?xml version="1.0" encoding="utf-8"?>
 <dgm:layoutDef xmlns:dgm="http://schemas.openxmlformats.org/drawingml/2006/diagram" xmlns:a="http://schemas.openxmlformats.org/drawingml/2006/main" uniqueId="urn:microsoft.com/office/officeart/2005/8/layout/arrow2">
   <dgm:title val=""/>
@@ -7124,6 +9492,262 @@
 </dgm:layoutDef>
 </file>
 
+<file path=ppt/diagrams/layout3.xml><?xml version="1.0" encoding="utf-8"?>
+<dgm:layoutDef xmlns:dgm="http://schemas.openxmlformats.org/drawingml/2006/diagram" xmlns:a="http://schemas.openxmlformats.org/drawingml/2006/main" uniqueId="urn:microsoft.com/office/officeart/2005/8/layout/chevron2">
+  <dgm:title val=""/>
+  <dgm:desc val=""/>
+  <dgm:catLst>
+    <dgm:cat type="process" pri="12000"/>
+    <dgm:cat type="list" pri="16000"/>
+    <dgm:cat type="convert" pri="11000"/>
+  </dgm:catLst>
+  <dgm:sampData>
+    <dgm:dataModel>
+      <dgm:ptLst>
+        <dgm:pt modelId="0" type="doc"/>
+        <dgm:pt modelId="1">
+          <dgm:prSet phldr="1"/>
+        </dgm:pt>
+        <dgm:pt modelId="11">
+          <dgm:prSet phldr="1"/>
+        </dgm:pt>
+        <dgm:pt modelId="12">
+          <dgm:prSet phldr="1"/>
+        </dgm:pt>
+        <dgm:pt modelId="2">
+          <dgm:prSet phldr="1"/>
+        </dgm:pt>
+        <dgm:pt modelId="21">
+          <dgm:prSet phldr="1"/>
+        </dgm:pt>
+        <dgm:pt modelId="22">
+          <dgm:prSet phldr="1"/>
+        </dgm:pt>
+        <dgm:pt modelId="3">
+          <dgm:prSet phldr="1"/>
+        </dgm:pt>
+        <dgm:pt modelId="31">
+          <dgm:prSet phldr="1"/>
+        </dgm:pt>
+        <dgm:pt modelId="32">
+          <dgm:prSet phldr="1"/>
+        </dgm:pt>
+      </dgm:ptLst>
+      <dgm:cxnLst>
+        <dgm:cxn modelId="4" srcId="0" destId="1" srcOrd="0" destOrd="0"/>
+        <dgm:cxn modelId="5" srcId="0" destId="2" srcOrd="1" destOrd="0"/>
+        <dgm:cxn modelId="6" srcId="0" destId="3" srcOrd="2" destOrd="0"/>
+        <dgm:cxn modelId="13" srcId="1" destId="11" srcOrd="0" destOrd="0"/>
+        <dgm:cxn modelId="14" srcId="1" destId="12" srcOrd="1" destOrd="0"/>
+        <dgm:cxn modelId="23" srcId="2" destId="21" srcOrd="0" destOrd="0"/>
+        <dgm:cxn modelId="24" srcId="2" destId="22" srcOrd="1" destOrd="0"/>
+        <dgm:cxn modelId="33" srcId="3" destId="31" srcOrd="0" destOrd="0"/>
+        <dgm:cxn modelId="34" srcId="3" destId="32" srcOrd="1" destOrd="0"/>
+      </dgm:cxnLst>
+      <dgm:bg/>
+      <dgm:whole/>
+    </dgm:dataModel>
+  </dgm:sampData>
+  <dgm:styleData>
+    <dgm:dataModel>
+      <dgm:ptLst>
+        <dgm:pt modelId="0" type="doc"/>
+        <dgm:pt modelId="1"/>
+      </dgm:ptLst>
+      <dgm:cxnLst>
+        <dgm:cxn modelId="4" srcId="0" destId="1" srcOrd="0" destOrd="0"/>
+      </dgm:cxnLst>
+      <dgm:bg/>
+      <dgm:whole/>
+    </dgm:dataModel>
+  </dgm:styleData>
+  <dgm:clrData>
+    <dgm:dataModel>
+      <dgm:ptLst>
+        <dgm:pt modelId="0" type="doc"/>
+        <dgm:pt modelId="1"/>
+        <dgm:pt modelId="11"/>
+        <dgm:pt modelId="2"/>
+        <dgm:pt modelId="21"/>
+        <dgm:pt modelId="3"/>
+        <dgm:pt modelId="31"/>
+        <dgm:pt modelId="4"/>
+        <dgm:pt modelId="41"/>
+      </dgm:ptLst>
+      <dgm:cxnLst>
+        <dgm:cxn modelId="5" srcId="0" destId="1" srcOrd="0" destOrd="0"/>
+        <dgm:cxn modelId="6" srcId="0" destId="2" srcOrd="1" destOrd="0"/>
+        <dgm:cxn modelId="7" srcId="0" destId="3" srcOrd="2" destOrd="0"/>
+        <dgm:cxn modelId="8" srcId="0" destId="4" srcOrd="3" destOrd="0"/>
+        <dgm:cxn modelId="13" srcId="1" destId="11" srcOrd="0" destOrd="0"/>
+        <dgm:cxn modelId="23" srcId="2" destId="21" srcOrd="0" destOrd="0"/>
+        <dgm:cxn modelId="33" srcId="3" destId="31" srcOrd="0" destOrd="0"/>
+        <dgm:cxn modelId="43" srcId="4" destId="41" srcOrd="0" destOrd="0"/>
+      </dgm:cxnLst>
+      <dgm:bg/>
+      <dgm:whole/>
+    </dgm:dataModel>
+  </dgm:clrData>
+  <dgm:layoutNode name="linearFlow">
+    <dgm:varLst>
+      <dgm:dir/>
+      <dgm:animLvl val="lvl"/>
+      <dgm:resizeHandles val="exact"/>
+    </dgm:varLst>
+    <dgm:alg type="lin">
+      <dgm:param type="linDir" val="fromT"/>
+      <dgm:param type="nodeHorzAlign" val="l"/>
+    </dgm:alg>
+    <dgm:shape xmlns:r="http://schemas.openxmlformats.org/officeDocument/2006/relationships" r:blip="">
+      <dgm:adjLst/>
+    </dgm:shape>
+    <dgm:presOf/>
+    <dgm:constrLst>
+      <dgm:constr type="h" for="ch" forName="composite" refType="h"/>
+      <dgm:constr type="w" for="ch" forName="composite" refType="w"/>
+      <dgm:constr type="h" for="des" forName="parentText" op="equ"/>
+      <dgm:constr type="h" for="ch" forName="sp" val="-14.88"/>
+      <dgm:constr type="h" for="ch" forName="sp" refType="w" refFor="des" refForName="parentText" op="gte" fact="-0.3"/>
+      <dgm:constr type="primFontSz" for="des" forName="parentText" op="equ" val="65"/>
+      <dgm:constr type="primFontSz" for="des" forName="descendantText" op="equ" val="65"/>
+    </dgm:constrLst>
+    <dgm:ruleLst/>
+    <dgm:forEach name="Name0" axis="ch" ptType="node">
+      <dgm:layoutNode name="composite">
+        <dgm:alg type="composite"/>
+        <dgm:shape xmlns:r="http://schemas.openxmlformats.org/officeDocument/2006/relationships" r:blip="">
+          <dgm:adjLst/>
+        </dgm:shape>
+        <dgm:presOf/>
+        <dgm:choose name="Name1">
+          <dgm:if name="Name2" func="var" arg="dir" op="equ" val="norm">
+            <dgm:constrLst>
+              <dgm:constr type="t" for="ch" forName="parentText"/>
+              <dgm:constr type="l" for="ch" forName="parentText"/>
+              <dgm:constr type="w" for="ch" forName="parentText" refType="w" fact="0.4"/>
+              <dgm:constr type="h" for="ch" forName="parentText" refType="h"/>
+              <dgm:constr type="w" for="ch" forName="parentText" refType="w" op="lte" fact="0.5"/>
+              <dgm:constr type="w" for="ch" forName="parentText" refType="h" refFor="ch" refForName="parentText" op="lte" fact="0.7"/>
+              <dgm:constr type="h" for="ch" forName="parentText" refType="w" refFor="ch" refForName="parentText" op="lte" fact="3"/>
+              <dgm:constr type="l" for="ch" forName="descendantText" refType="w" refFor="ch" refForName="parentText"/>
+              <dgm:constr type="w" for="ch" forName="descendantText" refType="w"/>
+              <dgm:constr type="wOff" for="ch" forName="descendantText" refType="w" refFor="ch" refForName="parentText" fact="-1"/>
+              <dgm:constr type="t" for="ch" forName="descendantText"/>
+              <dgm:constr type="b" for="ch" forName="descendantText" refType="h" refFor="ch" refForName="parentText"/>
+              <dgm:constr type="bOff" for="ch" forName="descendantText" refType="w" refFor="ch" refForName="parentText" fact="-0.5"/>
+            </dgm:constrLst>
+          </dgm:if>
+          <dgm:else name="Name3">
+            <dgm:constrLst>
+              <dgm:constr type="t" for="ch" forName="parentText"/>
+              <dgm:constr type="r" for="ch" forName="parentText" refType="w"/>
+              <dgm:constr type="w" for="ch" forName="parentText" refType="w" fact="0.4"/>
+              <dgm:constr type="h" for="ch" forName="parentText" refType="h"/>
+              <dgm:constr type="w" for="ch" forName="parentText" refType="w" op="lte" fact="0.5"/>
+              <dgm:constr type="w" for="ch" forName="parentText" refType="h" refFor="ch" refForName="parentText" op="lte" fact="0.7"/>
+              <dgm:constr type="h" for="ch" forName="parentText" refType="w" refFor="ch" refForName="parentText" op="lte" fact="3"/>
+              <dgm:constr type="l" for="ch" forName="descendantText"/>
+              <dgm:constr type="w" for="ch" forName="descendantText" refType="w"/>
+              <dgm:constr type="wOff" for="ch" forName="descendantText" refType="w" refFor="ch" refForName="parentText" fact="-1"/>
+              <dgm:constr type="t" for="ch" forName="descendantText"/>
+              <dgm:constr type="b" for="ch" forName="descendantText" refType="h" refFor="ch" refForName="parentText"/>
+              <dgm:constr type="bOff" for="ch" forName="descendantText" refType="w" refFor="ch" refForName="parentText" fact="-0.5"/>
+            </dgm:constrLst>
+          </dgm:else>
+        </dgm:choose>
+        <dgm:ruleLst/>
+        <dgm:layoutNode name="parentText" styleLbl="alignNode1">
+          <dgm:varLst>
+            <dgm:chMax val="1"/>
+            <dgm:bulletEnabled val="1"/>
+          </dgm:varLst>
+          <dgm:alg type="tx"/>
+          <dgm:shape xmlns:r="http://schemas.openxmlformats.org/officeDocument/2006/relationships" rot="90" type="chevron" r:blip="">
+            <dgm:adjLst/>
+          </dgm:shape>
+          <dgm:presOf axis="self" ptType="node"/>
+          <dgm:constrLst>
+            <dgm:constr type="lMarg" refType="primFontSz" fact="0.05"/>
+            <dgm:constr type="rMarg" refType="primFontSz" fact="0.05"/>
+            <dgm:constr type="tMarg" refType="primFontSz" fact="0.05"/>
+            <dgm:constr type="bMarg" refType="primFontSz" fact="0.05"/>
+          </dgm:constrLst>
+          <dgm:ruleLst>
+            <dgm:rule type="h" val="100" fact="NaN" max="NaN"/>
+            <dgm:rule type="primFontSz" val="24" fact="NaN" max="NaN"/>
+            <dgm:rule type="h" val="110" fact="NaN" max="NaN"/>
+            <dgm:rule type="primFontSz" val="18" fact="NaN" max="NaN"/>
+            <dgm:rule type="h" val="INF" fact="NaN" max="NaN"/>
+            <dgm:rule type="primFontSz" val="5" fact="NaN" max="NaN"/>
+          </dgm:ruleLst>
+        </dgm:layoutNode>
+        <dgm:layoutNode name="descendantText" styleLbl="alignAcc1">
+          <dgm:varLst>
+            <dgm:bulletEnabled val="1"/>
+          </dgm:varLst>
+          <dgm:choose name="Name4">
+            <dgm:if name="Name5" func="var" arg="dir" op="equ" val="norm">
+              <dgm:alg type="tx">
+                <dgm:param type="stBulletLvl" val="1"/>
+                <dgm:param type="txAnchorVertCh" val="mid"/>
+              </dgm:alg>
+              <dgm:shape xmlns:r="http://schemas.openxmlformats.org/officeDocument/2006/relationships" rot="90" type="round2SameRect" r:blip="">
+                <dgm:adjLst/>
+              </dgm:shape>
+            </dgm:if>
+            <dgm:else name="Name6">
+              <dgm:alg type="tx">
+                <dgm:param type="stBulletLvl" val="1"/>
+                <dgm:param type="txAnchorVertCh" val="mid"/>
+              </dgm:alg>
+              <dgm:shape xmlns:r="http://schemas.openxmlformats.org/officeDocument/2006/relationships" rot="-90" type="round2SameRect" r:blip="">
+                <dgm:adjLst/>
+              </dgm:shape>
+            </dgm:else>
+          </dgm:choose>
+          <dgm:presOf axis="des" ptType="node"/>
+          <dgm:choose name="Name7">
+            <dgm:if name="Name8" func="var" arg="dir" op="equ" val="norm">
+              <dgm:constrLst>
+                <dgm:constr type="secFontSz" refType="primFontSz"/>
+                <dgm:constr type="tMarg" refType="primFontSz" fact="0.05"/>
+                <dgm:constr type="bMarg" refType="primFontSz" fact="0.05"/>
+                <dgm:constr type="rMarg" refType="primFontSz" fact="0.05"/>
+              </dgm:constrLst>
+            </dgm:if>
+            <dgm:else name="Name9">
+              <dgm:constrLst>
+                <dgm:constr type="secFontSz" refType="primFontSz"/>
+                <dgm:constr type="tMarg" refType="primFontSz" fact="0.05"/>
+                <dgm:constr type="bMarg" refType="primFontSz" fact="0.05"/>
+                <dgm:constr type="lMarg" refType="primFontSz" fact="0.05"/>
+              </dgm:constrLst>
+            </dgm:else>
+          </dgm:choose>
+          <dgm:ruleLst>
+            <dgm:rule type="primFontSz" val="5" fact="NaN" max="NaN"/>
+          </dgm:ruleLst>
+        </dgm:layoutNode>
+      </dgm:layoutNode>
+      <dgm:forEach name="Name10" axis="followSib" ptType="sibTrans" cnt="1">
+        <dgm:layoutNode name="sp">
+          <dgm:alg type="sp"/>
+          <dgm:shape xmlns:r="http://schemas.openxmlformats.org/officeDocument/2006/relationships" r:blip="">
+            <dgm:adjLst/>
+          </dgm:shape>
+          <dgm:presOf axis="self"/>
+          <dgm:constrLst>
+            <dgm:constr type="w" val="1"/>
+            <dgm:constr type="h" val="37.5"/>
+          </dgm:constrLst>
+          <dgm:ruleLst/>
+        </dgm:layoutNode>
+      </dgm:forEach>
+    </dgm:forEach>
+  </dgm:layoutNode>
+</dgm:layoutDef>
+</file>
+
 <file path=ppt/diagrams/quickStyle1.xml><?xml version="1.0" encoding="utf-8"?>
 <dgm:styleDef xmlns:dgm="http://schemas.openxmlformats.org/drawingml/2006/diagram" xmlns:a="http://schemas.openxmlformats.org/drawingml/2006/main" uniqueId="urn:microsoft.com/office/officeart/2005/8/quickstyle/simple3">
   <dgm:title val=""/>
@@ -8185,6 +10809,1040 @@
 </file>
 
 <file path=ppt/diagrams/quickStyle2.xml><?xml version="1.0" encoding="utf-8"?>
+<dgm:styleDef xmlns:dgm="http://schemas.openxmlformats.org/drawingml/2006/diagram" xmlns:a="http://schemas.openxmlformats.org/drawingml/2006/main" uniqueId="urn:microsoft.com/office/officeart/2005/8/quickstyle/simple1">
+  <dgm:title val=""/>
+  <dgm:desc val=""/>
+  <dgm:catLst>
+    <dgm:cat type="simple" pri="10100"/>
+  </dgm:catLst>
+  <dgm:scene3d>
+    <a:camera prst="orthographicFront"/>
+    <a:lightRig rig="threePt" dir="t"/>
+  </dgm:scene3d>
+  <dgm:styleLbl name="node0">
+    <dgm:scene3d>
+      <a:camera prst="orthographicFront"/>
+      <a:lightRig rig="threePt" dir="t"/>
+    </dgm:scene3d>
+    <dgm:sp3d/>
+    <dgm:txPr/>
+    <dgm:style>
+      <a:lnRef idx="2">
+        <a:scrgbClr r="0" g="0" b="0"/>
+      </a:lnRef>
+      <a:fillRef idx="1">
+        <a:scrgbClr r="0" g="0" b="0"/>
+      </a:fillRef>
+      <a:effectRef idx="0">
+        <a:scrgbClr r="0" g="0" b="0"/>
+      </a:effectRef>
+      <a:fontRef idx="minor">
+        <a:schemeClr val="lt1"/>
+      </a:fontRef>
+    </dgm:style>
+  </dgm:styleLbl>
+  <dgm:styleLbl name="lnNode1">
+    <dgm:scene3d>
+      <a:camera prst="orthographicFront"/>
+      <a:lightRig rig="threePt" dir="t"/>
+    </dgm:scene3d>
+    <dgm:sp3d/>
+    <dgm:txPr/>
+    <dgm:style>
+      <a:lnRef idx="2">
+        <a:scrgbClr r="0" g="0" b="0"/>
+      </a:lnRef>
+      <a:fillRef idx="1">
+        <a:scrgbClr r="0" g="0" b="0"/>
+      </a:fillRef>
+      <a:effectRef idx="0">
+        <a:scrgbClr r="0" g="0" b="0"/>
+      </a:effectRef>
+      <a:fontRef idx="minor">
+        <a:schemeClr val="lt1"/>
+      </a:fontRef>
+    </dgm:style>
+  </dgm:styleLbl>
+  <dgm:styleLbl name="vennNode1">
+    <dgm:scene3d>
+      <a:camera prst="orthographicFront"/>
+      <a:lightRig rig="threePt" dir="t"/>
+    </dgm:scene3d>
+    <dgm:sp3d/>
+    <dgm:txPr/>
+    <dgm:style>
+      <a:lnRef idx="2">
+        <a:scrgbClr r="0" g="0" b="0"/>
+      </a:lnRef>
+      <a:fillRef idx="1">
+        <a:scrgbClr r="0" g="0" b="0"/>
+      </a:fillRef>
+      <a:effectRef idx="0">
+        <a:scrgbClr r="0" g="0" b="0"/>
+      </a:effectRef>
+      <a:fontRef idx="minor">
+        <a:schemeClr val="tx1"/>
+      </a:fontRef>
+    </dgm:style>
+  </dgm:styleLbl>
+  <dgm:styleLbl name="alignNode1">
+    <dgm:scene3d>
+      <a:camera prst="orthographicFront"/>
+      <a:lightRig rig="threePt" dir="t"/>
+    </dgm:scene3d>
+    <dgm:sp3d/>
+    <dgm:txPr/>
+    <dgm:style>
+      <a:lnRef idx="2">
+        <a:scrgbClr r="0" g="0" b="0"/>
+      </a:lnRef>
+      <a:fillRef idx="1">
+        <a:scrgbClr r="0" g="0" b="0"/>
+      </a:fillRef>
+      <a:effectRef idx="0">
+        <a:scrgbClr r="0" g="0" b="0"/>
+      </a:effectRef>
+      <a:fontRef idx="minor">
+        <a:schemeClr val="lt1"/>
+      </a:fontRef>
+    </dgm:style>
+  </dgm:styleLbl>
+  <dgm:styleLbl name="node1">
+    <dgm:scene3d>
+      <a:camera prst="orthographicFront"/>
+      <a:lightRig rig="threePt" dir="t"/>
+    </dgm:scene3d>
+    <dgm:sp3d/>
+    <dgm:txPr/>
+    <dgm:style>
+      <a:lnRef idx="2">
+        <a:scrgbClr r="0" g="0" b="0"/>
+      </a:lnRef>
+      <a:fillRef idx="1">
+        <a:scrgbClr r="0" g="0" b="0"/>
+      </a:fillRef>
+      <a:effectRef idx="0">
+        <a:scrgbClr r="0" g="0" b="0"/>
+      </a:effectRef>
+      <a:fontRef idx="minor">
+        <a:schemeClr val="lt1"/>
+      </a:fontRef>
+    </dgm:style>
+  </dgm:styleLbl>
+  <dgm:styleLbl name="node2">
+    <dgm:scene3d>
+      <a:camera prst="orthographicFront"/>
+      <a:lightRig rig="threePt" dir="t"/>
+    </dgm:scene3d>
+    <dgm:sp3d/>
+    <dgm:txPr/>
+    <dgm:style>
+      <a:lnRef idx="2">
+        <a:scrgbClr r="0" g="0" b="0"/>
+      </a:lnRef>
+      <a:fillRef idx="1">
+        <a:scrgbClr r="0" g="0" b="0"/>
+      </a:fillRef>
+      <a:effectRef idx="0">
+        <a:scrgbClr r="0" g="0" b="0"/>
+      </a:effectRef>
+      <a:fontRef idx="minor">
+        <a:schemeClr val="lt1"/>
+      </a:fontRef>
+    </dgm:style>
+  </dgm:styleLbl>
+  <dgm:styleLbl name="node3">
+    <dgm:scene3d>
+      <a:camera prst="orthographicFront"/>
+      <a:lightRig rig="threePt" dir="t"/>
+    </dgm:scene3d>
+    <dgm:sp3d/>
+    <dgm:txPr/>
+    <dgm:style>
+      <a:lnRef idx="2">
+        <a:scrgbClr r="0" g="0" b="0"/>
+      </a:lnRef>
+      <a:fillRef idx="1">
+        <a:scrgbClr r="0" g="0" b="0"/>
+      </a:fillRef>
+      <a:effectRef idx="0">
+        <a:scrgbClr r="0" g="0" b="0"/>
+      </a:effectRef>
+      <a:fontRef idx="minor">
+        <a:schemeClr val="lt1"/>
+      </a:fontRef>
+    </dgm:style>
+  </dgm:styleLbl>
+  <dgm:styleLbl name="node4">
+    <dgm:scene3d>
+      <a:camera prst="orthographicFront"/>
+      <a:lightRig rig="threePt" dir="t"/>
+    </dgm:scene3d>
+    <dgm:sp3d/>
+    <dgm:txPr/>
+    <dgm:style>
+      <a:lnRef idx="2">
+        <a:scrgbClr r="0" g="0" b="0"/>
+      </a:lnRef>
+      <a:fillRef idx="1">
+        <a:scrgbClr r="0" g="0" b="0"/>
+      </a:fillRef>
+      <a:effectRef idx="0">
+        <a:scrgbClr r="0" g="0" b="0"/>
+      </a:effectRef>
+      <a:fontRef idx="minor">
+        <a:schemeClr val="lt1"/>
+      </a:fontRef>
+    </dgm:style>
+  </dgm:styleLbl>
+  <dgm:styleLbl name="fgImgPlace1">
+    <dgm:scene3d>
+      <a:camera prst="orthographicFront"/>
+      <a:lightRig rig="threePt" dir="t"/>
+    </dgm:scene3d>
+    <dgm:sp3d/>
+    <dgm:txPr/>
+    <dgm:style>
+      <a:lnRef idx="2">
+        <a:scrgbClr r="0" g="0" b="0"/>
+      </a:lnRef>
+      <a:fillRef idx="1">
+        <a:scrgbClr r="0" g="0" b="0"/>
+      </a:fillRef>
+      <a:effectRef idx="0">
+        <a:scrgbClr r="0" g="0" b="0"/>
+      </a:effectRef>
+      <a:fontRef idx="minor"/>
+    </dgm:style>
+  </dgm:styleLbl>
+  <dgm:styleLbl name="alignImgPlace1">
+    <dgm:scene3d>
+      <a:camera prst="orthographicFront"/>
+      <a:lightRig rig="threePt" dir="t"/>
+    </dgm:scene3d>
+    <dgm:sp3d/>
+    <dgm:txPr/>
+    <dgm:style>
+      <a:lnRef idx="2">
+        <a:scrgbClr r="0" g="0" b="0"/>
+      </a:lnRef>
+      <a:fillRef idx="1">
+        <a:scrgbClr r="0" g="0" b="0"/>
+      </a:fillRef>
+      <a:effectRef idx="0">
+        <a:scrgbClr r="0" g="0" b="0"/>
+      </a:effectRef>
+      <a:fontRef idx="minor"/>
+    </dgm:style>
+  </dgm:styleLbl>
+  <dgm:styleLbl name="bgImgPlace1">
+    <dgm:scene3d>
+      <a:camera prst="orthographicFront"/>
+      <a:lightRig rig="threePt" dir="t"/>
+    </dgm:scene3d>
+    <dgm:sp3d/>
+    <dgm:txPr/>
+    <dgm:style>
+      <a:lnRef idx="2">
+        <a:scrgbClr r="0" g="0" b="0"/>
+      </a:lnRef>
+      <a:fillRef idx="1">
+        <a:scrgbClr r="0" g="0" b="0"/>
+      </a:fillRef>
+      <a:effectRef idx="0">
+        <a:scrgbClr r="0" g="0" b="0"/>
+      </a:effectRef>
+      <a:fontRef idx="minor"/>
+    </dgm:style>
+  </dgm:styleLbl>
+  <dgm:styleLbl name="sibTrans2D1">
+    <dgm:scene3d>
+      <a:camera prst="orthographicFront"/>
+      <a:lightRig rig="threePt" dir="t"/>
+    </dgm:scene3d>
+    <dgm:sp3d/>
+    <dgm:txPr/>
+    <dgm:style>
+      <a:lnRef idx="0">
+        <a:scrgbClr r="0" g="0" b="0"/>
+      </a:lnRef>
+      <a:fillRef idx="1">
+        <a:scrgbClr r="0" g="0" b="0"/>
+      </a:fillRef>
+      <a:effectRef idx="0">
+        <a:scrgbClr r="0" g="0" b="0"/>
+      </a:effectRef>
+      <a:fontRef idx="minor">
+        <a:schemeClr val="lt1"/>
+      </a:fontRef>
+    </dgm:style>
+  </dgm:styleLbl>
+  <dgm:styleLbl name="fgSibTrans2D1">
+    <dgm:scene3d>
+      <a:camera prst="orthographicFront"/>
+      <a:lightRig rig="threePt" dir="t"/>
+    </dgm:scene3d>
+    <dgm:sp3d/>
+    <dgm:txPr/>
+    <dgm:style>
+      <a:lnRef idx="0">
+        <a:scrgbClr r="0" g="0" b="0"/>
+      </a:lnRef>
+      <a:fillRef idx="1">
+        <a:scrgbClr r="0" g="0" b="0"/>
+      </a:fillRef>
+      <a:effectRef idx="0">
+        <a:scrgbClr r="0" g="0" b="0"/>
+      </a:effectRef>
+      <a:fontRef idx="minor">
+        <a:schemeClr val="lt1"/>
+      </a:fontRef>
+    </dgm:style>
+  </dgm:styleLbl>
+  <dgm:styleLbl name="bgSibTrans2D1">
+    <dgm:scene3d>
+      <a:camera prst="orthographicFront"/>
+      <a:lightRig rig="threePt" dir="t"/>
+    </dgm:scene3d>
+    <dgm:sp3d/>
+    <dgm:txPr/>
+    <dgm:style>
+      <a:lnRef idx="0">
+        <a:scrgbClr r="0" g="0" b="0"/>
+      </a:lnRef>
+      <a:fillRef idx="1">
+        <a:scrgbClr r="0" g="0" b="0"/>
+      </a:fillRef>
+      <a:effectRef idx="0">
+        <a:scrgbClr r="0" g="0" b="0"/>
+      </a:effectRef>
+      <a:fontRef idx="minor">
+        <a:schemeClr val="lt1"/>
+      </a:fontRef>
+    </dgm:style>
+  </dgm:styleLbl>
+  <dgm:styleLbl name="sibTrans1D1">
+    <dgm:scene3d>
+      <a:camera prst="orthographicFront"/>
+      <a:lightRig rig="threePt" dir="t"/>
+    </dgm:scene3d>
+    <dgm:sp3d/>
+    <dgm:txPr/>
+    <dgm:style>
+      <a:lnRef idx="1">
+        <a:scrgbClr r="0" g="0" b="0"/>
+      </a:lnRef>
+      <a:fillRef idx="0">
+        <a:scrgbClr r="0" g="0" b="0"/>
+      </a:fillRef>
+      <a:effectRef idx="0">
+        <a:scrgbClr r="0" g="0" b="0"/>
+      </a:effectRef>
+      <a:fontRef idx="minor"/>
+    </dgm:style>
+  </dgm:styleLbl>
+  <dgm:styleLbl name="callout">
+    <dgm:scene3d>
+      <a:camera prst="orthographicFront"/>
+      <a:lightRig rig="threePt" dir="t"/>
+    </dgm:scene3d>
+    <dgm:sp3d/>
+    <dgm:txPr/>
+    <dgm:style>
+      <a:lnRef idx="2">
+        <a:scrgbClr r="0" g="0" b="0"/>
+      </a:lnRef>
+      <a:fillRef idx="1">
+        <a:scrgbClr r="0" g="0" b="0"/>
+      </a:fillRef>
+      <a:effectRef idx="0">
+        <a:scrgbClr r="0" g="0" b="0"/>
+      </a:effectRef>
+      <a:fontRef idx="minor"/>
+    </dgm:style>
+  </dgm:styleLbl>
+  <dgm:styleLbl name="asst0">
+    <dgm:scene3d>
+      <a:camera prst="orthographicFront"/>
+      <a:lightRig rig="threePt" dir="t"/>
+    </dgm:scene3d>
+    <dgm:sp3d/>
+    <dgm:txPr/>
+    <dgm:style>
+      <a:lnRef idx="2">
+        <a:scrgbClr r="0" g="0" b="0"/>
+      </a:lnRef>
+      <a:fillRef idx="1">
+        <a:scrgbClr r="0" g="0" b="0"/>
+      </a:fillRef>
+      <a:effectRef idx="0">
+        <a:scrgbClr r="0" g="0" b="0"/>
+      </a:effectRef>
+      <a:fontRef idx="minor">
+        <a:schemeClr val="lt1"/>
+      </a:fontRef>
+    </dgm:style>
+  </dgm:styleLbl>
+  <dgm:styleLbl name="asst1">
+    <dgm:scene3d>
+      <a:camera prst="orthographicFront"/>
+      <a:lightRig rig="threePt" dir="t"/>
+    </dgm:scene3d>
+    <dgm:sp3d/>
+    <dgm:txPr/>
+    <dgm:style>
+      <a:lnRef idx="2">
+        <a:scrgbClr r="0" g="0" b="0"/>
+      </a:lnRef>
+      <a:fillRef idx="1">
+        <a:scrgbClr r="0" g="0" b="0"/>
+      </a:fillRef>
+      <a:effectRef idx="0">
+        <a:scrgbClr r="0" g="0" b="0"/>
+      </a:effectRef>
+      <a:fontRef idx="minor">
+        <a:schemeClr val="lt1"/>
+      </a:fontRef>
+    </dgm:style>
+  </dgm:styleLbl>
+  <dgm:styleLbl name="asst2">
+    <dgm:scene3d>
+      <a:camera prst="orthographicFront"/>
+      <a:lightRig rig="threePt" dir="t"/>
+    </dgm:scene3d>
+    <dgm:sp3d/>
+    <dgm:txPr/>
+    <dgm:style>
+      <a:lnRef idx="2">
+        <a:scrgbClr r="0" g="0" b="0"/>
+      </a:lnRef>
+      <a:fillRef idx="1">
+        <a:scrgbClr r="0" g="0" b="0"/>
+      </a:fillRef>
+      <a:effectRef idx="0">
+        <a:scrgbClr r="0" g="0" b="0"/>
+      </a:effectRef>
+      <a:fontRef idx="minor">
+        <a:schemeClr val="lt1"/>
+      </a:fontRef>
+    </dgm:style>
+  </dgm:styleLbl>
+  <dgm:styleLbl name="asst3">
+    <dgm:scene3d>
+      <a:camera prst="orthographicFront"/>
+      <a:lightRig rig="threePt" dir="t"/>
+    </dgm:scene3d>
+    <dgm:sp3d/>
+    <dgm:txPr/>
+    <dgm:style>
+      <a:lnRef idx="2">
+        <a:scrgbClr r="0" g="0" b="0"/>
+      </a:lnRef>
+      <a:fillRef idx="1">
+        <a:scrgbClr r="0" g="0" b="0"/>
+      </a:fillRef>
+      <a:effectRef idx="0">
+        <a:scrgbClr r="0" g="0" b="0"/>
+      </a:effectRef>
+      <a:fontRef idx="minor">
+        <a:schemeClr val="lt1"/>
+      </a:fontRef>
+    </dgm:style>
+  </dgm:styleLbl>
+  <dgm:styleLbl name="asst4">
+    <dgm:scene3d>
+      <a:camera prst="orthographicFront"/>
+      <a:lightRig rig="threePt" dir="t"/>
+    </dgm:scene3d>
+    <dgm:sp3d/>
+    <dgm:txPr/>
+    <dgm:style>
+      <a:lnRef idx="2">
+        <a:scrgbClr r="0" g="0" b="0"/>
+      </a:lnRef>
+      <a:fillRef idx="1">
+        <a:scrgbClr r="0" g="0" b="0"/>
+      </a:fillRef>
+      <a:effectRef idx="0">
+        <a:scrgbClr r="0" g="0" b="0"/>
+      </a:effectRef>
+      <a:fontRef idx="minor">
+        <a:schemeClr val="lt1"/>
+      </a:fontRef>
+    </dgm:style>
+  </dgm:styleLbl>
+  <dgm:styleLbl name="parChTrans2D1">
+    <dgm:scene3d>
+      <a:camera prst="orthographicFront"/>
+      <a:lightRig rig="threePt" dir="t"/>
+    </dgm:scene3d>
+    <dgm:sp3d/>
+    <dgm:txPr/>
+    <dgm:style>
+      <a:lnRef idx="2">
+        <a:scrgbClr r="0" g="0" b="0"/>
+      </a:lnRef>
+      <a:fillRef idx="1">
+        <a:scrgbClr r="0" g="0" b="0"/>
+      </a:fillRef>
+      <a:effectRef idx="0">
+        <a:scrgbClr r="0" g="0" b="0"/>
+      </a:effectRef>
+      <a:fontRef idx="minor">
+        <a:schemeClr val="lt1"/>
+      </a:fontRef>
+    </dgm:style>
+  </dgm:styleLbl>
+  <dgm:styleLbl name="parChTrans2D2">
+    <dgm:scene3d>
+      <a:camera prst="orthographicFront"/>
+      <a:lightRig rig="threePt" dir="t"/>
+    </dgm:scene3d>
+    <dgm:sp3d/>
+    <dgm:txPr/>
+    <dgm:style>
+      <a:lnRef idx="2">
+        <a:scrgbClr r="0" g="0" b="0"/>
+      </a:lnRef>
+      <a:fillRef idx="1">
+        <a:scrgbClr r="0" g="0" b="0"/>
+      </a:fillRef>
+      <a:effectRef idx="0">
+        <a:scrgbClr r="0" g="0" b="0"/>
+      </a:effectRef>
+      <a:fontRef idx="minor">
+        <a:schemeClr val="lt1"/>
+      </a:fontRef>
+    </dgm:style>
+  </dgm:styleLbl>
+  <dgm:styleLbl name="parChTrans2D3">
+    <dgm:scene3d>
+      <a:camera prst="orthographicFront"/>
+      <a:lightRig rig="threePt" dir="t"/>
+    </dgm:scene3d>
+    <dgm:sp3d/>
+    <dgm:txPr/>
+    <dgm:style>
+      <a:lnRef idx="2">
+        <a:scrgbClr r="0" g="0" b="0"/>
+      </a:lnRef>
+      <a:fillRef idx="1">
+        <a:scrgbClr r="0" g="0" b="0"/>
+      </a:fillRef>
+      <a:effectRef idx="0">
+        <a:scrgbClr r="0" g="0" b="0"/>
+      </a:effectRef>
+      <a:fontRef idx="minor">
+        <a:schemeClr val="lt1"/>
+      </a:fontRef>
+    </dgm:style>
+  </dgm:styleLbl>
+  <dgm:styleLbl name="parChTrans2D4">
+    <dgm:scene3d>
+      <a:camera prst="orthographicFront"/>
+      <a:lightRig rig="threePt" dir="t"/>
+    </dgm:scene3d>
+    <dgm:sp3d/>
+    <dgm:txPr/>
+    <dgm:style>
+      <a:lnRef idx="2">
+        <a:scrgbClr r="0" g="0" b="0"/>
+      </a:lnRef>
+      <a:fillRef idx="1">
+        <a:scrgbClr r="0" g="0" b="0"/>
+      </a:fillRef>
+      <a:effectRef idx="0">
+        <a:scrgbClr r="0" g="0" b="0"/>
+      </a:effectRef>
+      <a:fontRef idx="minor">
+        <a:schemeClr val="lt1"/>
+      </a:fontRef>
+    </dgm:style>
+  </dgm:styleLbl>
+  <dgm:styleLbl name="parChTrans1D1">
+    <dgm:scene3d>
+      <a:camera prst="orthographicFront"/>
+      <a:lightRig rig="threePt" dir="t"/>
+    </dgm:scene3d>
+    <dgm:sp3d/>
+    <dgm:txPr/>
+    <dgm:style>
+      <a:lnRef idx="2">
+        <a:scrgbClr r="0" g="0" b="0"/>
+      </a:lnRef>
+      <a:fillRef idx="0">
+        <a:scrgbClr r="0" g="0" b="0"/>
+      </a:fillRef>
+      <a:effectRef idx="0">
+        <a:scrgbClr r="0" g="0" b="0"/>
+      </a:effectRef>
+      <a:fontRef idx="minor"/>
+    </dgm:style>
+  </dgm:styleLbl>
+  <dgm:styleLbl name="parChTrans1D2">
+    <dgm:scene3d>
+      <a:camera prst="orthographicFront"/>
+      <a:lightRig rig="threePt" dir="t"/>
+    </dgm:scene3d>
+    <dgm:sp3d/>
+    <dgm:txPr/>
+    <dgm:style>
+      <a:lnRef idx="2">
+        <a:scrgbClr r="0" g="0" b="0"/>
+      </a:lnRef>
+      <a:fillRef idx="0">
+        <a:scrgbClr r="0" g="0" b="0"/>
+      </a:fillRef>
+      <a:effectRef idx="0">
+        <a:scrgbClr r="0" g="0" b="0"/>
+      </a:effectRef>
+      <a:fontRef idx="minor"/>
+    </dgm:style>
+  </dgm:styleLbl>
+  <dgm:styleLbl name="parChTrans1D3">
+    <dgm:scene3d>
+      <a:camera prst="orthographicFront"/>
+      <a:lightRig rig="threePt" dir="t"/>
+    </dgm:scene3d>
+    <dgm:sp3d/>
+    <dgm:txPr/>
+    <dgm:style>
+      <a:lnRef idx="2">
+        <a:scrgbClr r="0" g="0" b="0"/>
+      </a:lnRef>
+      <a:fillRef idx="0">
+        <a:scrgbClr r="0" g="0" b="0"/>
+      </a:fillRef>
+      <a:effectRef idx="0">
+        <a:scrgbClr r="0" g="0" b="0"/>
+      </a:effectRef>
+      <a:fontRef idx="minor"/>
+    </dgm:style>
+  </dgm:styleLbl>
+  <dgm:styleLbl name="parChTrans1D4">
+    <dgm:scene3d>
+      <a:camera prst="orthographicFront"/>
+      <a:lightRig rig="threePt" dir="t"/>
+    </dgm:scene3d>
+    <dgm:sp3d/>
+    <dgm:txPr/>
+    <dgm:style>
+      <a:lnRef idx="2">
+        <a:scrgbClr r="0" g="0" b="0"/>
+      </a:lnRef>
+      <a:fillRef idx="0">
+        <a:scrgbClr r="0" g="0" b="0"/>
+      </a:fillRef>
+      <a:effectRef idx="0">
+        <a:scrgbClr r="0" g="0" b="0"/>
+      </a:effectRef>
+      <a:fontRef idx="minor"/>
+    </dgm:style>
+  </dgm:styleLbl>
+  <dgm:styleLbl name="fgAcc1">
+    <dgm:scene3d>
+      <a:camera prst="orthographicFront"/>
+      <a:lightRig rig="threePt" dir="t"/>
+    </dgm:scene3d>
+    <dgm:sp3d/>
+    <dgm:txPr/>
+    <dgm:style>
+      <a:lnRef idx="2">
+        <a:scrgbClr r="0" g="0" b="0"/>
+      </a:lnRef>
+      <a:fillRef idx="1">
+        <a:scrgbClr r="0" g="0" b="0"/>
+      </a:fillRef>
+      <a:effectRef idx="0">
+        <a:scrgbClr r="0" g="0" b="0"/>
+      </a:effectRef>
+      <a:fontRef idx="minor"/>
+    </dgm:style>
+  </dgm:styleLbl>
+  <dgm:styleLbl name="conFgAcc1">
+    <dgm:scene3d>
+      <a:camera prst="orthographicFront"/>
+      <a:lightRig rig="threePt" dir="t"/>
+    </dgm:scene3d>
+    <dgm:sp3d/>
+    <dgm:txPr/>
+    <dgm:style>
+      <a:lnRef idx="2">
+        <a:scrgbClr r="0" g="0" b="0"/>
+      </a:lnRef>
+      <a:fillRef idx="1">
+        <a:scrgbClr r="0" g="0" b="0"/>
+      </a:fillRef>
+      <a:effectRef idx="0">
+        <a:scrgbClr r="0" g="0" b="0"/>
+      </a:effectRef>
+      <a:fontRef idx="minor"/>
+    </dgm:style>
+  </dgm:styleLbl>
+  <dgm:styleLbl name="alignAcc1">
+    <dgm:scene3d>
+      <a:camera prst="orthographicFront"/>
+      <a:lightRig rig="threePt" dir="t"/>
+    </dgm:scene3d>
+    <dgm:sp3d/>
+    <dgm:txPr/>
+    <dgm:style>
+      <a:lnRef idx="2">
+        <a:scrgbClr r="0" g="0" b="0"/>
+      </a:lnRef>
+      <a:fillRef idx="1">
+        <a:scrgbClr r="0" g="0" b="0"/>
+      </a:fillRef>
+      <a:effectRef idx="0">
+        <a:scrgbClr r="0" g="0" b="0"/>
+      </a:effectRef>
+      <a:fontRef idx="minor"/>
+    </dgm:style>
+  </dgm:styleLbl>
+  <dgm:styleLbl name="trAlignAcc1">
+    <dgm:scene3d>
+      <a:camera prst="orthographicFront"/>
+      <a:lightRig rig="threePt" dir="t"/>
+    </dgm:scene3d>
+    <dgm:sp3d/>
+    <dgm:txPr/>
+    <dgm:style>
+      <a:lnRef idx="1">
+        <a:scrgbClr r="0" g="0" b="0"/>
+      </a:lnRef>
+      <a:fillRef idx="1">
+        <a:scrgbClr r="0" g="0" b="0"/>
+      </a:fillRef>
+      <a:effectRef idx="0">
+        <a:scrgbClr r="0" g="0" b="0"/>
+      </a:effectRef>
+      <a:fontRef idx="minor"/>
+    </dgm:style>
+  </dgm:styleLbl>
+  <dgm:styleLbl name="bgAcc1">
+    <dgm:scene3d>
+      <a:camera prst="orthographicFront"/>
+      <a:lightRig rig="threePt" dir="t"/>
+    </dgm:scene3d>
+    <dgm:sp3d/>
+    <dgm:txPr/>
+    <dgm:style>
+      <a:lnRef idx="2">
+        <a:scrgbClr r="0" g="0" b="0"/>
+      </a:lnRef>
+      <a:fillRef idx="1">
+        <a:scrgbClr r="0" g="0" b="0"/>
+      </a:fillRef>
+      <a:effectRef idx="0">
+        <a:scrgbClr r="0" g="0" b="0"/>
+      </a:effectRef>
+      <a:fontRef idx="minor"/>
+    </dgm:style>
+  </dgm:styleLbl>
+  <dgm:styleLbl name="solidFgAcc1">
+    <dgm:scene3d>
+      <a:camera prst="orthographicFront"/>
+      <a:lightRig rig="threePt" dir="t"/>
+    </dgm:scene3d>
+    <dgm:sp3d/>
+    <dgm:txPr/>
+    <dgm:style>
+      <a:lnRef idx="2">
+        <a:scrgbClr r="0" g="0" b="0"/>
+      </a:lnRef>
+      <a:fillRef idx="1">
+        <a:scrgbClr r="0" g="0" b="0"/>
+      </a:fillRef>
+      <a:effectRef idx="0">
+        <a:scrgbClr r="0" g="0" b="0"/>
+      </a:effectRef>
+      <a:fontRef idx="minor"/>
+    </dgm:style>
+  </dgm:styleLbl>
+  <dgm:styleLbl name="solidAlignAcc1">
+    <dgm:scene3d>
+      <a:camera prst="orthographicFront"/>
+      <a:lightRig rig="threePt" dir="t"/>
+    </dgm:scene3d>
+    <dgm:sp3d/>
+    <dgm:txPr/>
+    <dgm:style>
+      <a:lnRef idx="2">
+        <a:scrgbClr r="0" g="0" b="0"/>
+      </a:lnRef>
+      <a:fillRef idx="1">
+        <a:scrgbClr r="0" g="0" b="0"/>
+      </a:fillRef>
+      <a:effectRef idx="0">
+        <a:scrgbClr r="0" g="0" b="0"/>
+      </a:effectRef>
+      <a:fontRef idx="minor"/>
+    </dgm:style>
+  </dgm:styleLbl>
+  <dgm:styleLbl name="solidBgAcc1">
+    <dgm:scene3d>
+      <a:camera prst="orthographicFront"/>
+      <a:lightRig rig="threePt" dir="t"/>
+    </dgm:scene3d>
+    <dgm:sp3d/>
+    <dgm:txPr/>
+    <dgm:style>
+      <a:lnRef idx="2">
+        <a:scrgbClr r="0" g="0" b="0"/>
+      </a:lnRef>
+      <a:fillRef idx="1">
+        <a:scrgbClr r="0" g="0" b="0"/>
+      </a:fillRef>
+      <a:effectRef idx="0">
+        <a:scrgbClr r="0" g="0" b="0"/>
+      </a:effectRef>
+      <a:fontRef idx="minor"/>
+    </dgm:style>
+  </dgm:styleLbl>
+  <dgm:styleLbl name="fgAccFollowNode1">
+    <dgm:scene3d>
+      <a:camera prst="orthographicFront"/>
+      <a:lightRig rig="threePt" dir="t"/>
+    </dgm:scene3d>
+    <dgm:sp3d/>
+    <dgm:txPr/>
+    <dgm:style>
+      <a:lnRef idx="2">
+        <a:scrgbClr r="0" g="0" b="0"/>
+      </a:lnRef>
+      <a:fillRef idx="1">
+        <a:scrgbClr r="0" g="0" b="0"/>
+      </a:fillRef>
+      <a:effectRef idx="0">
+        <a:scrgbClr r="0" g="0" b="0"/>
+      </a:effectRef>
+      <a:fontRef idx="minor"/>
+    </dgm:style>
+  </dgm:styleLbl>
+  <dgm:styleLbl name="alignAccFollowNode1">
+    <dgm:scene3d>
+      <a:camera prst="orthographicFront"/>
+      <a:lightRig rig="threePt" dir="t"/>
+    </dgm:scene3d>
+    <dgm:sp3d/>
+    <dgm:txPr/>
+    <dgm:style>
+      <a:lnRef idx="2">
+        <a:scrgbClr r="0" g="0" b="0"/>
+      </a:lnRef>
+      <a:fillRef idx="1">
+        <a:scrgbClr r="0" g="0" b="0"/>
+      </a:fillRef>
+      <a:effectRef idx="0">
+        <a:scrgbClr r="0" g="0" b="0"/>
+      </a:effectRef>
+      <a:fontRef idx="minor"/>
+    </dgm:style>
+  </dgm:styleLbl>
+  <dgm:styleLbl name="bgAccFollowNode1">
+    <dgm:scene3d>
+      <a:camera prst="orthographicFront"/>
+      <a:lightRig rig="threePt" dir="t"/>
+    </dgm:scene3d>
+    <dgm:sp3d/>
+    <dgm:txPr/>
+    <dgm:style>
+      <a:lnRef idx="2">
+        <a:scrgbClr r="0" g="0" b="0"/>
+      </a:lnRef>
+      <a:fillRef idx="1">
+        <a:scrgbClr r="0" g="0" b="0"/>
+      </a:fillRef>
+      <a:effectRef idx="0">
+        <a:scrgbClr r="0" g="0" b="0"/>
+      </a:effectRef>
+      <a:fontRef idx="minor"/>
+    </dgm:style>
+  </dgm:styleLbl>
+  <dgm:styleLbl name="fgAcc0">
+    <dgm:scene3d>
+      <a:camera prst="orthographicFront"/>
+      <a:lightRig rig="threePt" dir="t"/>
+    </dgm:scene3d>
+    <dgm:sp3d/>
+    <dgm:txPr/>
+    <dgm:style>
+      <a:lnRef idx="2">
+        <a:scrgbClr r="0" g="0" b="0"/>
+      </a:lnRef>
+      <a:fillRef idx="1">
+        <a:scrgbClr r="0" g="0" b="0"/>
+      </a:fillRef>
+      <a:effectRef idx="0">
+        <a:scrgbClr r="0" g="0" b="0"/>
+      </a:effectRef>
+      <a:fontRef idx="minor"/>
+    </dgm:style>
+  </dgm:styleLbl>
+  <dgm:styleLbl name="fgAcc2">
+    <dgm:scene3d>
+      <a:camera prst="orthographicFront"/>
+      <a:lightRig rig="threePt" dir="t"/>
+    </dgm:scene3d>
+    <dgm:sp3d/>
+    <dgm:txPr/>
+    <dgm:style>
+      <a:lnRef idx="2">
+        <a:scrgbClr r="0" g="0" b="0"/>
+      </a:lnRef>
+      <a:fillRef idx="1">
+        <a:scrgbClr r="0" g="0" b="0"/>
+      </a:fillRef>
+      <a:effectRef idx="0">
+        <a:scrgbClr r="0" g="0" b="0"/>
+      </a:effectRef>
+      <a:fontRef idx="minor"/>
+    </dgm:style>
+  </dgm:styleLbl>
+  <dgm:styleLbl name="fgAcc3">
+    <dgm:scene3d>
+      <a:camera prst="orthographicFront"/>
+      <a:lightRig rig="threePt" dir="t"/>
+    </dgm:scene3d>
+    <dgm:sp3d/>
+    <dgm:txPr/>
+    <dgm:style>
+      <a:lnRef idx="2">
+        <a:scrgbClr r="0" g="0" b="0"/>
+      </a:lnRef>
+      <a:fillRef idx="1">
+        <a:scrgbClr r="0" g="0" b="0"/>
+      </a:fillRef>
+      <a:effectRef idx="0">
+        <a:scrgbClr r="0" g="0" b="0"/>
+      </a:effectRef>
+      <a:fontRef idx="minor"/>
+    </dgm:style>
+  </dgm:styleLbl>
+  <dgm:styleLbl name="fgAcc4">
+    <dgm:scene3d>
+      <a:camera prst="orthographicFront"/>
+      <a:lightRig rig="threePt" dir="t"/>
+    </dgm:scene3d>
+    <dgm:sp3d/>
+    <dgm:txPr/>
+    <dgm:style>
+      <a:lnRef idx="2">
+        <a:scrgbClr r="0" g="0" b="0"/>
+      </a:lnRef>
+      <a:fillRef idx="1">
+        <a:scrgbClr r="0" g="0" b="0"/>
+      </a:fillRef>
+      <a:effectRef idx="0">
+        <a:scrgbClr r="0" g="0" b="0"/>
+      </a:effectRef>
+      <a:fontRef idx="minor"/>
+    </dgm:style>
+  </dgm:styleLbl>
+  <dgm:styleLbl name="bgShp">
+    <dgm:scene3d>
+      <a:camera prst="orthographicFront"/>
+      <a:lightRig rig="threePt" dir="t"/>
+    </dgm:scene3d>
+    <dgm:sp3d/>
+    <dgm:txPr/>
+    <dgm:style>
+      <a:lnRef idx="0">
+        <a:scrgbClr r="0" g="0" b="0"/>
+      </a:lnRef>
+      <a:fillRef idx="1">
+        <a:scrgbClr r="0" g="0" b="0"/>
+      </a:fillRef>
+      <a:effectRef idx="0">
+        <a:scrgbClr r="0" g="0" b="0"/>
+      </a:effectRef>
+      <a:fontRef idx="minor"/>
+    </dgm:style>
+  </dgm:styleLbl>
+  <dgm:styleLbl name="dkBgShp">
+    <dgm:scene3d>
+      <a:camera prst="orthographicFront"/>
+      <a:lightRig rig="threePt" dir="t"/>
+    </dgm:scene3d>
+    <dgm:sp3d/>
+    <dgm:txPr/>
+    <dgm:style>
+      <a:lnRef idx="0">
+        <a:scrgbClr r="0" g="0" b="0"/>
+      </a:lnRef>
+      <a:fillRef idx="1">
+        <a:scrgbClr r="0" g="0" b="0"/>
+      </a:fillRef>
+      <a:effectRef idx="0">
+        <a:scrgbClr r="0" g="0" b="0"/>
+      </a:effectRef>
+      <a:fontRef idx="minor"/>
+    </dgm:style>
+  </dgm:styleLbl>
+  <dgm:styleLbl name="trBgShp">
+    <dgm:scene3d>
+      <a:camera prst="orthographicFront"/>
+      <a:lightRig rig="threePt" dir="t"/>
+    </dgm:scene3d>
+    <dgm:sp3d/>
+    <dgm:txPr/>
+    <dgm:style>
+      <a:lnRef idx="0">
+        <a:scrgbClr r="0" g="0" b="0"/>
+      </a:lnRef>
+      <a:fillRef idx="1">
+        <a:scrgbClr r="0" g="0" b="0"/>
+      </a:fillRef>
+      <a:effectRef idx="0">
+        <a:scrgbClr r="0" g="0" b="0"/>
+      </a:effectRef>
+      <a:fontRef idx="minor"/>
+    </dgm:style>
+  </dgm:styleLbl>
+  <dgm:styleLbl name="fgShp">
+    <dgm:scene3d>
+      <a:camera prst="orthographicFront"/>
+      <a:lightRig rig="threePt" dir="t"/>
+    </dgm:scene3d>
+    <dgm:sp3d/>
+    <dgm:txPr/>
+    <dgm:style>
+      <a:lnRef idx="2">
+        <a:scrgbClr r="0" g="0" b="0"/>
+      </a:lnRef>
+      <a:fillRef idx="1">
+        <a:scrgbClr r="0" g="0" b="0"/>
+      </a:fillRef>
+      <a:effectRef idx="0">
+        <a:scrgbClr r="0" g="0" b="0"/>
+      </a:effectRef>
+      <a:fontRef idx="minor"/>
+    </dgm:style>
+  </dgm:styleLbl>
+  <dgm:styleLbl name="revTx">
+    <dgm:scene3d>
+      <a:camera prst="orthographicFront"/>
+      <a:lightRig rig="threePt" dir="t"/>
+    </dgm:scene3d>
+    <dgm:sp3d/>
+    <dgm:txPr/>
+    <dgm:style>
+      <a:lnRef idx="0">
+        <a:scrgbClr r="0" g="0" b="0"/>
+      </a:lnRef>
+      <a:fillRef idx="0">
+        <a:scrgbClr r="0" g="0" b="0"/>
+      </a:fillRef>
+      <a:effectRef idx="0">
+        <a:scrgbClr r="0" g="0" b="0"/>
+      </a:effectRef>
+      <a:fontRef idx="minor"/>
+    </dgm:style>
+  </dgm:styleLbl>
+</dgm:styleDef>
+</file>
+
+<file path=ppt/diagrams/quickStyle3.xml><?xml version="1.0" encoding="utf-8"?>
 <dgm:styleDef xmlns:dgm="http://schemas.openxmlformats.org/drawingml/2006/diagram" xmlns:a="http://schemas.openxmlformats.org/drawingml/2006/main" uniqueId="urn:microsoft.com/office/officeart/2005/8/quickstyle/simple1">
   <dgm:title val=""/>
   <dgm:desc val=""/>
@@ -9301,7 +12959,7 @@
             <a:fld id="{BF85D653-5FE0-42C2-9D9C-E3D5F26098D2}" type="datetimeFigureOut">
               <a:rPr lang="es-CO" smtClean="0"/>
               <a:pPr/>
-              <a:t>25/09/2011</a:t>
+              <a:t>26/09/2011</a:t>
             </a:fld>
             <a:endParaRPr lang="es-CO"/>
           </a:p>
@@ -9472,7 +13130,7 @@
     </p:spTree>
     <p:extLst>
       <p:ext uri="{BB962C8B-B14F-4D97-AF65-F5344CB8AC3E}">
-        <p14:creationId xmlns:p14="http://schemas.microsoft.com/office/powerpoint/2010/main" xmlns="" val="1761724460"/>
+        <p14:creationId xmlns="" xmlns:p14="http://schemas.microsoft.com/office/powerpoint/2010/main" val="1761724460"/>
       </p:ext>
     </p:extLst>
   </p:cSld>
@@ -10380,7 +14038,89 @@
               <a:pPr/>
               <a:t>21</a:t>
             </a:fld>
-            <a:endParaRPr lang="es-CO"/>
+            <a:endParaRPr lang="es-CO" dirty="0"/>
+          </a:p>
+        </p:txBody>
+      </p:sp>
+    </p:spTree>
+  </p:cSld>
+  <p:clrMapOvr>
+    <a:masterClrMapping/>
+  </p:clrMapOvr>
+</p:notes>
+</file>
+
+<file path=ppt/notesSlides/notesSlide19.xml><?xml version="1.0" encoding="utf-8"?>
+<p:notes xmlns:a="http://schemas.openxmlformats.org/drawingml/2006/main" xmlns:r="http://schemas.openxmlformats.org/officeDocument/2006/relationships" xmlns:p="http://schemas.openxmlformats.org/presentationml/2006/main">
+  <p:cSld>
+    <p:spTree>
+      <p:nvGrpSpPr>
+        <p:cNvPr id="1" name=""/>
+        <p:cNvGrpSpPr/>
+        <p:nvPr/>
+      </p:nvGrpSpPr>
+      <p:grpSpPr>
+        <a:xfrm>
+          <a:off x="0" y="0"/>
+          <a:ext cx="0" cy="0"/>
+          <a:chOff x="0" y="0"/>
+          <a:chExt cx="0" cy="0"/>
+        </a:xfrm>
+      </p:grpSpPr>
+      <p:sp>
+        <p:nvSpPr>
+          <p:cNvPr id="2" name="1 Marcador de imagen de diapositiva"/>
+          <p:cNvSpPr>
+            <a:spLocks noGrp="1" noRot="1" noChangeAspect="1"/>
+          </p:cNvSpPr>
+          <p:nvPr>
+            <p:ph type="sldImg"/>
+          </p:nvPr>
+        </p:nvSpPr>
+        <p:spPr/>
+      </p:sp>
+      <p:sp>
+        <p:nvSpPr>
+          <p:cNvPr id="3" name="2 Marcador de notas"/>
+          <p:cNvSpPr>
+            <a:spLocks noGrp="1"/>
+          </p:cNvSpPr>
+          <p:nvPr>
+            <p:ph type="body" idx="1"/>
+          </p:nvPr>
+        </p:nvSpPr>
+        <p:spPr/>
+        <p:txBody>
+          <a:bodyPr>
+            <a:normAutofit/>
+          </a:bodyPr>
+          <a:lstStyle/>
+          <a:p>
+            <a:endParaRPr lang="es-CO" dirty="0"/>
+          </a:p>
+        </p:txBody>
+      </p:sp>
+      <p:sp>
+        <p:nvSpPr>
+          <p:cNvPr id="4" name="3 Marcador de número de diapositiva"/>
+          <p:cNvSpPr>
+            <a:spLocks noGrp="1"/>
+          </p:cNvSpPr>
+          <p:nvPr>
+            <p:ph type="sldNum" sz="quarter" idx="10"/>
+          </p:nvPr>
+        </p:nvSpPr>
+        <p:spPr/>
+        <p:txBody>
+          <a:bodyPr/>
+          <a:lstStyle/>
+          <a:p>
+            <a:fld id="{6E195558-F735-488E-B766-BCBB520D0067}" type="slidenum">
+              <a:rPr lang="es-CO" smtClean="0"/>
+              <a:pPr/>
+              <a:t>22</a:t>
+            </a:fld>
+            <a:endParaRPr lang="es-CO" dirty="0"/>
           </a:p>
         </p:txBody>
       </p:sp>
@@ -10463,6 +14203,88 @@
               <a:t>5</a:t>
             </a:fld>
             <a:endParaRPr lang="es-CO" dirty="0"/>
+          </a:p>
+        </p:txBody>
+      </p:sp>
+    </p:spTree>
+  </p:cSld>
+  <p:clrMapOvr>
+    <a:masterClrMapping/>
+  </p:clrMapOvr>
+</p:notes>
+</file>
+
+<file path=ppt/notesSlides/notesSlide20.xml><?xml version="1.0" encoding="utf-8"?>
+<p:notes xmlns:a="http://schemas.openxmlformats.org/drawingml/2006/main" xmlns:r="http://schemas.openxmlformats.org/officeDocument/2006/relationships" xmlns:p="http://schemas.openxmlformats.org/presentationml/2006/main">
+  <p:cSld>
+    <p:spTree>
+      <p:nvGrpSpPr>
+        <p:cNvPr id="1" name=""/>
+        <p:cNvGrpSpPr/>
+        <p:nvPr/>
+      </p:nvGrpSpPr>
+      <p:grpSpPr>
+        <a:xfrm>
+          <a:off x="0" y="0"/>
+          <a:ext cx="0" cy="0"/>
+          <a:chOff x="0" y="0"/>
+          <a:chExt cx="0" cy="0"/>
+        </a:xfrm>
+      </p:grpSpPr>
+      <p:sp>
+        <p:nvSpPr>
+          <p:cNvPr id="2" name="1 Marcador de imagen de diapositiva"/>
+          <p:cNvSpPr>
+            <a:spLocks noGrp="1" noRot="1" noChangeAspect="1"/>
+          </p:cNvSpPr>
+          <p:nvPr>
+            <p:ph type="sldImg"/>
+          </p:nvPr>
+        </p:nvSpPr>
+        <p:spPr/>
+      </p:sp>
+      <p:sp>
+        <p:nvSpPr>
+          <p:cNvPr id="3" name="2 Marcador de notas"/>
+          <p:cNvSpPr>
+            <a:spLocks noGrp="1"/>
+          </p:cNvSpPr>
+          <p:nvPr>
+            <p:ph type="body" idx="1"/>
+          </p:nvPr>
+        </p:nvSpPr>
+        <p:spPr/>
+        <p:txBody>
+          <a:bodyPr>
+            <a:normAutofit/>
+          </a:bodyPr>
+          <a:lstStyle/>
+          <a:p>
+            <a:endParaRPr lang="es-CO" dirty="0"/>
+          </a:p>
+        </p:txBody>
+      </p:sp>
+      <p:sp>
+        <p:nvSpPr>
+          <p:cNvPr id="4" name="3 Marcador de número de diapositiva"/>
+          <p:cNvSpPr>
+            <a:spLocks noGrp="1"/>
+          </p:cNvSpPr>
+          <p:nvPr>
+            <p:ph type="sldNum" sz="quarter" idx="10"/>
+          </p:nvPr>
+        </p:nvSpPr>
+        <p:spPr/>
+        <p:txBody>
+          <a:bodyPr/>
+          <a:lstStyle/>
+          <a:p>
+            <a:fld id="{6E195558-F735-488E-B766-BCBB520D0067}" type="slidenum">
+              <a:rPr lang="es-CO" smtClean="0"/>
+              <a:pPr/>
+              <a:t>23</a:t>
+            </a:fld>
+            <a:endParaRPr lang="es-CO"/>
           </a:p>
         </p:txBody>
       </p:sp>
@@ -11230,7 +15052,7 @@
             <a:fld id="{622F2B42-74F1-4278-BCD4-9F2065AEB060}" type="datetimeFigureOut">
               <a:rPr lang="es-CO" smtClean="0"/>
               <a:pPr/>
-              <a:t>25/09/2011</a:t>
+              <a:t>26/09/2011</a:t>
             </a:fld>
             <a:endParaRPr lang="es-CO"/>
           </a:p>
@@ -11397,7 +15219,7 @@
             <a:fld id="{622F2B42-74F1-4278-BCD4-9F2065AEB060}" type="datetimeFigureOut">
               <a:rPr lang="es-CO" smtClean="0"/>
               <a:pPr/>
-              <a:t>25/09/2011</a:t>
+              <a:t>26/09/2011</a:t>
             </a:fld>
             <a:endParaRPr lang="es-CO"/>
           </a:p>
@@ -11574,7 +15396,7 @@
             <a:fld id="{622F2B42-74F1-4278-BCD4-9F2065AEB060}" type="datetimeFigureOut">
               <a:rPr lang="es-CO" smtClean="0"/>
               <a:pPr/>
-              <a:t>25/09/2011</a:t>
+              <a:t>26/09/2011</a:t>
             </a:fld>
             <a:endParaRPr lang="es-CO"/>
           </a:p>
@@ -11741,7 +15563,7 @@
             <a:fld id="{622F2B42-74F1-4278-BCD4-9F2065AEB060}" type="datetimeFigureOut">
               <a:rPr lang="es-CO" smtClean="0"/>
               <a:pPr/>
-              <a:t>25/09/2011</a:t>
+              <a:t>26/09/2011</a:t>
             </a:fld>
             <a:endParaRPr lang="es-CO"/>
           </a:p>
@@ -11984,7 +15806,7 @@
             <a:fld id="{622F2B42-74F1-4278-BCD4-9F2065AEB060}" type="datetimeFigureOut">
               <a:rPr lang="es-CO" smtClean="0"/>
               <a:pPr/>
-              <a:t>25/09/2011</a:t>
+              <a:t>26/09/2011</a:t>
             </a:fld>
             <a:endParaRPr lang="es-CO"/>
           </a:p>
@@ -12269,7 +16091,7 @@
             <a:fld id="{622F2B42-74F1-4278-BCD4-9F2065AEB060}" type="datetimeFigureOut">
               <a:rPr lang="es-CO" smtClean="0"/>
               <a:pPr/>
-              <a:t>25/09/2011</a:t>
+              <a:t>26/09/2011</a:t>
             </a:fld>
             <a:endParaRPr lang="es-CO"/>
           </a:p>
@@ -12688,7 +16510,7 @@
             <a:fld id="{622F2B42-74F1-4278-BCD4-9F2065AEB060}" type="datetimeFigureOut">
               <a:rPr lang="es-CO" smtClean="0"/>
               <a:pPr/>
-              <a:t>25/09/2011</a:t>
+              <a:t>26/09/2011</a:t>
             </a:fld>
             <a:endParaRPr lang="es-CO"/>
           </a:p>
@@ -12803,7 +16625,7 @@
             <a:fld id="{622F2B42-74F1-4278-BCD4-9F2065AEB060}" type="datetimeFigureOut">
               <a:rPr lang="es-CO" smtClean="0"/>
               <a:pPr/>
-              <a:t>25/09/2011</a:t>
+              <a:t>26/09/2011</a:t>
             </a:fld>
             <a:endParaRPr lang="es-CO"/>
           </a:p>
@@ -12895,7 +16717,7 @@
             <a:fld id="{622F2B42-74F1-4278-BCD4-9F2065AEB060}" type="datetimeFigureOut">
               <a:rPr lang="es-CO" smtClean="0"/>
               <a:pPr/>
-              <a:t>25/09/2011</a:t>
+              <a:t>26/09/2011</a:t>
             </a:fld>
             <a:endParaRPr lang="es-CO"/>
           </a:p>
@@ -13169,7 +16991,7 @@
             <a:fld id="{622F2B42-74F1-4278-BCD4-9F2065AEB060}" type="datetimeFigureOut">
               <a:rPr lang="es-CO" smtClean="0"/>
               <a:pPr/>
-              <a:t>25/09/2011</a:t>
+              <a:t>26/09/2011</a:t>
             </a:fld>
             <a:endParaRPr lang="es-CO"/>
           </a:p>
@@ -13419,7 +17241,7 @@
             <a:fld id="{622F2B42-74F1-4278-BCD4-9F2065AEB060}" type="datetimeFigureOut">
               <a:rPr lang="es-CO" smtClean="0"/>
               <a:pPr/>
-              <a:t>25/09/2011</a:t>
+              <a:t>26/09/2011</a:t>
             </a:fld>
             <a:endParaRPr lang="es-CO"/>
           </a:p>
@@ -13629,7 +17451,7 @@
             <a:fld id="{622F2B42-74F1-4278-BCD4-9F2065AEB060}" type="datetimeFigureOut">
               <a:rPr lang="es-CO" smtClean="0"/>
               <a:pPr/>
-              <a:t>25/09/2011</a:t>
+              <a:t>26/09/2011</a:t>
             </a:fld>
             <a:endParaRPr lang="es-CO"/>
           </a:p>
@@ -14564,26 +18386,6 @@
               </a:rPr>
               <a:t>Problema</a:t>
             </a:r>
-            <a:endParaRPr kumimoji="0" lang="es-CO" sz="2000" i="1" u="none" strike="noStrike" kern="1200" cap="none" spc="0" normalizeH="0" baseline="0" noProof="0" dirty="0" smtClean="0">
-              <a:ln>
-                <a:noFill/>
-              </a:ln>
-              <a:solidFill>
-                <a:schemeClr val="tx1"/>
-              </a:solidFill>
-              <a:effectLst>
-                <a:outerShdw blurRad="38100" dist="38100" dir="2700000" algn="tl">
-                  <a:srgbClr val="000000">
-                    <a:alpha val="43137"/>
-                  </a:srgbClr>
-                </a:outerShdw>
-              </a:effectLst>
-              <a:uLnTx/>
-              <a:uFillTx/>
-              <a:latin typeface="+mj-lt"/>
-              <a:ea typeface="+mj-ea"/>
-              <a:cs typeface="+mj-cs"/>
-            </a:endParaRPr>
           </a:p>
         </p:txBody>
       </p:sp>
@@ -15115,26 +18917,6 @@
               </a:rPr>
               <a:t>Solución</a:t>
             </a:r>
-            <a:endParaRPr kumimoji="0" lang="es-CO" sz="2000" i="1" u="none" strike="noStrike" kern="1200" cap="none" spc="0" normalizeH="0" baseline="0" noProof="0" dirty="0" smtClean="0">
-              <a:ln>
-                <a:noFill/>
-              </a:ln>
-              <a:solidFill>
-                <a:schemeClr val="tx1"/>
-              </a:solidFill>
-              <a:effectLst>
-                <a:outerShdw blurRad="38100" dist="38100" dir="2700000" algn="tl">
-                  <a:srgbClr val="000000">
-                    <a:alpha val="43137"/>
-                  </a:srgbClr>
-                </a:outerShdw>
-              </a:effectLst>
-              <a:uLnTx/>
-              <a:uFillTx/>
-              <a:latin typeface="+mj-lt"/>
-              <a:ea typeface="+mj-ea"/>
-              <a:cs typeface="+mj-cs"/>
-            </a:endParaRPr>
           </a:p>
         </p:txBody>
       </p:sp>
@@ -19024,7 +22806,7 @@
     </p:spTree>
     <p:extLst>
       <p:ext uri="{BB962C8B-B14F-4D97-AF65-F5344CB8AC3E}">
-        <p14:creationId xmlns="" xmlns:p14="http://schemas.microsoft.com/office/powerpoint/2010/main" val="2941675705"/>
+        <p14:creationId xmlns:p14="http://schemas.microsoft.com/office/powerpoint/2010/main" xmlns="" val="2941675705"/>
       </p:ext>
     </p:extLst>
   </p:cSld>
@@ -21131,15 +24913,7 @@
                   <a:schemeClr val="tx1"/>
                 </a:solidFill>
               </a:rPr>
-              <a:t>a</a:t>
-            </a:r>
-            <a:r>
-              <a:rPr lang="es-ES" sz="1600" b="1" i="1" dirty="0" err="1" smtClean="0">
-                <a:solidFill>
-                  <a:schemeClr val="tx1"/>
-                </a:solidFill>
-              </a:rPr>
-              <a:t>ctualizarEstadoPO</a:t>
+              <a:t>actualizarEstadoPO</a:t>
             </a:r>
             <a:endParaRPr lang="es-ES" sz="1600" b="1" i="1" dirty="0" smtClean="0">
               <a:solidFill>
@@ -23638,10 +27412,28 @@
           </a:p>
         </p:txBody>
       </p:sp>
+      <p:graphicFrame>
+        <p:nvGraphicFramePr>
+          <p:cNvPr id="11" name="1 Gráfico"/>
+          <p:cNvGraphicFramePr>
+            <a:graphicFrameLocks noGrp="1"/>
+          </p:cNvGraphicFramePr>
+          <p:nvPr/>
+        </p:nvGraphicFramePr>
+        <p:xfrm>
+          <a:off x="539552" y="1484784"/>
+          <a:ext cx="8145969" cy="5159474"/>
+        </p:xfrm>
+        <a:graphic>
+          <a:graphicData uri="http://schemas.openxmlformats.org/drawingml/2006/chart">
+            <c:chart xmlns:c="http://schemas.openxmlformats.org/drawingml/2006/chart" xmlns:r="http://schemas.openxmlformats.org/officeDocument/2006/relationships" r:id="rId6"/>
+          </a:graphicData>
+        </a:graphic>
+      </p:graphicFrame>
     </p:spTree>
     <p:extLst>
       <p:ext uri="{BB962C8B-B14F-4D97-AF65-F5344CB8AC3E}">
-        <p14:creationId xmlns:p14="http://schemas.microsoft.com/office/powerpoint/2010/main" xmlns="" val="2890147570"/>
+        <p14:creationId xmlns="" xmlns:p14="http://schemas.microsoft.com/office/powerpoint/2010/main" val="2890147570"/>
       </p:ext>
     </p:extLst>
   </p:cSld>
@@ -24361,6 +28153,764 @@
               <a:defRPr/>
             </a:pPr>
             <a:r>
+              <a:rPr kumimoji="0" lang="es-CO" sz="2000" b="1" i="1" u="none" strike="noStrike" kern="1200" cap="small" spc="0" normalizeH="0" noProof="0" dirty="0" err="1" smtClean="0">
+                <a:ln>
+                  <a:noFill/>
+                </a:ln>
+                <a:solidFill>
+                  <a:schemeClr val="tx1"/>
+                </a:solidFill>
+                <a:effectLst>
+                  <a:outerShdw blurRad="38100" dist="38100" dir="2700000" algn="tl">
+                    <a:srgbClr val="000000">
+                      <a:alpha val="43137"/>
+                    </a:srgbClr>
+                  </a:outerShdw>
+                </a:effectLst>
+                <a:uLnTx/>
+                <a:uFillTx/>
+                <a:latin typeface="+mj-lt"/>
+                <a:ea typeface="+mj-ea"/>
+                <a:cs typeface="+mj-cs"/>
+              </a:rPr>
+              <a:t>Postmortem</a:t>
+            </a:r>
+            <a:endParaRPr kumimoji="0" lang="es-CO" b="1" i="1" u="none" strike="noStrike" kern="1200" cap="none" spc="0" normalizeH="0" baseline="0" noProof="0" dirty="0" smtClean="0">
+              <a:ln>
+                <a:noFill/>
+              </a:ln>
+              <a:solidFill>
+                <a:schemeClr val="tx1"/>
+              </a:solidFill>
+              <a:effectLst>
+                <a:outerShdw blurRad="38100" dist="38100" dir="2700000" algn="tl">
+                  <a:srgbClr val="000000">
+                    <a:alpha val="43137"/>
+                  </a:srgbClr>
+                </a:outerShdw>
+              </a:effectLst>
+              <a:uLnTx/>
+              <a:uFillTx/>
+              <a:latin typeface="+mj-lt"/>
+              <a:ea typeface="+mj-ea"/>
+              <a:cs typeface="+mj-cs"/>
+            </a:endParaRPr>
+          </a:p>
+        </p:txBody>
+      </p:sp>
+      <p:graphicFrame>
+        <p:nvGraphicFramePr>
+          <p:cNvPr id="13" name="1 Gráfico"/>
+          <p:cNvGraphicFramePr>
+            <a:graphicFrameLocks noGrp="1"/>
+          </p:cNvGraphicFramePr>
+          <p:nvPr/>
+        </p:nvGraphicFramePr>
+        <p:xfrm>
+          <a:off x="827584" y="1340768"/>
+          <a:ext cx="7560840" cy="5184576"/>
+        </p:xfrm>
+        <a:graphic>
+          <a:graphicData uri="http://schemas.openxmlformats.org/drawingml/2006/chart">
+            <c:chart xmlns:c="http://schemas.openxmlformats.org/drawingml/2006/chart" xmlns:r="http://schemas.openxmlformats.org/officeDocument/2006/relationships" r:id="rId6"/>
+          </a:graphicData>
+        </a:graphic>
+      </p:graphicFrame>
+    </p:spTree>
+    <p:extLst>
+      <p:ext uri="{BB962C8B-B14F-4D97-AF65-F5344CB8AC3E}">
+        <p14:creationId xmlns="" xmlns:p14="http://schemas.microsoft.com/office/powerpoint/2010/main" val="2890147570"/>
+      </p:ext>
+    </p:extLst>
+  </p:cSld>
+  <p:clrMapOvr>
+    <a:masterClrMapping/>
+  </p:clrMapOvr>
+  <p:timing>
+    <p:tnLst>
+      <p:par>
+        <p:cTn id="1" dur="indefinite" restart="never" nodeType="tmRoot"/>
+      </p:par>
+    </p:tnLst>
+  </p:timing>
+</p:sld>
+</file>
+
+<file path=ppt/slides/slide21.xml><?xml version="1.0" encoding="utf-8"?>
+<p:sld xmlns:a="http://schemas.openxmlformats.org/drawingml/2006/main" xmlns:r="http://schemas.openxmlformats.org/officeDocument/2006/relationships" xmlns:p="http://schemas.openxmlformats.org/presentationml/2006/main">
+  <p:cSld>
+    <p:spTree>
+      <p:nvGrpSpPr>
+        <p:cNvPr id="1" name=""/>
+        <p:cNvGrpSpPr/>
+        <p:nvPr/>
+      </p:nvGrpSpPr>
+      <p:grpSpPr>
+        <a:xfrm>
+          <a:off x="0" y="0"/>
+          <a:ext cx="0" cy="0"/>
+          <a:chOff x="0" y="0"/>
+          <a:chExt cx="0" cy="0"/>
+        </a:xfrm>
+      </p:grpSpPr>
+      <p:pic>
+        <p:nvPicPr>
+          <p:cNvPr id="1026" name="Picture 2" descr="C:\Users\Erik\Desktop\mapamundi blank.png"/>
+          <p:cNvPicPr>
+            <a:picLocks noChangeAspect="1" noChangeArrowheads="1"/>
+          </p:cNvPicPr>
+          <p:nvPr/>
+        </p:nvPicPr>
+        <p:blipFill>
+          <a:blip r:embed="rId3" cstate="print"/>
+          <a:srcRect/>
+          <a:stretch>
+            <a:fillRect/>
+          </a:stretch>
+        </p:blipFill>
+        <p:spPr bwMode="auto">
+          <a:xfrm>
+            <a:off x="3032066" y="142852"/>
+            <a:ext cx="968430" cy="484215"/>
+          </a:xfrm>
+          <a:prstGeom prst="rect">
+            <a:avLst/>
+          </a:prstGeom>
+          <a:noFill/>
+        </p:spPr>
+      </p:pic>
+      <p:pic>
+        <p:nvPicPr>
+          <p:cNvPr id="4" name="Picture 3" descr="F:\[ECOS]\ingenium-managment\ingenium-logo.png"/>
+          <p:cNvPicPr>
+            <a:picLocks noChangeAspect="1" noChangeArrowheads="1"/>
+          </p:cNvPicPr>
+          <p:nvPr/>
+        </p:nvPicPr>
+        <p:blipFill>
+          <a:blip r:embed="rId4" cstate="print"/>
+          <a:srcRect/>
+          <a:stretch>
+            <a:fillRect/>
+          </a:stretch>
+        </p:blipFill>
+        <p:spPr bwMode="auto">
+          <a:xfrm>
+            <a:off x="6786578" y="142852"/>
+            <a:ext cx="2119306" cy="709748"/>
+          </a:xfrm>
+          <a:prstGeom prst="rect">
+            <a:avLst/>
+          </a:prstGeom>
+          <a:noFill/>
+        </p:spPr>
+      </p:pic>
+      <p:cxnSp>
+        <p:nvCxnSpPr>
+          <p:cNvPr id="7" name="6 Conector recto"/>
+          <p:cNvCxnSpPr/>
+          <p:nvPr/>
+        </p:nvCxnSpPr>
+        <p:spPr>
+          <a:xfrm>
+            <a:off x="504000" y="855644"/>
+            <a:ext cx="8640000" cy="1588"/>
+          </a:xfrm>
+          <a:prstGeom prst="line">
+            <a:avLst/>
+          </a:prstGeom>
+        </p:spPr>
+        <p:style>
+          <a:lnRef idx="3">
+            <a:schemeClr val="accent6"/>
+          </a:lnRef>
+          <a:fillRef idx="0">
+            <a:schemeClr val="accent6"/>
+          </a:fillRef>
+          <a:effectRef idx="2">
+            <a:schemeClr val="accent6"/>
+          </a:effectRef>
+          <a:fontRef idx="minor">
+            <a:schemeClr val="tx1"/>
+          </a:fontRef>
+        </p:style>
+      </p:cxnSp>
+      <p:pic>
+        <p:nvPicPr>
+          <p:cNvPr id="10" name="9 Imagen"/>
+          <p:cNvPicPr>
+            <a:picLocks noChangeAspect="1"/>
+          </p:cNvPicPr>
+          <p:nvPr/>
+        </p:nvPicPr>
+        <p:blipFill>
+          <a:blip r:embed="rId5" cstate="print"/>
+          <a:srcRect t="18338" b="30086"/>
+          <a:stretch>
+            <a:fillRect/>
+          </a:stretch>
+        </p:blipFill>
+        <p:spPr bwMode="auto">
+          <a:xfrm>
+            <a:off x="142844" y="71414"/>
+            <a:ext cx="1928826" cy="701391"/>
+          </a:xfrm>
+          <a:prstGeom prst="rect">
+            <a:avLst/>
+          </a:prstGeom>
+          <a:noFill/>
+          <a:ln w="9525">
+            <a:noFill/>
+            <a:miter lim="800000"/>
+            <a:headEnd/>
+            <a:tailEnd/>
+          </a:ln>
+        </p:spPr>
+      </p:pic>
+      <p:sp>
+        <p:nvSpPr>
+          <p:cNvPr id="12" name="11 Rectángulo"/>
+          <p:cNvSpPr/>
+          <p:nvPr/>
+        </p:nvSpPr>
+        <p:spPr>
+          <a:xfrm>
+            <a:off x="2143108" y="428604"/>
+            <a:ext cx="1714512" cy="400110"/>
+          </a:xfrm>
+          <a:prstGeom prst="rect">
+            <a:avLst/>
+          </a:prstGeom>
+          <a:noFill/>
+        </p:spPr>
+        <p:txBody>
+          <a:bodyPr wrap="square" lIns="91440" tIns="45720" rIns="91440" bIns="45720">
+            <a:spAutoFit/>
+            <a:scene3d>
+              <a:camera prst="orthographicFront"/>
+              <a:lightRig rig="soft" dir="tl">
+                <a:rot lat="0" lon="0" rev="0"/>
+              </a:lightRig>
+            </a:scene3d>
+            <a:sp3d contourW="25400" prstMaterial="matte">
+              <a:bevelT w="25400" h="55880" prst="artDeco"/>
+              <a:contourClr>
+                <a:schemeClr val="accent2">
+                  <a:tint val="20000"/>
+                </a:schemeClr>
+              </a:contourClr>
+            </a:sp3d>
+          </a:bodyPr>
+          <a:lstStyle/>
+          <a:p>
+            <a:pPr algn="ctr"/>
+            <a:r>
+              <a:rPr lang="es-ES" sz="2000" b="1" spc="50" dirty="0" smtClean="0">
+                <a:ln w="11430"/>
+                <a:gradFill>
+                  <a:gsLst>
+                    <a:gs pos="25000">
+                      <a:schemeClr val="accent2">
+                        <a:satMod val="155000"/>
+                      </a:schemeClr>
+                    </a:gs>
+                    <a:gs pos="100000">
+                      <a:schemeClr val="accent2">
+                        <a:shade val="45000"/>
+                        <a:satMod val="165000"/>
+                      </a:schemeClr>
+                    </a:gs>
+                  </a:gsLst>
+                  <a:lin ang="5400000"/>
+                </a:gradFill>
+                <a:effectLst>
+                  <a:outerShdw blurRad="76200" dist="50800" dir="5400000" algn="tl" rotWithShape="0">
+                    <a:srgbClr val="000000">
+                      <a:alpha val="65000"/>
+                    </a:srgbClr>
+                  </a:outerShdw>
+                </a:effectLst>
+              </a:rPr>
+              <a:t>Internacional</a:t>
+            </a:r>
+            <a:endParaRPr lang="es-ES" sz="2000" b="1" spc="50" dirty="0">
+              <a:ln w="11430"/>
+              <a:gradFill>
+                <a:gsLst>
+                  <a:gs pos="25000">
+                    <a:schemeClr val="accent2">
+                      <a:satMod val="155000"/>
+                    </a:schemeClr>
+                  </a:gs>
+                  <a:gs pos="100000">
+                    <a:schemeClr val="accent2">
+                      <a:shade val="45000"/>
+                      <a:satMod val="165000"/>
+                    </a:schemeClr>
+                  </a:gs>
+                </a:gsLst>
+                <a:lin ang="5400000"/>
+              </a:gradFill>
+              <a:effectLst>
+                <a:outerShdw blurRad="76200" dist="50800" dir="5400000" algn="tl" rotWithShape="0">
+                  <a:srgbClr val="000000">
+                    <a:alpha val="65000"/>
+                  </a:srgbClr>
+                </a:outerShdw>
+              </a:effectLst>
+            </a:endParaRPr>
+          </a:p>
+        </p:txBody>
+      </p:sp>
+      <p:cxnSp>
+        <p:nvCxnSpPr>
+          <p:cNvPr id="14" name="13 Conector recto"/>
+          <p:cNvCxnSpPr/>
+          <p:nvPr/>
+        </p:nvCxnSpPr>
+        <p:spPr>
+          <a:xfrm rot="5400000" flipH="1" flipV="1">
+            <a:off x="1928794" y="285728"/>
+            <a:ext cx="500066" cy="357190"/>
+          </a:xfrm>
+          <a:prstGeom prst="line">
+            <a:avLst/>
+          </a:prstGeom>
+        </p:spPr>
+        <p:style>
+          <a:lnRef idx="2">
+            <a:schemeClr val="accent2"/>
+          </a:lnRef>
+          <a:fillRef idx="0">
+            <a:schemeClr val="accent2"/>
+          </a:fillRef>
+          <a:effectRef idx="1">
+            <a:schemeClr val="accent2"/>
+          </a:effectRef>
+          <a:fontRef idx="minor">
+            <a:schemeClr val="tx1"/>
+          </a:fontRef>
+        </p:style>
+      </p:cxnSp>
+      <p:sp>
+        <p:nvSpPr>
+          <p:cNvPr id="9" name="8 Título"/>
+          <p:cNvSpPr txBox="1">
+            <a:spLocks/>
+          </p:cNvSpPr>
+          <p:nvPr/>
+        </p:nvSpPr>
+        <p:spPr>
+          <a:xfrm>
+            <a:off x="251520" y="901050"/>
+            <a:ext cx="7632848" cy="439718"/>
+          </a:xfrm>
+          <a:prstGeom prst="rect">
+            <a:avLst/>
+          </a:prstGeom>
+        </p:spPr>
+        <p:txBody>
+          <a:bodyPr vert="horz" lIns="91440" tIns="45720" rIns="91440" bIns="45720" rtlCol="0" anchor="t">
+            <a:noAutofit/>
+          </a:bodyPr>
+          <a:lstStyle/>
+          <a:p>
+            <a:pPr marL="0" marR="0" lvl="0" indent="0" algn="l" defTabSz="914400" rtl="0" eaLnBrk="1" fontAlgn="auto" latinLnBrk="0" hangingPunct="1">
+              <a:lnSpc>
+                <a:spcPct val="100000"/>
+              </a:lnSpc>
+              <a:spcBef>
+                <a:spcPct val="0"/>
+              </a:spcBef>
+              <a:spcAft>
+                <a:spcPts val="0"/>
+              </a:spcAft>
+              <a:buClrTx/>
+              <a:buSzTx/>
+              <a:buFontTx/>
+              <a:buNone/>
+              <a:tabLst/>
+              <a:defRPr/>
+            </a:pPr>
+            <a:r>
+              <a:rPr kumimoji="0" lang="es-CO" sz="2000" b="1" i="1" u="none" strike="noStrike" kern="1200" cap="small" spc="0" normalizeH="0" noProof="0" dirty="0" err="1" smtClean="0">
+                <a:ln>
+                  <a:noFill/>
+                </a:ln>
+                <a:solidFill>
+                  <a:schemeClr val="tx1"/>
+                </a:solidFill>
+                <a:effectLst>
+                  <a:outerShdw blurRad="38100" dist="38100" dir="2700000" algn="tl">
+                    <a:srgbClr val="000000">
+                      <a:alpha val="43137"/>
+                    </a:srgbClr>
+                  </a:outerShdw>
+                </a:effectLst>
+                <a:uLnTx/>
+                <a:uFillTx/>
+                <a:latin typeface="+mj-lt"/>
+                <a:ea typeface="+mj-ea"/>
+                <a:cs typeface="+mj-cs"/>
+              </a:rPr>
+              <a:t>Postmortem</a:t>
+            </a:r>
+            <a:endParaRPr kumimoji="0" lang="es-CO" b="1" i="1" u="none" strike="noStrike" kern="1200" cap="none" spc="0" normalizeH="0" baseline="0" noProof="0" dirty="0" smtClean="0">
+              <a:ln>
+                <a:noFill/>
+              </a:ln>
+              <a:solidFill>
+                <a:schemeClr val="tx1"/>
+              </a:solidFill>
+              <a:effectLst>
+                <a:outerShdw blurRad="38100" dist="38100" dir="2700000" algn="tl">
+                  <a:srgbClr val="000000">
+                    <a:alpha val="43137"/>
+                  </a:srgbClr>
+                </a:outerShdw>
+              </a:effectLst>
+              <a:uLnTx/>
+              <a:uFillTx/>
+              <a:latin typeface="+mj-lt"/>
+              <a:ea typeface="+mj-ea"/>
+              <a:cs typeface="+mj-cs"/>
+            </a:endParaRPr>
+          </a:p>
+        </p:txBody>
+      </p:sp>
+      <p:graphicFrame>
+        <p:nvGraphicFramePr>
+          <p:cNvPr id="17" name="16 Diagrama"/>
+          <p:cNvGraphicFramePr/>
+          <p:nvPr/>
+        </p:nvGraphicFramePr>
+        <p:xfrm>
+          <a:off x="899592" y="1813272"/>
+          <a:ext cx="7620000" cy="4064000"/>
+        </p:xfrm>
+        <a:graphic>
+          <a:graphicData uri="http://schemas.openxmlformats.org/drawingml/2006/diagram">
+            <dgm:relIds xmlns:dgm="http://schemas.openxmlformats.org/drawingml/2006/diagram" xmlns:r="http://schemas.openxmlformats.org/officeDocument/2006/relationships" r:dm="rId6" r:lo="rId7" r:qs="rId8" r:cs="rId9"/>
+          </a:graphicData>
+        </a:graphic>
+      </p:graphicFrame>
+    </p:spTree>
+    <p:extLst>
+      <p:ext uri="{BB962C8B-B14F-4D97-AF65-F5344CB8AC3E}">
+        <p14:creationId xmlns="" xmlns:p14="http://schemas.microsoft.com/office/powerpoint/2010/main" val="2890147570"/>
+      </p:ext>
+    </p:extLst>
+  </p:cSld>
+  <p:clrMapOvr>
+    <a:masterClrMapping/>
+  </p:clrMapOvr>
+  <p:timing>
+    <p:tnLst>
+      <p:par>
+        <p:cTn id="1" dur="indefinite" restart="never" nodeType="tmRoot"/>
+      </p:par>
+    </p:tnLst>
+  </p:timing>
+</p:sld>
+</file>
+
+<file path=ppt/slides/slide22.xml><?xml version="1.0" encoding="utf-8"?>
+<p:sld xmlns:a="http://schemas.openxmlformats.org/drawingml/2006/main" xmlns:r="http://schemas.openxmlformats.org/officeDocument/2006/relationships" xmlns:p="http://schemas.openxmlformats.org/presentationml/2006/main">
+  <p:cSld>
+    <p:spTree>
+      <p:nvGrpSpPr>
+        <p:cNvPr id="1" name=""/>
+        <p:cNvGrpSpPr/>
+        <p:nvPr/>
+      </p:nvGrpSpPr>
+      <p:grpSpPr>
+        <a:xfrm>
+          <a:off x="0" y="0"/>
+          <a:ext cx="0" cy="0"/>
+          <a:chOff x="0" y="0"/>
+          <a:chExt cx="0" cy="0"/>
+        </a:xfrm>
+      </p:grpSpPr>
+      <p:pic>
+        <p:nvPicPr>
+          <p:cNvPr id="1026" name="Picture 2" descr="C:\Users\Erik\Desktop\mapamundi blank.png"/>
+          <p:cNvPicPr>
+            <a:picLocks noChangeAspect="1" noChangeArrowheads="1"/>
+          </p:cNvPicPr>
+          <p:nvPr/>
+        </p:nvPicPr>
+        <p:blipFill>
+          <a:blip r:embed="rId3" cstate="print"/>
+          <a:srcRect/>
+          <a:stretch>
+            <a:fillRect/>
+          </a:stretch>
+        </p:blipFill>
+        <p:spPr bwMode="auto">
+          <a:xfrm>
+            <a:off x="3032066" y="142852"/>
+            <a:ext cx="968430" cy="484215"/>
+          </a:xfrm>
+          <a:prstGeom prst="rect">
+            <a:avLst/>
+          </a:prstGeom>
+          <a:noFill/>
+        </p:spPr>
+      </p:pic>
+      <p:pic>
+        <p:nvPicPr>
+          <p:cNvPr id="4" name="Picture 3" descr="F:\[ECOS]\ingenium-managment\ingenium-logo.png"/>
+          <p:cNvPicPr>
+            <a:picLocks noChangeAspect="1" noChangeArrowheads="1"/>
+          </p:cNvPicPr>
+          <p:nvPr/>
+        </p:nvPicPr>
+        <p:blipFill>
+          <a:blip r:embed="rId4" cstate="print"/>
+          <a:srcRect/>
+          <a:stretch>
+            <a:fillRect/>
+          </a:stretch>
+        </p:blipFill>
+        <p:spPr bwMode="auto">
+          <a:xfrm>
+            <a:off x="6786578" y="142852"/>
+            <a:ext cx="2119306" cy="709748"/>
+          </a:xfrm>
+          <a:prstGeom prst="rect">
+            <a:avLst/>
+          </a:prstGeom>
+          <a:noFill/>
+        </p:spPr>
+      </p:pic>
+      <p:cxnSp>
+        <p:nvCxnSpPr>
+          <p:cNvPr id="7" name="6 Conector recto"/>
+          <p:cNvCxnSpPr/>
+          <p:nvPr/>
+        </p:nvCxnSpPr>
+        <p:spPr>
+          <a:xfrm>
+            <a:off x="504000" y="855644"/>
+            <a:ext cx="8640000" cy="1588"/>
+          </a:xfrm>
+          <a:prstGeom prst="line">
+            <a:avLst/>
+          </a:prstGeom>
+        </p:spPr>
+        <p:style>
+          <a:lnRef idx="3">
+            <a:schemeClr val="accent6"/>
+          </a:lnRef>
+          <a:fillRef idx="0">
+            <a:schemeClr val="accent6"/>
+          </a:fillRef>
+          <a:effectRef idx="2">
+            <a:schemeClr val="accent6"/>
+          </a:effectRef>
+          <a:fontRef idx="minor">
+            <a:schemeClr val="tx1"/>
+          </a:fontRef>
+        </p:style>
+      </p:cxnSp>
+      <p:pic>
+        <p:nvPicPr>
+          <p:cNvPr id="10" name="9 Imagen"/>
+          <p:cNvPicPr>
+            <a:picLocks noChangeAspect="1"/>
+          </p:cNvPicPr>
+          <p:nvPr/>
+        </p:nvPicPr>
+        <p:blipFill>
+          <a:blip r:embed="rId5" cstate="print"/>
+          <a:srcRect t="18338" b="30086"/>
+          <a:stretch>
+            <a:fillRect/>
+          </a:stretch>
+        </p:blipFill>
+        <p:spPr bwMode="auto">
+          <a:xfrm>
+            <a:off x="142844" y="71414"/>
+            <a:ext cx="1928826" cy="701391"/>
+          </a:xfrm>
+          <a:prstGeom prst="rect">
+            <a:avLst/>
+          </a:prstGeom>
+          <a:noFill/>
+          <a:ln w="9525">
+            <a:noFill/>
+            <a:miter lim="800000"/>
+            <a:headEnd/>
+            <a:tailEnd/>
+          </a:ln>
+        </p:spPr>
+      </p:pic>
+      <p:sp>
+        <p:nvSpPr>
+          <p:cNvPr id="12" name="11 Rectángulo"/>
+          <p:cNvSpPr/>
+          <p:nvPr/>
+        </p:nvSpPr>
+        <p:spPr>
+          <a:xfrm>
+            <a:off x="2143108" y="428604"/>
+            <a:ext cx="1714512" cy="400110"/>
+          </a:xfrm>
+          <a:prstGeom prst="rect">
+            <a:avLst/>
+          </a:prstGeom>
+          <a:noFill/>
+        </p:spPr>
+        <p:txBody>
+          <a:bodyPr wrap="square" lIns="91440" tIns="45720" rIns="91440" bIns="45720">
+            <a:spAutoFit/>
+            <a:scene3d>
+              <a:camera prst="orthographicFront"/>
+              <a:lightRig rig="soft" dir="tl">
+                <a:rot lat="0" lon="0" rev="0"/>
+              </a:lightRig>
+            </a:scene3d>
+            <a:sp3d contourW="25400" prstMaterial="matte">
+              <a:bevelT w="25400" h="55880" prst="artDeco"/>
+              <a:contourClr>
+                <a:schemeClr val="accent2">
+                  <a:tint val="20000"/>
+                </a:schemeClr>
+              </a:contourClr>
+            </a:sp3d>
+          </a:bodyPr>
+          <a:lstStyle/>
+          <a:p>
+            <a:pPr algn="ctr"/>
+            <a:r>
+              <a:rPr lang="es-ES" sz="2000" b="1" spc="50" dirty="0" smtClean="0">
+                <a:ln w="11430"/>
+                <a:gradFill>
+                  <a:gsLst>
+                    <a:gs pos="25000">
+                      <a:schemeClr val="accent2">
+                        <a:satMod val="155000"/>
+                      </a:schemeClr>
+                    </a:gs>
+                    <a:gs pos="100000">
+                      <a:schemeClr val="accent2">
+                        <a:shade val="45000"/>
+                        <a:satMod val="165000"/>
+                      </a:schemeClr>
+                    </a:gs>
+                  </a:gsLst>
+                  <a:lin ang="5400000"/>
+                </a:gradFill>
+                <a:effectLst>
+                  <a:outerShdw blurRad="76200" dist="50800" dir="5400000" algn="tl" rotWithShape="0">
+                    <a:srgbClr val="000000">
+                      <a:alpha val="65000"/>
+                    </a:srgbClr>
+                  </a:outerShdw>
+                </a:effectLst>
+              </a:rPr>
+              <a:t>Internacional</a:t>
+            </a:r>
+            <a:endParaRPr lang="es-ES" sz="2000" b="1" spc="50" dirty="0">
+              <a:ln w="11430"/>
+              <a:gradFill>
+                <a:gsLst>
+                  <a:gs pos="25000">
+                    <a:schemeClr val="accent2">
+                      <a:satMod val="155000"/>
+                    </a:schemeClr>
+                  </a:gs>
+                  <a:gs pos="100000">
+                    <a:schemeClr val="accent2">
+                      <a:shade val="45000"/>
+                      <a:satMod val="165000"/>
+                    </a:schemeClr>
+                  </a:gs>
+                </a:gsLst>
+                <a:lin ang="5400000"/>
+              </a:gradFill>
+              <a:effectLst>
+                <a:outerShdw blurRad="76200" dist="50800" dir="5400000" algn="tl" rotWithShape="0">
+                  <a:srgbClr val="000000">
+                    <a:alpha val="65000"/>
+                  </a:srgbClr>
+                </a:outerShdw>
+              </a:effectLst>
+            </a:endParaRPr>
+          </a:p>
+        </p:txBody>
+      </p:sp>
+      <p:cxnSp>
+        <p:nvCxnSpPr>
+          <p:cNvPr id="14" name="13 Conector recto"/>
+          <p:cNvCxnSpPr/>
+          <p:nvPr/>
+        </p:nvCxnSpPr>
+        <p:spPr>
+          <a:xfrm rot="5400000" flipH="1" flipV="1">
+            <a:off x="1928794" y="285728"/>
+            <a:ext cx="500066" cy="357190"/>
+          </a:xfrm>
+          <a:prstGeom prst="line">
+            <a:avLst/>
+          </a:prstGeom>
+        </p:spPr>
+        <p:style>
+          <a:lnRef idx="2">
+            <a:schemeClr val="accent2"/>
+          </a:lnRef>
+          <a:fillRef idx="0">
+            <a:schemeClr val="accent2"/>
+          </a:fillRef>
+          <a:effectRef idx="1">
+            <a:schemeClr val="accent2"/>
+          </a:effectRef>
+          <a:fontRef idx="minor">
+            <a:schemeClr val="tx1"/>
+          </a:fontRef>
+        </p:style>
+      </p:cxnSp>
+      <p:sp>
+        <p:nvSpPr>
+          <p:cNvPr id="9" name="8 Título"/>
+          <p:cNvSpPr txBox="1">
+            <a:spLocks/>
+          </p:cNvSpPr>
+          <p:nvPr/>
+        </p:nvSpPr>
+        <p:spPr>
+          <a:xfrm>
+            <a:off x="251520" y="901050"/>
+            <a:ext cx="7632848" cy="439718"/>
+          </a:xfrm>
+          <a:prstGeom prst="rect">
+            <a:avLst/>
+          </a:prstGeom>
+        </p:spPr>
+        <p:txBody>
+          <a:bodyPr vert="horz" lIns="91440" tIns="45720" rIns="91440" bIns="45720" rtlCol="0" anchor="t">
+            <a:noAutofit/>
+          </a:bodyPr>
+          <a:lstStyle/>
+          <a:p>
+            <a:pPr marL="0" marR="0" lvl="0" indent="0" algn="l" defTabSz="914400" rtl="0" eaLnBrk="1" fontAlgn="auto" latinLnBrk="0" hangingPunct="1">
+              <a:lnSpc>
+                <a:spcPct val="100000"/>
+              </a:lnSpc>
+              <a:spcBef>
+                <a:spcPct val="0"/>
+              </a:spcBef>
+              <a:spcAft>
+                <a:spcPts val="0"/>
+              </a:spcAft>
+              <a:buClrTx/>
+              <a:buSzTx/>
+              <a:buFontTx/>
+              <a:buNone/>
+              <a:tabLst/>
+              <a:defRPr/>
+            </a:pPr>
+            <a:r>
               <a:rPr kumimoji="0" lang="es-CO" sz="2000" b="1" i="1" u="none" strike="noStrike" kern="1200" cap="small" spc="0" normalizeH="0" noProof="0" dirty="0" smtClean="0">
                 <a:ln>
                   <a:noFill/>
@@ -24409,7 +28959,7 @@
     </p:spTree>
     <p:extLst>
       <p:ext uri="{BB962C8B-B14F-4D97-AF65-F5344CB8AC3E}">
-        <p14:creationId xmlns:p14="http://schemas.microsoft.com/office/powerpoint/2010/main" xmlns="" val="2890147570"/>
+        <p14:creationId xmlns="" xmlns:p14="http://schemas.microsoft.com/office/powerpoint/2010/main" val="2890147570"/>
       </p:ext>
     </p:extLst>
   </p:cSld>
@@ -24426,7 +28976,7 @@
 </p:sld>
 </file>
 
-<file path=ppt/slides/slide21.xml><?xml version="1.0" encoding="utf-8"?>
+<file path=ppt/slides/slide23.xml><?xml version="1.0" encoding="utf-8"?>
 <p:sld xmlns:a="http://schemas.openxmlformats.org/drawingml/2006/main" xmlns:r="http://schemas.openxmlformats.org/officeDocument/2006/relationships" xmlns:p="http://schemas.openxmlformats.org/presentationml/2006/main">
   <p:cSld>
     <p:spTree>
@@ -26776,11 +31326,7 @@
             <a:pPr marL="0" lvl="1"/>
             <a:r>
               <a:rPr lang="es-CO" sz="2000" b="1" i="1" dirty="0" smtClean="0"/>
-              <a:t>Plan de </a:t>
-            </a:r>
-            <a:r>
-              <a:rPr lang="es-CO" sz="2000" b="1" i="1" dirty="0" smtClean="0"/>
-              <a:t>implementación</a:t>
+              <a:t>Plan de implementación</a:t>
             </a:r>
             <a:endParaRPr lang="es-ES" sz="1600" b="1" i="1" dirty="0" smtClean="0"/>
           </a:p>
@@ -27911,11 +32457,6 @@
               </a:rPr>
               <a:t>Replicación Ambiente</a:t>
             </a:r>
-            <a:endParaRPr lang="es-ES" sz="2000" b="1" i="1" dirty="0" smtClean="0">
-              <a:solidFill>
-                <a:schemeClr val="tx1"/>
-              </a:solidFill>
-            </a:endParaRPr>
           </a:p>
           <a:p>
             <a:r>
@@ -28048,26 +32589,6 @@
               </a:rPr>
               <a:t>Proceso Desarrollado</a:t>
             </a:r>
-            <a:endParaRPr kumimoji="0" lang="es-CO" sz="2400" i="1" u="none" strike="noStrike" kern="1200" cap="none" spc="0" normalizeH="0" baseline="0" noProof="0" dirty="0" smtClean="0">
-              <a:ln>
-                <a:noFill/>
-              </a:ln>
-              <a:solidFill>
-                <a:schemeClr val="tx1"/>
-              </a:solidFill>
-              <a:effectLst>
-                <a:outerShdw blurRad="38100" dist="38100" dir="2700000" algn="tl">
-                  <a:srgbClr val="000000">
-                    <a:alpha val="43137"/>
-                  </a:srgbClr>
-                </a:outerShdw>
-              </a:effectLst>
-              <a:uLnTx/>
-              <a:uFillTx/>
-              <a:latin typeface="+mj-lt"/>
-              <a:ea typeface="+mj-ea"/>
-              <a:cs typeface="+mj-cs"/>
-            </a:endParaRPr>
           </a:p>
         </p:txBody>
       </p:sp>
@@ -28466,26 +32987,6 @@
               </a:rPr>
               <a:t>Problema</a:t>
             </a:r>
-            <a:endParaRPr kumimoji="0" lang="es-CO" sz="2000" i="1" u="none" strike="noStrike" kern="1200" cap="none" spc="0" normalizeH="0" baseline="0" noProof="0" dirty="0" smtClean="0">
-              <a:ln>
-                <a:noFill/>
-              </a:ln>
-              <a:solidFill>
-                <a:schemeClr val="tx1"/>
-              </a:solidFill>
-              <a:effectLst>
-                <a:outerShdw blurRad="38100" dist="38100" dir="2700000" algn="tl">
-                  <a:srgbClr val="000000">
-                    <a:alpha val="43137"/>
-                  </a:srgbClr>
-                </a:outerShdw>
-              </a:effectLst>
-              <a:uLnTx/>
-              <a:uFillTx/>
-              <a:latin typeface="+mj-lt"/>
-              <a:ea typeface="+mj-ea"/>
-              <a:cs typeface="+mj-cs"/>
-            </a:endParaRPr>
           </a:p>
         </p:txBody>
       </p:sp>
@@ -29489,26 +33990,6 @@
               </a:rPr>
               <a:t>Solución</a:t>
             </a:r>
-            <a:endParaRPr kumimoji="0" lang="es-CO" sz="2000" i="1" u="none" strike="noStrike" kern="1200" cap="none" spc="0" normalizeH="0" baseline="0" noProof="0" dirty="0" smtClean="0">
-              <a:ln>
-                <a:noFill/>
-              </a:ln>
-              <a:solidFill>
-                <a:schemeClr val="tx1"/>
-              </a:solidFill>
-              <a:effectLst>
-                <a:outerShdw blurRad="38100" dist="38100" dir="2700000" algn="tl">
-                  <a:srgbClr val="000000">
-                    <a:alpha val="43137"/>
-                  </a:srgbClr>
-                </a:outerShdw>
-              </a:effectLst>
-              <a:uLnTx/>
-              <a:uFillTx/>
-              <a:latin typeface="+mj-lt"/>
-              <a:ea typeface="+mj-ea"/>
-              <a:cs typeface="+mj-cs"/>
-            </a:endParaRPr>
           </a:p>
         </p:txBody>
       </p:sp>

--- a/trunk/CSOF5303 Proyecto 3/Ciclo1/0926PresentacionCiclo1.pptx
+++ b/trunk/CSOF5303 Proyecto 3/Ciclo1/0926PresentacionCiclo1.pptx
@@ -24,7 +24,7 @@
     <p:sldId id="412" r:id="rId15"/>
     <p:sldId id="423" r:id="rId16"/>
     <p:sldId id="427" r:id="rId17"/>
-    <p:sldId id="424" r:id="rId18"/>
+    <p:sldId id="430" r:id="rId18"/>
     <p:sldId id="425" r:id="rId19"/>
     <p:sldId id="426" r:id="rId20"/>
     <p:sldId id="429" r:id="rId21"/>
@@ -352,7 +352,7 @@
                   <c:v>8.3333333333333321</c:v>
                 </c:pt>
                 <c:pt idx="8">
-                  <c:v>72.833333333333343</c:v>
+                  <c:v>72.833333333333329</c:v>
                 </c:pt>
                 <c:pt idx="9">
                   <c:v>5.5</c:v>
@@ -369,25 +369,25 @@
         </c:ser>
         <c:gapWidth val="75"/>
         <c:overlap val="-25"/>
-        <c:axId val="98208384"/>
-        <c:axId val="104371712"/>
+        <c:axId val="24396928"/>
+        <c:axId val="24398464"/>
       </c:barChart>
       <c:catAx>
-        <c:axId val="98208384"/>
+        <c:axId val="24396928"/>
         <c:scaling>
           <c:orientation val="minMax"/>
         </c:scaling>
         <c:axPos val="b"/>
         <c:majorTickMark val="none"/>
         <c:tickLblPos val="nextTo"/>
-        <c:crossAx val="104371712"/>
+        <c:crossAx val="24398464"/>
         <c:crosses val="autoZero"/>
         <c:auto val="1"/>
         <c:lblAlgn val="ctr"/>
         <c:lblOffset val="100"/>
       </c:catAx>
       <c:valAx>
-        <c:axId val="104371712"/>
+        <c:axId val="24398464"/>
         <c:scaling>
           <c:orientation val="minMax"/>
         </c:scaling>
@@ -401,7 +401,7 @@
             <a:noFill/>
           </a:ln>
         </c:spPr>
-        <c:crossAx val="98208384"/>
+        <c:crossAx val="24396928"/>
         <c:crosses val="autoZero"/>
         <c:crossBetween val="between"/>
       </c:valAx>
@@ -429,6 +429,7 @@
 
 <file path=ppt/charts/chart2.xml><?xml version="1.0" encoding="utf-8"?>
 <c:chartSpace xmlns:c="http://schemas.openxmlformats.org/drawingml/2006/chart" xmlns:a="http://schemas.openxmlformats.org/drawingml/2006/main" xmlns:r="http://schemas.openxmlformats.org/officeDocument/2006/relationships">
+  <c:date1904 val="1"/>
   <c:lang val="es-CO"/>
   <c:style val="4"/>
   <c:pivotSource>
@@ -637,10 +638,10 @@
                 <c:formatCode>0.00%</c:formatCode>
                 <c:ptCount val="17"/>
                 <c:pt idx="0">
-                  <c:v>5.4914881933003845E-3</c:v>
+                  <c:v>5.4914881933003879E-3</c:v>
                 </c:pt>
                 <c:pt idx="1">
-                  <c:v>2.1965952773201538E-2</c:v>
+                  <c:v>2.1965952773201545E-2</c:v>
                 </c:pt>
                 <c:pt idx="2">
                   <c:v>1.6474464579901153E-2</c:v>
@@ -649,7 +650,7 @@
                   <c:v>2.6359143327841845E-2</c:v>
                 </c:pt>
                 <c:pt idx="4">
-                  <c:v>4.2833607907743002E-2</c:v>
+                  <c:v>4.2833607907743022E-2</c:v>
                 </c:pt>
                 <c:pt idx="5">
                   <c:v>1.7847336628226247E-2</c:v>
@@ -661,56 +662,56 @@
                   <c:v>2.6359143327841845E-2</c:v>
                 </c:pt>
                 <c:pt idx="8">
-                  <c:v>7.0291048874244921E-2</c:v>
+                  <c:v>7.0291048874244907E-2</c:v>
                 </c:pt>
                 <c:pt idx="9">
                   <c:v>1.6474464579901153E-2</c:v>
                 </c:pt>
                 <c:pt idx="10">
-                  <c:v>6.7545304777594725E-2</c:v>
+                  <c:v>6.7545304777594711E-2</c:v>
                 </c:pt>
                 <c:pt idx="11">
                   <c:v>0.16090060406370127</c:v>
                 </c:pt>
                 <c:pt idx="12">
-                  <c:v>9.0609555189456348E-2</c:v>
+                  <c:v>9.0609555189456376E-2</c:v>
                 </c:pt>
                 <c:pt idx="13">
-                  <c:v>1.0982976386600769E-2</c:v>
+                  <c:v>1.0982976386600771E-2</c:v>
                 </c:pt>
                 <c:pt idx="14">
-                  <c:v>4.0087863811092805E-2</c:v>
+                  <c:v>4.0087863811092812E-2</c:v>
                 </c:pt>
                 <c:pt idx="15">
                   <c:v>7.6880834706205381E-2</c:v>
                 </c:pt>
                 <c:pt idx="16">
-                  <c:v>5.7660626029654036E-2</c:v>
+                  <c:v>5.7660626029654043E-2</c:v>
                 </c:pt>
               </c:numCache>
             </c:numRef>
           </c:val>
         </c:ser>
         <c:marker val="1"/>
-        <c:axId val="49683840"/>
-        <c:axId val="49706112"/>
+        <c:axId val="24548480"/>
+        <c:axId val="24550016"/>
       </c:lineChart>
       <c:catAx>
-        <c:axId val="49683840"/>
+        <c:axId val="24548480"/>
         <c:scaling>
           <c:orientation val="minMax"/>
         </c:scaling>
         <c:axPos val="b"/>
         <c:majorTickMark val="none"/>
         <c:tickLblPos val="nextTo"/>
-        <c:crossAx val="49706112"/>
+        <c:crossAx val="24550016"/>
         <c:crosses val="autoZero"/>
         <c:auto val="1"/>
         <c:lblAlgn val="ctr"/>
         <c:lblOffset val="100"/>
       </c:catAx>
       <c:valAx>
-        <c:axId val="49706112"/>
+        <c:axId val="24550016"/>
         <c:scaling>
           <c:orientation val="minMax"/>
         </c:scaling>
@@ -722,7 +723,7 @@
         <c:numFmt formatCode="0.00%" sourceLinked="1"/>
         <c:majorTickMark val="none"/>
         <c:tickLblPos val="nextTo"/>
-        <c:crossAx val="49683840"/>
+        <c:crossAx val="24548480"/>
         <c:crosses val="autoZero"/>
         <c:crossBetween val="between"/>
       </c:valAx>
@@ -4660,6 +4661,13 @@
         </dgm:presLayoutVars>
       </dgm:prSet>
       <dgm:spPr/>
+      <dgm:t>
+        <a:bodyPr/>
+        <a:lstStyle/>
+        <a:p>
+          <a:endParaRPr lang="es-CO"/>
+        </a:p>
+      </dgm:t>
     </dgm:pt>
     <dgm:pt modelId="{A6AFA8C2-1E11-4E3A-8CC4-08C67015A3EF}" type="pres">
       <dgm:prSet presAssocID="{D4B13B7C-23CD-41E9-B2A8-D7218DB76E06}" presName="composite" presStyleCnt="0"/>
@@ -4727,6 +4735,13 @@
         </dgm:presLayoutVars>
       </dgm:prSet>
       <dgm:spPr/>
+      <dgm:t>
+        <a:bodyPr/>
+        <a:lstStyle/>
+        <a:p>
+          <a:endParaRPr lang="es-CO"/>
+        </a:p>
+      </dgm:t>
     </dgm:pt>
     <dgm:pt modelId="{CB0ED73D-BF78-4A9C-8E10-A0B8B4E9AA6F}" type="pres">
       <dgm:prSet presAssocID="{EB3D0CBC-75D1-41AA-B777-1BD9653BB507}" presName="sp" presStyleCnt="0"/>
@@ -13130,7 +13145,7 @@
     </p:spTree>
     <p:extLst>
       <p:ext uri="{BB962C8B-B14F-4D97-AF65-F5344CB8AC3E}">
-        <p14:creationId xmlns="" xmlns:p14="http://schemas.microsoft.com/office/powerpoint/2010/main" val="1761724460"/>
+        <p14:creationId xmlns:p14="http://schemas.microsoft.com/office/powerpoint/2010/main" xmlns="" val="1761724460"/>
       </p:ext>
     </p:extLst>
   </p:cSld>
@@ -22806,7 +22821,7 @@
     </p:spTree>
     <p:extLst>
       <p:ext uri="{BB962C8B-B14F-4D97-AF65-F5344CB8AC3E}">
-        <p14:creationId xmlns:p14="http://schemas.microsoft.com/office/powerpoint/2010/main" xmlns="" val="2941675705"/>
+        <p14:creationId xmlns="" xmlns:p14="http://schemas.microsoft.com/office/powerpoint/2010/main" val="2941675705"/>
       </p:ext>
     </p:extLst>
   </p:cSld>
@@ -26425,6 +26440,145 @@
           </a:p>
         </p:txBody>
       </p:sp>
+      <p:sp>
+        <p:nvSpPr>
+          <p:cNvPr id="15" name="9 Marcador de contenido"/>
+          <p:cNvSpPr>
+            <a:spLocks noGrp="1"/>
+          </p:cNvSpPr>
+          <p:nvPr>
+            <p:ph idx="1"/>
+          </p:nvPr>
+        </p:nvSpPr>
+        <p:spPr>
+          <a:xfrm>
+            <a:off x="179512" y="3212976"/>
+            <a:ext cx="3528392" cy="3096344"/>
+          </a:xfrm>
+          <a:noFill/>
+          <a:ln>
+            <a:noFill/>
+          </a:ln>
+          <a:effectLst>
+            <a:softEdge rad="12700"/>
+          </a:effectLst>
+          <a:scene3d>
+            <a:camera prst="orthographicFront">
+              <a:rot lat="0" lon="0" rev="0"/>
+            </a:camera>
+            <a:lightRig rig="threePt" dir="t">
+              <a:rot lat="0" lon="0" rev="1200000"/>
+            </a:lightRig>
+          </a:scene3d>
+        </p:spPr>
+        <p:style>
+          <a:lnRef idx="0">
+            <a:schemeClr val="accent2"/>
+          </a:lnRef>
+          <a:fillRef idx="3">
+            <a:schemeClr val="accent2"/>
+          </a:fillRef>
+          <a:effectRef idx="3">
+            <a:schemeClr val="accent2"/>
+          </a:effectRef>
+          <a:fontRef idx="minor">
+            <a:schemeClr val="lt1"/>
+          </a:fontRef>
+        </p:style>
+        <p:txBody>
+          <a:bodyPr>
+            <a:normAutofit/>
+          </a:bodyPr>
+          <a:lstStyle/>
+          <a:p>
+            <a:r>
+              <a:rPr lang="es-ES" sz="2000" b="1" i="1" dirty="0" smtClean="0">
+                <a:solidFill>
+                  <a:schemeClr val="tx1"/>
+                </a:solidFill>
+              </a:rPr>
+              <a:t>Modificaciones en OSB</a:t>
+            </a:r>
+          </a:p>
+          <a:p>
+            <a:pPr lvl="1"/>
+            <a:r>
+              <a:rPr lang="es-ES" sz="1600" b="1" i="1" dirty="0" smtClean="0">
+                <a:solidFill>
+                  <a:schemeClr val="tx1"/>
+                </a:solidFill>
+              </a:rPr>
+              <a:t>Transformación para recibir nuevo parámetro NIT DE FABRICANTE</a:t>
+            </a:r>
+          </a:p>
+          <a:p>
+            <a:r>
+              <a:rPr lang="es-ES" sz="2000" b="1" i="1" dirty="0" err="1" smtClean="0">
+                <a:solidFill>
+                  <a:schemeClr val="tx1"/>
+                </a:solidFill>
+              </a:rPr>
+              <a:t>Bpel</a:t>
+            </a:r>
+            <a:endParaRPr lang="es-ES" sz="2000" b="1" i="1" dirty="0" smtClean="0">
+              <a:solidFill>
+                <a:schemeClr val="tx1"/>
+              </a:solidFill>
+            </a:endParaRPr>
+          </a:p>
+          <a:p>
+            <a:pPr lvl="1"/>
+            <a:r>
+              <a:rPr lang="es-ES" sz="1600" b="1" i="1" dirty="0" smtClean="0">
+                <a:solidFill>
+                  <a:schemeClr val="tx1"/>
+                </a:solidFill>
+              </a:rPr>
+              <a:t>Nuevo Proceso de Negocio para órdenes de compra directa.</a:t>
+            </a:r>
+          </a:p>
+          <a:p>
+            <a:pPr lvl="1"/>
+            <a:endParaRPr lang="es-ES" sz="1600" b="1" i="1" dirty="0">
+              <a:solidFill>
+                <a:schemeClr val="tx1"/>
+              </a:solidFill>
+            </a:endParaRPr>
+          </a:p>
+        </p:txBody>
+      </p:sp>
+      <p:pic>
+        <p:nvPicPr>
+          <p:cNvPr id="193539" name="Picture 3"/>
+          <p:cNvPicPr>
+            <a:picLocks noChangeAspect="1" noChangeArrowheads="1"/>
+          </p:cNvPicPr>
+          <p:nvPr/>
+        </p:nvPicPr>
+        <p:blipFill>
+          <a:blip r:embed="rId6" cstate="print"/>
+          <a:srcRect/>
+          <a:stretch>
+            <a:fillRect/>
+          </a:stretch>
+        </p:blipFill>
+        <p:spPr bwMode="auto">
+          <a:xfrm>
+            <a:off x="5004048" y="1844824"/>
+            <a:ext cx="3822179" cy="3702342"/>
+          </a:xfrm>
+          <a:prstGeom prst="rect">
+            <a:avLst/>
+          </a:prstGeom>
+          <a:noFill/>
+          <a:ln w="9525">
+            <a:noFill/>
+            <a:miter lim="800000"/>
+            <a:headEnd/>
+            <a:tailEnd/>
+          </a:ln>
+        </p:spPr>
+      </p:pic>
     </p:spTree>
   </p:cSld>
   <p:clrMapOvr>
@@ -27433,7 +27587,7 @@
     </p:spTree>
     <p:extLst>
       <p:ext uri="{BB962C8B-B14F-4D97-AF65-F5344CB8AC3E}">
-        <p14:creationId xmlns="" xmlns:p14="http://schemas.microsoft.com/office/powerpoint/2010/main" val="2890147570"/>
+        <p14:creationId xmlns:p14="http://schemas.microsoft.com/office/powerpoint/2010/main" xmlns="" val="2890147570"/>
       </p:ext>
     </p:extLst>
   </p:cSld>
@@ -28219,7 +28373,7 @@
     </p:spTree>
     <p:extLst>
       <p:ext uri="{BB962C8B-B14F-4D97-AF65-F5344CB8AC3E}">
-        <p14:creationId xmlns="" xmlns:p14="http://schemas.microsoft.com/office/powerpoint/2010/main" val="2890147570"/>
+        <p14:creationId xmlns:p14="http://schemas.microsoft.com/office/powerpoint/2010/main" xmlns="" val="2890147570"/>
       </p:ext>
     </p:extLst>
   </p:cSld>
@@ -28597,7 +28751,7 @@
     </p:spTree>
     <p:extLst>
       <p:ext uri="{BB962C8B-B14F-4D97-AF65-F5344CB8AC3E}">
-        <p14:creationId xmlns="" xmlns:p14="http://schemas.microsoft.com/office/powerpoint/2010/main" val="2890147570"/>
+        <p14:creationId xmlns:p14="http://schemas.microsoft.com/office/powerpoint/2010/main" xmlns="" val="2890147570"/>
       </p:ext>
     </p:extLst>
   </p:cSld>
@@ -28959,7 +29113,7 @@
     </p:spTree>
     <p:extLst>
       <p:ext uri="{BB962C8B-B14F-4D97-AF65-F5344CB8AC3E}">
-        <p14:creationId xmlns="" xmlns:p14="http://schemas.microsoft.com/office/powerpoint/2010/main" val="2890147570"/>
+        <p14:creationId xmlns:p14="http://schemas.microsoft.com/office/powerpoint/2010/main" xmlns="" val="2890147570"/>
       </p:ext>
     </p:extLst>
   </p:cSld>

--- a/trunk/CSOF5303 Proyecto 3/Ciclo1/0926PresentacionCiclo1.pptx
+++ b/trunk/CSOF5303 Proyecto 3/Ciclo1/0926PresentacionCiclo1.pptx
@@ -24,7 +24,7 @@
     <p:sldId id="412" r:id="rId15"/>
     <p:sldId id="423" r:id="rId16"/>
     <p:sldId id="427" r:id="rId17"/>
-    <p:sldId id="430" r:id="rId18"/>
+    <p:sldId id="424" r:id="rId18"/>
     <p:sldId id="425" r:id="rId19"/>
     <p:sldId id="426" r:id="rId20"/>
     <p:sldId id="429" r:id="rId21"/>
@@ -369,25 +369,25 @@
         </c:ser>
         <c:gapWidth val="75"/>
         <c:overlap val="-25"/>
-        <c:axId val="24396928"/>
-        <c:axId val="24398464"/>
+        <c:axId val="69884160"/>
+        <c:axId val="70340608"/>
       </c:barChart>
       <c:catAx>
-        <c:axId val="24396928"/>
+        <c:axId val="69884160"/>
         <c:scaling>
           <c:orientation val="minMax"/>
         </c:scaling>
         <c:axPos val="b"/>
         <c:majorTickMark val="none"/>
         <c:tickLblPos val="nextTo"/>
-        <c:crossAx val="24398464"/>
+        <c:crossAx val="70340608"/>
         <c:crosses val="autoZero"/>
         <c:auto val="1"/>
         <c:lblAlgn val="ctr"/>
         <c:lblOffset val="100"/>
       </c:catAx>
       <c:valAx>
-        <c:axId val="24398464"/>
+        <c:axId val="70340608"/>
         <c:scaling>
           <c:orientation val="minMax"/>
         </c:scaling>
@@ -401,7 +401,7 @@
             <a:noFill/>
           </a:ln>
         </c:spPr>
-        <c:crossAx val="24396928"/>
+        <c:crossAx val="69884160"/>
         <c:crosses val="autoZero"/>
         <c:crossBetween val="between"/>
       </c:valAx>
@@ -693,25 +693,25 @@
           </c:val>
         </c:ser>
         <c:marker val="1"/>
-        <c:axId val="24548480"/>
-        <c:axId val="24550016"/>
+        <c:axId val="70465792"/>
+        <c:axId val="70496256"/>
       </c:lineChart>
       <c:catAx>
-        <c:axId val="24548480"/>
+        <c:axId val="70465792"/>
         <c:scaling>
           <c:orientation val="minMax"/>
         </c:scaling>
         <c:axPos val="b"/>
         <c:majorTickMark val="none"/>
         <c:tickLblPos val="nextTo"/>
-        <c:crossAx val="24550016"/>
+        <c:crossAx val="70496256"/>
         <c:crosses val="autoZero"/>
         <c:auto val="1"/>
         <c:lblAlgn val="ctr"/>
         <c:lblOffset val="100"/>
       </c:catAx>
       <c:valAx>
-        <c:axId val="24550016"/>
+        <c:axId val="70496256"/>
         <c:scaling>
           <c:orientation val="minMax"/>
         </c:scaling>
@@ -723,7 +723,7 @@
         <c:numFmt formatCode="0.00%" sourceLinked="1"/>
         <c:majorTickMark val="none"/>
         <c:tickLblPos val="nextTo"/>
-        <c:crossAx val="24548480"/>
+        <c:crossAx val="70465792"/>
         <c:crosses val="autoZero"/>
         <c:crossBetween val="between"/>
       </c:valAx>
@@ -2260,11 +2260,11 @@
 </file>
 
 <file path=ppt/diagrams/colors3.xml><?xml version="1.0" encoding="utf-8"?>
-<dgm:colorsDef xmlns:dgm="http://schemas.openxmlformats.org/drawingml/2006/diagram" xmlns:a="http://schemas.openxmlformats.org/drawingml/2006/main" uniqueId="urn:microsoft.com/office/officeart/2005/8/colors/accent1_2">
+<dgm:colorsDef xmlns:dgm="http://schemas.openxmlformats.org/drawingml/2006/diagram" xmlns:a="http://schemas.openxmlformats.org/drawingml/2006/main" uniqueId="urn:microsoft.com/office/officeart/2005/8/colors/colorful2">
   <dgm:title val=""/>
   <dgm:desc val=""/>
   <dgm:catLst>
-    <dgm:cat type="accent1" pri="11200"/>
+    <dgm:cat type="colorful" pri="10200"/>
   </dgm:catLst>
   <dgm:styleLbl name="node0">
     <dgm:fillClrLst meth="repeat">
@@ -2278,21 +2278,10 @@
     <dgm:txFillClrLst/>
     <dgm:txEffectClrLst/>
   </dgm:styleLbl>
-  <dgm:styleLbl name="alignNode1">
-    <dgm:fillClrLst meth="repeat">
-      <a:schemeClr val="accent1"/>
-    </dgm:fillClrLst>
-    <dgm:linClrLst meth="repeat">
-      <a:schemeClr val="accent1"/>
-    </dgm:linClrLst>
-    <dgm:effectClrLst/>
-    <dgm:txLinClrLst/>
-    <dgm:txFillClrLst/>
-    <dgm:txEffectClrLst/>
-  </dgm:styleLbl>
   <dgm:styleLbl name="node1">
-    <dgm:fillClrLst meth="repeat">
-      <a:schemeClr val="accent1"/>
+    <dgm:fillClrLst>
+      <a:schemeClr val="accent2"/>
+      <a:schemeClr val="accent3"/>
     </dgm:fillClrLst>
     <dgm:linClrLst meth="repeat">
       <a:schemeClr val="lt1"/>
@@ -2302,9 +2291,24 @@
     <dgm:txFillClrLst/>
     <dgm:txEffectClrLst/>
   </dgm:styleLbl>
+  <dgm:styleLbl name="alignNode1">
+    <dgm:fillClrLst>
+      <a:schemeClr val="accent2"/>
+      <a:schemeClr val="accent3"/>
+    </dgm:fillClrLst>
+    <dgm:linClrLst>
+      <a:schemeClr val="accent2"/>
+      <a:schemeClr val="accent3"/>
+    </dgm:linClrLst>
+    <dgm:effectClrLst/>
+    <dgm:txLinClrLst/>
+    <dgm:txFillClrLst/>
+    <dgm:txEffectClrLst/>
+  </dgm:styleLbl>
   <dgm:styleLbl name="lnNode1">
-    <dgm:fillClrLst meth="repeat">
-      <a:schemeClr val="accent1"/>
+    <dgm:fillClrLst>
+      <a:schemeClr val="accent2"/>
+      <a:schemeClr val="accent3"/>
     </dgm:fillClrLst>
     <dgm:linClrLst meth="repeat">
       <a:schemeClr val="lt1"/>
@@ -2315,8 +2319,11 @@
     <dgm:txEffectClrLst/>
   </dgm:styleLbl>
   <dgm:styleLbl name="vennNode1">
-    <dgm:fillClrLst meth="repeat">
-      <a:schemeClr val="accent1">
+    <dgm:fillClrLst>
+      <a:schemeClr val="accent2">
+        <a:alpha val="50000"/>
+      </a:schemeClr>
+      <a:schemeClr val="accent3">
         <a:alpha val="50000"/>
       </a:schemeClr>
     </dgm:fillClrLst>
@@ -2329,8 +2336,8 @@
     <dgm:txEffectClrLst/>
   </dgm:styleLbl>
   <dgm:styleLbl name="node2">
-    <dgm:fillClrLst meth="repeat">
-      <a:schemeClr val="accent1"/>
+    <dgm:fillClrLst>
+      <a:schemeClr val="accent3"/>
     </dgm:fillClrLst>
     <dgm:linClrLst meth="repeat">
       <a:schemeClr val="lt1"/>
@@ -2341,8 +2348,8 @@
     <dgm:txEffectClrLst/>
   </dgm:styleLbl>
   <dgm:styleLbl name="node3">
-    <dgm:fillClrLst meth="repeat">
-      <a:schemeClr val="accent1"/>
+    <dgm:fillClrLst>
+      <a:schemeClr val="accent4"/>
     </dgm:fillClrLst>
     <dgm:linClrLst meth="repeat">
       <a:schemeClr val="lt1"/>
@@ -2353,8 +2360,8 @@
     <dgm:txEffectClrLst/>
   </dgm:styleLbl>
   <dgm:styleLbl name="node4">
-    <dgm:fillClrLst meth="repeat">
-      <a:schemeClr val="accent1"/>
+    <dgm:fillClrLst>
+      <a:schemeClr val="accent5"/>
     </dgm:fillClrLst>
     <dgm:linClrLst meth="repeat">
       <a:schemeClr val="lt1"/>
@@ -2365,8 +2372,11 @@
     <dgm:txEffectClrLst/>
   </dgm:styleLbl>
   <dgm:styleLbl name="fgImgPlace1">
-    <dgm:fillClrLst meth="repeat">
-      <a:schemeClr val="accent1">
+    <dgm:fillClrLst>
+      <a:schemeClr val="accent2">
+        <a:tint val="50000"/>
+      </a:schemeClr>
+      <a:schemeClr val="accent3">
         <a:tint val="50000"/>
       </a:schemeClr>
     </dgm:fillClrLst>
@@ -2381,8 +2391,774 @@
     <dgm:txEffectClrLst/>
   </dgm:styleLbl>
   <dgm:styleLbl name="alignImgPlace1">
+    <dgm:fillClrLst>
+      <a:schemeClr val="accent2">
+        <a:tint val="50000"/>
+      </a:schemeClr>
+      <a:schemeClr val="accent3">
+        <a:tint val="20000"/>
+      </a:schemeClr>
+    </dgm:fillClrLst>
+    <dgm:linClrLst meth="repeat">
+      <a:schemeClr val="lt1"/>
+    </dgm:linClrLst>
+    <dgm:effectClrLst/>
+    <dgm:txLinClrLst/>
+    <dgm:txFillClrLst meth="repeat">
+      <a:schemeClr val="lt1"/>
+    </dgm:txFillClrLst>
+    <dgm:txEffectClrLst/>
+  </dgm:styleLbl>
+  <dgm:styleLbl name="bgImgPlace1">
+    <dgm:fillClrLst>
+      <a:schemeClr val="accent2">
+        <a:tint val="50000"/>
+      </a:schemeClr>
+      <a:schemeClr val="accent3">
+        <a:tint val="20000"/>
+      </a:schemeClr>
+    </dgm:fillClrLst>
+    <dgm:linClrLst meth="repeat">
+      <a:schemeClr val="lt1"/>
+    </dgm:linClrLst>
+    <dgm:effectClrLst/>
+    <dgm:txLinClrLst/>
+    <dgm:txFillClrLst meth="repeat">
+      <a:schemeClr val="lt1"/>
+    </dgm:txFillClrLst>
+    <dgm:txEffectClrLst/>
+  </dgm:styleLbl>
+  <dgm:styleLbl name="sibTrans2D1">
+    <dgm:fillClrLst>
+      <a:schemeClr val="accent2"/>
+      <a:schemeClr val="accent3"/>
+    </dgm:fillClrLst>
+    <dgm:linClrLst meth="repeat">
+      <a:schemeClr val="lt1"/>
+    </dgm:linClrLst>
+    <dgm:effectClrLst/>
+    <dgm:txLinClrLst/>
+    <dgm:txFillClrLst/>
+    <dgm:txEffectClrLst/>
+  </dgm:styleLbl>
+  <dgm:styleLbl name="fgSibTrans2D1">
+    <dgm:fillClrLst>
+      <a:schemeClr val="accent2"/>
+      <a:schemeClr val="accent3"/>
+    </dgm:fillClrLst>
+    <dgm:linClrLst meth="repeat">
+      <a:schemeClr val="lt1"/>
+    </dgm:linClrLst>
+    <dgm:effectClrLst/>
+    <dgm:txLinClrLst/>
+    <dgm:txFillClrLst meth="repeat">
+      <a:schemeClr val="lt1"/>
+    </dgm:txFillClrLst>
+    <dgm:txEffectClrLst/>
+  </dgm:styleLbl>
+  <dgm:styleLbl name="bgSibTrans2D1">
+    <dgm:fillClrLst>
+      <a:schemeClr val="accent2"/>
+      <a:schemeClr val="accent3"/>
+    </dgm:fillClrLst>
+    <dgm:linClrLst meth="repeat">
+      <a:schemeClr val="lt1"/>
+    </dgm:linClrLst>
+    <dgm:effectClrLst/>
+    <dgm:txLinClrLst/>
+    <dgm:txFillClrLst meth="repeat">
+      <a:schemeClr val="lt1"/>
+    </dgm:txFillClrLst>
+    <dgm:txEffectClrLst/>
+  </dgm:styleLbl>
+  <dgm:styleLbl name="sibTrans1D1">
+    <dgm:fillClrLst/>
+    <dgm:linClrLst>
+      <a:schemeClr val="accent2"/>
+      <a:schemeClr val="accent3"/>
+    </dgm:linClrLst>
+    <dgm:effectClrLst/>
+    <dgm:txLinClrLst/>
+    <dgm:txFillClrLst meth="repeat">
+      <a:schemeClr val="tx1"/>
+    </dgm:txFillClrLst>
+    <dgm:txEffectClrLst/>
+  </dgm:styleLbl>
+  <dgm:styleLbl name="callout">
     <dgm:fillClrLst meth="repeat">
-      <a:schemeClr val="accent1">
+      <a:schemeClr val="accent2"/>
+    </dgm:fillClrLst>
+    <dgm:linClrLst meth="repeat">
+      <a:schemeClr val="accent2">
+        <a:tint val="50000"/>
+      </a:schemeClr>
+    </dgm:linClrLst>
+    <dgm:effectClrLst/>
+    <dgm:txLinClrLst/>
+    <dgm:txFillClrLst meth="repeat">
+      <a:schemeClr val="tx1"/>
+    </dgm:txFillClrLst>
+    <dgm:txEffectClrLst/>
+  </dgm:styleLbl>
+  <dgm:styleLbl name="asst0">
+    <dgm:fillClrLst meth="repeat">
+      <a:schemeClr val="accent2"/>
+    </dgm:fillClrLst>
+    <dgm:linClrLst meth="repeat">
+      <a:schemeClr val="lt1">
+        <a:shade val="80000"/>
+      </a:schemeClr>
+    </dgm:linClrLst>
+    <dgm:effectClrLst/>
+    <dgm:txLinClrLst/>
+    <dgm:txFillClrLst/>
+    <dgm:txEffectClrLst/>
+  </dgm:styleLbl>
+  <dgm:styleLbl name="asst1">
+    <dgm:fillClrLst meth="repeat">
+      <a:schemeClr val="accent3"/>
+    </dgm:fillClrLst>
+    <dgm:linClrLst meth="repeat">
+      <a:schemeClr val="lt1">
+        <a:shade val="80000"/>
+      </a:schemeClr>
+    </dgm:linClrLst>
+    <dgm:effectClrLst/>
+    <dgm:txLinClrLst/>
+    <dgm:txFillClrLst/>
+    <dgm:txEffectClrLst/>
+  </dgm:styleLbl>
+  <dgm:styleLbl name="asst2">
+    <dgm:fillClrLst>
+      <a:schemeClr val="accent4"/>
+    </dgm:fillClrLst>
+    <dgm:linClrLst meth="repeat">
+      <a:schemeClr val="lt1"/>
+    </dgm:linClrLst>
+    <dgm:effectClrLst/>
+    <dgm:txLinClrLst/>
+    <dgm:txFillClrLst/>
+    <dgm:txEffectClrLst/>
+  </dgm:styleLbl>
+  <dgm:styleLbl name="asst3">
+    <dgm:fillClrLst>
+      <a:schemeClr val="accent5"/>
+    </dgm:fillClrLst>
+    <dgm:linClrLst meth="repeat">
+      <a:schemeClr val="lt1"/>
+    </dgm:linClrLst>
+    <dgm:effectClrLst/>
+    <dgm:txLinClrLst/>
+    <dgm:txFillClrLst/>
+    <dgm:txEffectClrLst/>
+  </dgm:styleLbl>
+  <dgm:styleLbl name="asst4">
+    <dgm:fillClrLst>
+      <a:schemeClr val="accent6"/>
+    </dgm:fillClrLst>
+    <dgm:linClrLst meth="repeat">
+      <a:schemeClr val="lt1"/>
+    </dgm:linClrLst>
+    <dgm:effectClrLst/>
+    <dgm:txLinClrLst/>
+    <dgm:txFillClrLst/>
+    <dgm:txEffectClrLst/>
+  </dgm:styleLbl>
+  <dgm:styleLbl name="parChTrans2D1">
+    <dgm:fillClrLst meth="repeat">
+      <a:schemeClr val="accent2"/>
+    </dgm:fillClrLst>
+    <dgm:linClrLst meth="repeat">
+      <a:schemeClr val="lt1"/>
+    </dgm:linClrLst>
+    <dgm:effectClrLst/>
+    <dgm:txLinClrLst/>
+    <dgm:txFillClrLst meth="repeat">
+      <a:schemeClr val="lt1"/>
+    </dgm:txFillClrLst>
+    <dgm:txEffectClrLst/>
+  </dgm:styleLbl>
+  <dgm:styleLbl name="parChTrans2D2">
+    <dgm:fillClrLst meth="repeat">
+      <a:schemeClr val="accent3"/>
+    </dgm:fillClrLst>
+    <dgm:linClrLst meth="repeat">
+      <a:schemeClr val="lt1"/>
+    </dgm:linClrLst>
+    <dgm:effectClrLst/>
+    <dgm:txLinClrLst/>
+    <dgm:txFillClrLst/>
+    <dgm:txEffectClrLst/>
+  </dgm:styleLbl>
+  <dgm:styleLbl name="parChTrans2D3">
+    <dgm:fillClrLst meth="repeat">
+      <a:schemeClr val="accent4"/>
+    </dgm:fillClrLst>
+    <dgm:linClrLst meth="repeat">
+      <a:schemeClr val="lt1"/>
+    </dgm:linClrLst>
+    <dgm:effectClrLst/>
+    <dgm:txLinClrLst/>
+    <dgm:txFillClrLst/>
+    <dgm:txEffectClrLst/>
+  </dgm:styleLbl>
+  <dgm:styleLbl name="parChTrans2D4">
+    <dgm:fillClrLst meth="repeat">
+      <a:schemeClr val="accent5"/>
+    </dgm:fillClrLst>
+    <dgm:linClrLst meth="repeat">
+      <a:schemeClr val="lt1"/>
+    </dgm:linClrLst>
+    <dgm:effectClrLst/>
+    <dgm:txLinClrLst/>
+    <dgm:txFillClrLst meth="repeat">
+      <a:schemeClr val="lt1"/>
+    </dgm:txFillClrLst>
+    <dgm:txEffectClrLst/>
+  </dgm:styleLbl>
+  <dgm:styleLbl name="parChTrans1D1">
+    <dgm:fillClrLst meth="repeat">
+      <a:schemeClr val="accent2"/>
+    </dgm:fillClrLst>
+    <dgm:linClrLst meth="repeat">
+      <a:schemeClr val="accent2"/>
+    </dgm:linClrLst>
+    <dgm:effectClrLst/>
+    <dgm:txLinClrLst/>
+    <dgm:txFillClrLst meth="repeat">
+      <a:schemeClr val="tx1"/>
+    </dgm:txFillClrLst>
+    <dgm:txEffectClrLst/>
+  </dgm:styleLbl>
+  <dgm:styleLbl name="parChTrans1D2">
+    <dgm:fillClrLst meth="repeat">
+      <a:schemeClr val="accent2">
+        <a:tint val="90000"/>
+      </a:schemeClr>
+    </dgm:fillClrLst>
+    <dgm:linClrLst meth="repeat">
+      <a:schemeClr val="accent3"/>
+    </dgm:linClrLst>
+    <dgm:effectClrLst/>
+    <dgm:txLinClrLst/>
+    <dgm:txFillClrLst meth="repeat">
+      <a:schemeClr val="tx1"/>
+    </dgm:txFillClrLst>
+    <dgm:txEffectClrLst/>
+  </dgm:styleLbl>
+  <dgm:styleLbl name="parChTrans1D3">
+    <dgm:fillClrLst meth="repeat">
+      <a:schemeClr val="accent2">
+        <a:tint val="70000"/>
+      </a:schemeClr>
+    </dgm:fillClrLst>
+    <dgm:linClrLst meth="repeat">
+      <a:schemeClr val="accent4"/>
+    </dgm:linClrLst>
+    <dgm:effectClrLst/>
+    <dgm:txLinClrLst/>
+    <dgm:txFillClrLst meth="repeat">
+      <a:schemeClr val="tx1"/>
+    </dgm:txFillClrLst>
+    <dgm:txEffectClrLst/>
+  </dgm:styleLbl>
+  <dgm:styleLbl name="parChTrans1D4">
+    <dgm:fillClrLst meth="repeat">
+      <a:schemeClr val="accent2">
+        <a:tint val="50000"/>
+      </a:schemeClr>
+    </dgm:fillClrLst>
+    <dgm:linClrLst meth="repeat">
+      <a:schemeClr val="accent5"/>
+    </dgm:linClrLst>
+    <dgm:effectClrLst/>
+    <dgm:txLinClrLst/>
+    <dgm:txFillClrLst meth="repeat">
+      <a:schemeClr val="tx1"/>
+    </dgm:txFillClrLst>
+    <dgm:txEffectClrLst/>
+  </dgm:styleLbl>
+  <dgm:styleLbl name="fgAcc1">
+    <dgm:fillClrLst meth="repeat">
+      <a:schemeClr val="lt1">
+        <a:alpha val="90000"/>
+      </a:schemeClr>
+    </dgm:fillClrLst>
+    <dgm:linClrLst>
+      <a:schemeClr val="accent2"/>
+      <a:schemeClr val="accent3"/>
+    </dgm:linClrLst>
+    <dgm:effectClrLst/>
+    <dgm:txLinClrLst/>
+    <dgm:txFillClrLst meth="repeat">
+      <a:schemeClr val="dk1"/>
+    </dgm:txFillClrLst>
+    <dgm:txEffectClrLst/>
+  </dgm:styleLbl>
+  <dgm:styleLbl name="conFgAcc1">
+    <dgm:fillClrLst meth="repeat">
+      <a:schemeClr val="lt1">
+        <a:alpha val="90000"/>
+      </a:schemeClr>
+    </dgm:fillClrLst>
+    <dgm:linClrLst>
+      <a:schemeClr val="accent2"/>
+      <a:schemeClr val="accent3"/>
+    </dgm:linClrLst>
+    <dgm:effectClrLst/>
+    <dgm:txLinClrLst/>
+    <dgm:txFillClrLst meth="repeat">
+      <a:schemeClr val="dk1"/>
+    </dgm:txFillClrLst>
+    <dgm:txEffectClrLst/>
+  </dgm:styleLbl>
+  <dgm:styleLbl name="alignAcc1">
+    <dgm:fillClrLst meth="repeat">
+      <a:schemeClr val="lt1">
+        <a:alpha val="90000"/>
+      </a:schemeClr>
+    </dgm:fillClrLst>
+    <dgm:linClrLst>
+      <a:schemeClr val="accent2"/>
+      <a:schemeClr val="accent3"/>
+    </dgm:linClrLst>
+    <dgm:effectClrLst/>
+    <dgm:txLinClrLst/>
+    <dgm:txFillClrLst meth="repeat">
+      <a:schemeClr val="dk1"/>
+    </dgm:txFillClrLst>
+    <dgm:txEffectClrLst/>
+  </dgm:styleLbl>
+  <dgm:styleLbl name="trAlignAcc1">
+    <dgm:fillClrLst meth="repeat">
+      <a:schemeClr val="lt1">
+        <a:alpha val="40000"/>
+      </a:schemeClr>
+    </dgm:fillClrLst>
+    <dgm:linClrLst meth="repeat">
+      <a:schemeClr val="accent2"/>
+    </dgm:linClrLst>
+    <dgm:effectClrLst/>
+    <dgm:txLinClrLst/>
+    <dgm:txFillClrLst meth="repeat">
+      <a:schemeClr val="dk1"/>
+    </dgm:txFillClrLst>
+    <dgm:txEffectClrLst/>
+  </dgm:styleLbl>
+  <dgm:styleLbl name="bgAcc1">
+    <dgm:fillClrLst meth="repeat">
+      <a:schemeClr val="lt1">
+        <a:alpha val="90000"/>
+      </a:schemeClr>
+    </dgm:fillClrLst>
+    <dgm:linClrLst>
+      <a:schemeClr val="accent2"/>
+      <a:schemeClr val="accent3"/>
+    </dgm:linClrLst>
+    <dgm:effectClrLst/>
+    <dgm:txLinClrLst/>
+    <dgm:txFillClrLst meth="repeat">
+      <a:schemeClr val="dk1"/>
+    </dgm:txFillClrLst>
+    <dgm:txEffectClrLst/>
+  </dgm:styleLbl>
+  <dgm:styleLbl name="solidFgAcc1">
+    <dgm:fillClrLst meth="repeat">
+      <a:schemeClr val="lt1"/>
+    </dgm:fillClrLst>
+    <dgm:linClrLst>
+      <a:schemeClr val="accent2"/>
+      <a:schemeClr val="accent3"/>
+    </dgm:linClrLst>
+    <dgm:effectClrLst/>
+    <dgm:txLinClrLst/>
+    <dgm:txFillClrLst meth="repeat">
+      <a:schemeClr val="dk1"/>
+    </dgm:txFillClrLst>
+    <dgm:txEffectClrLst/>
+  </dgm:styleLbl>
+  <dgm:styleLbl name="solidAlignAcc1">
+    <dgm:fillClrLst meth="repeat">
+      <a:schemeClr val="lt1"/>
+    </dgm:fillClrLst>
+    <dgm:linClrLst>
+      <a:schemeClr val="accent2"/>
+      <a:schemeClr val="accent3"/>
+    </dgm:linClrLst>
+    <dgm:effectClrLst/>
+    <dgm:txLinClrLst/>
+    <dgm:txFillClrLst meth="repeat">
+      <a:schemeClr val="dk1"/>
+    </dgm:txFillClrLst>
+    <dgm:txEffectClrLst/>
+  </dgm:styleLbl>
+  <dgm:styleLbl name="solidBgAcc1">
+    <dgm:fillClrLst meth="repeat">
+      <a:schemeClr val="lt1"/>
+    </dgm:fillClrLst>
+    <dgm:linClrLst>
+      <a:schemeClr val="accent2"/>
+      <a:schemeClr val="accent3"/>
+    </dgm:linClrLst>
+    <dgm:effectClrLst/>
+    <dgm:txLinClrLst/>
+    <dgm:txFillClrLst meth="repeat">
+      <a:schemeClr val="dk1"/>
+    </dgm:txFillClrLst>
+    <dgm:txEffectClrLst/>
+  </dgm:styleLbl>
+  <dgm:styleLbl name="fgAccFollowNode1">
+    <dgm:fillClrLst>
+      <a:schemeClr val="accent2">
+        <a:tint val="40000"/>
+        <a:alpha val="90000"/>
+      </a:schemeClr>
+      <a:schemeClr val="accent3">
+        <a:tint val="40000"/>
+        <a:alpha val="90000"/>
+      </a:schemeClr>
+    </dgm:fillClrLst>
+    <dgm:linClrLst>
+      <a:schemeClr val="accent2">
+        <a:tint val="40000"/>
+        <a:alpha val="90000"/>
+      </a:schemeClr>
+      <a:schemeClr val="accent3">
+        <a:tint val="40000"/>
+        <a:alpha val="90000"/>
+      </a:schemeClr>
+    </dgm:linClrLst>
+    <dgm:effectClrLst/>
+    <dgm:txLinClrLst/>
+    <dgm:txFillClrLst meth="repeat">
+      <a:schemeClr val="dk1"/>
+    </dgm:txFillClrLst>
+    <dgm:txEffectClrLst/>
+  </dgm:styleLbl>
+  <dgm:styleLbl name="alignAccFollowNode1">
+    <dgm:fillClrLst>
+      <a:schemeClr val="accent2">
+        <a:tint val="40000"/>
+        <a:alpha val="90000"/>
+      </a:schemeClr>
+      <a:schemeClr val="accent3">
+        <a:tint val="40000"/>
+        <a:alpha val="90000"/>
+      </a:schemeClr>
+    </dgm:fillClrLst>
+    <dgm:linClrLst>
+      <a:schemeClr val="accent2">
+        <a:tint val="40000"/>
+        <a:alpha val="90000"/>
+      </a:schemeClr>
+      <a:schemeClr val="accent3">
+        <a:tint val="40000"/>
+        <a:alpha val="90000"/>
+      </a:schemeClr>
+    </dgm:linClrLst>
+    <dgm:effectClrLst/>
+    <dgm:txLinClrLst/>
+    <dgm:txFillClrLst meth="repeat">
+      <a:schemeClr val="dk1"/>
+    </dgm:txFillClrLst>
+    <dgm:txEffectClrLst/>
+  </dgm:styleLbl>
+  <dgm:styleLbl name="bgAccFollowNode1">
+    <dgm:fillClrLst>
+      <a:schemeClr val="accent2">
+        <a:tint val="40000"/>
+        <a:alpha val="90000"/>
+      </a:schemeClr>
+      <a:schemeClr val="accent3">
+        <a:tint val="40000"/>
+        <a:alpha val="90000"/>
+      </a:schemeClr>
+    </dgm:fillClrLst>
+    <dgm:linClrLst>
+      <a:schemeClr val="accent2">
+        <a:tint val="40000"/>
+        <a:alpha val="90000"/>
+      </a:schemeClr>
+      <a:schemeClr val="accent3">
+        <a:tint val="40000"/>
+        <a:alpha val="90000"/>
+      </a:schemeClr>
+    </dgm:linClrLst>
+    <dgm:effectClrLst/>
+    <dgm:txLinClrLst/>
+    <dgm:txFillClrLst meth="repeat">
+      <a:schemeClr val="dk1"/>
+    </dgm:txFillClrLst>
+    <dgm:txEffectClrLst/>
+  </dgm:styleLbl>
+  <dgm:styleLbl name="fgAcc0">
+    <dgm:fillClrLst meth="repeat">
+      <a:schemeClr val="lt1">
+        <a:alpha val="90000"/>
+      </a:schemeClr>
+    </dgm:fillClrLst>
+    <dgm:linClrLst>
+      <a:schemeClr val="accent1"/>
+    </dgm:linClrLst>
+    <dgm:effectClrLst/>
+    <dgm:txLinClrLst/>
+    <dgm:txFillClrLst meth="repeat">
+      <a:schemeClr val="dk1"/>
+    </dgm:txFillClrLst>
+    <dgm:txEffectClrLst/>
+  </dgm:styleLbl>
+  <dgm:styleLbl name="fgAcc2">
+    <dgm:fillClrLst meth="repeat">
+      <a:schemeClr val="lt1">
+        <a:alpha val="90000"/>
+      </a:schemeClr>
+    </dgm:fillClrLst>
+    <dgm:linClrLst>
+      <a:schemeClr val="accent3"/>
+    </dgm:linClrLst>
+    <dgm:effectClrLst/>
+    <dgm:txLinClrLst/>
+    <dgm:txFillClrLst meth="repeat">
+      <a:schemeClr val="dk1"/>
+    </dgm:txFillClrLst>
+    <dgm:txEffectClrLst/>
+  </dgm:styleLbl>
+  <dgm:styleLbl name="fgAcc3">
+    <dgm:fillClrLst meth="repeat">
+      <a:schemeClr val="lt1">
+        <a:alpha val="90000"/>
+      </a:schemeClr>
+    </dgm:fillClrLst>
+    <dgm:linClrLst>
+      <a:schemeClr val="accent4"/>
+    </dgm:linClrLst>
+    <dgm:effectClrLst/>
+    <dgm:txLinClrLst/>
+    <dgm:txFillClrLst meth="repeat">
+      <a:schemeClr val="dk1"/>
+    </dgm:txFillClrLst>
+    <dgm:txEffectClrLst/>
+  </dgm:styleLbl>
+  <dgm:styleLbl name="fgAcc4">
+    <dgm:fillClrLst meth="repeat">
+      <a:schemeClr val="lt1">
+        <a:alpha val="90000"/>
+      </a:schemeClr>
+    </dgm:fillClrLst>
+    <dgm:linClrLst>
+      <a:schemeClr val="accent5"/>
+    </dgm:linClrLst>
+    <dgm:effectClrLst/>
+    <dgm:txLinClrLst/>
+    <dgm:txFillClrLst meth="repeat">
+      <a:schemeClr val="dk1"/>
+    </dgm:txFillClrLst>
+    <dgm:txEffectClrLst/>
+  </dgm:styleLbl>
+  <dgm:styleLbl name="bgShp">
+    <dgm:fillClrLst meth="repeat">
+      <a:schemeClr val="accent2">
+        <a:tint val="40000"/>
+      </a:schemeClr>
+    </dgm:fillClrLst>
+    <dgm:linClrLst meth="repeat">
+      <a:schemeClr val="dk1"/>
+    </dgm:linClrLst>
+    <dgm:effectClrLst/>
+    <dgm:txLinClrLst/>
+    <dgm:txFillClrLst meth="repeat">
+      <a:schemeClr val="dk1"/>
+    </dgm:txFillClrLst>
+    <dgm:txEffectClrLst/>
+  </dgm:styleLbl>
+  <dgm:styleLbl name="dkBgShp">
+    <dgm:fillClrLst meth="repeat">
+      <a:schemeClr val="accent2">
+        <a:shade val="90000"/>
+      </a:schemeClr>
+    </dgm:fillClrLst>
+    <dgm:linClrLst meth="repeat">
+      <a:schemeClr val="dk1"/>
+    </dgm:linClrLst>
+    <dgm:effectClrLst/>
+    <dgm:txLinClrLst/>
+    <dgm:txFillClrLst meth="repeat">
+      <a:schemeClr val="lt1"/>
+    </dgm:txFillClrLst>
+    <dgm:txEffectClrLst/>
+  </dgm:styleLbl>
+  <dgm:styleLbl name="trBgShp">
+    <dgm:fillClrLst meth="repeat">
+      <a:schemeClr val="accent2">
+        <a:tint val="50000"/>
+        <a:alpha val="40000"/>
+      </a:schemeClr>
+    </dgm:fillClrLst>
+    <dgm:linClrLst meth="repeat">
+      <a:schemeClr val="accent2"/>
+    </dgm:linClrLst>
+    <dgm:effectClrLst/>
+    <dgm:txLinClrLst/>
+    <dgm:txFillClrLst meth="repeat">
+      <a:schemeClr val="lt1"/>
+    </dgm:txFillClrLst>
+    <dgm:txEffectClrLst/>
+  </dgm:styleLbl>
+  <dgm:styleLbl name="fgShp">
+    <dgm:fillClrLst meth="repeat">
+      <a:schemeClr val="accent2">
+        <a:tint val="40000"/>
+      </a:schemeClr>
+    </dgm:fillClrLst>
+    <dgm:linClrLst meth="repeat">
+      <a:schemeClr val="lt1"/>
+    </dgm:linClrLst>
+    <dgm:effectClrLst/>
+    <dgm:txLinClrLst/>
+    <dgm:txFillClrLst meth="repeat">
+      <a:schemeClr val="dk1"/>
+    </dgm:txFillClrLst>
+    <dgm:txEffectClrLst/>
+  </dgm:styleLbl>
+  <dgm:styleLbl name="revTx">
+    <dgm:fillClrLst meth="repeat">
+      <a:schemeClr val="lt1">
+        <a:alpha val="0"/>
+      </a:schemeClr>
+    </dgm:fillClrLst>
+    <dgm:linClrLst meth="repeat">
+      <a:schemeClr val="dk1">
+        <a:alpha val="0"/>
+      </a:schemeClr>
+    </dgm:linClrLst>
+    <dgm:effectClrLst/>
+    <dgm:txLinClrLst/>
+    <dgm:txFillClrLst meth="repeat">
+      <a:schemeClr val="tx1"/>
+    </dgm:txFillClrLst>
+    <dgm:txEffectClrLst/>
+  </dgm:styleLbl>
+</dgm:colorsDef>
+</file>
+
+<file path=ppt/diagrams/colors4.xml><?xml version="1.0" encoding="utf-8"?>
+<dgm:colorsDef xmlns:dgm="http://schemas.openxmlformats.org/drawingml/2006/diagram" xmlns:a="http://schemas.openxmlformats.org/drawingml/2006/main" uniqueId="urn:microsoft.com/office/officeart/2005/8/colors/colorful2">
+  <dgm:title val=""/>
+  <dgm:desc val=""/>
+  <dgm:catLst>
+    <dgm:cat type="colorful" pri="10200"/>
+  </dgm:catLst>
+  <dgm:styleLbl name="node0">
+    <dgm:fillClrLst meth="repeat">
+      <a:schemeClr val="accent1"/>
+    </dgm:fillClrLst>
+    <dgm:linClrLst meth="repeat">
+      <a:schemeClr val="lt1"/>
+    </dgm:linClrLst>
+    <dgm:effectClrLst/>
+    <dgm:txLinClrLst/>
+    <dgm:txFillClrLst/>
+    <dgm:txEffectClrLst/>
+  </dgm:styleLbl>
+  <dgm:styleLbl name="node1">
+    <dgm:fillClrLst>
+      <a:schemeClr val="accent2"/>
+      <a:schemeClr val="accent3"/>
+    </dgm:fillClrLst>
+    <dgm:linClrLst meth="repeat">
+      <a:schemeClr val="lt1"/>
+    </dgm:linClrLst>
+    <dgm:effectClrLst/>
+    <dgm:txLinClrLst/>
+    <dgm:txFillClrLst/>
+    <dgm:txEffectClrLst/>
+  </dgm:styleLbl>
+  <dgm:styleLbl name="alignNode1">
+    <dgm:fillClrLst>
+      <a:schemeClr val="accent2"/>
+      <a:schemeClr val="accent3"/>
+    </dgm:fillClrLst>
+    <dgm:linClrLst>
+      <a:schemeClr val="accent2"/>
+      <a:schemeClr val="accent3"/>
+    </dgm:linClrLst>
+    <dgm:effectClrLst/>
+    <dgm:txLinClrLst/>
+    <dgm:txFillClrLst/>
+    <dgm:txEffectClrLst/>
+  </dgm:styleLbl>
+  <dgm:styleLbl name="lnNode1">
+    <dgm:fillClrLst>
+      <a:schemeClr val="accent2"/>
+      <a:schemeClr val="accent3"/>
+    </dgm:fillClrLst>
+    <dgm:linClrLst meth="repeat">
+      <a:schemeClr val="lt1"/>
+    </dgm:linClrLst>
+    <dgm:effectClrLst/>
+    <dgm:txLinClrLst/>
+    <dgm:txFillClrLst/>
+    <dgm:txEffectClrLst/>
+  </dgm:styleLbl>
+  <dgm:styleLbl name="vennNode1">
+    <dgm:fillClrLst>
+      <a:schemeClr val="accent2">
+        <a:alpha val="50000"/>
+      </a:schemeClr>
+      <a:schemeClr val="accent3">
+        <a:alpha val="50000"/>
+      </a:schemeClr>
+    </dgm:fillClrLst>
+    <dgm:linClrLst meth="repeat">
+      <a:schemeClr val="lt1"/>
+    </dgm:linClrLst>
+    <dgm:effectClrLst/>
+    <dgm:txLinClrLst/>
+    <dgm:txFillClrLst/>
+    <dgm:txEffectClrLst/>
+  </dgm:styleLbl>
+  <dgm:styleLbl name="node2">
+    <dgm:fillClrLst>
+      <a:schemeClr val="accent3"/>
+    </dgm:fillClrLst>
+    <dgm:linClrLst meth="repeat">
+      <a:schemeClr val="lt1"/>
+    </dgm:linClrLst>
+    <dgm:effectClrLst/>
+    <dgm:txLinClrLst/>
+    <dgm:txFillClrLst/>
+    <dgm:txEffectClrLst/>
+  </dgm:styleLbl>
+  <dgm:styleLbl name="node3">
+    <dgm:fillClrLst>
+      <a:schemeClr val="accent4"/>
+    </dgm:fillClrLst>
+    <dgm:linClrLst meth="repeat">
+      <a:schemeClr val="lt1"/>
+    </dgm:linClrLst>
+    <dgm:effectClrLst/>
+    <dgm:txLinClrLst/>
+    <dgm:txFillClrLst/>
+    <dgm:txEffectClrLst/>
+  </dgm:styleLbl>
+  <dgm:styleLbl name="node4">
+    <dgm:fillClrLst>
+      <a:schemeClr val="accent5"/>
+    </dgm:fillClrLst>
+    <dgm:linClrLst meth="repeat">
+      <a:schemeClr val="lt1"/>
+    </dgm:linClrLst>
+    <dgm:effectClrLst/>
+    <dgm:txLinClrLst/>
+    <dgm:txFillClrLst/>
+    <dgm:txEffectClrLst/>
+  </dgm:styleLbl>
+  <dgm:styleLbl name="fgImgPlace1">
+    <dgm:fillClrLst>
+      <a:schemeClr val="accent2">
+        <a:tint val="50000"/>
+      </a:schemeClr>
+      <a:schemeClr val="accent3">
         <a:tint val="50000"/>
       </a:schemeClr>
     </dgm:fillClrLst>
@@ -2396,10 +3172,13 @@
     </dgm:txFillClrLst>
     <dgm:txEffectClrLst/>
   </dgm:styleLbl>
-  <dgm:styleLbl name="bgImgPlace1">
-    <dgm:fillClrLst meth="repeat">
-      <a:schemeClr val="accent1">
+  <dgm:styleLbl name="alignImgPlace1">
+    <dgm:fillClrLst>
+      <a:schemeClr val="accent2">
         <a:tint val="50000"/>
+      </a:schemeClr>
+      <a:schemeClr val="accent3">
+        <a:tint val="20000"/>
       </a:schemeClr>
     </dgm:fillClrLst>
     <dgm:linClrLst meth="repeat">
@@ -2412,16 +3191,32 @@
     </dgm:txFillClrLst>
     <dgm:txEffectClrLst/>
   </dgm:styleLbl>
-  <dgm:styleLbl name="sibTrans2D1">
-    <dgm:fillClrLst meth="repeat">
-      <a:schemeClr val="accent1">
-        <a:tint val="60000"/>
+  <dgm:styleLbl name="bgImgPlace1">
+    <dgm:fillClrLst>
+      <a:schemeClr val="accent2">
+        <a:tint val="50000"/>
+      </a:schemeClr>
+      <a:schemeClr val="accent3">
+        <a:tint val="20000"/>
       </a:schemeClr>
     </dgm:fillClrLst>
     <dgm:linClrLst meth="repeat">
-      <a:schemeClr val="accent1">
-        <a:tint val="60000"/>
-      </a:schemeClr>
+      <a:schemeClr val="lt1"/>
+    </dgm:linClrLst>
+    <dgm:effectClrLst/>
+    <dgm:txLinClrLst/>
+    <dgm:txFillClrLst meth="repeat">
+      <a:schemeClr val="lt1"/>
+    </dgm:txFillClrLst>
+    <dgm:txEffectClrLst/>
+  </dgm:styleLbl>
+  <dgm:styleLbl name="sibTrans2D1">
+    <dgm:fillClrLst>
+      <a:schemeClr val="accent2"/>
+      <a:schemeClr val="accent3"/>
+    </dgm:fillClrLst>
+    <dgm:linClrLst meth="repeat">
+      <a:schemeClr val="lt1"/>
     </dgm:linClrLst>
     <dgm:effectClrLst/>
     <dgm:txLinClrLst/>
@@ -2429,43 +3224,40 @@
     <dgm:txEffectClrLst/>
   </dgm:styleLbl>
   <dgm:styleLbl name="fgSibTrans2D1">
-    <dgm:fillClrLst meth="repeat">
-      <a:schemeClr val="accent1">
-        <a:tint val="60000"/>
-      </a:schemeClr>
+    <dgm:fillClrLst>
+      <a:schemeClr val="accent2"/>
+      <a:schemeClr val="accent3"/>
     </dgm:fillClrLst>
     <dgm:linClrLst meth="repeat">
-      <a:schemeClr val="accent1">
-        <a:tint val="60000"/>
-      </a:schemeClr>
+      <a:schemeClr val="lt1"/>
     </dgm:linClrLst>
     <dgm:effectClrLst/>
     <dgm:txLinClrLst/>
-    <dgm:txFillClrLst/>
+    <dgm:txFillClrLst meth="repeat">
+      <a:schemeClr val="lt1"/>
+    </dgm:txFillClrLst>
     <dgm:txEffectClrLst/>
   </dgm:styleLbl>
   <dgm:styleLbl name="bgSibTrans2D1">
-    <dgm:fillClrLst meth="repeat">
-      <a:schemeClr val="accent1">
-        <a:tint val="60000"/>
-      </a:schemeClr>
+    <dgm:fillClrLst>
+      <a:schemeClr val="accent2"/>
+      <a:schemeClr val="accent3"/>
     </dgm:fillClrLst>
     <dgm:linClrLst meth="repeat">
-      <a:schemeClr val="accent1">
-        <a:tint val="60000"/>
-      </a:schemeClr>
+      <a:schemeClr val="lt1"/>
     </dgm:linClrLst>
     <dgm:effectClrLst/>
     <dgm:txLinClrLst/>
-    <dgm:txFillClrLst/>
+    <dgm:txFillClrLst meth="repeat">
+      <a:schemeClr val="lt1"/>
+    </dgm:txFillClrLst>
     <dgm:txEffectClrLst/>
   </dgm:styleLbl>
   <dgm:styleLbl name="sibTrans1D1">
-    <dgm:fillClrLst meth="repeat">
-      <a:schemeClr val="accent1"/>
-    </dgm:fillClrLst>
-    <dgm:linClrLst meth="repeat">
-      <a:schemeClr val="accent1"/>
+    <dgm:fillClrLst/>
+    <dgm:linClrLst>
+      <a:schemeClr val="accent2"/>
+      <a:schemeClr val="accent3"/>
     </dgm:linClrLst>
     <dgm:effectClrLst/>
     <dgm:txLinClrLst/>
@@ -2476,10 +3268,10 @@
   </dgm:styleLbl>
   <dgm:styleLbl name="callout">
     <dgm:fillClrLst meth="repeat">
-      <a:schemeClr val="accent1"/>
+      <a:schemeClr val="accent2"/>
     </dgm:fillClrLst>
     <dgm:linClrLst meth="repeat">
-      <a:schemeClr val="accent1">
+      <a:schemeClr val="accent2">
         <a:tint val="50000"/>
       </a:schemeClr>
     </dgm:linClrLst>
@@ -2492,7 +3284,35 @@
   </dgm:styleLbl>
   <dgm:styleLbl name="asst0">
     <dgm:fillClrLst meth="repeat">
-      <a:schemeClr val="accent1"/>
+      <a:schemeClr val="accent2"/>
+    </dgm:fillClrLst>
+    <dgm:linClrLst meth="repeat">
+      <a:schemeClr val="lt1">
+        <a:shade val="80000"/>
+      </a:schemeClr>
+    </dgm:linClrLst>
+    <dgm:effectClrLst/>
+    <dgm:txLinClrLst/>
+    <dgm:txFillClrLst/>
+    <dgm:txEffectClrLst/>
+  </dgm:styleLbl>
+  <dgm:styleLbl name="asst1">
+    <dgm:fillClrLst meth="repeat">
+      <a:schemeClr val="accent3"/>
+    </dgm:fillClrLst>
+    <dgm:linClrLst meth="repeat">
+      <a:schemeClr val="lt1">
+        <a:shade val="80000"/>
+      </a:schemeClr>
+    </dgm:linClrLst>
+    <dgm:effectClrLst/>
+    <dgm:txLinClrLst/>
+    <dgm:txFillClrLst/>
+    <dgm:txEffectClrLst/>
+  </dgm:styleLbl>
+  <dgm:styleLbl name="asst2">
+    <dgm:fillClrLst>
+      <a:schemeClr val="accent4"/>
     </dgm:fillClrLst>
     <dgm:linClrLst meth="repeat">
       <a:schemeClr val="lt1"/>
@@ -2502,9 +3322,9 @@
     <dgm:txFillClrLst/>
     <dgm:txEffectClrLst/>
   </dgm:styleLbl>
-  <dgm:styleLbl name="asst1">
-    <dgm:fillClrLst meth="repeat">
-      <a:schemeClr val="accent1"/>
+  <dgm:styleLbl name="asst3">
+    <dgm:fillClrLst>
+      <a:schemeClr val="accent5"/>
     </dgm:fillClrLst>
     <dgm:linClrLst meth="repeat">
       <a:schemeClr val="lt1"/>
@@ -2514,9 +3334,9 @@
     <dgm:txFillClrLst/>
     <dgm:txEffectClrLst/>
   </dgm:styleLbl>
-  <dgm:styleLbl name="asst2">
-    <dgm:fillClrLst meth="repeat">
-      <a:schemeClr val="accent1"/>
+  <dgm:styleLbl name="asst4">
+    <dgm:fillClrLst>
+      <a:schemeClr val="accent6"/>
     </dgm:fillClrLst>
     <dgm:linClrLst meth="repeat">
       <a:schemeClr val="lt1"/>
@@ -2526,9 +3346,23 @@
     <dgm:txFillClrLst/>
     <dgm:txEffectClrLst/>
   </dgm:styleLbl>
-  <dgm:styleLbl name="asst3">
+  <dgm:styleLbl name="parChTrans2D1">
     <dgm:fillClrLst meth="repeat">
-      <a:schemeClr val="accent1"/>
+      <a:schemeClr val="accent2"/>
+    </dgm:fillClrLst>
+    <dgm:linClrLst meth="repeat">
+      <a:schemeClr val="lt1"/>
+    </dgm:linClrLst>
+    <dgm:effectClrLst/>
+    <dgm:txLinClrLst/>
+    <dgm:txFillClrLst meth="repeat">
+      <a:schemeClr val="lt1"/>
+    </dgm:txFillClrLst>
+    <dgm:txEffectClrLst/>
+  </dgm:styleLbl>
+  <dgm:styleLbl name="parChTrans2D2">
+    <dgm:fillClrLst meth="repeat">
+      <a:schemeClr val="accent3"/>
     </dgm:fillClrLst>
     <dgm:linClrLst meth="repeat">
       <a:schemeClr val="lt1"/>
@@ -2538,9 +3372,9 @@
     <dgm:txFillClrLst/>
     <dgm:txEffectClrLst/>
   </dgm:styleLbl>
-  <dgm:styleLbl name="asst4">
+  <dgm:styleLbl name="parChTrans2D3">
     <dgm:fillClrLst meth="repeat">
-      <a:schemeClr val="accent1"/>
+      <a:schemeClr val="accent4"/>
     </dgm:fillClrLst>
     <dgm:linClrLst meth="repeat">
       <a:schemeClr val="lt1"/>
@@ -2550,16 +3384,12 @@
     <dgm:txFillClrLst/>
     <dgm:txEffectClrLst/>
   </dgm:styleLbl>
-  <dgm:styleLbl name="parChTrans2D1">
+  <dgm:styleLbl name="parChTrans2D4">
     <dgm:fillClrLst meth="repeat">
-      <a:schemeClr val="accent1">
-        <a:tint val="60000"/>
-      </a:schemeClr>
+      <a:schemeClr val="accent5"/>
     </dgm:fillClrLst>
     <dgm:linClrLst meth="repeat">
-      <a:schemeClr val="accent1">
-        <a:tint val="60000"/>
-      </a:schemeClr>
+      <a:schemeClr val="lt1"/>
     </dgm:linClrLst>
     <dgm:effectClrLst/>
     <dgm:txLinClrLst/>
@@ -2568,56 +3398,12 @@
     </dgm:txFillClrLst>
     <dgm:txEffectClrLst/>
   </dgm:styleLbl>
-  <dgm:styleLbl name="parChTrans2D2">
+  <dgm:styleLbl name="parChTrans1D1">
     <dgm:fillClrLst meth="repeat">
-      <a:schemeClr val="accent1"/>
+      <a:schemeClr val="accent2"/>
     </dgm:fillClrLst>
     <dgm:linClrLst meth="repeat">
-      <a:schemeClr val="accent1"/>
-    </dgm:linClrLst>
-    <dgm:effectClrLst/>
-    <dgm:txLinClrLst/>
-    <dgm:txFillClrLst meth="repeat">
-      <a:schemeClr val="lt1"/>
-    </dgm:txFillClrLst>
-    <dgm:txEffectClrLst/>
-  </dgm:styleLbl>
-  <dgm:styleLbl name="parChTrans2D3">
-    <dgm:fillClrLst meth="repeat">
-      <a:schemeClr val="accent1"/>
-    </dgm:fillClrLst>
-    <dgm:linClrLst meth="repeat">
-      <a:schemeClr val="accent1"/>
-    </dgm:linClrLst>
-    <dgm:effectClrLst/>
-    <dgm:txLinClrLst/>
-    <dgm:txFillClrLst meth="repeat">
-      <a:schemeClr val="lt1"/>
-    </dgm:txFillClrLst>
-    <dgm:txEffectClrLst/>
-  </dgm:styleLbl>
-  <dgm:styleLbl name="parChTrans2D4">
-    <dgm:fillClrLst meth="repeat">
-      <a:schemeClr val="accent1"/>
-    </dgm:fillClrLst>
-    <dgm:linClrLst meth="repeat">
-      <a:schemeClr val="accent1"/>
-    </dgm:linClrLst>
-    <dgm:effectClrLst/>
-    <dgm:txLinClrLst/>
-    <dgm:txFillClrLst meth="repeat">
-      <a:schemeClr val="lt1"/>
-    </dgm:txFillClrLst>
-    <dgm:txEffectClrLst/>
-  </dgm:styleLbl>
-  <dgm:styleLbl name="parChTrans1D1">
-    <dgm:fillClrLst meth="repeat">
-      <a:schemeClr val="accent1"/>
-    </dgm:fillClrLst>
-    <dgm:linClrLst meth="repeat">
-      <a:schemeClr val="accent1">
-        <a:shade val="60000"/>
-      </a:schemeClr>
+      <a:schemeClr val="accent2"/>
     </dgm:linClrLst>
     <dgm:effectClrLst/>
     <dgm:txLinClrLst/>
@@ -2628,12 +3414,12 @@
   </dgm:styleLbl>
   <dgm:styleLbl name="parChTrans1D2">
     <dgm:fillClrLst meth="repeat">
-      <a:schemeClr val="accent1"/>
+      <a:schemeClr val="accent2">
+        <a:tint val="90000"/>
+      </a:schemeClr>
     </dgm:fillClrLst>
     <dgm:linClrLst meth="repeat">
-      <a:schemeClr val="accent1">
-        <a:shade val="60000"/>
-      </a:schemeClr>
+      <a:schemeClr val="accent3"/>
     </dgm:linClrLst>
     <dgm:effectClrLst/>
     <dgm:txLinClrLst/>
@@ -2644,12 +3430,12 @@
   </dgm:styleLbl>
   <dgm:styleLbl name="parChTrans1D3">
     <dgm:fillClrLst meth="repeat">
-      <a:schemeClr val="accent1"/>
+      <a:schemeClr val="accent2">
+        <a:tint val="70000"/>
+      </a:schemeClr>
     </dgm:fillClrLst>
     <dgm:linClrLst meth="repeat">
-      <a:schemeClr val="accent1">
-        <a:shade val="80000"/>
-      </a:schemeClr>
+      <a:schemeClr val="accent4"/>
     </dgm:linClrLst>
     <dgm:effectClrLst/>
     <dgm:txLinClrLst/>
@@ -2660,12 +3446,12 @@
   </dgm:styleLbl>
   <dgm:styleLbl name="parChTrans1D4">
     <dgm:fillClrLst meth="repeat">
-      <a:schemeClr val="accent1"/>
+      <a:schemeClr val="accent2">
+        <a:tint val="50000"/>
+      </a:schemeClr>
     </dgm:fillClrLst>
     <dgm:linClrLst meth="repeat">
-      <a:schemeClr val="accent1">
-        <a:shade val="80000"/>
-      </a:schemeClr>
+      <a:schemeClr val="accent5"/>
     </dgm:linClrLst>
     <dgm:effectClrLst/>
     <dgm:txLinClrLst/>
@@ -2680,7 +3466,220 @@
         <a:alpha val="90000"/>
       </a:schemeClr>
     </dgm:fillClrLst>
+    <dgm:linClrLst>
+      <a:schemeClr val="accent2"/>
+      <a:schemeClr val="accent3"/>
+    </dgm:linClrLst>
+    <dgm:effectClrLst/>
+    <dgm:txLinClrLst/>
+    <dgm:txFillClrLst meth="repeat">
+      <a:schemeClr val="dk1"/>
+    </dgm:txFillClrLst>
+    <dgm:txEffectClrLst/>
+  </dgm:styleLbl>
+  <dgm:styleLbl name="conFgAcc1">
+    <dgm:fillClrLst meth="repeat">
+      <a:schemeClr val="lt1">
+        <a:alpha val="90000"/>
+      </a:schemeClr>
+    </dgm:fillClrLst>
+    <dgm:linClrLst>
+      <a:schemeClr val="accent2"/>
+      <a:schemeClr val="accent3"/>
+    </dgm:linClrLst>
+    <dgm:effectClrLst/>
+    <dgm:txLinClrLst/>
+    <dgm:txFillClrLst meth="repeat">
+      <a:schemeClr val="dk1"/>
+    </dgm:txFillClrLst>
+    <dgm:txEffectClrLst/>
+  </dgm:styleLbl>
+  <dgm:styleLbl name="alignAcc1">
+    <dgm:fillClrLst meth="repeat">
+      <a:schemeClr val="lt1">
+        <a:alpha val="90000"/>
+      </a:schemeClr>
+    </dgm:fillClrLst>
+    <dgm:linClrLst>
+      <a:schemeClr val="accent2"/>
+      <a:schemeClr val="accent3"/>
+    </dgm:linClrLst>
+    <dgm:effectClrLst/>
+    <dgm:txLinClrLst/>
+    <dgm:txFillClrLst meth="repeat">
+      <a:schemeClr val="dk1"/>
+    </dgm:txFillClrLst>
+    <dgm:txEffectClrLst/>
+  </dgm:styleLbl>
+  <dgm:styleLbl name="trAlignAcc1">
+    <dgm:fillClrLst meth="repeat">
+      <a:schemeClr val="lt1">
+        <a:alpha val="40000"/>
+      </a:schemeClr>
+    </dgm:fillClrLst>
     <dgm:linClrLst meth="repeat">
+      <a:schemeClr val="accent2"/>
+    </dgm:linClrLst>
+    <dgm:effectClrLst/>
+    <dgm:txLinClrLst/>
+    <dgm:txFillClrLst meth="repeat">
+      <a:schemeClr val="dk1"/>
+    </dgm:txFillClrLst>
+    <dgm:txEffectClrLst/>
+  </dgm:styleLbl>
+  <dgm:styleLbl name="bgAcc1">
+    <dgm:fillClrLst meth="repeat">
+      <a:schemeClr val="lt1">
+        <a:alpha val="90000"/>
+      </a:schemeClr>
+    </dgm:fillClrLst>
+    <dgm:linClrLst>
+      <a:schemeClr val="accent2"/>
+      <a:schemeClr val="accent3"/>
+    </dgm:linClrLst>
+    <dgm:effectClrLst/>
+    <dgm:txLinClrLst/>
+    <dgm:txFillClrLst meth="repeat">
+      <a:schemeClr val="dk1"/>
+    </dgm:txFillClrLst>
+    <dgm:txEffectClrLst/>
+  </dgm:styleLbl>
+  <dgm:styleLbl name="solidFgAcc1">
+    <dgm:fillClrLst meth="repeat">
+      <a:schemeClr val="lt1"/>
+    </dgm:fillClrLst>
+    <dgm:linClrLst>
+      <a:schemeClr val="accent2"/>
+      <a:schemeClr val="accent3"/>
+    </dgm:linClrLst>
+    <dgm:effectClrLst/>
+    <dgm:txLinClrLst/>
+    <dgm:txFillClrLst meth="repeat">
+      <a:schemeClr val="dk1"/>
+    </dgm:txFillClrLst>
+    <dgm:txEffectClrLst/>
+  </dgm:styleLbl>
+  <dgm:styleLbl name="solidAlignAcc1">
+    <dgm:fillClrLst meth="repeat">
+      <a:schemeClr val="lt1"/>
+    </dgm:fillClrLst>
+    <dgm:linClrLst>
+      <a:schemeClr val="accent2"/>
+      <a:schemeClr val="accent3"/>
+    </dgm:linClrLst>
+    <dgm:effectClrLst/>
+    <dgm:txLinClrLst/>
+    <dgm:txFillClrLst meth="repeat">
+      <a:schemeClr val="dk1"/>
+    </dgm:txFillClrLst>
+    <dgm:txEffectClrLst/>
+  </dgm:styleLbl>
+  <dgm:styleLbl name="solidBgAcc1">
+    <dgm:fillClrLst meth="repeat">
+      <a:schemeClr val="lt1"/>
+    </dgm:fillClrLst>
+    <dgm:linClrLst>
+      <a:schemeClr val="accent2"/>
+      <a:schemeClr val="accent3"/>
+    </dgm:linClrLst>
+    <dgm:effectClrLst/>
+    <dgm:txLinClrLst/>
+    <dgm:txFillClrLst meth="repeat">
+      <a:schemeClr val="dk1"/>
+    </dgm:txFillClrLst>
+    <dgm:txEffectClrLst/>
+  </dgm:styleLbl>
+  <dgm:styleLbl name="fgAccFollowNode1">
+    <dgm:fillClrLst>
+      <a:schemeClr val="accent2">
+        <a:tint val="40000"/>
+        <a:alpha val="90000"/>
+      </a:schemeClr>
+      <a:schemeClr val="accent3">
+        <a:tint val="40000"/>
+        <a:alpha val="90000"/>
+      </a:schemeClr>
+    </dgm:fillClrLst>
+    <dgm:linClrLst>
+      <a:schemeClr val="accent2">
+        <a:tint val="40000"/>
+        <a:alpha val="90000"/>
+      </a:schemeClr>
+      <a:schemeClr val="accent3">
+        <a:tint val="40000"/>
+        <a:alpha val="90000"/>
+      </a:schemeClr>
+    </dgm:linClrLst>
+    <dgm:effectClrLst/>
+    <dgm:txLinClrLst/>
+    <dgm:txFillClrLst meth="repeat">
+      <a:schemeClr val="dk1"/>
+    </dgm:txFillClrLst>
+    <dgm:txEffectClrLst/>
+  </dgm:styleLbl>
+  <dgm:styleLbl name="alignAccFollowNode1">
+    <dgm:fillClrLst>
+      <a:schemeClr val="accent2">
+        <a:tint val="40000"/>
+        <a:alpha val="90000"/>
+      </a:schemeClr>
+      <a:schemeClr val="accent3">
+        <a:tint val="40000"/>
+        <a:alpha val="90000"/>
+      </a:schemeClr>
+    </dgm:fillClrLst>
+    <dgm:linClrLst>
+      <a:schemeClr val="accent2">
+        <a:tint val="40000"/>
+        <a:alpha val="90000"/>
+      </a:schemeClr>
+      <a:schemeClr val="accent3">
+        <a:tint val="40000"/>
+        <a:alpha val="90000"/>
+      </a:schemeClr>
+    </dgm:linClrLst>
+    <dgm:effectClrLst/>
+    <dgm:txLinClrLst/>
+    <dgm:txFillClrLst meth="repeat">
+      <a:schemeClr val="dk1"/>
+    </dgm:txFillClrLst>
+    <dgm:txEffectClrLst/>
+  </dgm:styleLbl>
+  <dgm:styleLbl name="bgAccFollowNode1">
+    <dgm:fillClrLst>
+      <a:schemeClr val="accent2">
+        <a:tint val="40000"/>
+        <a:alpha val="90000"/>
+      </a:schemeClr>
+      <a:schemeClr val="accent3">
+        <a:tint val="40000"/>
+        <a:alpha val="90000"/>
+      </a:schemeClr>
+    </dgm:fillClrLst>
+    <dgm:linClrLst>
+      <a:schemeClr val="accent2">
+        <a:tint val="40000"/>
+        <a:alpha val="90000"/>
+      </a:schemeClr>
+      <a:schemeClr val="accent3">
+        <a:tint val="40000"/>
+        <a:alpha val="90000"/>
+      </a:schemeClr>
+    </dgm:linClrLst>
+    <dgm:effectClrLst/>
+    <dgm:txLinClrLst/>
+    <dgm:txFillClrLst meth="repeat">
+      <a:schemeClr val="dk1"/>
+    </dgm:txFillClrLst>
+    <dgm:txEffectClrLst/>
+  </dgm:styleLbl>
+  <dgm:styleLbl name="fgAcc0">
+    <dgm:fillClrLst meth="repeat">
+      <a:schemeClr val="lt1">
+        <a:alpha val="90000"/>
+      </a:schemeClr>
+    </dgm:fillClrLst>
+    <dgm:linClrLst>
       <a:schemeClr val="accent1"/>
     </dgm:linClrLst>
     <dgm:effectClrLst/>
@@ -2690,14 +3689,14 @@
     </dgm:txFillClrLst>
     <dgm:txEffectClrLst/>
   </dgm:styleLbl>
-  <dgm:styleLbl name="conFgAcc1">
+  <dgm:styleLbl name="fgAcc2">
     <dgm:fillClrLst meth="repeat">
       <a:schemeClr val="lt1">
         <a:alpha val="90000"/>
       </a:schemeClr>
     </dgm:fillClrLst>
-    <dgm:linClrLst meth="repeat">
-      <a:schemeClr val="accent1"/>
+    <dgm:linClrLst>
+      <a:schemeClr val="accent3"/>
     </dgm:linClrLst>
     <dgm:effectClrLst/>
     <dgm:txLinClrLst/>
@@ -2706,14 +3705,14 @@
     </dgm:txFillClrLst>
     <dgm:txEffectClrLst/>
   </dgm:styleLbl>
-  <dgm:styleLbl name="alignAcc1">
+  <dgm:styleLbl name="fgAcc3">
     <dgm:fillClrLst meth="repeat">
       <a:schemeClr val="lt1">
         <a:alpha val="90000"/>
       </a:schemeClr>
     </dgm:fillClrLst>
-    <dgm:linClrLst meth="repeat">
-      <a:schemeClr val="accent1"/>
+    <dgm:linClrLst>
+      <a:schemeClr val="accent4"/>
     </dgm:linClrLst>
     <dgm:effectClrLst/>
     <dgm:txLinClrLst/>
@@ -2722,14 +3721,14 @@
     </dgm:txFillClrLst>
     <dgm:txEffectClrLst/>
   </dgm:styleLbl>
-  <dgm:styleLbl name="trAlignAcc1">
+  <dgm:styleLbl name="fgAcc4">
     <dgm:fillClrLst meth="repeat">
       <a:schemeClr val="lt1">
-        <a:alpha val="40000"/>
+        <a:alpha val="90000"/>
       </a:schemeClr>
     </dgm:fillClrLst>
-    <dgm:linClrLst meth="repeat">
-      <a:schemeClr val="accent1"/>
+    <dgm:linClrLst>
+      <a:schemeClr val="accent5"/>
     </dgm:linClrLst>
     <dgm:effectClrLst/>
     <dgm:txLinClrLst/>
@@ -2738,14 +3737,14 @@
     </dgm:txFillClrLst>
     <dgm:txEffectClrLst/>
   </dgm:styleLbl>
-  <dgm:styleLbl name="bgAcc1">
+  <dgm:styleLbl name="bgShp">
     <dgm:fillClrLst meth="repeat">
-      <a:schemeClr val="lt1">
-        <a:alpha val="90000"/>
+      <a:schemeClr val="accent2">
+        <a:tint val="40000"/>
       </a:schemeClr>
     </dgm:fillClrLst>
     <dgm:linClrLst meth="repeat">
-      <a:schemeClr val="accent1"/>
+      <a:schemeClr val="dk1"/>
     </dgm:linClrLst>
     <dgm:effectClrLst/>
     <dgm:txLinClrLst/>
@@ -2754,196 +3753,14 @@
     </dgm:txFillClrLst>
     <dgm:txEffectClrLst/>
   </dgm:styleLbl>
-  <dgm:styleLbl name="solidFgAcc1">
+  <dgm:styleLbl name="dkBgShp">
     <dgm:fillClrLst meth="repeat">
-      <a:schemeClr val="lt1"/>
-    </dgm:fillClrLst>
-    <dgm:linClrLst meth="repeat">
-      <a:schemeClr val="accent1"/>
-    </dgm:linClrLst>
-    <dgm:effectClrLst/>
-    <dgm:txLinClrLst/>
-    <dgm:txFillClrLst meth="repeat">
-      <a:schemeClr val="dk1"/>
-    </dgm:txFillClrLst>
-    <dgm:txEffectClrLst/>
-  </dgm:styleLbl>
-  <dgm:styleLbl name="solidAlignAcc1">
-    <dgm:fillClrLst meth="repeat">
-      <a:schemeClr val="lt1"/>
-    </dgm:fillClrLst>
-    <dgm:linClrLst meth="repeat">
-      <a:schemeClr val="accent1"/>
-    </dgm:linClrLst>
-    <dgm:effectClrLst/>
-    <dgm:txLinClrLst/>
-    <dgm:txFillClrLst meth="repeat">
-      <a:schemeClr val="dk1"/>
-    </dgm:txFillClrLst>
-    <dgm:txEffectClrLst/>
-  </dgm:styleLbl>
-  <dgm:styleLbl name="solidBgAcc1">
-    <dgm:fillClrLst meth="repeat">
-      <a:schemeClr val="lt1"/>
-    </dgm:fillClrLst>
-    <dgm:linClrLst meth="repeat">
-      <a:schemeClr val="accent1"/>
-    </dgm:linClrLst>
-    <dgm:effectClrLst/>
-    <dgm:txLinClrLst/>
-    <dgm:txFillClrLst meth="repeat">
-      <a:schemeClr val="dk1"/>
-    </dgm:txFillClrLst>
-    <dgm:txEffectClrLst/>
-  </dgm:styleLbl>
-  <dgm:styleLbl name="fgAccFollowNode1">
-    <dgm:fillClrLst meth="repeat">
-      <a:schemeClr val="accent1">
-        <a:alpha val="90000"/>
-        <a:tint val="40000"/>
+      <a:schemeClr val="accent2">
+        <a:shade val="90000"/>
       </a:schemeClr>
     </dgm:fillClrLst>
     <dgm:linClrLst meth="repeat">
-      <a:schemeClr val="accent1">
-        <a:alpha val="90000"/>
-        <a:tint val="40000"/>
-      </a:schemeClr>
-    </dgm:linClrLst>
-    <dgm:effectClrLst/>
-    <dgm:txLinClrLst/>
-    <dgm:txFillClrLst meth="repeat">
       <a:schemeClr val="dk1"/>
-    </dgm:txFillClrLst>
-    <dgm:txEffectClrLst/>
-  </dgm:styleLbl>
-  <dgm:styleLbl name="alignAccFollowNode1">
-    <dgm:fillClrLst meth="repeat">
-      <a:schemeClr val="accent1">
-        <a:alpha val="90000"/>
-        <a:tint val="40000"/>
-      </a:schemeClr>
-    </dgm:fillClrLst>
-    <dgm:linClrLst meth="repeat">
-      <a:schemeClr val="accent1">
-        <a:alpha val="90000"/>
-        <a:tint val="40000"/>
-      </a:schemeClr>
-    </dgm:linClrLst>
-    <dgm:effectClrLst/>
-    <dgm:txLinClrLst/>
-    <dgm:txFillClrLst meth="repeat">
-      <a:schemeClr val="dk1"/>
-    </dgm:txFillClrLst>
-    <dgm:txEffectClrLst/>
-  </dgm:styleLbl>
-  <dgm:styleLbl name="bgAccFollowNode1">
-    <dgm:fillClrLst meth="repeat">
-      <a:schemeClr val="accent1">
-        <a:alpha val="90000"/>
-        <a:tint val="40000"/>
-      </a:schemeClr>
-    </dgm:fillClrLst>
-    <dgm:linClrLst meth="repeat">
-      <a:schemeClr val="accent1">
-        <a:alpha val="90000"/>
-        <a:tint val="40000"/>
-      </a:schemeClr>
-    </dgm:linClrLst>
-    <dgm:effectClrLst/>
-    <dgm:txLinClrLst/>
-    <dgm:txFillClrLst meth="repeat">
-      <a:schemeClr val="dk1"/>
-    </dgm:txFillClrLst>
-    <dgm:txEffectClrLst/>
-  </dgm:styleLbl>
-  <dgm:styleLbl name="fgAcc0">
-    <dgm:fillClrLst meth="repeat">
-      <a:schemeClr val="lt1">
-        <a:alpha val="90000"/>
-      </a:schemeClr>
-    </dgm:fillClrLst>
-    <dgm:linClrLst meth="repeat">
-      <a:schemeClr val="accent1"/>
-    </dgm:linClrLst>
-    <dgm:effectClrLst/>
-    <dgm:txLinClrLst/>
-    <dgm:txFillClrLst meth="repeat">
-      <a:schemeClr val="dk1"/>
-    </dgm:txFillClrLst>
-    <dgm:txEffectClrLst/>
-  </dgm:styleLbl>
-  <dgm:styleLbl name="fgAcc2">
-    <dgm:fillClrLst meth="repeat">
-      <a:schemeClr val="lt1">
-        <a:alpha val="90000"/>
-      </a:schemeClr>
-    </dgm:fillClrLst>
-    <dgm:linClrLst meth="repeat">
-      <a:schemeClr val="accent1"/>
-    </dgm:linClrLst>
-    <dgm:effectClrLst/>
-    <dgm:txLinClrLst/>
-    <dgm:txFillClrLst meth="repeat">
-      <a:schemeClr val="dk1"/>
-    </dgm:txFillClrLst>
-    <dgm:txEffectClrLst/>
-  </dgm:styleLbl>
-  <dgm:styleLbl name="fgAcc3">
-    <dgm:fillClrLst meth="repeat">
-      <a:schemeClr val="lt1">
-        <a:alpha val="90000"/>
-      </a:schemeClr>
-    </dgm:fillClrLst>
-    <dgm:linClrLst meth="repeat">
-      <a:schemeClr val="accent1"/>
-    </dgm:linClrLst>
-    <dgm:effectClrLst/>
-    <dgm:txLinClrLst/>
-    <dgm:txFillClrLst meth="repeat">
-      <a:schemeClr val="dk1"/>
-    </dgm:txFillClrLst>
-    <dgm:txEffectClrLst/>
-  </dgm:styleLbl>
-  <dgm:styleLbl name="fgAcc4">
-    <dgm:fillClrLst meth="repeat">
-      <a:schemeClr val="lt1">
-        <a:alpha val="90000"/>
-      </a:schemeClr>
-    </dgm:fillClrLst>
-    <dgm:linClrLst meth="repeat">
-      <a:schemeClr val="accent1"/>
-    </dgm:linClrLst>
-    <dgm:effectClrLst/>
-    <dgm:txLinClrLst/>
-    <dgm:txFillClrLst meth="repeat">
-      <a:schemeClr val="dk1"/>
-    </dgm:txFillClrLst>
-    <dgm:txEffectClrLst/>
-  </dgm:styleLbl>
-  <dgm:styleLbl name="bgShp">
-    <dgm:fillClrLst meth="repeat">
-      <a:schemeClr val="accent1">
-        <a:tint val="40000"/>
-      </a:schemeClr>
-    </dgm:fillClrLst>
-    <dgm:linClrLst meth="repeat">
-      <a:schemeClr val="accent1"/>
-    </dgm:linClrLst>
-    <dgm:effectClrLst/>
-    <dgm:txLinClrLst/>
-    <dgm:txFillClrLst meth="repeat">
-      <a:schemeClr val="dk1"/>
-    </dgm:txFillClrLst>
-    <dgm:txEffectClrLst/>
-  </dgm:styleLbl>
-  <dgm:styleLbl name="dkBgShp">
-    <dgm:fillClrLst meth="repeat">
-      <a:schemeClr val="accent1">
-        <a:shade val="80000"/>
-      </a:schemeClr>
-    </dgm:fillClrLst>
-    <dgm:linClrLst meth="repeat">
-      <a:schemeClr val="accent1"/>
     </dgm:linClrLst>
     <dgm:effectClrLst/>
     <dgm:txLinClrLst/>
@@ -2954,13 +3771,13 @@
   </dgm:styleLbl>
   <dgm:styleLbl name="trBgShp">
     <dgm:fillClrLst meth="repeat">
-      <a:schemeClr val="accent1">
+      <a:schemeClr val="accent2">
         <a:tint val="50000"/>
         <a:alpha val="40000"/>
       </a:schemeClr>
     </dgm:fillClrLst>
     <dgm:linClrLst meth="repeat">
-      <a:schemeClr val="accent1"/>
+      <a:schemeClr val="accent2"/>
     </dgm:linClrLst>
     <dgm:effectClrLst/>
     <dgm:txLinClrLst/>
@@ -2971,8 +3788,8 @@
   </dgm:styleLbl>
   <dgm:styleLbl name="fgShp">
     <dgm:fillClrLst meth="repeat">
-      <a:schemeClr val="accent1">
-        <a:tint val="60000"/>
+      <a:schemeClr val="accent2">
+        <a:tint val="40000"/>
       </a:schemeClr>
     </dgm:fillClrLst>
     <dgm:linClrLst meth="repeat">
@@ -4408,7 +5225,7 @@
 <dgm:dataModel xmlns:dgm="http://schemas.openxmlformats.org/drawingml/2006/diagram" xmlns:a="http://schemas.openxmlformats.org/drawingml/2006/main">
   <dgm:ptLst>
     <dgm:pt modelId="{3BDF80C5-22E0-4FCF-A7BD-82B0CCE682E6}" type="doc">
-      <dgm:prSet loTypeId="urn:microsoft.com/office/officeart/2005/8/layout/chevron2" loCatId="list" qsTypeId="urn:microsoft.com/office/officeart/2005/8/quickstyle/simple1" qsCatId="simple" csTypeId="urn:microsoft.com/office/officeart/2005/8/colors/accent1_2" csCatId="accent1" phldr="1"/>
+      <dgm:prSet loTypeId="urn:microsoft.com/office/officeart/2005/8/layout/chevron2" loCatId="list" qsTypeId="urn:microsoft.com/office/officeart/2005/8/quickstyle/simple1" qsCatId="simple" csTypeId="urn:microsoft.com/office/officeart/2005/8/colors/colorful2" csCatId="colorful" phldr="1"/>
       <dgm:spPr/>
       <dgm:t>
         <a:bodyPr/>
@@ -4463,10 +5280,10 @@
         <a:lstStyle/>
         <a:p>
           <a:r>
-            <a:rPr lang="es-CO" sz="1200" dirty="0" smtClean="0"/>
+            <a:rPr lang="es-CO" sz="1400" dirty="0" smtClean="0"/>
             <a:t>Se deben tener en cuenta tareas de soporte dentro del cronograma, inicialmente solo se están considerando tareas de diseño, planeación y desarrollo, pero existen tareas de configuración que pueden consumir gran cantidad de tiempo y no pueden ser ignoradas.</a:t>
           </a:r>
-          <a:endParaRPr lang="es-CO" sz="1200" dirty="0"/>
+          <a:endParaRPr lang="es-CO" sz="1400" dirty="0"/>
         </a:p>
       </dgm:t>
     </dgm:pt>
@@ -4574,14 +5391,10 @@
         <a:lstStyle/>
         <a:p>
           <a:r>
-            <a:rPr lang="es-CO" sz="1200" dirty="0" smtClean="0"/>
-            <a:t>Para próximos ciclos Se debe validar el entendimiento de proyecto a desarrollar, esto implica que dentro del grupo se conozca el proceso entero desde la UI (que pantallas nuevas existen y saber que datos se envían al OSB y/o al BPEL) hasta la base de datos (saber que registros se afectan, que columnas o tablas se requieren, que datos se necesitan)  pasando por el BPEL y </a:t>
+            <a:rPr lang="es-CO" sz="1400" dirty="0" smtClean="0"/>
+            <a:t>Para próximos ciclos Se debe validar el entendimiento de proyecto a desarrollar, esto implica que dentro del grupo se conozca el proceso entero desde la UI (que pantallas nuevas existen y saber que datos se envían al OSB y/o al BPEL) hasta la base de datos (saber que registros se afectan, que columnas o tablas se requieren, que datos se necesitan)  pasando por el BPEL y el OSB.</a:t>
           </a:r>
-          <a:r>
-            <a:rPr lang="es-CO" sz="1200" smtClean="0"/>
-            <a:t>el OSB.</a:t>
-          </a:r>
-          <a:endParaRPr lang="es-CO" sz="1200" dirty="0"/>
+          <a:endParaRPr lang="es-CO" sz="1400" dirty="0"/>
         </a:p>
       </dgm:t>
     </dgm:pt>
@@ -4615,18 +5428,18 @@
         <a:lstStyle/>
         <a:p>
           <a:r>
-            <a:rPr lang="es-CO" sz="1200" dirty="0" smtClean="0"/>
+            <a:rPr lang="es-CO" sz="1400" dirty="0" smtClean="0"/>
             <a:t>Las actividades de configuración o aprendizaje de las aplicaciones o sistemas conllevan un tiempo extra que no es considerado, para el caso concreto del </a:t>
           </a:r>
           <a:r>
-            <a:rPr lang="es-CO" sz="1200" dirty="0" err="1" smtClean="0"/>
+            <a:rPr lang="es-CO" sz="1400" dirty="0" err="1" smtClean="0"/>
             <a:t>MarketPlace</a:t>
           </a:r>
           <a:r>
-            <a:rPr lang="es-CO" sz="1200" dirty="0" smtClean="0"/>
+            <a:rPr lang="es-CO" sz="1400" dirty="0" smtClean="0"/>
             <a:t> las herramientas bajo las que está desarrollado no son dominadas en un 100% por el grupo, por lo que se deben seguir incluyendo actividades de capacitación.</a:t>
           </a:r>
-          <a:endParaRPr lang="es-CO" sz="1200" dirty="0"/>
+          <a:endParaRPr lang="es-CO" sz="1400" dirty="0"/>
         </a:p>
       </dgm:t>
     </dgm:pt>
@@ -4808,6 +5621,288 @@
     <dgm:cxn modelId="{4A34032B-2073-459E-8B87-041AA5E80C73}" type="presParOf" srcId="{B6DE346E-94E0-4E6F-8A16-0571FEDBC976}" destId="{C0C53549-ECF0-40C5-84D1-406EEC216DB9}" srcOrd="4" destOrd="0" presId="urn:microsoft.com/office/officeart/2005/8/layout/chevron2"/>
     <dgm:cxn modelId="{D3E34EA5-27B9-457E-81AE-0E36F6F30AE4}" type="presParOf" srcId="{C0C53549-ECF0-40C5-84D1-406EEC216DB9}" destId="{D5015694-7BFA-4456-B83C-99A71055D49F}" srcOrd="0" destOrd="0" presId="urn:microsoft.com/office/officeart/2005/8/layout/chevron2"/>
     <dgm:cxn modelId="{8EB96D94-FF61-419F-A10E-87DEBD50D8C2}" type="presParOf" srcId="{C0C53549-ECF0-40C5-84D1-406EEC216DB9}" destId="{78654283-8C91-4E07-8611-68C3F72CC5E0}" srcOrd="1" destOrd="0" presId="urn:microsoft.com/office/officeart/2005/8/layout/chevron2"/>
+  </dgm:cxnLst>
+  <dgm:bg/>
+  <dgm:whole/>
+  <dgm:extLst>
+    <a:ext uri="http://schemas.microsoft.com/office/drawing/2008/diagram">
+      <dsp:dataModelExt xmlns:dsp="http://schemas.microsoft.com/office/drawing/2008/diagram" xmlns="" relId="rId10" minVer="http://schemas.openxmlformats.org/drawingml/2006/diagram"/>
+    </a:ext>
+  </dgm:extLst>
+</dgm:dataModel>
+</file>
+
+<file path=ppt/diagrams/data4.xml><?xml version="1.0" encoding="utf-8"?>
+<dgm:dataModel xmlns:dgm="http://schemas.openxmlformats.org/drawingml/2006/diagram" xmlns:a="http://schemas.openxmlformats.org/drawingml/2006/main">
+  <dgm:ptLst>
+    <dgm:pt modelId="{3BDF80C5-22E0-4FCF-A7BD-82B0CCE682E6}" type="doc">
+      <dgm:prSet loTypeId="urn:microsoft.com/office/officeart/2005/8/layout/chevron2" loCatId="list" qsTypeId="urn:microsoft.com/office/officeart/2005/8/quickstyle/simple1" qsCatId="simple" csTypeId="urn:microsoft.com/office/officeart/2005/8/colors/colorful2" csCatId="colorful" phldr="1"/>
+      <dgm:spPr/>
+      <dgm:t>
+        <a:bodyPr/>
+        <a:lstStyle/>
+        <a:p>
+          <a:endParaRPr lang="es-CO"/>
+        </a:p>
+      </dgm:t>
+    </dgm:pt>
+    <dgm:pt modelId="{D4B13B7C-23CD-41E9-B2A8-D7218DB76E06}">
+      <dgm:prSet phldrT="[Texto]" custT="1"/>
+      <dgm:spPr/>
+      <dgm:t>
+        <a:bodyPr/>
+        <a:lstStyle/>
+        <a:p>
+          <a:r>
+            <a:rPr lang="en-US" sz="1800" b="1" dirty="0" smtClean="0"/>
+            <a:t>C1</a:t>
+          </a:r>
+          <a:endParaRPr lang="es-CO" sz="1200" b="1" dirty="0"/>
+        </a:p>
+      </dgm:t>
+    </dgm:pt>
+    <dgm:pt modelId="{82F4AB09-31E9-4CDD-99B4-CCE3D2CBB9B4}" type="parTrans" cxnId="{62C3DE25-0E66-4594-B7AF-F80A75404C59}">
+      <dgm:prSet/>
+      <dgm:spPr/>
+      <dgm:t>
+        <a:bodyPr/>
+        <a:lstStyle/>
+        <a:p>
+          <a:endParaRPr lang="es-CO"/>
+        </a:p>
+      </dgm:t>
+    </dgm:pt>
+    <dgm:pt modelId="{2740B821-3F79-4C93-AD78-6CB7CD837EE4}" type="sibTrans" cxnId="{62C3DE25-0E66-4594-B7AF-F80A75404C59}">
+      <dgm:prSet/>
+      <dgm:spPr/>
+      <dgm:t>
+        <a:bodyPr/>
+        <a:lstStyle/>
+        <a:p>
+          <a:endParaRPr lang="es-CO"/>
+        </a:p>
+      </dgm:t>
+    </dgm:pt>
+    <dgm:pt modelId="{EE5B587C-A8FF-44EB-BF40-9B0F25F69CC5}">
+      <dgm:prSet phldrT="[Texto]" custT="1"/>
+      <dgm:spPr/>
+      <dgm:t>
+        <a:bodyPr/>
+        <a:lstStyle/>
+        <a:p>
+          <a:r>
+            <a:rPr lang="es-CO" sz="1400" dirty="0" smtClean="0"/>
+            <a:t>La replicación de los ambientes, aunque consumió tiempo que no había sido considerado inicialmente, se consideró como una decisión acertada, dado que permite a los integrantes del grupo trabajar de manera remota y paralela en diferentes frentes del problema, de esta manera se logrará una mejor eficiencia en el desarrollo de las tareas en ciclos posteriores.</a:t>
+          </a:r>
+          <a:endParaRPr lang="es-CO" sz="1400" dirty="0"/>
+        </a:p>
+      </dgm:t>
+    </dgm:pt>
+    <dgm:pt modelId="{9F55680E-DC27-4434-8546-6747C5F004D1}" type="parTrans" cxnId="{16BD3010-62CC-4475-8224-95956E06158B}">
+      <dgm:prSet/>
+      <dgm:spPr/>
+      <dgm:t>
+        <a:bodyPr/>
+        <a:lstStyle/>
+        <a:p>
+          <a:endParaRPr lang="es-CO"/>
+        </a:p>
+      </dgm:t>
+    </dgm:pt>
+    <dgm:pt modelId="{BA2C19E7-DE52-4072-AC6A-DCE3FD4629F5}" type="sibTrans" cxnId="{16BD3010-62CC-4475-8224-95956E06158B}">
+      <dgm:prSet/>
+      <dgm:spPr/>
+      <dgm:t>
+        <a:bodyPr/>
+        <a:lstStyle/>
+        <a:p>
+          <a:endParaRPr lang="es-CO"/>
+        </a:p>
+      </dgm:t>
+    </dgm:pt>
+    <dgm:pt modelId="{E682E037-83BC-41E6-AA6E-FE6756453C04}">
+      <dgm:prSet phldrT="[Texto]" custT="1"/>
+      <dgm:spPr/>
+      <dgm:t>
+        <a:bodyPr/>
+        <a:lstStyle/>
+        <a:p>
+          <a:r>
+            <a:rPr lang="en-US" sz="1800" b="1" dirty="0" smtClean="0"/>
+            <a:t>C2</a:t>
+          </a:r>
+          <a:endParaRPr lang="es-CO" sz="1800" b="1" dirty="0"/>
+        </a:p>
+      </dgm:t>
+    </dgm:pt>
+    <dgm:pt modelId="{6F392E04-97DC-45CC-A9EC-A4AA88BB129E}" type="parTrans" cxnId="{2BFA7CE4-F8A4-469D-8BA5-163AEE18C257}">
+      <dgm:prSet/>
+      <dgm:spPr/>
+      <dgm:t>
+        <a:bodyPr/>
+        <a:lstStyle/>
+        <a:p>
+          <a:endParaRPr lang="es-CO"/>
+        </a:p>
+      </dgm:t>
+    </dgm:pt>
+    <dgm:pt modelId="{EB3D0CBC-75D1-41AA-B777-1BD9653BB507}" type="sibTrans" cxnId="{2BFA7CE4-F8A4-469D-8BA5-163AEE18C257}">
+      <dgm:prSet/>
+      <dgm:spPr/>
+      <dgm:t>
+        <a:bodyPr/>
+        <a:lstStyle/>
+        <a:p>
+          <a:endParaRPr lang="es-CO"/>
+        </a:p>
+      </dgm:t>
+    </dgm:pt>
+    <dgm:pt modelId="{9D0F9E7C-1CCF-413D-B5AD-22E079175E79}">
+      <dgm:prSet phldrT="[Texto]" custT="1"/>
+      <dgm:spPr/>
+      <dgm:t>
+        <a:bodyPr/>
+        <a:lstStyle/>
+        <a:p>
+          <a:r>
+            <a:rPr lang="es-CO" sz="1400" dirty="0" smtClean="0"/>
+            <a:t>A pesar de realizar un planeación y asignación de actividades, es necesario ejercer un control que logre identificar los problemas y estado de las actividades, ya que cuando se descubren estos problemas se presentan dificultades en las demás actividades, presentando retrasos y problemas de calidad.</a:t>
+          </a:r>
+          <a:endParaRPr lang="es-CO" sz="1400" dirty="0"/>
+        </a:p>
+      </dgm:t>
+    </dgm:pt>
+    <dgm:pt modelId="{CF1E87E0-3E5C-4678-84DF-C30759AA8E74}" type="parTrans" cxnId="{58CA30E1-F981-46B4-B14F-DC178CE9711A}">
+      <dgm:prSet/>
+      <dgm:spPr/>
+      <dgm:t>
+        <a:bodyPr/>
+        <a:lstStyle/>
+        <a:p>
+          <a:endParaRPr lang="es-CO"/>
+        </a:p>
+      </dgm:t>
+    </dgm:pt>
+    <dgm:pt modelId="{0B63B28F-FC9B-43F7-A0BF-519628AF5B73}" type="sibTrans" cxnId="{58CA30E1-F981-46B4-B14F-DC178CE9711A}">
+      <dgm:prSet/>
+      <dgm:spPr/>
+      <dgm:t>
+        <a:bodyPr/>
+        <a:lstStyle/>
+        <a:p>
+          <a:endParaRPr lang="es-CO"/>
+        </a:p>
+      </dgm:t>
+    </dgm:pt>
+    <dgm:pt modelId="{B6DE346E-94E0-4E6F-8A16-0571FEDBC976}" type="pres">
+      <dgm:prSet presAssocID="{3BDF80C5-22E0-4FCF-A7BD-82B0CCE682E6}" presName="linearFlow" presStyleCnt="0">
+        <dgm:presLayoutVars>
+          <dgm:dir/>
+          <dgm:animLvl val="lvl"/>
+          <dgm:resizeHandles val="exact"/>
+        </dgm:presLayoutVars>
+      </dgm:prSet>
+      <dgm:spPr/>
+      <dgm:t>
+        <a:bodyPr/>
+        <a:lstStyle/>
+        <a:p>
+          <a:endParaRPr lang="es-CO"/>
+        </a:p>
+      </dgm:t>
+    </dgm:pt>
+    <dgm:pt modelId="{A6AFA8C2-1E11-4E3A-8CC4-08C67015A3EF}" type="pres">
+      <dgm:prSet presAssocID="{D4B13B7C-23CD-41E9-B2A8-D7218DB76E06}" presName="composite" presStyleCnt="0"/>
+      <dgm:spPr/>
+    </dgm:pt>
+    <dgm:pt modelId="{DF5BB6C9-9E45-4CAB-9C15-B7182F42A99C}" type="pres">
+      <dgm:prSet presAssocID="{D4B13B7C-23CD-41E9-B2A8-D7218DB76E06}" presName="parentText" presStyleLbl="alignNode1" presStyleIdx="0" presStyleCnt="2">
+        <dgm:presLayoutVars>
+          <dgm:chMax val="1"/>
+          <dgm:bulletEnabled val="1"/>
+        </dgm:presLayoutVars>
+      </dgm:prSet>
+      <dgm:spPr/>
+      <dgm:t>
+        <a:bodyPr/>
+        <a:lstStyle/>
+        <a:p>
+          <a:endParaRPr lang="es-CO"/>
+        </a:p>
+      </dgm:t>
+    </dgm:pt>
+    <dgm:pt modelId="{6E9848F7-68E1-48C6-BB13-DEA1F84CC04E}" type="pres">
+      <dgm:prSet presAssocID="{D4B13B7C-23CD-41E9-B2A8-D7218DB76E06}" presName="descendantText" presStyleLbl="alignAcc1" presStyleIdx="0" presStyleCnt="2">
+        <dgm:presLayoutVars>
+          <dgm:bulletEnabled val="1"/>
+        </dgm:presLayoutVars>
+      </dgm:prSet>
+      <dgm:spPr/>
+      <dgm:t>
+        <a:bodyPr/>
+        <a:lstStyle/>
+        <a:p>
+          <a:endParaRPr lang="es-CO"/>
+        </a:p>
+      </dgm:t>
+    </dgm:pt>
+    <dgm:pt modelId="{B1749D95-8D19-46AA-B08D-D5495F2E8710}" type="pres">
+      <dgm:prSet presAssocID="{2740B821-3F79-4C93-AD78-6CB7CD837EE4}" presName="sp" presStyleCnt="0"/>
+      <dgm:spPr/>
+    </dgm:pt>
+    <dgm:pt modelId="{65997EA4-ED3F-42C7-A3B7-067986250A3D}" type="pres">
+      <dgm:prSet presAssocID="{E682E037-83BC-41E6-AA6E-FE6756453C04}" presName="composite" presStyleCnt="0"/>
+      <dgm:spPr/>
+    </dgm:pt>
+    <dgm:pt modelId="{5778CBEA-5F95-4CF0-A6FC-A81BEEEC37B4}" type="pres">
+      <dgm:prSet presAssocID="{E682E037-83BC-41E6-AA6E-FE6756453C04}" presName="parentText" presStyleLbl="alignNode1" presStyleIdx="1" presStyleCnt="2">
+        <dgm:presLayoutVars>
+          <dgm:chMax val="1"/>
+          <dgm:bulletEnabled val="1"/>
+        </dgm:presLayoutVars>
+      </dgm:prSet>
+      <dgm:spPr/>
+      <dgm:t>
+        <a:bodyPr/>
+        <a:lstStyle/>
+        <a:p>
+          <a:endParaRPr lang="es-CO"/>
+        </a:p>
+      </dgm:t>
+    </dgm:pt>
+    <dgm:pt modelId="{2662153C-1416-4660-852D-A4441E830C94}" type="pres">
+      <dgm:prSet presAssocID="{E682E037-83BC-41E6-AA6E-FE6756453C04}" presName="descendantText" presStyleLbl="alignAcc1" presStyleIdx="1" presStyleCnt="2">
+        <dgm:presLayoutVars>
+          <dgm:bulletEnabled val="1"/>
+        </dgm:presLayoutVars>
+      </dgm:prSet>
+      <dgm:spPr/>
+      <dgm:t>
+        <a:bodyPr/>
+        <a:lstStyle/>
+        <a:p>
+          <a:endParaRPr lang="es-CO"/>
+        </a:p>
+      </dgm:t>
+    </dgm:pt>
+  </dgm:ptLst>
+  <dgm:cxnLst>
+    <dgm:cxn modelId="{C0C92A50-6E33-4543-BD3B-CCB8ACBEAAFB}" type="presOf" srcId="{D4B13B7C-23CD-41E9-B2A8-D7218DB76E06}" destId="{DF5BB6C9-9E45-4CAB-9C15-B7182F42A99C}" srcOrd="0" destOrd="0" presId="urn:microsoft.com/office/officeart/2005/8/layout/chevron2"/>
+    <dgm:cxn modelId="{50DAEB65-9139-4B9D-B3FA-71A74E1E3CCE}" type="presOf" srcId="{EE5B587C-A8FF-44EB-BF40-9B0F25F69CC5}" destId="{6E9848F7-68E1-48C6-BB13-DEA1F84CC04E}" srcOrd="0" destOrd="0" presId="urn:microsoft.com/office/officeart/2005/8/layout/chevron2"/>
+    <dgm:cxn modelId="{2BFA7CE4-F8A4-469D-8BA5-163AEE18C257}" srcId="{3BDF80C5-22E0-4FCF-A7BD-82B0CCE682E6}" destId="{E682E037-83BC-41E6-AA6E-FE6756453C04}" srcOrd="1" destOrd="0" parTransId="{6F392E04-97DC-45CC-A9EC-A4AA88BB129E}" sibTransId="{EB3D0CBC-75D1-41AA-B777-1BD9653BB507}"/>
+    <dgm:cxn modelId="{58CA30E1-F981-46B4-B14F-DC178CE9711A}" srcId="{E682E037-83BC-41E6-AA6E-FE6756453C04}" destId="{9D0F9E7C-1CCF-413D-B5AD-22E079175E79}" srcOrd="0" destOrd="0" parTransId="{CF1E87E0-3E5C-4678-84DF-C30759AA8E74}" sibTransId="{0B63B28F-FC9B-43F7-A0BF-519628AF5B73}"/>
+    <dgm:cxn modelId="{F502BC95-3F43-4420-8E0E-C64514098063}" type="presOf" srcId="{3BDF80C5-22E0-4FCF-A7BD-82B0CCE682E6}" destId="{B6DE346E-94E0-4E6F-8A16-0571FEDBC976}" srcOrd="0" destOrd="0" presId="urn:microsoft.com/office/officeart/2005/8/layout/chevron2"/>
+    <dgm:cxn modelId="{5CA5095C-4F77-4CB9-AF43-B898D24EF449}" type="presOf" srcId="{E682E037-83BC-41E6-AA6E-FE6756453C04}" destId="{5778CBEA-5F95-4CF0-A6FC-A81BEEEC37B4}" srcOrd="0" destOrd="0" presId="urn:microsoft.com/office/officeart/2005/8/layout/chevron2"/>
+    <dgm:cxn modelId="{16BD3010-62CC-4475-8224-95956E06158B}" srcId="{D4B13B7C-23CD-41E9-B2A8-D7218DB76E06}" destId="{EE5B587C-A8FF-44EB-BF40-9B0F25F69CC5}" srcOrd="0" destOrd="0" parTransId="{9F55680E-DC27-4434-8546-6747C5F004D1}" sibTransId="{BA2C19E7-DE52-4072-AC6A-DCE3FD4629F5}"/>
+    <dgm:cxn modelId="{55936DA8-A0D0-4915-AF19-4D70FE0D6017}" type="presOf" srcId="{9D0F9E7C-1CCF-413D-B5AD-22E079175E79}" destId="{2662153C-1416-4660-852D-A4441E830C94}" srcOrd="0" destOrd="0" presId="urn:microsoft.com/office/officeart/2005/8/layout/chevron2"/>
+    <dgm:cxn modelId="{62C3DE25-0E66-4594-B7AF-F80A75404C59}" srcId="{3BDF80C5-22E0-4FCF-A7BD-82B0CCE682E6}" destId="{D4B13B7C-23CD-41E9-B2A8-D7218DB76E06}" srcOrd="0" destOrd="0" parTransId="{82F4AB09-31E9-4CDD-99B4-CCE3D2CBB9B4}" sibTransId="{2740B821-3F79-4C93-AD78-6CB7CD837EE4}"/>
+    <dgm:cxn modelId="{2E34DE7D-1EE1-4C94-8DAC-3A2470E9B3AB}" type="presParOf" srcId="{B6DE346E-94E0-4E6F-8A16-0571FEDBC976}" destId="{A6AFA8C2-1E11-4E3A-8CC4-08C67015A3EF}" srcOrd="0" destOrd="0" presId="urn:microsoft.com/office/officeart/2005/8/layout/chevron2"/>
+    <dgm:cxn modelId="{6F040BD6-FFAE-42B9-BF7D-7F0C7B753CFE}" type="presParOf" srcId="{A6AFA8C2-1E11-4E3A-8CC4-08C67015A3EF}" destId="{DF5BB6C9-9E45-4CAB-9C15-B7182F42A99C}" srcOrd="0" destOrd="0" presId="urn:microsoft.com/office/officeart/2005/8/layout/chevron2"/>
+    <dgm:cxn modelId="{925A5791-C5F5-490F-8F02-3481AFFD8B1E}" type="presParOf" srcId="{A6AFA8C2-1E11-4E3A-8CC4-08C67015A3EF}" destId="{6E9848F7-68E1-48C6-BB13-DEA1F84CC04E}" srcOrd="1" destOrd="0" presId="urn:microsoft.com/office/officeart/2005/8/layout/chevron2"/>
+    <dgm:cxn modelId="{659E142F-35D4-4BDA-AA29-093D27C6D088}" type="presParOf" srcId="{B6DE346E-94E0-4E6F-8A16-0571FEDBC976}" destId="{B1749D95-8D19-46AA-B08D-D5495F2E8710}" srcOrd="1" destOrd="0" presId="urn:microsoft.com/office/officeart/2005/8/layout/chevron2"/>
+    <dgm:cxn modelId="{7E7021A8-3BB4-442B-A691-2DB424C9D8A8}" type="presParOf" srcId="{B6DE346E-94E0-4E6F-8A16-0571FEDBC976}" destId="{65997EA4-ED3F-42C7-A3B7-067986250A3D}" srcOrd="2" destOrd="0" presId="urn:microsoft.com/office/officeart/2005/8/layout/chevron2"/>
+    <dgm:cxn modelId="{422B5B0E-47AB-46C0-A746-D0400BB9AB9E}" type="presParOf" srcId="{65997EA4-ED3F-42C7-A3B7-067986250A3D}" destId="{5778CBEA-5F95-4CF0-A6FC-A81BEEEC37B4}" srcOrd="0" destOrd="0" presId="urn:microsoft.com/office/officeart/2005/8/layout/chevron2"/>
+    <dgm:cxn modelId="{DBF31885-B1B5-4190-9D9F-6575C70B37AA}" type="presParOf" srcId="{65997EA4-ED3F-42C7-A3B7-067986250A3D}" destId="{2662153C-1416-4660-852D-A4441E830C94}" srcOrd="1" destOrd="0" presId="urn:microsoft.com/office/officeart/2005/8/layout/chevron2"/>
   </dgm:cxnLst>
   <dgm:bg/>
   <dgm:whole/>
@@ -7099,14 +8194,14 @@
       </dsp:nvSpPr>
       <dsp:spPr>
         <a:xfrm rot="5400000">
-          <a:off x="-222646" y="223826"/>
-          <a:ext cx="1484312" cy="1039018"/>
+          <a:off x="-236601" y="240751"/>
+          <a:ext cx="1577344" cy="1104141"/>
         </a:xfrm>
         <a:prstGeom prst="chevron">
           <a:avLst/>
         </a:prstGeom>
         <a:solidFill>
-          <a:schemeClr val="accent1">
+          <a:schemeClr val="accent2">
             <a:hueOff val="0"/>
             <a:satOff val="0"/>
             <a:lumOff val="0"/>
@@ -7115,7 +8210,7 @@
         </a:solidFill>
         <a:ln w="25400" cap="flat" cmpd="sng" algn="ctr">
           <a:solidFill>
-            <a:schemeClr val="accent1">
+            <a:schemeClr val="accent2">
               <a:hueOff val="0"/>
               <a:satOff val="0"/>
               <a:lumOff val="0"/>
@@ -7165,8 +8260,8 @@
         </a:p>
       </dsp:txBody>
       <dsp:txXfrm rot="5400000">
-        <a:off x="-222646" y="223826"/>
-        <a:ext cx="1484312" cy="1039018"/>
+        <a:off x="-236601" y="240751"/>
+        <a:ext cx="1577344" cy="1104141"/>
       </dsp:txXfrm>
     </dsp:sp>
     <dsp:sp modelId="{6E9848F7-68E1-48C6-BB13-DEA1F84CC04E}">
@@ -7176,8 +8271,8 @@
       </dsp:nvSpPr>
       <dsp:spPr>
         <a:xfrm rot="5400000">
-          <a:off x="3847107" y="-2806909"/>
-          <a:ext cx="964803" cy="6580981"/>
+          <a:off x="3849433" y="-2741142"/>
+          <a:ext cx="1025274" cy="6515858"/>
         </a:xfrm>
         <a:prstGeom prst="round2SameRect">
           <a:avLst/>
@@ -7193,7 +8288,7 @@
         </a:solidFill>
         <a:ln w="25400" cap="flat" cmpd="sng" algn="ctr">
           <a:solidFill>
-            <a:schemeClr val="accent1">
+            <a:schemeClr val="accent2">
               <a:hueOff val="0"/>
               <a:satOff val="0"/>
               <a:lumOff val="0"/>
@@ -7217,12 +8312,12 @@
         <a:fontRef idx="minor"/>
       </dsp:style>
       <dsp:txBody>
-        <a:bodyPr spcFirstLastPara="0" vert="horz" wrap="square" lIns="85344" tIns="7620" rIns="7620" bIns="7620" numCol="1" spcCol="1270" anchor="ctr" anchorCtr="0">
+        <a:bodyPr spcFirstLastPara="0" vert="horz" wrap="square" lIns="99568" tIns="8890" rIns="8890" bIns="8890" numCol="1" spcCol="1270" anchor="ctr" anchorCtr="0">
           <a:noAutofit/>
         </a:bodyPr>
         <a:lstStyle/>
         <a:p>
-          <a:pPr marL="114300" lvl="1" indent="-114300" algn="l" defTabSz="533400">
+          <a:pPr marL="114300" lvl="1" indent="-114300" algn="l" defTabSz="622300">
             <a:lnSpc>
               <a:spcPct val="90000"/>
             </a:lnSpc>
@@ -7235,15 +8330,15 @@
             <a:buChar char="••"/>
           </a:pPr>
           <a:r>
-            <a:rPr lang="es-CO" sz="1200" kern="1200" dirty="0" smtClean="0"/>
+            <a:rPr lang="es-CO" sz="1400" kern="1200" dirty="0" smtClean="0"/>
             <a:t>Se deben tener en cuenta tareas de soporte dentro del cronograma, inicialmente solo se están considerando tareas de diseño, planeación y desarrollo, pero existen tareas de configuración que pueden consumir gran cantidad de tiempo y no pueden ser ignoradas.</a:t>
           </a:r>
-          <a:endParaRPr lang="es-CO" sz="1200" kern="1200" dirty="0"/>
+          <a:endParaRPr lang="es-CO" sz="1400" kern="1200" dirty="0"/>
         </a:p>
       </dsp:txBody>
       <dsp:txXfrm rot="5400000">
-        <a:off x="3847107" y="-2806909"/>
-        <a:ext cx="964803" cy="6580981"/>
+        <a:off x="3849433" y="-2741142"/>
+        <a:ext cx="1025274" cy="6515858"/>
       </dsp:txXfrm>
     </dsp:sp>
     <dsp:sp modelId="{5778CBEA-5F95-4CF0-A6FC-A81BEEEC37B4}">
@@ -7253,26 +8348,26 @@
       </dsp:nvSpPr>
       <dsp:spPr>
         <a:xfrm rot="5400000">
-          <a:off x="-222646" y="1512490"/>
-          <a:ext cx="1484312" cy="1039018"/>
+          <a:off x="-236601" y="1623945"/>
+          <a:ext cx="1577344" cy="1104141"/>
         </a:xfrm>
         <a:prstGeom prst="chevron">
           <a:avLst/>
         </a:prstGeom>
         <a:solidFill>
-          <a:schemeClr val="accent1">
-            <a:hueOff val="0"/>
-            <a:satOff val="0"/>
-            <a:lumOff val="0"/>
+          <a:schemeClr val="accent2">
+            <a:hueOff val="2340759"/>
+            <a:satOff val="-2919"/>
+            <a:lumOff val="686"/>
             <a:alphaOff val="0"/>
           </a:schemeClr>
         </a:solidFill>
         <a:ln w="25400" cap="flat" cmpd="sng" algn="ctr">
           <a:solidFill>
-            <a:schemeClr val="accent1">
-              <a:hueOff val="0"/>
-              <a:satOff val="0"/>
-              <a:lumOff val="0"/>
+            <a:schemeClr val="accent2">
+              <a:hueOff val="2340759"/>
+              <a:satOff val="-2919"/>
+              <a:lumOff val="686"/>
               <a:alphaOff val="0"/>
             </a:schemeClr>
           </a:solidFill>
@@ -7319,8 +8414,8 @@
         </a:p>
       </dsp:txBody>
       <dsp:txXfrm rot="5400000">
-        <a:off x="-222646" y="1512490"/>
-        <a:ext cx="1484312" cy="1039018"/>
+        <a:off x="-236601" y="1623945"/>
+        <a:ext cx="1577344" cy="1104141"/>
       </dsp:txXfrm>
     </dsp:sp>
     <dsp:sp modelId="{2662153C-1416-4660-852D-A4441E830C94}">
@@ -7330,8 +8425,8 @@
       </dsp:nvSpPr>
       <dsp:spPr>
         <a:xfrm rot="5400000">
-          <a:off x="3847107" y="-1518245"/>
-          <a:ext cx="964803" cy="6580981"/>
+          <a:off x="3849433" y="-1357948"/>
+          <a:ext cx="1025274" cy="6515858"/>
         </a:xfrm>
         <a:prstGeom prst="round2SameRect">
           <a:avLst/>
@@ -7347,10 +8442,10 @@
         </a:solidFill>
         <a:ln w="25400" cap="flat" cmpd="sng" algn="ctr">
           <a:solidFill>
-            <a:schemeClr val="accent1">
-              <a:hueOff val="0"/>
-              <a:satOff val="0"/>
-              <a:lumOff val="0"/>
+            <a:schemeClr val="accent2">
+              <a:hueOff val="2340759"/>
+              <a:satOff val="-2919"/>
+              <a:lumOff val="686"/>
               <a:alphaOff val="0"/>
             </a:schemeClr>
           </a:solidFill>
@@ -7371,12 +8466,12 @@
         <a:fontRef idx="minor"/>
       </dsp:style>
       <dsp:txBody>
-        <a:bodyPr spcFirstLastPara="0" vert="horz" wrap="square" lIns="85344" tIns="7620" rIns="7620" bIns="7620" numCol="1" spcCol="1270" anchor="ctr" anchorCtr="0">
+        <a:bodyPr spcFirstLastPara="0" vert="horz" wrap="square" lIns="99568" tIns="8890" rIns="8890" bIns="8890" numCol="1" spcCol="1270" anchor="ctr" anchorCtr="0">
           <a:noAutofit/>
         </a:bodyPr>
         <a:lstStyle/>
         <a:p>
-          <a:pPr marL="114300" lvl="1" indent="-114300" algn="l" defTabSz="533400">
+          <a:pPr marL="114300" lvl="1" indent="-114300" algn="l" defTabSz="622300">
             <a:lnSpc>
               <a:spcPct val="90000"/>
             </a:lnSpc>
@@ -7389,23 +8484,23 @@
             <a:buChar char="••"/>
           </a:pPr>
           <a:r>
-            <a:rPr lang="es-CO" sz="1200" kern="1200" dirty="0" smtClean="0"/>
+            <a:rPr lang="es-CO" sz="1400" kern="1200" dirty="0" smtClean="0"/>
             <a:t>Las actividades de configuración o aprendizaje de las aplicaciones o sistemas conllevan un tiempo extra que no es considerado, para el caso concreto del </a:t>
           </a:r>
           <a:r>
-            <a:rPr lang="es-CO" sz="1200" kern="1200" dirty="0" err="1" smtClean="0"/>
+            <a:rPr lang="es-CO" sz="1400" kern="1200" dirty="0" err="1" smtClean="0"/>
             <a:t>MarketPlace</a:t>
           </a:r>
           <a:r>
-            <a:rPr lang="es-CO" sz="1200" kern="1200" dirty="0" smtClean="0"/>
+            <a:rPr lang="es-CO" sz="1400" kern="1200" dirty="0" smtClean="0"/>
             <a:t> las herramientas bajo las que está desarrollado no son dominadas en un 100% por el grupo, por lo que se deben seguir incluyendo actividades de capacitación.</a:t>
           </a:r>
-          <a:endParaRPr lang="es-CO" sz="1200" kern="1200" dirty="0"/>
+          <a:endParaRPr lang="es-CO" sz="1400" kern="1200" dirty="0"/>
         </a:p>
       </dsp:txBody>
       <dsp:txXfrm rot="5400000">
-        <a:off x="3847107" y="-1518245"/>
-        <a:ext cx="964803" cy="6580981"/>
+        <a:off x="3849433" y="-1357948"/>
+        <a:ext cx="1025274" cy="6515858"/>
       </dsp:txXfrm>
     </dsp:sp>
     <dsp:sp modelId="{D5015694-7BFA-4456-B83C-99A71055D49F}">
@@ -7415,26 +8510,26 @@
       </dsp:nvSpPr>
       <dsp:spPr>
         <a:xfrm rot="5400000">
-          <a:off x="-222646" y="2801154"/>
-          <a:ext cx="1484312" cy="1039018"/>
+          <a:off x="-236601" y="3007138"/>
+          <a:ext cx="1577344" cy="1104141"/>
         </a:xfrm>
         <a:prstGeom prst="chevron">
           <a:avLst/>
         </a:prstGeom>
         <a:solidFill>
-          <a:schemeClr val="accent1">
-            <a:hueOff val="0"/>
-            <a:satOff val="0"/>
-            <a:lumOff val="0"/>
+          <a:schemeClr val="accent2">
+            <a:hueOff val="4681519"/>
+            <a:satOff val="-5839"/>
+            <a:lumOff val="1373"/>
             <a:alphaOff val="0"/>
           </a:schemeClr>
         </a:solidFill>
         <a:ln w="25400" cap="flat" cmpd="sng" algn="ctr">
           <a:solidFill>
-            <a:schemeClr val="accent1">
-              <a:hueOff val="0"/>
-              <a:satOff val="0"/>
-              <a:lumOff val="0"/>
+            <a:schemeClr val="accent2">
+              <a:hueOff val="4681519"/>
+              <a:satOff val="-5839"/>
+              <a:lumOff val="1373"/>
               <a:alphaOff val="0"/>
             </a:schemeClr>
           </a:solidFill>
@@ -7481,8 +8576,8 @@
         </a:p>
       </dsp:txBody>
       <dsp:txXfrm rot="5400000">
-        <a:off x="-222646" y="2801154"/>
-        <a:ext cx="1484312" cy="1039018"/>
+        <a:off x="-236601" y="3007138"/>
+        <a:ext cx="1577344" cy="1104141"/>
       </dsp:txXfrm>
     </dsp:sp>
     <dsp:sp modelId="{78654283-8C91-4E07-8611-68C3F72CC5E0}">
@@ -7492,8 +8587,8 @@
       </dsp:nvSpPr>
       <dsp:spPr>
         <a:xfrm rot="5400000">
-          <a:off x="3847107" y="-229581"/>
-          <a:ext cx="964803" cy="6580981"/>
+          <a:off x="3849433" y="25244"/>
+          <a:ext cx="1025274" cy="6515858"/>
         </a:xfrm>
         <a:prstGeom prst="round2SameRect">
           <a:avLst/>
@@ -7509,7 +8604,173 @@
         </a:solidFill>
         <a:ln w="25400" cap="flat" cmpd="sng" algn="ctr">
           <a:solidFill>
-            <a:schemeClr val="accent1">
+            <a:schemeClr val="accent2">
+              <a:hueOff val="4681519"/>
+              <a:satOff val="-5839"/>
+              <a:lumOff val="1373"/>
+              <a:alphaOff val="0"/>
+            </a:schemeClr>
+          </a:solidFill>
+          <a:prstDash val="solid"/>
+        </a:ln>
+        <a:effectLst/>
+      </dsp:spPr>
+      <dsp:style>
+        <a:lnRef idx="2">
+          <a:scrgbClr r="0" g="0" b="0"/>
+        </a:lnRef>
+        <a:fillRef idx="1">
+          <a:scrgbClr r="0" g="0" b="0"/>
+        </a:fillRef>
+        <a:effectRef idx="0">
+          <a:scrgbClr r="0" g="0" b="0"/>
+        </a:effectRef>
+        <a:fontRef idx="minor"/>
+      </dsp:style>
+      <dsp:txBody>
+        <a:bodyPr spcFirstLastPara="0" vert="horz" wrap="square" lIns="99568" tIns="8890" rIns="8890" bIns="8890" numCol="1" spcCol="1270" anchor="ctr" anchorCtr="0">
+          <a:noAutofit/>
+        </a:bodyPr>
+        <a:lstStyle/>
+        <a:p>
+          <a:pPr marL="114300" lvl="1" indent="-114300" algn="l" defTabSz="622300">
+            <a:lnSpc>
+              <a:spcPct val="90000"/>
+            </a:lnSpc>
+            <a:spcBef>
+              <a:spcPct val="0"/>
+            </a:spcBef>
+            <a:spcAft>
+              <a:spcPct val="15000"/>
+            </a:spcAft>
+            <a:buChar char="••"/>
+          </a:pPr>
+          <a:r>
+            <a:rPr lang="es-CO" sz="1400" kern="1200" dirty="0" smtClean="0"/>
+            <a:t>Para próximos ciclos Se debe validar el entendimiento de proyecto a desarrollar, esto implica que dentro del grupo se conozca el proceso entero desde la UI (que pantallas nuevas existen y saber que datos se envían al OSB y/o al BPEL) hasta la base de datos (saber que registros se afectan, que columnas o tablas se requieren, que datos se necesitan)  pasando por el BPEL y el OSB.</a:t>
+          </a:r>
+          <a:endParaRPr lang="es-CO" sz="1400" kern="1200" dirty="0"/>
+        </a:p>
+      </dsp:txBody>
+      <dsp:txXfrm rot="5400000">
+        <a:off x="3849433" y="25244"/>
+        <a:ext cx="1025274" cy="6515858"/>
+      </dsp:txXfrm>
+    </dsp:sp>
+  </dsp:spTree>
+</dsp:drawing>
+</file>
+
+<file path=ppt/diagrams/drawing4.xml><?xml version="1.0" encoding="utf-8"?>
+<dsp:drawing xmlns:dgm="http://schemas.openxmlformats.org/drawingml/2006/diagram" xmlns:a="http://schemas.openxmlformats.org/drawingml/2006/main" xmlns:dsp="http://schemas.microsoft.com/office/drawing/2008/diagram">
+  <dsp:spTree>
+    <dsp:nvGrpSpPr>
+      <dsp:cNvPr id="0" name=""/>
+      <dsp:cNvGrpSpPr/>
+    </dsp:nvGrpSpPr>
+    <dsp:grpSpPr/>
+    <dsp:sp modelId="{DF5BB6C9-9E45-4CAB-9C15-B7182F42A99C}">
+      <dsp:nvSpPr>
+        <dsp:cNvPr id="0" name=""/>
+        <dsp:cNvSpPr/>
+      </dsp:nvSpPr>
+      <dsp:spPr>
+        <a:xfrm rot="5400000">
+          <a:off x="-253748" y="256593"/>
+          <a:ext cx="1691659" cy="1184161"/>
+        </a:xfrm>
+        <a:prstGeom prst="chevron">
+          <a:avLst/>
+        </a:prstGeom>
+        <a:solidFill>
+          <a:schemeClr val="accent2">
+            <a:hueOff val="0"/>
+            <a:satOff val="0"/>
+            <a:lumOff val="0"/>
+            <a:alphaOff val="0"/>
+          </a:schemeClr>
+        </a:solidFill>
+        <a:ln w="25400" cap="flat" cmpd="sng" algn="ctr">
+          <a:solidFill>
+            <a:schemeClr val="accent2">
+              <a:hueOff val="0"/>
+              <a:satOff val="0"/>
+              <a:lumOff val="0"/>
+              <a:alphaOff val="0"/>
+            </a:schemeClr>
+          </a:solidFill>
+          <a:prstDash val="solid"/>
+        </a:ln>
+        <a:effectLst/>
+      </dsp:spPr>
+      <dsp:style>
+        <a:lnRef idx="2">
+          <a:scrgbClr r="0" g="0" b="0"/>
+        </a:lnRef>
+        <a:fillRef idx="1">
+          <a:scrgbClr r="0" g="0" b="0"/>
+        </a:fillRef>
+        <a:effectRef idx="0">
+          <a:scrgbClr r="0" g="0" b="0"/>
+        </a:effectRef>
+        <a:fontRef idx="minor">
+          <a:schemeClr val="lt1"/>
+        </a:fontRef>
+      </dsp:style>
+      <dsp:txBody>
+        <a:bodyPr spcFirstLastPara="0" vert="horz" wrap="square" lIns="11430" tIns="11430" rIns="11430" bIns="11430" numCol="1" spcCol="1270" anchor="ctr" anchorCtr="0">
+          <a:noAutofit/>
+        </a:bodyPr>
+        <a:lstStyle/>
+        <a:p>
+          <a:pPr lvl="0" algn="ctr" defTabSz="800100">
+            <a:lnSpc>
+              <a:spcPct val="90000"/>
+            </a:lnSpc>
+            <a:spcBef>
+              <a:spcPct val="0"/>
+            </a:spcBef>
+            <a:spcAft>
+              <a:spcPct val="35000"/>
+            </a:spcAft>
+          </a:pPr>
+          <a:r>
+            <a:rPr lang="en-US" sz="1800" b="1" kern="1200" dirty="0" smtClean="0"/>
+            <a:t>C1</a:t>
+          </a:r>
+          <a:endParaRPr lang="es-CO" sz="1200" b="1" kern="1200" dirty="0"/>
+        </a:p>
+      </dsp:txBody>
+      <dsp:txXfrm rot="5400000">
+        <a:off x="-253748" y="256593"/>
+        <a:ext cx="1691659" cy="1184161"/>
+      </dsp:txXfrm>
+    </dsp:sp>
+    <dsp:sp modelId="{6E9848F7-68E1-48C6-BB13-DEA1F84CC04E}">
+      <dsp:nvSpPr>
+        <dsp:cNvPr id="0" name=""/>
+        <dsp:cNvSpPr/>
+      </dsp:nvSpPr>
+      <dsp:spPr>
+        <a:xfrm rot="5400000">
+          <a:off x="3852291" y="-2665285"/>
+          <a:ext cx="1099578" cy="6435838"/>
+        </a:xfrm>
+        <a:prstGeom prst="round2SameRect">
+          <a:avLst/>
+        </a:prstGeom>
+        <a:solidFill>
+          <a:schemeClr val="lt1">
+            <a:alpha val="90000"/>
+            <a:hueOff val="0"/>
+            <a:satOff val="0"/>
+            <a:lumOff val="0"/>
+            <a:alphaOff val="0"/>
+          </a:schemeClr>
+        </a:solidFill>
+        <a:ln w="25400" cap="flat" cmpd="sng" algn="ctr">
+          <a:solidFill>
+            <a:schemeClr val="accent2">
               <a:hueOff val="0"/>
               <a:satOff val="0"/>
               <a:lumOff val="0"/>
@@ -7533,12 +8794,12 @@
         <a:fontRef idx="minor"/>
       </dsp:style>
       <dsp:txBody>
-        <a:bodyPr spcFirstLastPara="0" vert="horz" wrap="square" lIns="85344" tIns="7620" rIns="7620" bIns="7620" numCol="1" spcCol="1270" anchor="ctr" anchorCtr="0">
+        <a:bodyPr spcFirstLastPara="0" vert="horz" wrap="square" lIns="99568" tIns="8890" rIns="8890" bIns="8890" numCol="1" spcCol="1270" anchor="ctr" anchorCtr="0">
           <a:noAutofit/>
         </a:bodyPr>
         <a:lstStyle/>
         <a:p>
-          <a:pPr marL="114300" lvl="1" indent="-114300" algn="l" defTabSz="533400">
+          <a:pPr marL="114300" lvl="1" indent="-114300" algn="l" defTabSz="622300">
             <a:lnSpc>
               <a:spcPct val="90000"/>
             </a:lnSpc>
@@ -7551,19 +8812,169 @@
             <a:buChar char="••"/>
           </a:pPr>
           <a:r>
-            <a:rPr lang="es-CO" sz="1200" kern="1200" dirty="0" smtClean="0"/>
-            <a:t>Para próximos ciclos Se debe validar el entendimiento de proyecto a desarrollar, esto implica que dentro del grupo se conozca el proceso entero desde la UI (que pantallas nuevas existen y saber que datos se envían al OSB y/o al BPEL) hasta la base de datos (saber que registros se afectan, que columnas o tablas se requieren, que datos se necesitan)  pasando por el BPEL y </a:t>
+            <a:rPr lang="es-CO" sz="1400" kern="1200" dirty="0" smtClean="0"/>
+            <a:t>La replicación de los ambientes, aunque consumió tiempo que no había sido considerado inicialmente, se consideró como una decisión acertada, dado que permite a los integrantes del grupo trabajar de manera remota y paralela en diferentes frentes del problema, de esta manera se logrará una mejor eficiencia en el desarrollo de las tareas en ciclos posteriores.</a:t>
           </a:r>
-          <a:r>
-            <a:rPr lang="es-CO" sz="1200" kern="1200" smtClean="0"/>
-            <a:t>el OSB.</a:t>
-          </a:r>
-          <a:endParaRPr lang="es-CO" sz="1200" kern="1200" dirty="0"/>
+          <a:endParaRPr lang="es-CO" sz="1400" kern="1200" dirty="0"/>
         </a:p>
       </dsp:txBody>
       <dsp:txXfrm rot="5400000">
-        <a:off x="3847107" y="-229581"/>
-        <a:ext cx="964803" cy="6580981"/>
+        <a:off x="3852291" y="-2665285"/>
+        <a:ext cx="1099578" cy="6435838"/>
+      </dsp:txXfrm>
+    </dsp:sp>
+    <dsp:sp modelId="{5778CBEA-5F95-4CF0-A6FC-A81BEEEC37B4}">
+      <dsp:nvSpPr>
+        <dsp:cNvPr id="0" name=""/>
+        <dsp:cNvSpPr/>
+      </dsp:nvSpPr>
+      <dsp:spPr>
+        <a:xfrm rot="5400000">
+          <a:off x="-253748" y="1655588"/>
+          <a:ext cx="1691659" cy="1184161"/>
+        </a:xfrm>
+        <a:prstGeom prst="chevron">
+          <a:avLst/>
+        </a:prstGeom>
+        <a:solidFill>
+          <a:schemeClr val="accent2">
+            <a:hueOff val="4681519"/>
+            <a:satOff val="-5839"/>
+            <a:lumOff val="1373"/>
+            <a:alphaOff val="0"/>
+          </a:schemeClr>
+        </a:solidFill>
+        <a:ln w="25400" cap="flat" cmpd="sng" algn="ctr">
+          <a:solidFill>
+            <a:schemeClr val="accent2">
+              <a:hueOff val="4681519"/>
+              <a:satOff val="-5839"/>
+              <a:lumOff val="1373"/>
+              <a:alphaOff val="0"/>
+            </a:schemeClr>
+          </a:solidFill>
+          <a:prstDash val="solid"/>
+        </a:ln>
+        <a:effectLst/>
+      </dsp:spPr>
+      <dsp:style>
+        <a:lnRef idx="2">
+          <a:scrgbClr r="0" g="0" b="0"/>
+        </a:lnRef>
+        <a:fillRef idx="1">
+          <a:scrgbClr r="0" g="0" b="0"/>
+        </a:fillRef>
+        <a:effectRef idx="0">
+          <a:scrgbClr r="0" g="0" b="0"/>
+        </a:effectRef>
+        <a:fontRef idx="minor">
+          <a:schemeClr val="lt1"/>
+        </a:fontRef>
+      </dsp:style>
+      <dsp:txBody>
+        <a:bodyPr spcFirstLastPara="0" vert="horz" wrap="square" lIns="11430" tIns="11430" rIns="11430" bIns="11430" numCol="1" spcCol="1270" anchor="ctr" anchorCtr="0">
+          <a:noAutofit/>
+        </a:bodyPr>
+        <a:lstStyle/>
+        <a:p>
+          <a:pPr lvl="0" algn="ctr" defTabSz="800100">
+            <a:lnSpc>
+              <a:spcPct val="90000"/>
+            </a:lnSpc>
+            <a:spcBef>
+              <a:spcPct val="0"/>
+            </a:spcBef>
+            <a:spcAft>
+              <a:spcPct val="35000"/>
+            </a:spcAft>
+          </a:pPr>
+          <a:r>
+            <a:rPr lang="en-US" sz="1800" b="1" kern="1200" dirty="0" smtClean="0"/>
+            <a:t>C2</a:t>
+          </a:r>
+          <a:endParaRPr lang="es-CO" sz="1800" b="1" kern="1200" dirty="0"/>
+        </a:p>
+      </dsp:txBody>
+      <dsp:txXfrm rot="5400000">
+        <a:off x="-253748" y="1655588"/>
+        <a:ext cx="1691659" cy="1184161"/>
+      </dsp:txXfrm>
+    </dsp:sp>
+    <dsp:sp modelId="{2662153C-1416-4660-852D-A4441E830C94}">
+      <dsp:nvSpPr>
+        <dsp:cNvPr id="0" name=""/>
+        <dsp:cNvSpPr/>
+      </dsp:nvSpPr>
+      <dsp:spPr>
+        <a:xfrm rot="5400000">
+          <a:off x="3852291" y="-1266289"/>
+          <a:ext cx="1099578" cy="6435838"/>
+        </a:xfrm>
+        <a:prstGeom prst="round2SameRect">
+          <a:avLst/>
+        </a:prstGeom>
+        <a:solidFill>
+          <a:schemeClr val="lt1">
+            <a:alpha val="90000"/>
+            <a:hueOff val="0"/>
+            <a:satOff val="0"/>
+            <a:lumOff val="0"/>
+            <a:alphaOff val="0"/>
+          </a:schemeClr>
+        </a:solidFill>
+        <a:ln w="25400" cap="flat" cmpd="sng" algn="ctr">
+          <a:solidFill>
+            <a:schemeClr val="accent2">
+              <a:hueOff val="4681519"/>
+              <a:satOff val="-5839"/>
+              <a:lumOff val="1373"/>
+              <a:alphaOff val="0"/>
+            </a:schemeClr>
+          </a:solidFill>
+          <a:prstDash val="solid"/>
+        </a:ln>
+        <a:effectLst/>
+      </dsp:spPr>
+      <dsp:style>
+        <a:lnRef idx="2">
+          <a:scrgbClr r="0" g="0" b="0"/>
+        </a:lnRef>
+        <a:fillRef idx="1">
+          <a:scrgbClr r="0" g="0" b="0"/>
+        </a:fillRef>
+        <a:effectRef idx="0">
+          <a:scrgbClr r="0" g="0" b="0"/>
+        </a:effectRef>
+        <a:fontRef idx="minor"/>
+      </dsp:style>
+      <dsp:txBody>
+        <a:bodyPr spcFirstLastPara="0" vert="horz" wrap="square" lIns="99568" tIns="8890" rIns="8890" bIns="8890" numCol="1" spcCol="1270" anchor="ctr" anchorCtr="0">
+          <a:noAutofit/>
+        </a:bodyPr>
+        <a:lstStyle/>
+        <a:p>
+          <a:pPr marL="114300" lvl="1" indent="-114300" algn="l" defTabSz="622300">
+            <a:lnSpc>
+              <a:spcPct val="90000"/>
+            </a:lnSpc>
+            <a:spcBef>
+              <a:spcPct val="0"/>
+            </a:spcBef>
+            <a:spcAft>
+              <a:spcPct val="15000"/>
+            </a:spcAft>
+            <a:buChar char="••"/>
+          </a:pPr>
+          <a:r>
+            <a:rPr lang="es-CO" sz="1400" kern="1200" dirty="0" smtClean="0"/>
+            <a:t>A pesar de realizar un planeación y asignación de actividades, es necesario ejercer un control que logre identificar los problemas y estado de las actividades, ya que cuando se descubren estos problemas se presentan dificultades en las demás actividades, presentando retrasos y problemas de calidad.</a:t>
+          </a:r>
+          <a:endParaRPr lang="es-CO" sz="1400" kern="1200" dirty="0"/>
+        </a:p>
+      </dsp:txBody>
+      <dsp:txXfrm rot="5400000">
+        <a:off x="3852291" y="-1266289"/>
+        <a:ext cx="1099578" cy="6435838"/>
       </dsp:txXfrm>
     </dsp:sp>
   </dsp:spTree>
@@ -9763,6 +11174,262 @@
 </dgm:layoutDef>
 </file>
 
+<file path=ppt/diagrams/layout4.xml><?xml version="1.0" encoding="utf-8"?>
+<dgm:layoutDef xmlns:dgm="http://schemas.openxmlformats.org/drawingml/2006/diagram" xmlns:a="http://schemas.openxmlformats.org/drawingml/2006/main" uniqueId="urn:microsoft.com/office/officeart/2005/8/layout/chevron2">
+  <dgm:title val=""/>
+  <dgm:desc val=""/>
+  <dgm:catLst>
+    <dgm:cat type="process" pri="12000"/>
+    <dgm:cat type="list" pri="16000"/>
+    <dgm:cat type="convert" pri="11000"/>
+  </dgm:catLst>
+  <dgm:sampData>
+    <dgm:dataModel>
+      <dgm:ptLst>
+        <dgm:pt modelId="0" type="doc"/>
+        <dgm:pt modelId="1">
+          <dgm:prSet phldr="1"/>
+        </dgm:pt>
+        <dgm:pt modelId="11">
+          <dgm:prSet phldr="1"/>
+        </dgm:pt>
+        <dgm:pt modelId="12">
+          <dgm:prSet phldr="1"/>
+        </dgm:pt>
+        <dgm:pt modelId="2">
+          <dgm:prSet phldr="1"/>
+        </dgm:pt>
+        <dgm:pt modelId="21">
+          <dgm:prSet phldr="1"/>
+        </dgm:pt>
+        <dgm:pt modelId="22">
+          <dgm:prSet phldr="1"/>
+        </dgm:pt>
+        <dgm:pt modelId="3">
+          <dgm:prSet phldr="1"/>
+        </dgm:pt>
+        <dgm:pt modelId="31">
+          <dgm:prSet phldr="1"/>
+        </dgm:pt>
+        <dgm:pt modelId="32">
+          <dgm:prSet phldr="1"/>
+        </dgm:pt>
+      </dgm:ptLst>
+      <dgm:cxnLst>
+        <dgm:cxn modelId="4" srcId="0" destId="1" srcOrd="0" destOrd="0"/>
+        <dgm:cxn modelId="5" srcId="0" destId="2" srcOrd="1" destOrd="0"/>
+        <dgm:cxn modelId="6" srcId="0" destId="3" srcOrd="2" destOrd="0"/>
+        <dgm:cxn modelId="13" srcId="1" destId="11" srcOrd="0" destOrd="0"/>
+        <dgm:cxn modelId="14" srcId="1" destId="12" srcOrd="1" destOrd="0"/>
+        <dgm:cxn modelId="23" srcId="2" destId="21" srcOrd="0" destOrd="0"/>
+        <dgm:cxn modelId="24" srcId="2" destId="22" srcOrd="1" destOrd="0"/>
+        <dgm:cxn modelId="33" srcId="3" destId="31" srcOrd="0" destOrd="0"/>
+        <dgm:cxn modelId="34" srcId="3" destId="32" srcOrd="1" destOrd="0"/>
+      </dgm:cxnLst>
+      <dgm:bg/>
+      <dgm:whole/>
+    </dgm:dataModel>
+  </dgm:sampData>
+  <dgm:styleData>
+    <dgm:dataModel>
+      <dgm:ptLst>
+        <dgm:pt modelId="0" type="doc"/>
+        <dgm:pt modelId="1"/>
+      </dgm:ptLst>
+      <dgm:cxnLst>
+        <dgm:cxn modelId="4" srcId="0" destId="1" srcOrd="0" destOrd="0"/>
+      </dgm:cxnLst>
+      <dgm:bg/>
+      <dgm:whole/>
+    </dgm:dataModel>
+  </dgm:styleData>
+  <dgm:clrData>
+    <dgm:dataModel>
+      <dgm:ptLst>
+        <dgm:pt modelId="0" type="doc"/>
+        <dgm:pt modelId="1"/>
+        <dgm:pt modelId="11"/>
+        <dgm:pt modelId="2"/>
+        <dgm:pt modelId="21"/>
+        <dgm:pt modelId="3"/>
+        <dgm:pt modelId="31"/>
+        <dgm:pt modelId="4"/>
+        <dgm:pt modelId="41"/>
+      </dgm:ptLst>
+      <dgm:cxnLst>
+        <dgm:cxn modelId="5" srcId="0" destId="1" srcOrd="0" destOrd="0"/>
+        <dgm:cxn modelId="6" srcId="0" destId="2" srcOrd="1" destOrd="0"/>
+        <dgm:cxn modelId="7" srcId="0" destId="3" srcOrd="2" destOrd="0"/>
+        <dgm:cxn modelId="8" srcId="0" destId="4" srcOrd="3" destOrd="0"/>
+        <dgm:cxn modelId="13" srcId="1" destId="11" srcOrd="0" destOrd="0"/>
+        <dgm:cxn modelId="23" srcId="2" destId="21" srcOrd="0" destOrd="0"/>
+        <dgm:cxn modelId="33" srcId="3" destId="31" srcOrd="0" destOrd="0"/>
+        <dgm:cxn modelId="43" srcId="4" destId="41" srcOrd="0" destOrd="0"/>
+      </dgm:cxnLst>
+      <dgm:bg/>
+      <dgm:whole/>
+    </dgm:dataModel>
+  </dgm:clrData>
+  <dgm:layoutNode name="linearFlow">
+    <dgm:varLst>
+      <dgm:dir/>
+      <dgm:animLvl val="lvl"/>
+      <dgm:resizeHandles val="exact"/>
+    </dgm:varLst>
+    <dgm:alg type="lin">
+      <dgm:param type="linDir" val="fromT"/>
+      <dgm:param type="nodeHorzAlign" val="l"/>
+    </dgm:alg>
+    <dgm:shape xmlns:r="http://schemas.openxmlformats.org/officeDocument/2006/relationships" r:blip="">
+      <dgm:adjLst/>
+    </dgm:shape>
+    <dgm:presOf/>
+    <dgm:constrLst>
+      <dgm:constr type="h" for="ch" forName="composite" refType="h"/>
+      <dgm:constr type="w" for="ch" forName="composite" refType="w"/>
+      <dgm:constr type="h" for="des" forName="parentText" op="equ"/>
+      <dgm:constr type="h" for="ch" forName="sp" val="-14.88"/>
+      <dgm:constr type="h" for="ch" forName="sp" refType="w" refFor="des" refForName="parentText" op="gte" fact="-0.3"/>
+      <dgm:constr type="primFontSz" for="des" forName="parentText" op="equ" val="65"/>
+      <dgm:constr type="primFontSz" for="des" forName="descendantText" op="equ" val="65"/>
+    </dgm:constrLst>
+    <dgm:ruleLst/>
+    <dgm:forEach name="Name0" axis="ch" ptType="node">
+      <dgm:layoutNode name="composite">
+        <dgm:alg type="composite"/>
+        <dgm:shape xmlns:r="http://schemas.openxmlformats.org/officeDocument/2006/relationships" r:blip="">
+          <dgm:adjLst/>
+        </dgm:shape>
+        <dgm:presOf/>
+        <dgm:choose name="Name1">
+          <dgm:if name="Name2" func="var" arg="dir" op="equ" val="norm">
+            <dgm:constrLst>
+              <dgm:constr type="t" for="ch" forName="parentText"/>
+              <dgm:constr type="l" for="ch" forName="parentText"/>
+              <dgm:constr type="w" for="ch" forName="parentText" refType="w" fact="0.4"/>
+              <dgm:constr type="h" for="ch" forName="parentText" refType="h"/>
+              <dgm:constr type="w" for="ch" forName="parentText" refType="w" op="lte" fact="0.5"/>
+              <dgm:constr type="w" for="ch" forName="parentText" refType="h" refFor="ch" refForName="parentText" op="lte" fact="0.7"/>
+              <dgm:constr type="h" for="ch" forName="parentText" refType="w" refFor="ch" refForName="parentText" op="lte" fact="3"/>
+              <dgm:constr type="l" for="ch" forName="descendantText" refType="w" refFor="ch" refForName="parentText"/>
+              <dgm:constr type="w" for="ch" forName="descendantText" refType="w"/>
+              <dgm:constr type="wOff" for="ch" forName="descendantText" refType="w" refFor="ch" refForName="parentText" fact="-1"/>
+              <dgm:constr type="t" for="ch" forName="descendantText"/>
+              <dgm:constr type="b" for="ch" forName="descendantText" refType="h" refFor="ch" refForName="parentText"/>
+              <dgm:constr type="bOff" for="ch" forName="descendantText" refType="w" refFor="ch" refForName="parentText" fact="-0.5"/>
+            </dgm:constrLst>
+          </dgm:if>
+          <dgm:else name="Name3">
+            <dgm:constrLst>
+              <dgm:constr type="t" for="ch" forName="parentText"/>
+              <dgm:constr type="r" for="ch" forName="parentText" refType="w"/>
+              <dgm:constr type="w" for="ch" forName="parentText" refType="w" fact="0.4"/>
+              <dgm:constr type="h" for="ch" forName="parentText" refType="h"/>
+              <dgm:constr type="w" for="ch" forName="parentText" refType="w" op="lte" fact="0.5"/>
+              <dgm:constr type="w" for="ch" forName="parentText" refType="h" refFor="ch" refForName="parentText" op="lte" fact="0.7"/>
+              <dgm:constr type="h" for="ch" forName="parentText" refType="w" refFor="ch" refForName="parentText" op="lte" fact="3"/>
+              <dgm:constr type="l" for="ch" forName="descendantText"/>
+              <dgm:constr type="w" for="ch" forName="descendantText" refType="w"/>
+              <dgm:constr type="wOff" for="ch" forName="descendantText" refType="w" refFor="ch" refForName="parentText" fact="-1"/>
+              <dgm:constr type="t" for="ch" forName="descendantText"/>
+              <dgm:constr type="b" for="ch" forName="descendantText" refType="h" refFor="ch" refForName="parentText"/>
+              <dgm:constr type="bOff" for="ch" forName="descendantText" refType="w" refFor="ch" refForName="parentText" fact="-0.5"/>
+            </dgm:constrLst>
+          </dgm:else>
+        </dgm:choose>
+        <dgm:ruleLst/>
+        <dgm:layoutNode name="parentText" styleLbl="alignNode1">
+          <dgm:varLst>
+            <dgm:chMax val="1"/>
+            <dgm:bulletEnabled val="1"/>
+          </dgm:varLst>
+          <dgm:alg type="tx"/>
+          <dgm:shape xmlns:r="http://schemas.openxmlformats.org/officeDocument/2006/relationships" rot="90" type="chevron" r:blip="">
+            <dgm:adjLst/>
+          </dgm:shape>
+          <dgm:presOf axis="self" ptType="node"/>
+          <dgm:constrLst>
+            <dgm:constr type="lMarg" refType="primFontSz" fact="0.05"/>
+            <dgm:constr type="rMarg" refType="primFontSz" fact="0.05"/>
+            <dgm:constr type="tMarg" refType="primFontSz" fact="0.05"/>
+            <dgm:constr type="bMarg" refType="primFontSz" fact="0.05"/>
+          </dgm:constrLst>
+          <dgm:ruleLst>
+            <dgm:rule type="h" val="100" fact="NaN" max="NaN"/>
+            <dgm:rule type="primFontSz" val="24" fact="NaN" max="NaN"/>
+            <dgm:rule type="h" val="110" fact="NaN" max="NaN"/>
+            <dgm:rule type="primFontSz" val="18" fact="NaN" max="NaN"/>
+            <dgm:rule type="h" val="INF" fact="NaN" max="NaN"/>
+            <dgm:rule type="primFontSz" val="5" fact="NaN" max="NaN"/>
+          </dgm:ruleLst>
+        </dgm:layoutNode>
+        <dgm:layoutNode name="descendantText" styleLbl="alignAcc1">
+          <dgm:varLst>
+            <dgm:bulletEnabled val="1"/>
+          </dgm:varLst>
+          <dgm:choose name="Name4">
+            <dgm:if name="Name5" func="var" arg="dir" op="equ" val="norm">
+              <dgm:alg type="tx">
+                <dgm:param type="stBulletLvl" val="1"/>
+                <dgm:param type="txAnchorVertCh" val="mid"/>
+              </dgm:alg>
+              <dgm:shape xmlns:r="http://schemas.openxmlformats.org/officeDocument/2006/relationships" rot="90" type="round2SameRect" r:blip="">
+                <dgm:adjLst/>
+              </dgm:shape>
+            </dgm:if>
+            <dgm:else name="Name6">
+              <dgm:alg type="tx">
+                <dgm:param type="stBulletLvl" val="1"/>
+                <dgm:param type="txAnchorVertCh" val="mid"/>
+              </dgm:alg>
+              <dgm:shape xmlns:r="http://schemas.openxmlformats.org/officeDocument/2006/relationships" rot="-90" type="round2SameRect" r:blip="">
+                <dgm:adjLst/>
+              </dgm:shape>
+            </dgm:else>
+          </dgm:choose>
+          <dgm:presOf axis="des" ptType="node"/>
+          <dgm:choose name="Name7">
+            <dgm:if name="Name8" func="var" arg="dir" op="equ" val="norm">
+              <dgm:constrLst>
+                <dgm:constr type="secFontSz" refType="primFontSz"/>
+                <dgm:constr type="tMarg" refType="primFontSz" fact="0.05"/>
+                <dgm:constr type="bMarg" refType="primFontSz" fact="0.05"/>
+                <dgm:constr type="rMarg" refType="primFontSz" fact="0.05"/>
+              </dgm:constrLst>
+            </dgm:if>
+            <dgm:else name="Name9">
+              <dgm:constrLst>
+                <dgm:constr type="secFontSz" refType="primFontSz"/>
+                <dgm:constr type="tMarg" refType="primFontSz" fact="0.05"/>
+                <dgm:constr type="bMarg" refType="primFontSz" fact="0.05"/>
+                <dgm:constr type="lMarg" refType="primFontSz" fact="0.05"/>
+              </dgm:constrLst>
+            </dgm:else>
+          </dgm:choose>
+          <dgm:ruleLst>
+            <dgm:rule type="primFontSz" val="5" fact="NaN" max="NaN"/>
+          </dgm:ruleLst>
+        </dgm:layoutNode>
+      </dgm:layoutNode>
+      <dgm:forEach name="Name10" axis="followSib" ptType="sibTrans" cnt="1">
+        <dgm:layoutNode name="sp">
+          <dgm:alg type="sp"/>
+          <dgm:shape xmlns:r="http://schemas.openxmlformats.org/officeDocument/2006/relationships" r:blip="">
+            <dgm:adjLst/>
+          </dgm:shape>
+          <dgm:presOf axis="self"/>
+          <dgm:constrLst>
+            <dgm:constr type="w" val="1"/>
+            <dgm:constr type="h" val="37.5"/>
+          </dgm:constrLst>
+          <dgm:ruleLst/>
+        </dgm:layoutNode>
+      </dgm:forEach>
+    </dgm:forEach>
+  </dgm:layoutNode>
+</dgm:layoutDef>
+</file>
+
 <file path=ppt/diagrams/quickStyle1.xml><?xml version="1.0" encoding="utf-8"?>
 <dgm:styleDef xmlns:dgm="http://schemas.openxmlformats.org/drawingml/2006/diagram" xmlns:a="http://schemas.openxmlformats.org/drawingml/2006/main" uniqueId="urn:microsoft.com/office/officeart/2005/8/quickstyle/simple3">
   <dgm:title val=""/>
@@ -11858,6 +13525,1040 @@
 </file>
 
 <file path=ppt/diagrams/quickStyle3.xml><?xml version="1.0" encoding="utf-8"?>
+<dgm:styleDef xmlns:dgm="http://schemas.openxmlformats.org/drawingml/2006/diagram" xmlns:a="http://schemas.openxmlformats.org/drawingml/2006/main" uniqueId="urn:microsoft.com/office/officeart/2005/8/quickstyle/simple1">
+  <dgm:title val=""/>
+  <dgm:desc val=""/>
+  <dgm:catLst>
+    <dgm:cat type="simple" pri="10100"/>
+  </dgm:catLst>
+  <dgm:scene3d>
+    <a:camera prst="orthographicFront"/>
+    <a:lightRig rig="threePt" dir="t"/>
+  </dgm:scene3d>
+  <dgm:styleLbl name="node0">
+    <dgm:scene3d>
+      <a:camera prst="orthographicFront"/>
+      <a:lightRig rig="threePt" dir="t"/>
+    </dgm:scene3d>
+    <dgm:sp3d/>
+    <dgm:txPr/>
+    <dgm:style>
+      <a:lnRef idx="2">
+        <a:scrgbClr r="0" g="0" b="0"/>
+      </a:lnRef>
+      <a:fillRef idx="1">
+        <a:scrgbClr r="0" g="0" b="0"/>
+      </a:fillRef>
+      <a:effectRef idx="0">
+        <a:scrgbClr r="0" g="0" b="0"/>
+      </a:effectRef>
+      <a:fontRef idx="minor">
+        <a:schemeClr val="lt1"/>
+      </a:fontRef>
+    </dgm:style>
+  </dgm:styleLbl>
+  <dgm:styleLbl name="lnNode1">
+    <dgm:scene3d>
+      <a:camera prst="orthographicFront"/>
+      <a:lightRig rig="threePt" dir="t"/>
+    </dgm:scene3d>
+    <dgm:sp3d/>
+    <dgm:txPr/>
+    <dgm:style>
+      <a:lnRef idx="2">
+        <a:scrgbClr r="0" g="0" b="0"/>
+      </a:lnRef>
+      <a:fillRef idx="1">
+        <a:scrgbClr r="0" g="0" b="0"/>
+      </a:fillRef>
+      <a:effectRef idx="0">
+        <a:scrgbClr r="0" g="0" b="0"/>
+      </a:effectRef>
+      <a:fontRef idx="minor">
+        <a:schemeClr val="lt1"/>
+      </a:fontRef>
+    </dgm:style>
+  </dgm:styleLbl>
+  <dgm:styleLbl name="vennNode1">
+    <dgm:scene3d>
+      <a:camera prst="orthographicFront"/>
+      <a:lightRig rig="threePt" dir="t"/>
+    </dgm:scene3d>
+    <dgm:sp3d/>
+    <dgm:txPr/>
+    <dgm:style>
+      <a:lnRef idx="2">
+        <a:scrgbClr r="0" g="0" b="0"/>
+      </a:lnRef>
+      <a:fillRef idx="1">
+        <a:scrgbClr r="0" g="0" b="0"/>
+      </a:fillRef>
+      <a:effectRef idx="0">
+        <a:scrgbClr r="0" g="0" b="0"/>
+      </a:effectRef>
+      <a:fontRef idx="minor">
+        <a:schemeClr val="tx1"/>
+      </a:fontRef>
+    </dgm:style>
+  </dgm:styleLbl>
+  <dgm:styleLbl name="alignNode1">
+    <dgm:scene3d>
+      <a:camera prst="orthographicFront"/>
+      <a:lightRig rig="threePt" dir="t"/>
+    </dgm:scene3d>
+    <dgm:sp3d/>
+    <dgm:txPr/>
+    <dgm:style>
+      <a:lnRef idx="2">
+        <a:scrgbClr r="0" g="0" b="0"/>
+      </a:lnRef>
+      <a:fillRef idx="1">
+        <a:scrgbClr r="0" g="0" b="0"/>
+      </a:fillRef>
+      <a:effectRef idx="0">
+        <a:scrgbClr r="0" g="0" b="0"/>
+      </a:effectRef>
+      <a:fontRef idx="minor">
+        <a:schemeClr val="lt1"/>
+      </a:fontRef>
+    </dgm:style>
+  </dgm:styleLbl>
+  <dgm:styleLbl name="node1">
+    <dgm:scene3d>
+      <a:camera prst="orthographicFront"/>
+      <a:lightRig rig="threePt" dir="t"/>
+    </dgm:scene3d>
+    <dgm:sp3d/>
+    <dgm:txPr/>
+    <dgm:style>
+      <a:lnRef idx="2">
+        <a:scrgbClr r="0" g="0" b="0"/>
+      </a:lnRef>
+      <a:fillRef idx="1">
+        <a:scrgbClr r="0" g="0" b="0"/>
+      </a:fillRef>
+      <a:effectRef idx="0">
+        <a:scrgbClr r="0" g="0" b="0"/>
+      </a:effectRef>
+      <a:fontRef idx="minor">
+        <a:schemeClr val="lt1"/>
+      </a:fontRef>
+    </dgm:style>
+  </dgm:styleLbl>
+  <dgm:styleLbl name="node2">
+    <dgm:scene3d>
+      <a:camera prst="orthographicFront"/>
+      <a:lightRig rig="threePt" dir="t"/>
+    </dgm:scene3d>
+    <dgm:sp3d/>
+    <dgm:txPr/>
+    <dgm:style>
+      <a:lnRef idx="2">
+        <a:scrgbClr r="0" g="0" b="0"/>
+      </a:lnRef>
+      <a:fillRef idx="1">
+        <a:scrgbClr r="0" g="0" b="0"/>
+      </a:fillRef>
+      <a:effectRef idx="0">
+        <a:scrgbClr r="0" g="0" b="0"/>
+      </a:effectRef>
+      <a:fontRef idx="minor">
+        <a:schemeClr val="lt1"/>
+      </a:fontRef>
+    </dgm:style>
+  </dgm:styleLbl>
+  <dgm:styleLbl name="node3">
+    <dgm:scene3d>
+      <a:camera prst="orthographicFront"/>
+      <a:lightRig rig="threePt" dir="t"/>
+    </dgm:scene3d>
+    <dgm:sp3d/>
+    <dgm:txPr/>
+    <dgm:style>
+      <a:lnRef idx="2">
+        <a:scrgbClr r="0" g="0" b="0"/>
+      </a:lnRef>
+      <a:fillRef idx="1">
+        <a:scrgbClr r="0" g="0" b="0"/>
+      </a:fillRef>
+      <a:effectRef idx="0">
+        <a:scrgbClr r="0" g="0" b="0"/>
+      </a:effectRef>
+      <a:fontRef idx="minor">
+        <a:schemeClr val="lt1"/>
+      </a:fontRef>
+    </dgm:style>
+  </dgm:styleLbl>
+  <dgm:styleLbl name="node4">
+    <dgm:scene3d>
+      <a:camera prst="orthographicFront"/>
+      <a:lightRig rig="threePt" dir="t"/>
+    </dgm:scene3d>
+    <dgm:sp3d/>
+    <dgm:txPr/>
+    <dgm:style>
+      <a:lnRef idx="2">
+        <a:scrgbClr r="0" g="0" b="0"/>
+      </a:lnRef>
+      <a:fillRef idx="1">
+        <a:scrgbClr r="0" g="0" b="0"/>
+      </a:fillRef>
+      <a:effectRef idx="0">
+        <a:scrgbClr r="0" g="0" b="0"/>
+      </a:effectRef>
+      <a:fontRef idx="minor">
+        <a:schemeClr val="lt1"/>
+      </a:fontRef>
+    </dgm:style>
+  </dgm:styleLbl>
+  <dgm:styleLbl name="fgImgPlace1">
+    <dgm:scene3d>
+      <a:camera prst="orthographicFront"/>
+      <a:lightRig rig="threePt" dir="t"/>
+    </dgm:scene3d>
+    <dgm:sp3d/>
+    <dgm:txPr/>
+    <dgm:style>
+      <a:lnRef idx="2">
+        <a:scrgbClr r="0" g="0" b="0"/>
+      </a:lnRef>
+      <a:fillRef idx="1">
+        <a:scrgbClr r="0" g="0" b="0"/>
+      </a:fillRef>
+      <a:effectRef idx="0">
+        <a:scrgbClr r="0" g="0" b="0"/>
+      </a:effectRef>
+      <a:fontRef idx="minor"/>
+    </dgm:style>
+  </dgm:styleLbl>
+  <dgm:styleLbl name="alignImgPlace1">
+    <dgm:scene3d>
+      <a:camera prst="orthographicFront"/>
+      <a:lightRig rig="threePt" dir="t"/>
+    </dgm:scene3d>
+    <dgm:sp3d/>
+    <dgm:txPr/>
+    <dgm:style>
+      <a:lnRef idx="2">
+        <a:scrgbClr r="0" g="0" b="0"/>
+      </a:lnRef>
+      <a:fillRef idx="1">
+        <a:scrgbClr r="0" g="0" b="0"/>
+      </a:fillRef>
+      <a:effectRef idx="0">
+        <a:scrgbClr r="0" g="0" b="0"/>
+      </a:effectRef>
+      <a:fontRef idx="minor"/>
+    </dgm:style>
+  </dgm:styleLbl>
+  <dgm:styleLbl name="bgImgPlace1">
+    <dgm:scene3d>
+      <a:camera prst="orthographicFront"/>
+      <a:lightRig rig="threePt" dir="t"/>
+    </dgm:scene3d>
+    <dgm:sp3d/>
+    <dgm:txPr/>
+    <dgm:style>
+      <a:lnRef idx="2">
+        <a:scrgbClr r="0" g="0" b="0"/>
+      </a:lnRef>
+      <a:fillRef idx="1">
+        <a:scrgbClr r="0" g="0" b="0"/>
+      </a:fillRef>
+      <a:effectRef idx="0">
+        <a:scrgbClr r="0" g="0" b="0"/>
+      </a:effectRef>
+      <a:fontRef idx="minor"/>
+    </dgm:style>
+  </dgm:styleLbl>
+  <dgm:styleLbl name="sibTrans2D1">
+    <dgm:scene3d>
+      <a:camera prst="orthographicFront"/>
+      <a:lightRig rig="threePt" dir="t"/>
+    </dgm:scene3d>
+    <dgm:sp3d/>
+    <dgm:txPr/>
+    <dgm:style>
+      <a:lnRef idx="0">
+        <a:scrgbClr r="0" g="0" b="0"/>
+      </a:lnRef>
+      <a:fillRef idx="1">
+        <a:scrgbClr r="0" g="0" b="0"/>
+      </a:fillRef>
+      <a:effectRef idx="0">
+        <a:scrgbClr r="0" g="0" b="0"/>
+      </a:effectRef>
+      <a:fontRef idx="minor">
+        <a:schemeClr val="lt1"/>
+      </a:fontRef>
+    </dgm:style>
+  </dgm:styleLbl>
+  <dgm:styleLbl name="fgSibTrans2D1">
+    <dgm:scene3d>
+      <a:camera prst="orthographicFront"/>
+      <a:lightRig rig="threePt" dir="t"/>
+    </dgm:scene3d>
+    <dgm:sp3d/>
+    <dgm:txPr/>
+    <dgm:style>
+      <a:lnRef idx="0">
+        <a:scrgbClr r="0" g="0" b="0"/>
+      </a:lnRef>
+      <a:fillRef idx="1">
+        <a:scrgbClr r="0" g="0" b="0"/>
+      </a:fillRef>
+      <a:effectRef idx="0">
+        <a:scrgbClr r="0" g="0" b="0"/>
+      </a:effectRef>
+      <a:fontRef idx="minor">
+        <a:schemeClr val="lt1"/>
+      </a:fontRef>
+    </dgm:style>
+  </dgm:styleLbl>
+  <dgm:styleLbl name="bgSibTrans2D1">
+    <dgm:scene3d>
+      <a:camera prst="orthographicFront"/>
+      <a:lightRig rig="threePt" dir="t"/>
+    </dgm:scene3d>
+    <dgm:sp3d/>
+    <dgm:txPr/>
+    <dgm:style>
+      <a:lnRef idx="0">
+        <a:scrgbClr r="0" g="0" b="0"/>
+      </a:lnRef>
+      <a:fillRef idx="1">
+        <a:scrgbClr r="0" g="0" b="0"/>
+      </a:fillRef>
+      <a:effectRef idx="0">
+        <a:scrgbClr r="0" g="0" b="0"/>
+      </a:effectRef>
+      <a:fontRef idx="minor">
+        <a:schemeClr val="lt1"/>
+      </a:fontRef>
+    </dgm:style>
+  </dgm:styleLbl>
+  <dgm:styleLbl name="sibTrans1D1">
+    <dgm:scene3d>
+      <a:camera prst="orthographicFront"/>
+      <a:lightRig rig="threePt" dir="t"/>
+    </dgm:scene3d>
+    <dgm:sp3d/>
+    <dgm:txPr/>
+    <dgm:style>
+      <a:lnRef idx="1">
+        <a:scrgbClr r="0" g="0" b="0"/>
+      </a:lnRef>
+      <a:fillRef idx="0">
+        <a:scrgbClr r="0" g="0" b="0"/>
+      </a:fillRef>
+      <a:effectRef idx="0">
+        <a:scrgbClr r="0" g="0" b="0"/>
+      </a:effectRef>
+      <a:fontRef idx="minor"/>
+    </dgm:style>
+  </dgm:styleLbl>
+  <dgm:styleLbl name="callout">
+    <dgm:scene3d>
+      <a:camera prst="orthographicFront"/>
+      <a:lightRig rig="threePt" dir="t"/>
+    </dgm:scene3d>
+    <dgm:sp3d/>
+    <dgm:txPr/>
+    <dgm:style>
+      <a:lnRef idx="2">
+        <a:scrgbClr r="0" g="0" b="0"/>
+      </a:lnRef>
+      <a:fillRef idx="1">
+        <a:scrgbClr r="0" g="0" b="0"/>
+      </a:fillRef>
+      <a:effectRef idx="0">
+        <a:scrgbClr r="0" g="0" b="0"/>
+      </a:effectRef>
+      <a:fontRef idx="minor"/>
+    </dgm:style>
+  </dgm:styleLbl>
+  <dgm:styleLbl name="asst0">
+    <dgm:scene3d>
+      <a:camera prst="orthographicFront"/>
+      <a:lightRig rig="threePt" dir="t"/>
+    </dgm:scene3d>
+    <dgm:sp3d/>
+    <dgm:txPr/>
+    <dgm:style>
+      <a:lnRef idx="2">
+        <a:scrgbClr r="0" g="0" b="0"/>
+      </a:lnRef>
+      <a:fillRef idx="1">
+        <a:scrgbClr r="0" g="0" b="0"/>
+      </a:fillRef>
+      <a:effectRef idx="0">
+        <a:scrgbClr r="0" g="0" b="0"/>
+      </a:effectRef>
+      <a:fontRef idx="minor">
+        <a:schemeClr val="lt1"/>
+      </a:fontRef>
+    </dgm:style>
+  </dgm:styleLbl>
+  <dgm:styleLbl name="asst1">
+    <dgm:scene3d>
+      <a:camera prst="orthographicFront"/>
+      <a:lightRig rig="threePt" dir="t"/>
+    </dgm:scene3d>
+    <dgm:sp3d/>
+    <dgm:txPr/>
+    <dgm:style>
+      <a:lnRef idx="2">
+        <a:scrgbClr r="0" g="0" b="0"/>
+      </a:lnRef>
+      <a:fillRef idx="1">
+        <a:scrgbClr r="0" g="0" b="0"/>
+      </a:fillRef>
+      <a:effectRef idx="0">
+        <a:scrgbClr r="0" g="0" b="0"/>
+      </a:effectRef>
+      <a:fontRef idx="minor">
+        <a:schemeClr val="lt1"/>
+      </a:fontRef>
+    </dgm:style>
+  </dgm:styleLbl>
+  <dgm:styleLbl name="asst2">
+    <dgm:scene3d>
+      <a:camera prst="orthographicFront"/>
+      <a:lightRig rig="threePt" dir="t"/>
+    </dgm:scene3d>
+    <dgm:sp3d/>
+    <dgm:txPr/>
+    <dgm:style>
+      <a:lnRef idx="2">
+        <a:scrgbClr r="0" g="0" b="0"/>
+      </a:lnRef>
+      <a:fillRef idx="1">
+        <a:scrgbClr r="0" g="0" b="0"/>
+      </a:fillRef>
+      <a:effectRef idx="0">
+        <a:scrgbClr r="0" g="0" b="0"/>
+      </a:effectRef>
+      <a:fontRef idx="minor">
+        <a:schemeClr val="lt1"/>
+      </a:fontRef>
+    </dgm:style>
+  </dgm:styleLbl>
+  <dgm:styleLbl name="asst3">
+    <dgm:scene3d>
+      <a:camera prst="orthographicFront"/>
+      <a:lightRig rig="threePt" dir="t"/>
+    </dgm:scene3d>
+    <dgm:sp3d/>
+    <dgm:txPr/>
+    <dgm:style>
+      <a:lnRef idx="2">
+        <a:scrgbClr r="0" g="0" b="0"/>
+      </a:lnRef>
+      <a:fillRef idx="1">
+        <a:scrgbClr r="0" g="0" b="0"/>
+      </a:fillRef>
+      <a:effectRef idx="0">
+        <a:scrgbClr r="0" g="0" b="0"/>
+      </a:effectRef>
+      <a:fontRef idx="minor">
+        <a:schemeClr val="lt1"/>
+      </a:fontRef>
+    </dgm:style>
+  </dgm:styleLbl>
+  <dgm:styleLbl name="asst4">
+    <dgm:scene3d>
+      <a:camera prst="orthographicFront"/>
+      <a:lightRig rig="threePt" dir="t"/>
+    </dgm:scene3d>
+    <dgm:sp3d/>
+    <dgm:txPr/>
+    <dgm:style>
+      <a:lnRef idx="2">
+        <a:scrgbClr r="0" g="0" b="0"/>
+      </a:lnRef>
+      <a:fillRef idx="1">
+        <a:scrgbClr r="0" g="0" b="0"/>
+      </a:fillRef>
+      <a:effectRef idx="0">
+        <a:scrgbClr r="0" g="0" b="0"/>
+      </a:effectRef>
+      <a:fontRef idx="minor">
+        <a:schemeClr val="lt1"/>
+      </a:fontRef>
+    </dgm:style>
+  </dgm:styleLbl>
+  <dgm:styleLbl name="parChTrans2D1">
+    <dgm:scene3d>
+      <a:camera prst="orthographicFront"/>
+      <a:lightRig rig="threePt" dir="t"/>
+    </dgm:scene3d>
+    <dgm:sp3d/>
+    <dgm:txPr/>
+    <dgm:style>
+      <a:lnRef idx="2">
+        <a:scrgbClr r="0" g="0" b="0"/>
+      </a:lnRef>
+      <a:fillRef idx="1">
+        <a:scrgbClr r="0" g="0" b="0"/>
+      </a:fillRef>
+      <a:effectRef idx="0">
+        <a:scrgbClr r="0" g="0" b="0"/>
+      </a:effectRef>
+      <a:fontRef idx="minor">
+        <a:schemeClr val="lt1"/>
+      </a:fontRef>
+    </dgm:style>
+  </dgm:styleLbl>
+  <dgm:styleLbl name="parChTrans2D2">
+    <dgm:scene3d>
+      <a:camera prst="orthographicFront"/>
+      <a:lightRig rig="threePt" dir="t"/>
+    </dgm:scene3d>
+    <dgm:sp3d/>
+    <dgm:txPr/>
+    <dgm:style>
+      <a:lnRef idx="2">
+        <a:scrgbClr r="0" g="0" b="0"/>
+      </a:lnRef>
+      <a:fillRef idx="1">
+        <a:scrgbClr r="0" g="0" b="0"/>
+      </a:fillRef>
+      <a:effectRef idx="0">
+        <a:scrgbClr r="0" g="0" b="0"/>
+      </a:effectRef>
+      <a:fontRef idx="minor">
+        <a:schemeClr val="lt1"/>
+      </a:fontRef>
+    </dgm:style>
+  </dgm:styleLbl>
+  <dgm:styleLbl name="parChTrans2D3">
+    <dgm:scene3d>
+      <a:camera prst="orthographicFront"/>
+      <a:lightRig rig="threePt" dir="t"/>
+    </dgm:scene3d>
+    <dgm:sp3d/>
+    <dgm:txPr/>
+    <dgm:style>
+      <a:lnRef idx="2">
+        <a:scrgbClr r="0" g="0" b="0"/>
+      </a:lnRef>
+      <a:fillRef idx="1">
+        <a:scrgbClr r="0" g="0" b="0"/>
+      </a:fillRef>
+      <a:effectRef idx="0">
+        <a:scrgbClr r="0" g="0" b="0"/>
+      </a:effectRef>
+      <a:fontRef idx="minor">
+        <a:schemeClr val="lt1"/>
+      </a:fontRef>
+    </dgm:style>
+  </dgm:styleLbl>
+  <dgm:styleLbl name="parChTrans2D4">
+    <dgm:scene3d>
+      <a:camera prst="orthographicFront"/>
+      <a:lightRig rig="threePt" dir="t"/>
+    </dgm:scene3d>
+    <dgm:sp3d/>
+    <dgm:txPr/>
+    <dgm:style>
+      <a:lnRef idx="2">
+        <a:scrgbClr r="0" g="0" b="0"/>
+      </a:lnRef>
+      <a:fillRef idx="1">
+        <a:scrgbClr r="0" g="0" b="0"/>
+      </a:fillRef>
+      <a:effectRef idx="0">
+        <a:scrgbClr r="0" g="0" b="0"/>
+      </a:effectRef>
+      <a:fontRef idx="minor">
+        <a:schemeClr val="lt1"/>
+      </a:fontRef>
+    </dgm:style>
+  </dgm:styleLbl>
+  <dgm:styleLbl name="parChTrans1D1">
+    <dgm:scene3d>
+      <a:camera prst="orthographicFront"/>
+      <a:lightRig rig="threePt" dir="t"/>
+    </dgm:scene3d>
+    <dgm:sp3d/>
+    <dgm:txPr/>
+    <dgm:style>
+      <a:lnRef idx="2">
+        <a:scrgbClr r="0" g="0" b="0"/>
+      </a:lnRef>
+      <a:fillRef idx="0">
+        <a:scrgbClr r="0" g="0" b="0"/>
+      </a:fillRef>
+      <a:effectRef idx="0">
+        <a:scrgbClr r="0" g="0" b="0"/>
+      </a:effectRef>
+      <a:fontRef idx="minor"/>
+    </dgm:style>
+  </dgm:styleLbl>
+  <dgm:styleLbl name="parChTrans1D2">
+    <dgm:scene3d>
+      <a:camera prst="orthographicFront"/>
+      <a:lightRig rig="threePt" dir="t"/>
+    </dgm:scene3d>
+    <dgm:sp3d/>
+    <dgm:txPr/>
+    <dgm:style>
+      <a:lnRef idx="2">
+        <a:scrgbClr r="0" g="0" b="0"/>
+      </a:lnRef>
+      <a:fillRef idx="0">
+        <a:scrgbClr r="0" g="0" b="0"/>
+      </a:fillRef>
+      <a:effectRef idx="0">
+        <a:scrgbClr r="0" g="0" b="0"/>
+      </a:effectRef>
+      <a:fontRef idx="minor"/>
+    </dgm:style>
+  </dgm:styleLbl>
+  <dgm:styleLbl name="parChTrans1D3">
+    <dgm:scene3d>
+      <a:camera prst="orthographicFront"/>
+      <a:lightRig rig="threePt" dir="t"/>
+    </dgm:scene3d>
+    <dgm:sp3d/>
+    <dgm:txPr/>
+    <dgm:style>
+      <a:lnRef idx="2">
+        <a:scrgbClr r="0" g="0" b="0"/>
+      </a:lnRef>
+      <a:fillRef idx="0">
+        <a:scrgbClr r="0" g="0" b="0"/>
+      </a:fillRef>
+      <a:effectRef idx="0">
+        <a:scrgbClr r="0" g="0" b="0"/>
+      </a:effectRef>
+      <a:fontRef idx="minor"/>
+    </dgm:style>
+  </dgm:styleLbl>
+  <dgm:styleLbl name="parChTrans1D4">
+    <dgm:scene3d>
+      <a:camera prst="orthographicFront"/>
+      <a:lightRig rig="threePt" dir="t"/>
+    </dgm:scene3d>
+    <dgm:sp3d/>
+    <dgm:txPr/>
+    <dgm:style>
+      <a:lnRef idx="2">
+        <a:scrgbClr r="0" g="0" b="0"/>
+      </a:lnRef>
+      <a:fillRef idx="0">
+        <a:scrgbClr r="0" g="0" b="0"/>
+      </a:fillRef>
+      <a:effectRef idx="0">
+        <a:scrgbClr r="0" g="0" b="0"/>
+      </a:effectRef>
+      <a:fontRef idx="minor"/>
+    </dgm:style>
+  </dgm:styleLbl>
+  <dgm:styleLbl name="fgAcc1">
+    <dgm:scene3d>
+      <a:camera prst="orthographicFront"/>
+      <a:lightRig rig="threePt" dir="t"/>
+    </dgm:scene3d>
+    <dgm:sp3d/>
+    <dgm:txPr/>
+    <dgm:style>
+      <a:lnRef idx="2">
+        <a:scrgbClr r="0" g="0" b="0"/>
+      </a:lnRef>
+      <a:fillRef idx="1">
+        <a:scrgbClr r="0" g="0" b="0"/>
+      </a:fillRef>
+      <a:effectRef idx="0">
+        <a:scrgbClr r="0" g="0" b="0"/>
+      </a:effectRef>
+      <a:fontRef idx="minor"/>
+    </dgm:style>
+  </dgm:styleLbl>
+  <dgm:styleLbl name="conFgAcc1">
+    <dgm:scene3d>
+      <a:camera prst="orthographicFront"/>
+      <a:lightRig rig="threePt" dir="t"/>
+    </dgm:scene3d>
+    <dgm:sp3d/>
+    <dgm:txPr/>
+    <dgm:style>
+      <a:lnRef idx="2">
+        <a:scrgbClr r="0" g="0" b="0"/>
+      </a:lnRef>
+      <a:fillRef idx="1">
+        <a:scrgbClr r="0" g="0" b="0"/>
+      </a:fillRef>
+      <a:effectRef idx="0">
+        <a:scrgbClr r="0" g="0" b="0"/>
+      </a:effectRef>
+      <a:fontRef idx="minor"/>
+    </dgm:style>
+  </dgm:styleLbl>
+  <dgm:styleLbl name="alignAcc1">
+    <dgm:scene3d>
+      <a:camera prst="orthographicFront"/>
+      <a:lightRig rig="threePt" dir="t"/>
+    </dgm:scene3d>
+    <dgm:sp3d/>
+    <dgm:txPr/>
+    <dgm:style>
+      <a:lnRef idx="2">
+        <a:scrgbClr r="0" g="0" b="0"/>
+      </a:lnRef>
+      <a:fillRef idx="1">
+        <a:scrgbClr r="0" g="0" b="0"/>
+      </a:fillRef>
+      <a:effectRef idx="0">
+        <a:scrgbClr r="0" g="0" b="0"/>
+      </a:effectRef>
+      <a:fontRef idx="minor"/>
+    </dgm:style>
+  </dgm:styleLbl>
+  <dgm:styleLbl name="trAlignAcc1">
+    <dgm:scene3d>
+      <a:camera prst="orthographicFront"/>
+      <a:lightRig rig="threePt" dir="t"/>
+    </dgm:scene3d>
+    <dgm:sp3d/>
+    <dgm:txPr/>
+    <dgm:style>
+      <a:lnRef idx="1">
+        <a:scrgbClr r="0" g="0" b="0"/>
+      </a:lnRef>
+      <a:fillRef idx="1">
+        <a:scrgbClr r="0" g="0" b="0"/>
+      </a:fillRef>
+      <a:effectRef idx="0">
+        <a:scrgbClr r="0" g="0" b="0"/>
+      </a:effectRef>
+      <a:fontRef idx="minor"/>
+    </dgm:style>
+  </dgm:styleLbl>
+  <dgm:styleLbl name="bgAcc1">
+    <dgm:scene3d>
+      <a:camera prst="orthographicFront"/>
+      <a:lightRig rig="threePt" dir="t"/>
+    </dgm:scene3d>
+    <dgm:sp3d/>
+    <dgm:txPr/>
+    <dgm:style>
+      <a:lnRef idx="2">
+        <a:scrgbClr r="0" g="0" b="0"/>
+      </a:lnRef>
+      <a:fillRef idx="1">
+        <a:scrgbClr r="0" g="0" b="0"/>
+      </a:fillRef>
+      <a:effectRef idx="0">
+        <a:scrgbClr r="0" g="0" b="0"/>
+      </a:effectRef>
+      <a:fontRef idx="minor"/>
+    </dgm:style>
+  </dgm:styleLbl>
+  <dgm:styleLbl name="solidFgAcc1">
+    <dgm:scene3d>
+      <a:camera prst="orthographicFront"/>
+      <a:lightRig rig="threePt" dir="t"/>
+    </dgm:scene3d>
+    <dgm:sp3d/>
+    <dgm:txPr/>
+    <dgm:style>
+      <a:lnRef idx="2">
+        <a:scrgbClr r="0" g="0" b="0"/>
+      </a:lnRef>
+      <a:fillRef idx="1">
+        <a:scrgbClr r="0" g="0" b="0"/>
+      </a:fillRef>
+      <a:effectRef idx="0">
+        <a:scrgbClr r="0" g="0" b="0"/>
+      </a:effectRef>
+      <a:fontRef idx="minor"/>
+    </dgm:style>
+  </dgm:styleLbl>
+  <dgm:styleLbl name="solidAlignAcc1">
+    <dgm:scene3d>
+      <a:camera prst="orthographicFront"/>
+      <a:lightRig rig="threePt" dir="t"/>
+    </dgm:scene3d>
+    <dgm:sp3d/>
+    <dgm:txPr/>
+    <dgm:style>
+      <a:lnRef idx="2">
+        <a:scrgbClr r="0" g="0" b="0"/>
+      </a:lnRef>
+      <a:fillRef idx="1">
+        <a:scrgbClr r="0" g="0" b="0"/>
+      </a:fillRef>
+      <a:effectRef idx="0">
+        <a:scrgbClr r="0" g="0" b="0"/>
+      </a:effectRef>
+      <a:fontRef idx="minor"/>
+    </dgm:style>
+  </dgm:styleLbl>
+  <dgm:styleLbl name="solidBgAcc1">
+    <dgm:scene3d>
+      <a:camera prst="orthographicFront"/>
+      <a:lightRig rig="threePt" dir="t"/>
+    </dgm:scene3d>
+    <dgm:sp3d/>
+    <dgm:txPr/>
+    <dgm:style>
+      <a:lnRef idx="2">
+        <a:scrgbClr r="0" g="0" b="0"/>
+      </a:lnRef>
+      <a:fillRef idx="1">
+        <a:scrgbClr r="0" g="0" b="0"/>
+      </a:fillRef>
+      <a:effectRef idx="0">
+        <a:scrgbClr r="0" g="0" b="0"/>
+      </a:effectRef>
+      <a:fontRef idx="minor"/>
+    </dgm:style>
+  </dgm:styleLbl>
+  <dgm:styleLbl name="fgAccFollowNode1">
+    <dgm:scene3d>
+      <a:camera prst="orthographicFront"/>
+      <a:lightRig rig="threePt" dir="t"/>
+    </dgm:scene3d>
+    <dgm:sp3d/>
+    <dgm:txPr/>
+    <dgm:style>
+      <a:lnRef idx="2">
+        <a:scrgbClr r="0" g="0" b="0"/>
+      </a:lnRef>
+      <a:fillRef idx="1">
+        <a:scrgbClr r="0" g="0" b="0"/>
+      </a:fillRef>
+      <a:effectRef idx="0">
+        <a:scrgbClr r="0" g="0" b="0"/>
+      </a:effectRef>
+      <a:fontRef idx="minor"/>
+    </dgm:style>
+  </dgm:styleLbl>
+  <dgm:styleLbl name="alignAccFollowNode1">
+    <dgm:scene3d>
+      <a:camera prst="orthographicFront"/>
+      <a:lightRig rig="threePt" dir="t"/>
+    </dgm:scene3d>
+    <dgm:sp3d/>
+    <dgm:txPr/>
+    <dgm:style>
+      <a:lnRef idx="2">
+        <a:scrgbClr r="0" g="0" b="0"/>
+      </a:lnRef>
+      <a:fillRef idx="1">
+        <a:scrgbClr r="0" g="0" b="0"/>
+      </a:fillRef>
+      <a:effectRef idx="0">
+        <a:scrgbClr r="0" g="0" b="0"/>
+      </a:effectRef>
+      <a:fontRef idx="minor"/>
+    </dgm:style>
+  </dgm:styleLbl>
+  <dgm:styleLbl name="bgAccFollowNode1">
+    <dgm:scene3d>
+      <a:camera prst="orthographicFront"/>
+      <a:lightRig rig="threePt" dir="t"/>
+    </dgm:scene3d>
+    <dgm:sp3d/>
+    <dgm:txPr/>
+    <dgm:style>
+      <a:lnRef idx="2">
+        <a:scrgbClr r="0" g="0" b="0"/>
+      </a:lnRef>
+      <a:fillRef idx="1">
+        <a:scrgbClr r="0" g="0" b="0"/>
+      </a:fillRef>
+      <a:effectRef idx="0">
+        <a:scrgbClr r="0" g="0" b="0"/>
+      </a:effectRef>
+      <a:fontRef idx="minor"/>
+    </dgm:style>
+  </dgm:styleLbl>
+  <dgm:styleLbl name="fgAcc0">
+    <dgm:scene3d>
+      <a:camera prst="orthographicFront"/>
+      <a:lightRig rig="threePt" dir="t"/>
+    </dgm:scene3d>
+    <dgm:sp3d/>
+    <dgm:txPr/>
+    <dgm:style>
+      <a:lnRef idx="2">
+        <a:scrgbClr r="0" g="0" b="0"/>
+      </a:lnRef>
+      <a:fillRef idx="1">
+        <a:scrgbClr r="0" g="0" b="0"/>
+      </a:fillRef>
+      <a:effectRef idx="0">
+        <a:scrgbClr r="0" g="0" b="0"/>
+      </a:effectRef>
+      <a:fontRef idx="minor"/>
+    </dgm:style>
+  </dgm:styleLbl>
+  <dgm:styleLbl name="fgAcc2">
+    <dgm:scene3d>
+      <a:camera prst="orthographicFront"/>
+      <a:lightRig rig="threePt" dir="t"/>
+    </dgm:scene3d>
+    <dgm:sp3d/>
+    <dgm:txPr/>
+    <dgm:style>
+      <a:lnRef idx="2">
+        <a:scrgbClr r="0" g="0" b="0"/>
+      </a:lnRef>
+      <a:fillRef idx="1">
+        <a:scrgbClr r="0" g="0" b="0"/>
+      </a:fillRef>
+      <a:effectRef idx="0">
+        <a:scrgbClr r="0" g="0" b="0"/>
+      </a:effectRef>
+      <a:fontRef idx="minor"/>
+    </dgm:style>
+  </dgm:styleLbl>
+  <dgm:styleLbl name="fgAcc3">
+    <dgm:scene3d>
+      <a:camera prst="orthographicFront"/>
+      <a:lightRig rig="threePt" dir="t"/>
+    </dgm:scene3d>
+    <dgm:sp3d/>
+    <dgm:txPr/>
+    <dgm:style>
+      <a:lnRef idx="2">
+        <a:scrgbClr r="0" g="0" b="0"/>
+      </a:lnRef>
+      <a:fillRef idx="1">
+        <a:scrgbClr r="0" g="0" b="0"/>
+      </a:fillRef>
+      <a:effectRef idx="0">
+        <a:scrgbClr r="0" g="0" b="0"/>
+      </a:effectRef>
+      <a:fontRef idx="minor"/>
+    </dgm:style>
+  </dgm:styleLbl>
+  <dgm:styleLbl name="fgAcc4">
+    <dgm:scene3d>
+      <a:camera prst="orthographicFront"/>
+      <a:lightRig rig="threePt" dir="t"/>
+    </dgm:scene3d>
+    <dgm:sp3d/>
+    <dgm:txPr/>
+    <dgm:style>
+      <a:lnRef idx="2">
+        <a:scrgbClr r="0" g="0" b="0"/>
+      </a:lnRef>
+      <a:fillRef idx="1">
+        <a:scrgbClr r="0" g="0" b="0"/>
+      </a:fillRef>
+      <a:effectRef idx="0">
+        <a:scrgbClr r="0" g="0" b="0"/>
+      </a:effectRef>
+      <a:fontRef idx="minor"/>
+    </dgm:style>
+  </dgm:styleLbl>
+  <dgm:styleLbl name="bgShp">
+    <dgm:scene3d>
+      <a:camera prst="orthographicFront"/>
+      <a:lightRig rig="threePt" dir="t"/>
+    </dgm:scene3d>
+    <dgm:sp3d/>
+    <dgm:txPr/>
+    <dgm:style>
+      <a:lnRef idx="0">
+        <a:scrgbClr r="0" g="0" b="0"/>
+      </a:lnRef>
+      <a:fillRef idx="1">
+        <a:scrgbClr r="0" g="0" b="0"/>
+      </a:fillRef>
+      <a:effectRef idx="0">
+        <a:scrgbClr r="0" g="0" b="0"/>
+      </a:effectRef>
+      <a:fontRef idx="minor"/>
+    </dgm:style>
+  </dgm:styleLbl>
+  <dgm:styleLbl name="dkBgShp">
+    <dgm:scene3d>
+      <a:camera prst="orthographicFront"/>
+      <a:lightRig rig="threePt" dir="t"/>
+    </dgm:scene3d>
+    <dgm:sp3d/>
+    <dgm:txPr/>
+    <dgm:style>
+      <a:lnRef idx="0">
+        <a:scrgbClr r="0" g="0" b="0"/>
+      </a:lnRef>
+      <a:fillRef idx="1">
+        <a:scrgbClr r="0" g="0" b="0"/>
+      </a:fillRef>
+      <a:effectRef idx="0">
+        <a:scrgbClr r="0" g="0" b="0"/>
+      </a:effectRef>
+      <a:fontRef idx="minor"/>
+    </dgm:style>
+  </dgm:styleLbl>
+  <dgm:styleLbl name="trBgShp">
+    <dgm:scene3d>
+      <a:camera prst="orthographicFront"/>
+      <a:lightRig rig="threePt" dir="t"/>
+    </dgm:scene3d>
+    <dgm:sp3d/>
+    <dgm:txPr/>
+    <dgm:style>
+      <a:lnRef idx="0">
+        <a:scrgbClr r="0" g="0" b="0"/>
+      </a:lnRef>
+      <a:fillRef idx="1">
+        <a:scrgbClr r="0" g="0" b="0"/>
+      </a:fillRef>
+      <a:effectRef idx="0">
+        <a:scrgbClr r="0" g="0" b="0"/>
+      </a:effectRef>
+      <a:fontRef idx="minor"/>
+    </dgm:style>
+  </dgm:styleLbl>
+  <dgm:styleLbl name="fgShp">
+    <dgm:scene3d>
+      <a:camera prst="orthographicFront"/>
+      <a:lightRig rig="threePt" dir="t"/>
+    </dgm:scene3d>
+    <dgm:sp3d/>
+    <dgm:txPr/>
+    <dgm:style>
+      <a:lnRef idx="2">
+        <a:scrgbClr r="0" g="0" b="0"/>
+      </a:lnRef>
+      <a:fillRef idx="1">
+        <a:scrgbClr r="0" g="0" b="0"/>
+      </a:fillRef>
+      <a:effectRef idx="0">
+        <a:scrgbClr r="0" g="0" b="0"/>
+      </a:effectRef>
+      <a:fontRef idx="minor"/>
+    </dgm:style>
+  </dgm:styleLbl>
+  <dgm:styleLbl name="revTx">
+    <dgm:scene3d>
+      <a:camera prst="orthographicFront"/>
+      <a:lightRig rig="threePt" dir="t"/>
+    </dgm:scene3d>
+    <dgm:sp3d/>
+    <dgm:txPr/>
+    <dgm:style>
+      <a:lnRef idx="0">
+        <a:scrgbClr r="0" g="0" b="0"/>
+      </a:lnRef>
+      <a:fillRef idx="0">
+        <a:scrgbClr r="0" g="0" b="0"/>
+      </a:fillRef>
+      <a:effectRef idx="0">
+        <a:scrgbClr r="0" g="0" b="0"/>
+      </a:effectRef>
+      <a:fontRef idx="minor"/>
+    </dgm:style>
+  </dgm:styleLbl>
+</dgm:styleDef>
+</file>
+
+<file path=ppt/diagrams/quickStyle4.xml><?xml version="1.0" encoding="utf-8"?>
 <dgm:styleDef xmlns:dgm="http://schemas.openxmlformats.org/drawingml/2006/diagram" xmlns:a="http://schemas.openxmlformats.org/drawingml/2006/main" uniqueId="urn:microsoft.com/office/officeart/2005/8/quickstyle/simple1">
   <dgm:title val=""/>
   <dgm:desc val=""/>
@@ -26442,7 +29143,7 @@
       </p:sp>
       <p:sp>
         <p:nvSpPr>
-          <p:cNvPr id="15" name="9 Marcador de contenido"/>
+          <p:cNvPr id="30" name="9 Marcador de contenido"/>
           <p:cNvSpPr>
             <a:spLocks noGrp="1"/>
           </p:cNvSpPr>
@@ -26549,7 +29250,7 @@
       </p:sp>
       <p:pic>
         <p:nvPicPr>
-          <p:cNvPr id="193539" name="Picture 3"/>
+          <p:cNvPr id="31" name="Picture 3"/>
           <p:cNvPicPr>
             <a:picLocks noChangeAspect="1" noChangeArrowheads="1"/>
           </p:cNvPicPr>
@@ -26613,6 +29314,38 @@
       </p:grpSpPr>
       <p:pic>
         <p:nvPicPr>
+          <p:cNvPr id="206850" name="Picture 2"/>
+          <p:cNvPicPr>
+            <a:picLocks noChangeAspect="1" noChangeArrowheads="1"/>
+          </p:cNvPicPr>
+          <p:nvPr/>
+        </p:nvPicPr>
+        <p:blipFill>
+          <a:blip r:embed="rId3" cstate="print"/>
+          <a:srcRect/>
+          <a:stretch>
+            <a:fillRect/>
+          </a:stretch>
+        </p:blipFill>
+        <p:spPr bwMode="auto">
+          <a:xfrm>
+            <a:off x="467544" y="1072852"/>
+            <a:ext cx="8296275" cy="5524500"/>
+          </a:xfrm>
+          <a:prstGeom prst="rect">
+            <a:avLst/>
+          </a:prstGeom>
+          <a:noFill/>
+          <a:ln w="9525">
+            <a:noFill/>
+            <a:miter lim="800000"/>
+            <a:headEnd/>
+            <a:tailEnd/>
+          </a:ln>
+        </p:spPr>
+      </p:pic>
+      <p:pic>
+        <p:nvPicPr>
           <p:cNvPr id="1026" name="Picture 2" descr="C:\Users\Erik\Desktop\mapamundi blank.png"/>
           <p:cNvPicPr>
             <a:picLocks noChangeAspect="1" noChangeArrowheads="1"/>
@@ -26620,7 +29353,7 @@
           <p:nvPr/>
         </p:nvPicPr>
         <p:blipFill>
-          <a:blip r:embed="rId3" cstate="print"/>
+          <a:blip r:embed="rId4" cstate="print"/>
           <a:srcRect/>
           <a:stretch>
             <a:fillRect/>
@@ -26646,7 +29379,7 @@
           <p:nvPr/>
         </p:nvPicPr>
         <p:blipFill>
-          <a:blip r:embed="rId4" cstate="print"/>
+          <a:blip r:embed="rId5" cstate="print"/>
           <a:srcRect/>
           <a:stretch>
             <a:fillRect/>
@@ -26702,7 +29435,7 @@
           <p:nvPr/>
         </p:nvPicPr>
         <p:blipFill>
-          <a:blip r:embed="rId5" cstate="print"/>
+          <a:blip r:embed="rId6" cstate="print"/>
           <a:srcRect t="18338" b="30086"/>
           <a:stretch>
             <a:fillRect/>
@@ -27205,6 +29938,100 @@
               <a:effectLst/>
               <a:latin typeface="Arial" pitchFamily="34" charset="0"/>
               <a:cs typeface="Arial" pitchFamily="34" charset="0"/>
+            </a:endParaRPr>
+          </a:p>
+        </p:txBody>
+      </p:sp>
+      <p:sp>
+        <p:nvSpPr>
+          <p:cNvPr id="17" name="16 Corchetes"/>
+          <p:cNvSpPr/>
+          <p:nvPr/>
+        </p:nvSpPr>
+        <p:spPr>
+          <a:xfrm>
+            <a:off x="2730856" y="4293096"/>
+            <a:ext cx="1224136" cy="504056"/>
+          </a:xfrm>
+          <a:prstGeom prst="bracketPair">
+            <a:avLst/>
+          </a:prstGeom>
+          <a:ln w="38100">
+            <a:solidFill>
+              <a:srgbClr val="92D050"/>
+            </a:solidFill>
+          </a:ln>
+        </p:spPr>
+        <p:style>
+          <a:lnRef idx="1">
+            <a:schemeClr val="accent1"/>
+          </a:lnRef>
+          <a:fillRef idx="0">
+            <a:schemeClr val="accent1"/>
+          </a:fillRef>
+          <a:effectRef idx="0">
+            <a:schemeClr val="accent1"/>
+          </a:effectRef>
+          <a:fontRef idx="minor">
+            <a:schemeClr val="tx1"/>
+          </a:fontRef>
+        </p:style>
+        <p:txBody>
+          <a:bodyPr rtlCol="0" anchor="ctr"/>
+          <a:lstStyle/>
+          <a:p>
+            <a:pPr algn="ctr"/>
+            <a:endParaRPr lang="es-CO" dirty="0">
+              <a:solidFill>
+                <a:srgbClr val="FF0000"/>
+              </a:solidFill>
+            </a:endParaRPr>
+          </a:p>
+        </p:txBody>
+      </p:sp>
+      <p:sp>
+        <p:nvSpPr>
+          <p:cNvPr id="18" name="17 Corchetes"/>
+          <p:cNvSpPr/>
+          <p:nvPr/>
+        </p:nvSpPr>
+        <p:spPr>
+          <a:xfrm>
+            <a:off x="5292080" y="4293096"/>
+            <a:ext cx="1224136" cy="504056"/>
+          </a:xfrm>
+          <a:prstGeom prst="bracketPair">
+            <a:avLst/>
+          </a:prstGeom>
+          <a:ln w="38100">
+            <a:solidFill>
+              <a:srgbClr val="92D050"/>
+            </a:solidFill>
+          </a:ln>
+        </p:spPr>
+        <p:style>
+          <a:lnRef idx="1">
+            <a:schemeClr val="accent1"/>
+          </a:lnRef>
+          <a:fillRef idx="0">
+            <a:schemeClr val="accent1"/>
+          </a:fillRef>
+          <a:effectRef idx="0">
+            <a:schemeClr val="accent1"/>
+          </a:effectRef>
+          <a:fontRef idx="minor">
+            <a:schemeClr val="tx1"/>
+          </a:fontRef>
+        </p:style>
+        <p:txBody>
+          <a:bodyPr rtlCol="0" anchor="ctr"/>
+          <a:lstStyle/>
+          <a:p>
+            <a:pPr algn="ctr"/>
+            <a:endParaRPr lang="es-CO" dirty="0">
+              <a:solidFill>
+                <a:srgbClr val="FF0000"/>
+              </a:solidFill>
             </a:endParaRPr>
           </a:p>
         </p:txBody>
@@ -28739,8 +31566,8 @@
           <p:nvPr/>
         </p:nvGraphicFramePr>
         <p:xfrm>
-          <a:off x="899592" y="1813272"/>
-          <a:ext cx="7620000" cy="4064000"/>
+          <a:off x="755576" y="1772816"/>
+          <a:ext cx="7620000" cy="4352032"/>
         </p:xfrm>
         <a:graphic>
           <a:graphicData uri="http://schemas.openxmlformats.org/drawingml/2006/diagram">
@@ -29110,6 +31937,22 @@
           </a:p>
         </p:txBody>
       </p:sp>
+      <p:graphicFrame>
+        <p:nvGraphicFramePr>
+          <p:cNvPr id="15" name="14 Diagrama"/>
+          <p:cNvGraphicFramePr/>
+          <p:nvPr/>
+        </p:nvGraphicFramePr>
+        <p:xfrm>
+          <a:off x="755576" y="2060848"/>
+          <a:ext cx="7620000" cy="3096344"/>
+        </p:xfrm>
+        <a:graphic>
+          <a:graphicData uri="http://schemas.openxmlformats.org/drawingml/2006/diagram">
+            <dgm:relIds xmlns:dgm="http://schemas.openxmlformats.org/drawingml/2006/diagram" xmlns:r="http://schemas.openxmlformats.org/officeDocument/2006/relationships" r:dm="rId6" r:lo="rId7" r:qs="rId8" r:cs="rId9"/>
+          </a:graphicData>
+        </a:graphic>
+      </p:graphicFrame>
     </p:spTree>
     <p:extLst>
       <p:ext uri="{BB962C8B-B14F-4D97-AF65-F5344CB8AC3E}">
